--- a/graphAlgorithms/ecolor/figs.pptx
+++ b/graphAlgorithms/ecolor/figs.pptx
@@ -6,14 +6,17 @@
     <p:sldMasterId id="2147483651" r:id="rId2"/>
   </p:sldMasterIdLst>
   <p:notesMasterIdLst>
-    <p:notesMasterId r:id="rId5"/>
+    <p:notesMasterId r:id="rId8"/>
   </p:notesMasterIdLst>
   <p:handoutMasterIdLst>
-    <p:handoutMasterId r:id="rId6"/>
+    <p:handoutMasterId r:id="rId9"/>
   </p:handoutMasterIdLst>
   <p:sldIdLst>
     <p:sldId id="743" r:id="rId3"/>
-    <p:sldId id="744" r:id="rId4"/>
+    <p:sldId id="745" r:id="rId4"/>
+    <p:sldId id="746" r:id="rId5"/>
+    <p:sldId id="747" r:id="rId6"/>
+    <p:sldId id="744" r:id="rId7"/>
   </p:sldIdLst>
   <p:sldSz cx="9144000" cy="6858000" type="letter"/>
   <p:notesSz cx="6985000" cy="9283700"/>
@@ -1001,10 +1004,277 @@
           <a:bodyPr/>
           <a:lstStyle/>
           <a:p>
+            <a:fld id="{75FCB6E0-B47C-47A4-BE17-A4D81E87DC7F}" type="slidenum">
+              <a:rPr lang="en-US"/>
+              <a:pPr/>
+              <a:t>2</a:t>
+            </a:fld>
+            <a:endParaRPr lang="en-US"/>
+          </a:p>
+        </p:txBody>
+      </p:sp>
+      <p:sp>
+        <p:nvSpPr>
+          <p:cNvPr id="581634" name="Rectangle 2"/>
+          <p:cNvSpPr>
+            <a:spLocks noGrp="1" noRot="1" noChangeAspect="1" noChangeArrowheads="1" noTextEdit="1"/>
+          </p:cNvSpPr>
+          <p:nvPr>
+            <p:ph type="sldImg"/>
+          </p:nvPr>
+        </p:nvSpPr>
+        <p:spPr>
+          <a:ln/>
+        </p:spPr>
+      </p:sp>
+      <p:sp>
+        <p:nvSpPr>
+          <p:cNvPr id="581635" name="Rectangle 3"/>
+          <p:cNvSpPr>
+            <a:spLocks noGrp="1" noChangeArrowheads="1"/>
+          </p:cNvSpPr>
+          <p:nvPr>
+            <p:ph type="body" idx="1"/>
+          </p:nvPr>
+        </p:nvSpPr>
+        <p:spPr/>
+        <p:txBody>
+          <a:bodyPr/>
+          <a:lstStyle/>
+          <a:p>
+            <a:endParaRPr lang="en-US"/>
+          </a:p>
+        </p:txBody>
+      </p:sp>
+    </p:spTree>
+    <p:extLst>
+      <p:ext uri="{BB962C8B-B14F-4D97-AF65-F5344CB8AC3E}">
+        <p14:creationId xmlns:p14="http://schemas.microsoft.com/office/powerpoint/2010/main" val="3691388586"/>
+      </p:ext>
+    </p:extLst>
+  </p:cSld>
+  <p:clrMapOvr>
+    <a:masterClrMapping/>
+  </p:clrMapOvr>
+</p:notes>
+</file>
+
+<file path=ppt/notesSlides/notesSlide3.xml><?xml version="1.0" encoding="utf-8"?>
+<p:notes xmlns:a="http://schemas.openxmlformats.org/drawingml/2006/main" xmlns:r="http://schemas.openxmlformats.org/officeDocument/2006/relationships" xmlns:p="http://schemas.openxmlformats.org/presentationml/2006/main">
+  <p:cSld>
+    <p:spTree>
+      <p:nvGrpSpPr>
+        <p:cNvPr id="1" name=""/>
+        <p:cNvGrpSpPr/>
+        <p:nvPr/>
+      </p:nvGrpSpPr>
+      <p:grpSpPr>
+        <a:xfrm>
+          <a:off x="0" y="0"/>
+          <a:ext cx="0" cy="0"/>
+          <a:chOff x="0" y="0"/>
+          <a:chExt cx="0" cy="0"/>
+        </a:xfrm>
+      </p:grpSpPr>
+      <p:sp>
+        <p:nvSpPr>
+          <p:cNvPr id="7" name="Rectangle 7"/>
+          <p:cNvSpPr>
+            <a:spLocks noGrp="1" noChangeArrowheads="1"/>
+          </p:cNvSpPr>
+          <p:nvPr>
+            <p:ph type="sldNum" sz="quarter" idx="5"/>
+          </p:nvPr>
+        </p:nvSpPr>
+        <p:spPr>
+          <a:ln/>
+        </p:spPr>
+        <p:txBody>
+          <a:bodyPr/>
+          <a:lstStyle/>
+          <a:p>
+            <a:fld id="{75FCB6E0-B47C-47A4-BE17-A4D81E87DC7F}" type="slidenum">
+              <a:rPr lang="en-US"/>
+              <a:pPr/>
+              <a:t>3</a:t>
+            </a:fld>
+            <a:endParaRPr lang="en-US"/>
+          </a:p>
+        </p:txBody>
+      </p:sp>
+      <p:sp>
+        <p:nvSpPr>
+          <p:cNvPr id="581634" name="Rectangle 2"/>
+          <p:cNvSpPr>
+            <a:spLocks noGrp="1" noRot="1" noChangeAspect="1" noChangeArrowheads="1" noTextEdit="1"/>
+          </p:cNvSpPr>
+          <p:nvPr>
+            <p:ph type="sldImg"/>
+          </p:nvPr>
+        </p:nvSpPr>
+        <p:spPr>
+          <a:ln/>
+        </p:spPr>
+      </p:sp>
+      <p:sp>
+        <p:nvSpPr>
+          <p:cNvPr id="581635" name="Rectangle 3"/>
+          <p:cNvSpPr>
+            <a:spLocks noGrp="1" noChangeArrowheads="1"/>
+          </p:cNvSpPr>
+          <p:nvPr>
+            <p:ph type="body" idx="1"/>
+          </p:nvPr>
+        </p:nvSpPr>
+        <p:spPr/>
+        <p:txBody>
+          <a:bodyPr/>
+          <a:lstStyle/>
+          <a:p>
+            <a:endParaRPr lang="en-US"/>
+          </a:p>
+        </p:txBody>
+      </p:sp>
+    </p:spTree>
+    <p:extLst>
+      <p:ext uri="{BB962C8B-B14F-4D97-AF65-F5344CB8AC3E}">
+        <p14:creationId xmlns:p14="http://schemas.microsoft.com/office/powerpoint/2010/main" val="1023754878"/>
+      </p:ext>
+    </p:extLst>
+  </p:cSld>
+  <p:clrMapOvr>
+    <a:masterClrMapping/>
+  </p:clrMapOvr>
+</p:notes>
+</file>
+
+<file path=ppt/notesSlides/notesSlide4.xml><?xml version="1.0" encoding="utf-8"?>
+<p:notes xmlns:a="http://schemas.openxmlformats.org/drawingml/2006/main" xmlns:r="http://schemas.openxmlformats.org/officeDocument/2006/relationships" xmlns:p="http://schemas.openxmlformats.org/presentationml/2006/main">
+  <p:cSld>
+    <p:spTree>
+      <p:nvGrpSpPr>
+        <p:cNvPr id="1" name=""/>
+        <p:cNvGrpSpPr/>
+        <p:nvPr/>
+      </p:nvGrpSpPr>
+      <p:grpSpPr>
+        <a:xfrm>
+          <a:off x="0" y="0"/>
+          <a:ext cx="0" cy="0"/>
+          <a:chOff x="0" y="0"/>
+          <a:chExt cx="0" cy="0"/>
+        </a:xfrm>
+      </p:grpSpPr>
+      <p:sp>
+        <p:nvSpPr>
+          <p:cNvPr id="7" name="Rectangle 7"/>
+          <p:cNvSpPr>
+            <a:spLocks noGrp="1" noChangeArrowheads="1"/>
+          </p:cNvSpPr>
+          <p:nvPr>
+            <p:ph type="sldNum" sz="quarter" idx="5"/>
+          </p:nvPr>
+        </p:nvSpPr>
+        <p:spPr>
+          <a:ln/>
+        </p:spPr>
+        <p:txBody>
+          <a:bodyPr/>
+          <a:lstStyle/>
+          <a:p>
+            <a:fld id="{75FCB6E0-B47C-47A4-BE17-A4D81E87DC7F}" type="slidenum">
+              <a:rPr lang="en-US"/>
+              <a:pPr/>
+              <a:t>4</a:t>
+            </a:fld>
+            <a:endParaRPr lang="en-US"/>
+          </a:p>
+        </p:txBody>
+      </p:sp>
+      <p:sp>
+        <p:nvSpPr>
+          <p:cNvPr id="581634" name="Rectangle 2"/>
+          <p:cNvSpPr>
+            <a:spLocks noGrp="1" noRot="1" noChangeAspect="1" noChangeArrowheads="1" noTextEdit="1"/>
+          </p:cNvSpPr>
+          <p:nvPr>
+            <p:ph type="sldImg"/>
+          </p:nvPr>
+        </p:nvSpPr>
+        <p:spPr>
+          <a:ln/>
+        </p:spPr>
+      </p:sp>
+      <p:sp>
+        <p:nvSpPr>
+          <p:cNvPr id="581635" name="Rectangle 3"/>
+          <p:cNvSpPr>
+            <a:spLocks noGrp="1" noChangeArrowheads="1"/>
+          </p:cNvSpPr>
+          <p:nvPr>
+            <p:ph type="body" idx="1"/>
+          </p:nvPr>
+        </p:nvSpPr>
+        <p:spPr/>
+        <p:txBody>
+          <a:bodyPr/>
+          <a:lstStyle/>
+          <a:p>
+            <a:endParaRPr lang="en-US"/>
+          </a:p>
+        </p:txBody>
+      </p:sp>
+    </p:spTree>
+    <p:extLst>
+      <p:ext uri="{BB962C8B-B14F-4D97-AF65-F5344CB8AC3E}">
+        <p14:creationId xmlns:p14="http://schemas.microsoft.com/office/powerpoint/2010/main" val="313239554"/>
+      </p:ext>
+    </p:extLst>
+  </p:cSld>
+  <p:clrMapOvr>
+    <a:masterClrMapping/>
+  </p:clrMapOvr>
+</p:notes>
+</file>
+
+<file path=ppt/notesSlides/notesSlide5.xml><?xml version="1.0" encoding="utf-8"?>
+<p:notes xmlns:a="http://schemas.openxmlformats.org/drawingml/2006/main" xmlns:r="http://schemas.openxmlformats.org/officeDocument/2006/relationships" xmlns:p="http://schemas.openxmlformats.org/presentationml/2006/main">
+  <p:cSld>
+    <p:spTree>
+      <p:nvGrpSpPr>
+        <p:cNvPr id="1" name=""/>
+        <p:cNvGrpSpPr/>
+        <p:nvPr/>
+      </p:nvGrpSpPr>
+      <p:grpSpPr>
+        <a:xfrm>
+          <a:off x="0" y="0"/>
+          <a:ext cx="0" cy="0"/>
+          <a:chOff x="0" y="0"/>
+          <a:chExt cx="0" cy="0"/>
+        </a:xfrm>
+      </p:grpSpPr>
+      <p:sp>
+        <p:nvSpPr>
+          <p:cNvPr id="7" name="Rectangle 7"/>
+          <p:cNvSpPr>
+            <a:spLocks noGrp="1" noChangeArrowheads="1"/>
+          </p:cNvSpPr>
+          <p:nvPr>
+            <p:ph type="sldNum" sz="quarter" idx="5"/>
+          </p:nvPr>
+        </p:nvSpPr>
+        <p:spPr>
+          <a:ln/>
+        </p:spPr>
+        <p:txBody>
+          <a:bodyPr/>
+          <a:lstStyle/>
+          <a:p>
             <a:fld id="{23913E3E-D4D3-4C25-A31B-4FD5D8B95C82}" type="slidenum">
               <a:rPr lang="en-US"/>
               <a:pPr/>
-              <a:t>2</a:t>
+              <a:t>5</a:t>
             </a:fld>
             <a:endParaRPr lang="en-US"/>
           </a:p>
@@ -17315,6 +17585,7763 @@
           <a:chExt cx="0" cy="0"/>
         </a:xfrm>
       </p:grpSpPr>
+      <p:sp>
+        <p:nvSpPr>
+          <p:cNvPr id="429058" name="Rectangle 2"/>
+          <p:cNvSpPr>
+            <a:spLocks noGrp="1" noChangeArrowheads="1"/>
+          </p:cNvSpPr>
+          <p:nvPr>
+            <p:ph type="title"/>
+          </p:nvPr>
+        </p:nvSpPr>
+        <p:spPr/>
+        <p:txBody>
+          <a:bodyPr/>
+          <a:lstStyle/>
+          <a:p>
+            <a:r>
+              <a:rPr lang="en-US" dirty="0"/>
+              <a:t>recolor</a:t>
+            </a:r>
+          </a:p>
+        </p:txBody>
+      </p:sp>
+      <p:grpSp>
+        <p:nvGrpSpPr>
+          <p:cNvPr id="429128" name="Group 429127">
+            <a:extLst>
+              <a:ext uri="{FF2B5EF4-FFF2-40B4-BE49-F238E27FC236}">
+                <a16:creationId xmlns:a16="http://schemas.microsoft.com/office/drawing/2014/main" id="{7AD0B483-DE9B-C9E1-ABBB-5F8B1BC19A9E}"/>
+              </a:ext>
+            </a:extLst>
+          </p:cNvPr>
+          <p:cNvGrpSpPr/>
+          <p:nvPr/>
+        </p:nvGrpSpPr>
+        <p:grpSpPr>
+          <a:xfrm>
+            <a:off x="873077" y="1915237"/>
+            <a:ext cx="5833955" cy="942467"/>
+            <a:chOff x="873077" y="1915237"/>
+            <a:chExt cx="5833955" cy="942467"/>
+          </a:xfrm>
+        </p:grpSpPr>
+        <p:sp>
+          <p:nvSpPr>
+            <p:cNvPr id="36" name="Oval 35"/>
+            <p:cNvSpPr/>
+            <p:nvPr/>
+          </p:nvSpPr>
+          <p:spPr bwMode="auto">
+            <a:xfrm>
+              <a:off x="1569247" y="1915237"/>
+              <a:ext cx="216284" cy="216284"/>
+            </a:xfrm>
+            <a:prstGeom prst="ellipse">
+              <a:avLst/>
+            </a:prstGeom>
+            <a:solidFill>
+              <a:srgbClr val="CCFFCC"/>
+            </a:solidFill>
+            <a:ln w="12700" cap="flat" cmpd="sng" algn="ctr">
+              <a:solidFill>
+                <a:schemeClr val="tx1"/>
+              </a:solidFill>
+              <a:prstDash val="solid"/>
+              <a:round/>
+              <a:headEnd type="none" w="sm" len="sm"/>
+              <a:tailEnd type="none" w="sm" len="sm"/>
+            </a:ln>
+            <a:effectLst/>
+          </p:spPr>
+          <p:txBody>
+            <a:bodyPr vert="horz" wrap="square" lIns="91440" tIns="45720" rIns="91440" bIns="45720" numCol="1" rtlCol="0" anchor="ctr" anchorCtr="0" compatLnSpc="1">
+              <a:prstTxWarp prst="textNoShape">
+                <a:avLst/>
+              </a:prstTxWarp>
+            </a:bodyPr>
+            <a:lstStyle/>
+            <a:p>
+              <a:pPr marL="0" marR="0" indent="0" algn="ctr" defTabSz="914400" rtl="0" eaLnBrk="0" fontAlgn="base" latinLnBrk="0" hangingPunct="0">
+                <a:lnSpc>
+                  <a:spcPct val="100000"/>
+                </a:lnSpc>
+                <a:spcBef>
+                  <a:spcPct val="0"/>
+                </a:spcBef>
+                <a:spcAft>
+                  <a:spcPct val="0"/>
+                </a:spcAft>
+                <a:buClrTx/>
+                <a:buSzTx/>
+                <a:buFontTx/>
+                <a:buNone/>
+                <a:tabLst/>
+              </a:pPr>
+              <a:r>
+                <a:rPr kumimoji="0" lang="en-US" sz="1200" b="0" i="1" u="none" strike="noStrike" cap="none" normalizeH="0" baseline="0" dirty="0">
+                  <a:ln>
+                    <a:noFill/>
+                  </a:ln>
+                  <a:solidFill>
+                    <a:schemeClr val="tx2"/>
+                  </a:solidFill>
+                  <a:effectLst/>
+                  <a:latin typeface="Verdana" panose="020B0604030504040204" pitchFamily="34" charset="0"/>
+                  <a:ea typeface="Verdana" panose="020B0604030504040204" pitchFamily="34" charset="0"/>
+                  <a:cs typeface="Verdana" panose="020B0604030504040204" pitchFamily="34" charset="0"/>
+                </a:rPr>
+                <a:t>b</a:t>
+              </a:r>
+            </a:p>
+          </p:txBody>
+        </p:sp>
+        <p:sp>
+          <p:nvSpPr>
+            <p:cNvPr id="37" name="Oval 36"/>
+            <p:cNvSpPr/>
+            <p:nvPr/>
+          </p:nvSpPr>
+          <p:spPr bwMode="auto">
+            <a:xfrm>
+              <a:off x="873077" y="2641420"/>
+              <a:ext cx="216284" cy="216284"/>
+            </a:xfrm>
+            <a:prstGeom prst="ellipse">
+              <a:avLst/>
+            </a:prstGeom>
+            <a:solidFill>
+              <a:srgbClr val="CCFFCC"/>
+            </a:solidFill>
+            <a:ln w="12700" cap="flat" cmpd="sng" algn="ctr">
+              <a:solidFill>
+                <a:schemeClr val="tx1"/>
+              </a:solidFill>
+              <a:prstDash val="solid"/>
+              <a:round/>
+              <a:headEnd type="none" w="sm" len="sm"/>
+              <a:tailEnd type="none" w="sm" len="sm"/>
+            </a:ln>
+            <a:effectLst/>
+          </p:spPr>
+          <p:txBody>
+            <a:bodyPr vert="horz" wrap="square" lIns="91440" tIns="45720" rIns="91440" bIns="45720" numCol="1" rtlCol="0" anchor="ctr" anchorCtr="0" compatLnSpc="1">
+              <a:prstTxWarp prst="textNoShape">
+                <a:avLst/>
+              </a:prstTxWarp>
+            </a:bodyPr>
+            <a:lstStyle/>
+            <a:p>
+              <a:pPr marL="0" marR="0" indent="0" algn="ctr" defTabSz="914400" rtl="0" eaLnBrk="0" fontAlgn="base" latinLnBrk="0" hangingPunct="0">
+                <a:lnSpc>
+                  <a:spcPct val="100000"/>
+                </a:lnSpc>
+                <a:spcBef>
+                  <a:spcPct val="0"/>
+                </a:spcBef>
+                <a:spcAft>
+                  <a:spcPct val="0"/>
+                </a:spcAft>
+                <a:buClrTx/>
+                <a:buSzTx/>
+                <a:buFontTx/>
+                <a:buNone/>
+                <a:tabLst/>
+              </a:pPr>
+              <a:r>
+                <a:rPr kumimoji="0" lang="en-US" sz="1200" b="0" i="1" u="none" strike="noStrike" cap="none" normalizeH="0" baseline="0" dirty="0">
+                  <a:ln>
+                    <a:noFill/>
+                  </a:ln>
+                  <a:solidFill>
+                    <a:schemeClr val="tx2"/>
+                  </a:solidFill>
+                  <a:effectLst/>
+                  <a:latin typeface="Verdana" panose="020B0604030504040204" pitchFamily="34" charset="0"/>
+                  <a:ea typeface="Verdana" panose="020B0604030504040204" pitchFamily="34" charset="0"/>
+                  <a:cs typeface="Verdana" panose="020B0604030504040204" pitchFamily="34" charset="0"/>
+                </a:rPr>
+                <a:t>c</a:t>
+              </a:r>
+            </a:p>
+          </p:txBody>
+        </p:sp>
+        <p:sp>
+          <p:nvSpPr>
+            <p:cNvPr id="38" name="Oval 37"/>
+            <p:cNvSpPr/>
+            <p:nvPr/>
+          </p:nvSpPr>
+          <p:spPr bwMode="auto">
+            <a:xfrm>
+              <a:off x="3049871" y="1915237"/>
+              <a:ext cx="216284" cy="216284"/>
+            </a:xfrm>
+            <a:prstGeom prst="ellipse">
+              <a:avLst/>
+            </a:prstGeom>
+            <a:solidFill>
+              <a:srgbClr val="CCFFCC"/>
+            </a:solidFill>
+            <a:ln w="12700" cap="flat" cmpd="sng" algn="ctr">
+              <a:solidFill>
+                <a:schemeClr val="tx1"/>
+              </a:solidFill>
+              <a:prstDash val="solid"/>
+              <a:round/>
+              <a:headEnd type="none" w="sm" len="sm"/>
+              <a:tailEnd type="none" w="sm" len="sm"/>
+            </a:ln>
+            <a:effectLst/>
+          </p:spPr>
+          <p:txBody>
+            <a:bodyPr vert="horz" wrap="square" lIns="91440" tIns="45720" rIns="91440" bIns="45720" numCol="1" rtlCol="0" anchor="ctr" anchorCtr="0" compatLnSpc="1">
+              <a:prstTxWarp prst="textNoShape">
+                <a:avLst/>
+              </a:prstTxWarp>
+            </a:bodyPr>
+            <a:lstStyle/>
+            <a:p>
+              <a:pPr marL="0" marR="0" indent="0" algn="ctr" defTabSz="914400" rtl="0" eaLnBrk="0" fontAlgn="base" latinLnBrk="0" hangingPunct="0">
+                <a:lnSpc>
+                  <a:spcPct val="100000"/>
+                </a:lnSpc>
+                <a:spcBef>
+                  <a:spcPct val="0"/>
+                </a:spcBef>
+                <a:spcAft>
+                  <a:spcPct val="0"/>
+                </a:spcAft>
+                <a:buClrTx/>
+                <a:buSzTx/>
+                <a:buFontTx/>
+                <a:buNone/>
+                <a:tabLst/>
+              </a:pPr>
+              <a:r>
+                <a:rPr kumimoji="0" lang="en-US" sz="1200" b="0" i="1" u="none" strike="noStrike" cap="none" normalizeH="0" baseline="0" dirty="0">
+                  <a:ln>
+                    <a:noFill/>
+                  </a:ln>
+                  <a:solidFill>
+                    <a:schemeClr val="tx2"/>
+                  </a:solidFill>
+                  <a:effectLst/>
+                  <a:latin typeface="Verdana" panose="020B0604030504040204" pitchFamily="34" charset="0"/>
+                  <a:ea typeface="Verdana" panose="020B0604030504040204" pitchFamily="34" charset="0"/>
+                  <a:cs typeface="Verdana" panose="020B0604030504040204" pitchFamily="34" charset="0"/>
+                </a:rPr>
+                <a:t>f</a:t>
+              </a:r>
+            </a:p>
+          </p:txBody>
+        </p:sp>
+        <p:sp>
+          <p:nvSpPr>
+            <p:cNvPr id="39" name="Oval 38"/>
+            <p:cNvSpPr/>
+            <p:nvPr/>
+          </p:nvSpPr>
+          <p:spPr bwMode="auto">
+            <a:xfrm>
+              <a:off x="874383" y="1915237"/>
+              <a:ext cx="216284" cy="216284"/>
+            </a:xfrm>
+            <a:prstGeom prst="ellipse">
+              <a:avLst/>
+            </a:prstGeom>
+            <a:solidFill>
+              <a:srgbClr val="CCFFCC"/>
+            </a:solidFill>
+            <a:ln w="12700" cap="flat" cmpd="sng" algn="ctr">
+              <a:solidFill>
+                <a:schemeClr val="tx1"/>
+              </a:solidFill>
+              <a:prstDash val="solid"/>
+              <a:round/>
+              <a:headEnd type="none" w="sm" len="sm"/>
+              <a:tailEnd type="none" w="sm" len="sm"/>
+            </a:ln>
+            <a:effectLst/>
+          </p:spPr>
+          <p:txBody>
+            <a:bodyPr vert="horz" wrap="square" lIns="91440" tIns="45720" rIns="91440" bIns="45720" numCol="1" rtlCol="0" anchor="ctr" anchorCtr="0" compatLnSpc="1">
+              <a:prstTxWarp prst="textNoShape">
+                <a:avLst/>
+              </a:prstTxWarp>
+            </a:bodyPr>
+            <a:lstStyle/>
+            <a:p>
+              <a:pPr marL="0" marR="0" indent="0" algn="ctr" defTabSz="914400" rtl="0" eaLnBrk="0" fontAlgn="base" latinLnBrk="0" hangingPunct="0">
+                <a:lnSpc>
+                  <a:spcPct val="100000"/>
+                </a:lnSpc>
+                <a:spcBef>
+                  <a:spcPct val="0"/>
+                </a:spcBef>
+                <a:spcAft>
+                  <a:spcPct val="0"/>
+                </a:spcAft>
+                <a:buClrTx/>
+                <a:buSzTx/>
+                <a:buFontTx/>
+                <a:buNone/>
+                <a:tabLst/>
+              </a:pPr>
+              <a:r>
+                <a:rPr kumimoji="0" lang="en-US" sz="1200" b="0" i="1" u="none" strike="noStrike" cap="none" normalizeH="0" baseline="0" dirty="0">
+                  <a:ln>
+                    <a:noFill/>
+                  </a:ln>
+                  <a:solidFill>
+                    <a:schemeClr val="tx2"/>
+                  </a:solidFill>
+                  <a:effectLst/>
+                  <a:latin typeface="Verdana" panose="020B0604030504040204" pitchFamily="34" charset="0"/>
+                  <a:ea typeface="Verdana" panose="020B0604030504040204" pitchFamily="34" charset="0"/>
+                  <a:cs typeface="Verdana" panose="020B0604030504040204" pitchFamily="34" charset="0"/>
+                </a:rPr>
+                <a:t>a</a:t>
+              </a:r>
+            </a:p>
+          </p:txBody>
+        </p:sp>
+        <p:sp>
+          <p:nvSpPr>
+            <p:cNvPr id="40" name="Oval 39"/>
+            <p:cNvSpPr/>
+            <p:nvPr/>
+          </p:nvSpPr>
+          <p:spPr bwMode="auto">
+            <a:xfrm>
+              <a:off x="2297091" y="2641420"/>
+              <a:ext cx="216284" cy="216284"/>
+            </a:xfrm>
+            <a:prstGeom prst="ellipse">
+              <a:avLst/>
+            </a:prstGeom>
+            <a:solidFill>
+              <a:srgbClr val="CCFFCC"/>
+            </a:solidFill>
+            <a:ln w="12700" cap="flat" cmpd="sng" algn="ctr">
+              <a:solidFill>
+                <a:schemeClr val="tx1"/>
+              </a:solidFill>
+              <a:prstDash val="solid"/>
+              <a:round/>
+              <a:headEnd type="none" w="sm" len="sm"/>
+              <a:tailEnd type="none" w="sm" len="sm"/>
+            </a:ln>
+            <a:effectLst/>
+          </p:spPr>
+          <p:txBody>
+            <a:bodyPr vert="horz" wrap="square" lIns="91440" tIns="45720" rIns="91440" bIns="45720" numCol="1" rtlCol="0" anchor="ctr" anchorCtr="0" compatLnSpc="1">
+              <a:prstTxWarp prst="textNoShape">
+                <a:avLst/>
+              </a:prstTxWarp>
+            </a:bodyPr>
+            <a:lstStyle/>
+            <a:p>
+              <a:pPr marL="0" marR="0" indent="0" algn="ctr" defTabSz="914400" rtl="0" eaLnBrk="0" fontAlgn="base" latinLnBrk="0" hangingPunct="0">
+                <a:lnSpc>
+                  <a:spcPct val="100000"/>
+                </a:lnSpc>
+                <a:spcBef>
+                  <a:spcPct val="0"/>
+                </a:spcBef>
+                <a:spcAft>
+                  <a:spcPct val="0"/>
+                </a:spcAft>
+                <a:buClrTx/>
+                <a:buSzTx/>
+                <a:buFontTx/>
+                <a:buNone/>
+                <a:tabLst/>
+              </a:pPr>
+              <a:r>
+                <a:rPr kumimoji="0" lang="en-US" sz="1200" b="0" i="1" u="none" strike="noStrike" cap="none" normalizeH="0" baseline="0" dirty="0">
+                  <a:ln>
+                    <a:noFill/>
+                  </a:ln>
+                  <a:solidFill>
+                    <a:schemeClr val="tx2"/>
+                  </a:solidFill>
+                  <a:effectLst/>
+                  <a:latin typeface="Verdana" panose="020B0604030504040204" pitchFamily="34" charset="0"/>
+                  <a:ea typeface="Verdana" panose="020B0604030504040204" pitchFamily="34" charset="0"/>
+                  <a:cs typeface="Verdana" panose="020B0604030504040204" pitchFamily="34" charset="0"/>
+                </a:rPr>
+                <a:t>g</a:t>
+              </a:r>
+            </a:p>
+          </p:txBody>
+        </p:sp>
+        <p:sp>
+          <p:nvSpPr>
+            <p:cNvPr id="41" name="Oval 40"/>
+            <p:cNvSpPr/>
+            <p:nvPr/>
+          </p:nvSpPr>
+          <p:spPr bwMode="auto">
+            <a:xfrm>
+              <a:off x="1572240" y="2641420"/>
+              <a:ext cx="216284" cy="216284"/>
+            </a:xfrm>
+            <a:prstGeom prst="ellipse">
+              <a:avLst/>
+            </a:prstGeom>
+            <a:solidFill>
+              <a:srgbClr val="CCFFCC"/>
+            </a:solidFill>
+            <a:ln w="12700" cap="flat" cmpd="sng" algn="ctr">
+              <a:solidFill>
+                <a:schemeClr val="tx1"/>
+              </a:solidFill>
+              <a:prstDash val="solid"/>
+              <a:round/>
+              <a:headEnd type="none" w="sm" len="sm"/>
+              <a:tailEnd type="none" w="sm" len="sm"/>
+            </a:ln>
+            <a:effectLst/>
+          </p:spPr>
+          <p:txBody>
+            <a:bodyPr vert="horz" wrap="square" lIns="91440" tIns="45720" rIns="91440" bIns="45720" numCol="1" rtlCol="0" anchor="ctr" anchorCtr="0" compatLnSpc="1">
+              <a:prstTxWarp prst="textNoShape">
+                <a:avLst/>
+              </a:prstTxWarp>
+            </a:bodyPr>
+            <a:lstStyle/>
+            <a:p>
+              <a:pPr marL="0" marR="0" indent="0" algn="ctr" defTabSz="914400" rtl="0" eaLnBrk="0" fontAlgn="base" latinLnBrk="0" hangingPunct="0">
+                <a:lnSpc>
+                  <a:spcPct val="100000"/>
+                </a:lnSpc>
+                <a:spcBef>
+                  <a:spcPct val="0"/>
+                </a:spcBef>
+                <a:spcAft>
+                  <a:spcPct val="0"/>
+                </a:spcAft>
+                <a:buClrTx/>
+                <a:buSzTx/>
+                <a:buFontTx/>
+                <a:buNone/>
+                <a:tabLst/>
+              </a:pPr>
+              <a:r>
+                <a:rPr lang="en-US" sz="1200" i="1" dirty="0">
+                  <a:latin typeface="Verdana" panose="020B0604030504040204" pitchFamily="34" charset="0"/>
+                  <a:ea typeface="Verdana" panose="020B0604030504040204" pitchFamily="34" charset="0"/>
+                  <a:cs typeface="Verdana" panose="020B0604030504040204" pitchFamily="34" charset="0"/>
+                </a:rPr>
+                <a:t>d</a:t>
+              </a:r>
+              <a:endParaRPr kumimoji="0" lang="en-US" sz="1200" b="0" i="1" u="none" strike="noStrike" cap="none" normalizeH="0" baseline="0" dirty="0">
+                <a:ln>
+                  <a:noFill/>
+                </a:ln>
+                <a:solidFill>
+                  <a:schemeClr val="tx2"/>
+                </a:solidFill>
+                <a:effectLst/>
+                <a:latin typeface="Verdana" panose="020B0604030504040204" pitchFamily="34" charset="0"/>
+                <a:ea typeface="Verdana" panose="020B0604030504040204" pitchFamily="34" charset="0"/>
+                <a:cs typeface="Verdana" panose="020B0604030504040204" pitchFamily="34" charset="0"/>
+              </a:endParaRPr>
+            </a:p>
+          </p:txBody>
+        </p:sp>
+        <p:cxnSp>
+          <p:nvCxnSpPr>
+            <p:cNvPr id="42" name="Straight Connector 41"/>
+            <p:cNvCxnSpPr>
+              <a:cxnSpLocks/>
+              <a:stCxn id="40" idx="6"/>
+              <a:endCxn id="14" idx="2"/>
+            </p:cNvCxnSpPr>
+            <p:nvPr/>
+          </p:nvCxnSpPr>
+          <p:spPr bwMode="auto">
+            <a:xfrm>
+              <a:off x="2513375" y="2749562"/>
+              <a:ext cx="533301" cy="0"/>
+            </a:xfrm>
+            <a:prstGeom prst="line">
+              <a:avLst/>
+            </a:prstGeom>
+            <a:solidFill>
+              <a:schemeClr val="accent1"/>
+            </a:solidFill>
+            <a:ln w="44450" cap="flat" cmpd="sng" algn="ctr">
+              <a:solidFill>
+                <a:srgbClr val="00B0F0"/>
+              </a:solidFill>
+              <a:prstDash val="solid"/>
+              <a:round/>
+              <a:headEnd type="none" w="sm" len="sm"/>
+              <a:tailEnd type="none" w="sm" len="sm"/>
+            </a:ln>
+            <a:effectLst/>
+          </p:spPr>
+        </p:cxnSp>
+        <p:cxnSp>
+          <p:nvCxnSpPr>
+            <p:cNvPr id="43" name="Straight Connector 42"/>
+            <p:cNvCxnSpPr>
+              <a:cxnSpLocks/>
+              <a:stCxn id="40" idx="2"/>
+              <a:endCxn id="41" idx="6"/>
+            </p:cNvCxnSpPr>
+            <p:nvPr/>
+          </p:nvCxnSpPr>
+          <p:spPr bwMode="auto">
+            <a:xfrm flipH="1">
+              <a:off x="1788524" y="2749562"/>
+              <a:ext cx="508567" cy="0"/>
+            </a:xfrm>
+            <a:prstGeom prst="line">
+              <a:avLst/>
+            </a:prstGeom>
+            <a:solidFill>
+              <a:schemeClr val="accent1"/>
+            </a:solidFill>
+            <a:ln w="44450" cap="flat" cmpd="sng" algn="ctr">
+              <a:solidFill>
+                <a:schemeClr val="tx1"/>
+              </a:solidFill>
+              <a:prstDash val="solid"/>
+              <a:round/>
+              <a:headEnd type="none" w="sm" len="sm"/>
+              <a:tailEnd type="none" w="sm" len="sm"/>
+            </a:ln>
+            <a:effectLst/>
+          </p:spPr>
+        </p:cxnSp>
+        <p:cxnSp>
+          <p:nvCxnSpPr>
+            <p:cNvPr id="44" name="Straight Connector 43"/>
+            <p:cNvCxnSpPr>
+              <a:cxnSpLocks/>
+              <a:stCxn id="38" idx="2"/>
+              <a:endCxn id="13" idx="6"/>
+            </p:cNvCxnSpPr>
+            <p:nvPr/>
+          </p:nvCxnSpPr>
+          <p:spPr bwMode="auto">
+            <a:xfrm flipH="1">
+              <a:off x="2511196" y="2023379"/>
+              <a:ext cx="538675" cy="0"/>
+            </a:xfrm>
+            <a:prstGeom prst="line">
+              <a:avLst/>
+            </a:prstGeom>
+            <a:solidFill>
+              <a:schemeClr val="accent1"/>
+            </a:solidFill>
+            <a:ln w="44450" cap="flat" cmpd="sng" algn="ctr">
+              <a:solidFill>
+                <a:srgbClr val="00B0F0"/>
+              </a:solidFill>
+              <a:prstDash val="solid"/>
+              <a:round/>
+              <a:headEnd type="none" w="sm" len="sm"/>
+              <a:tailEnd type="none" w="sm" len="sm"/>
+            </a:ln>
+            <a:effectLst/>
+          </p:spPr>
+        </p:cxnSp>
+        <p:cxnSp>
+          <p:nvCxnSpPr>
+            <p:cNvPr id="45" name="Straight Connector 44"/>
+            <p:cNvCxnSpPr>
+              <a:cxnSpLocks/>
+              <a:stCxn id="40" idx="0"/>
+              <a:endCxn id="13" idx="4"/>
+            </p:cNvCxnSpPr>
+            <p:nvPr/>
+          </p:nvCxnSpPr>
+          <p:spPr bwMode="auto">
+            <a:xfrm flipH="1" flipV="1">
+              <a:off x="2403054" y="2131521"/>
+              <a:ext cx="2179" cy="509899"/>
+            </a:xfrm>
+            <a:prstGeom prst="line">
+              <a:avLst/>
+            </a:prstGeom>
+            <a:solidFill>
+              <a:schemeClr val="accent1"/>
+            </a:solidFill>
+            <a:ln w="44450" cap="flat" cmpd="sng" algn="ctr">
+              <a:solidFill>
+                <a:srgbClr val="FF0000"/>
+              </a:solidFill>
+              <a:prstDash val="solid"/>
+              <a:round/>
+              <a:headEnd type="none" w="sm" len="sm"/>
+              <a:tailEnd type="none" w="sm" len="sm"/>
+            </a:ln>
+            <a:effectLst/>
+          </p:spPr>
+        </p:cxnSp>
+        <p:cxnSp>
+          <p:nvCxnSpPr>
+            <p:cNvPr id="46" name="Straight Connector 45"/>
+            <p:cNvCxnSpPr>
+              <a:cxnSpLocks/>
+              <a:stCxn id="38" idx="4"/>
+              <a:endCxn id="14" idx="0"/>
+            </p:cNvCxnSpPr>
+            <p:nvPr/>
+          </p:nvCxnSpPr>
+          <p:spPr bwMode="auto">
+            <a:xfrm flipH="1">
+              <a:off x="3154818" y="2131521"/>
+              <a:ext cx="3195" cy="509899"/>
+            </a:xfrm>
+            <a:prstGeom prst="line">
+              <a:avLst/>
+            </a:prstGeom>
+            <a:solidFill>
+              <a:schemeClr val="accent1"/>
+            </a:solidFill>
+            <a:ln w="44450" cap="flat" cmpd="sng" algn="ctr">
+              <a:solidFill>
+                <a:srgbClr val="00B050"/>
+              </a:solidFill>
+              <a:prstDash val="solid"/>
+              <a:round/>
+              <a:headEnd type="none" w="sm" len="sm"/>
+              <a:tailEnd type="none" w="sm" len="sm"/>
+            </a:ln>
+            <a:effectLst/>
+          </p:spPr>
+        </p:cxnSp>
+        <p:cxnSp>
+          <p:nvCxnSpPr>
+            <p:cNvPr id="47" name="Straight Connector 46"/>
+            <p:cNvCxnSpPr>
+              <a:cxnSpLocks/>
+              <a:stCxn id="39" idx="6"/>
+              <a:endCxn id="36" idx="2"/>
+            </p:cNvCxnSpPr>
+            <p:nvPr/>
+          </p:nvCxnSpPr>
+          <p:spPr bwMode="auto">
+            <a:xfrm>
+              <a:off x="1090667" y="2023379"/>
+              <a:ext cx="478580" cy="0"/>
+            </a:xfrm>
+            <a:prstGeom prst="line">
+              <a:avLst/>
+            </a:prstGeom>
+            <a:solidFill>
+              <a:schemeClr val="accent1"/>
+            </a:solidFill>
+            <a:ln w="44450" cap="flat" cmpd="sng" algn="ctr">
+              <a:solidFill>
+                <a:srgbClr val="00B0F0"/>
+              </a:solidFill>
+              <a:prstDash val="solid"/>
+              <a:round/>
+              <a:headEnd type="none" w="sm" len="sm"/>
+              <a:tailEnd type="none" w="sm" len="sm"/>
+            </a:ln>
+            <a:effectLst/>
+          </p:spPr>
+        </p:cxnSp>
+        <p:cxnSp>
+          <p:nvCxnSpPr>
+            <p:cNvPr id="48" name="Straight Connector 47"/>
+            <p:cNvCxnSpPr>
+              <a:cxnSpLocks/>
+              <a:stCxn id="41" idx="2"/>
+              <a:endCxn id="37" idx="6"/>
+            </p:cNvCxnSpPr>
+            <p:nvPr/>
+          </p:nvCxnSpPr>
+          <p:spPr bwMode="auto">
+            <a:xfrm flipH="1">
+              <a:off x="1089361" y="2749562"/>
+              <a:ext cx="482879" cy="0"/>
+            </a:xfrm>
+            <a:prstGeom prst="line">
+              <a:avLst/>
+            </a:prstGeom>
+            <a:solidFill>
+              <a:schemeClr val="accent1"/>
+            </a:solidFill>
+            <a:ln w="44450" cap="flat" cmpd="sng" algn="ctr">
+              <a:solidFill>
+                <a:srgbClr val="FF0000"/>
+              </a:solidFill>
+              <a:prstDash val="solid"/>
+              <a:round/>
+              <a:headEnd type="none" w="sm" len="sm"/>
+              <a:tailEnd type="none" w="sm" len="sm"/>
+            </a:ln>
+            <a:effectLst/>
+          </p:spPr>
+        </p:cxnSp>
+        <p:cxnSp>
+          <p:nvCxnSpPr>
+            <p:cNvPr id="49" name="Straight Connector 48"/>
+            <p:cNvCxnSpPr>
+              <a:cxnSpLocks/>
+              <a:stCxn id="37" idx="0"/>
+              <a:endCxn id="39" idx="4"/>
+            </p:cNvCxnSpPr>
+            <p:nvPr/>
+          </p:nvCxnSpPr>
+          <p:spPr bwMode="auto">
+            <a:xfrm flipV="1">
+              <a:off x="981219" y="2131521"/>
+              <a:ext cx="1306" cy="509899"/>
+            </a:xfrm>
+            <a:prstGeom prst="line">
+              <a:avLst/>
+            </a:prstGeom>
+            <a:solidFill>
+              <a:schemeClr val="accent1"/>
+            </a:solidFill>
+            <a:ln w="44450" cap="flat" cmpd="sng" algn="ctr">
+              <a:solidFill>
+                <a:srgbClr val="00B050"/>
+              </a:solidFill>
+              <a:prstDash val="solid"/>
+              <a:round/>
+              <a:headEnd type="none" w="sm" len="sm"/>
+              <a:tailEnd type="none" w="sm" len="sm"/>
+            </a:ln>
+            <a:effectLst/>
+          </p:spPr>
+        </p:cxnSp>
+        <p:cxnSp>
+          <p:nvCxnSpPr>
+            <p:cNvPr id="50" name="Straight Connector 49"/>
+            <p:cNvCxnSpPr>
+              <a:cxnSpLocks/>
+              <a:stCxn id="36" idx="4"/>
+              <a:endCxn id="41" idx="0"/>
+            </p:cNvCxnSpPr>
+            <p:nvPr/>
+          </p:nvCxnSpPr>
+          <p:spPr bwMode="auto">
+            <a:xfrm>
+              <a:off x="1677389" y="2131521"/>
+              <a:ext cx="2993" cy="509899"/>
+            </a:xfrm>
+            <a:prstGeom prst="line">
+              <a:avLst/>
+            </a:prstGeom>
+            <a:solidFill>
+              <a:schemeClr val="accent1"/>
+            </a:solidFill>
+            <a:ln w="44450" cap="flat" cmpd="sng" algn="ctr">
+              <a:solidFill>
+                <a:srgbClr val="00B050"/>
+              </a:solidFill>
+              <a:prstDash val="solid"/>
+              <a:round/>
+              <a:headEnd type="none" w="sm" len="sm"/>
+              <a:tailEnd type="none" w="sm" len="sm"/>
+            </a:ln>
+            <a:effectLst/>
+          </p:spPr>
+        </p:cxnSp>
+        <p:sp>
+          <p:nvSpPr>
+            <p:cNvPr id="13" name="Oval 12">
+              <a:extLst>
+                <a:ext uri="{FF2B5EF4-FFF2-40B4-BE49-F238E27FC236}">
+                  <a16:creationId xmlns:a16="http://schemas.microsoft.com/office/drawing/2014/main" id="{B6B114D6-1A93-4A58-671F-BEA7904F16E4}"/>
+                </a:ext>
+              </a:extLst>
+            </p:cNvPr>
+            <p:cNvSpPr/>
+            <p:nvPr/>
+          </p:nvSpPr>
+          <p:spPr bwMode="auto">
+            <a:xfrm>
+              <a:off x="2294912" y="1915237"/>
+              <a:ext cx="216284" cy="216284"/>
+            </a:xfrm>
+            <a:prstGeom prst="ellipse">
+              <a:avLst/>
+            </a:prstGeom>
+            <a:solidFill>
+              <a:srgbClr val="CCFFCC"/>
+            </a:solidFill>
+            <a:ln w="12700" cap="flat" cmpd="sng" algn="ctr">
+              <a:solidFill>
+                <a:schemeClr val="tx1"/>
+              </a:solidFill>
+              <a:prstDash val="solid"/>
+              <a:round/>
+              <a:headEnd type="none" w="sm" len="sm"/>
+              <a:tailEnd type="none" w="sm" len="sm"/>
+            </a:ln>
+            <a:effectLst/>
+          </p:spPr>
+          <p:txBody>
+            <a:bodyPr vert="horz" wrap="square" lIns="91440" tIns="45720" rIns="91440" bIns="45720" numCol="1" rtlCol="0" anchor="ctr" anchorCtr="0" compatLnSpc="1">
+              <a:prstTxWarp prst="textNoShape">
+                <a:avLst/>
+              </a:prstTxWarp>
+            </a:bodyPr>
+            <a:lstStyle/>
+            <a:p>
+              <a:pPr marL="0" marR="0" indent="0" algn="ctr" defTabSz="914400" rtl="0" eaLnBrk="0" fontAlgn="base" latinLnBrk="0" hangingPunct="0">
+                <a:lnSpc>
+                  <a:spcPct val="100000"/>
+                </a:lnSpc>
+                <a:spcBef>
+                  <a:spcPct val="0"/>
+                </a:spcBef>
+                <a:spcAft>
+                  <a:spcPct val="0"/>
+                </a:spcAft>
+                <a:buClrTx/>
+                <a:buSzTx/>
+                <a:buFontTx/>
+                <a:buNone/>
+                <a:tabLst/>
+              </a:pPr>
+              <a:r>
+                <a:rPr kumimoji="0" lang="en-US" sz="1200" b="0" i="1" u="none" strike="noStrike" cap="none" normalizeH="0" baseline="0" dirty="0">
+                  <a:ln>
+                    <a:noFill/>
+                  </a:ln>
+                  <a:solidFill>
+                    <a:schemeClr val="tx2"/>
+                  </a:solidFill>
+                  <a:effectLst/>
+                  <a:latin typeface="Verdana" panose="020B0604030504040204" pitchFamily="34" charset="0"/>
+                  <a:ea typeface="Verdana" panose="020B0604030504040204" pitchFamily="34" charset="0"/>
+                  <a:cs typeface="Verdana" panose="020B0604030504040204" pitchFamily="34" charset="0"/>
+                </a:rPr>
+                <a:t>e</a:t>
+              </a:r>
+            </a:p>
+          </p:txBody>
+        </p:sp>
+        <p:sp>
+          <p:nvSpPr>
+            <p:cNvPr id="14" name="Oval 13">
+              <a:extLst>
+                <a:ext uri="{FF2B5EF4-FFF2-40B4-BE49-F238E27FC236}">
+                  <a16:creationId xmlns:a16="http://schemas.microsoft.com/office/drawing/2014/main" id="{A3D6276F-CF95-8D5A-2267-483DAAF89F1C}"/>
+                </a:ext>
+              </a:extLst>
+            </p:cNvPr>
+            <p:cNvSpPr/>
+            <p:nvPr/>
+          </p:nvSpPr>
+          <p:spPr bwMode="auto">
+            <a:xfrm>
+              <a:off x="3046676" y="2641420"/>
+              <a:ext cx="216284" cy="216284"/>
+            </a:xfrm>
+            <a:prstGeom prst="ellipse">
+              <a:avLst/>
+            </a:prstGeom>
+            <a:solidFill>
+              <a:srgbClr val="CCFFCC"/>
+            </a:solidFill>
+            <a:ln w="12700" cap="flat" cmpd="sng" algn="ctr">
+              <a:solidFill>
+                <a:schemeClr val="tx1"/>
+              </a:solidFill>
+              <a:prstDash val="solid"/>
+              <a:round/>
+              <a:headEnd type="none" w="sm" len="sm"/>
+              <a:tailEnd type="none" w="sm" len="sm"/>
+            </a:ln>
+            <a:effectLst/>
+          </p:spPr>
+          <p:txBody>
+            <a:bodyPr vert="horz" wrap="square" lIns="91440" tIns="45720" rIns="91440" bIns="45720" numCol="1" rtlCol="0" anchor="ctr" anchorCtr="0" compatLnSpc="1">
+              <a:prstTxWarp prst="textNoShape">
+                <a:avLst/>
+              </a:prstTxWarp>
+            </a:bodyPr>
+            <a:lstStyle/>
+            <a:p>
+              <a:pPr marL="0" marR="0" indent="0" algn="ctr" defTabSz="914400" rtl="0" eaLnBrk="0" fontAlgn="base" latinLnBrk="0" hangingPunct="0">
+                <a:lnSpc>
+                  <a:spcPct val="100000"/>
+                </a:lnSpc>
+                <a:spcBef>
+                  <a:spcPct val="0"/>
+                </a:spcBef>
+                <a:spcAft>
+                  <a:spcPct val="0"/>
+                </a:spcAft>
+                <a:buClrTx/>
+                <a:buSzTx/>
+                <a:buFontTx/>
+                <a:buNone/>
+                <a:tabLst/>
+              </a:pPr>
+              <a:r>
+                <a:rPr kumimoji="0" lang="en-US" sz="1200" b="0" i="1" u="none" strike="noStrike" cap="none" normalizeH="0" baseline="0" dirty="0">
+                  <a:ln>
+                    <a:noFill/>
+                  </a:ln>
+                  <a:solidFill>
+                    <a:schemeClr val="tx2"/>
+                  </a:solidFill>
+                  <a:effectLst/>
+                  <a:latin typeface="Verdana" panose="020B0604030504040204" pitchFamily="34" charset="0"/>
+                  <a:ea typeface="Verdana" panose="020B0604030504040204" pitchFamily="34" charset="0"/>
+                  <a:cs typeface="Verdana" panose="020B0604030504040204" pitchFamily="34" charset="0"/>
+                </a:rPr>
+                <a:t>h</a:t>
+              </a:r>
+            </a:p>
+          </p:txBody>
+        </p:sp>
+        <p:sp>
+          <p:nvSpPr>
+            <p:cNvPr id="429110" name="Oval 429109">
+              <a:extLst>
+                <a:ext uri="{FF2B5EF4-FFF2-40B4-BE49-F238E27FC236}">
+                  <a16:creationId xmlns:a16="http://schemas.microsoft.com/office/drawing/2014/main" id="{F6424D8B-5E70-7DE1-5738-4B73C5710298}"/>
+                </a:ext>
+              </a:extLst>
+            </p:cNvPr>
+            <p:cNvSpPr/>
+            <p:nvPr/>
+          </p:nvSpPr>
+          <p:spPr bwMode="auto">
+            <a:xfrm>
+              <a:off x="5010124" y="1915237"/>
+              <a:ext cx="216284" cy="216284"/>
+            </a:xfrm>
+            <a:prstGeom prst="ellipse">
+              <a:avLst/>
+            </a:prstGeom>
+            <a:solidFill>
+              <a:srgbClr val="CCFFCC"/>
+            </a:solidFill>
+            <a:ln w="12700" cap="flat" cmpd="sng" algn="ctr">
+              <a:solidFill>
+                <a:schemeClr val="tx1"/>
+              </a:solidFill>
+              <a:prstDash val="solid"/>
+              <a:round/>
+              <a:headEnd type="none" w="sm" len="sm"/>
+              <a:tailEnd type="none" w="sm" len="sm"/>
+            </a:ln>
+            <a:effectLst/>
+          </p:spPr>
+          <p:txBody>
+            <a:bodyPr vert="horz" wrap="square" lIns="91440" tIns="45720" rIns="91440" bIns="45720" numCol="1" rtlCol="0" anchor="ctr" anchorCtr="0" compatLnSpc="1">
+              <a:prstTxWarp prst="textNoShape">
+                <a:avLst/>
+              </a:prstTxWarp>
+            </a:bodyPr>
+            <a:lstStyle/>
+            <a:p>
+              <a:pPr marL="0" marR="0" indent="0" algn="ctr" defTabSz="914400" rtl="0" eaLnBrk="0" fontAlgn="base" latinLnBrk="0" hangingPunct="0">
+                <a:lnSpc>
+                  <a:spcPct val="100000"/>
+                </a:lnSpc>
+                <a:spcBef>
+                  <a:spcPct val="0"/>
+                </a:spcBef>
+                <a:spcAft>
+                  <a:spcPct val="0"/>
+                </a:spcAft>
+                <a:buClrTx/>
+                <a:buSzTx/>
+                <a:buFontTx/>
+                <a:buNone/>
+                <a:tabLst/>
+              </a:pPr>
+              <a:r>
+                <a:rPr kumimoji="0" lang="en-US" sz="1200" b="0" i="1" u="none" strike="noStrike" cap="none" normalizeH="0" baseline="0" dirty="0">
+                  <a:ln>
+                    <a:noFill/>
+                  </a:ln>
+                  <a:solidFill>
+                    <a:schemeClr val="tx2"/>
+                  </a:solidFill>
+                  <a:effectLst/>
+                  <a:latin typeface="Verdana" panose="020B0604030504040204" pitchFamily="34" charset="0"/>
+                  <a:ea typeface="Verdana" panose="020B0604030504040204" pitchFamily="34" charset="0"/>
+                  <a:cs typeface="Verdana" panose="020B0604030504040204" pitchFamily="34" charset="0"/>
+                </a:rPr>
+                <a:t>b</a:t>
+              </a:r>
+            </a:p>
+          </p:txBody>
+        </p:sp>
+        <p:sp>
+          <p:nvSpPr>
+            <p:cNvPr id="429111" name="Oval 429110">
+              <a:extLst>
+                <a:ext uri="{FF2B5EF4-FFF2-40B4-BE49-F238E27FC236}">
+                  <a16:creationId xmlns:a16="http://schemas.microsoft.com/office/drawing/2014/main" id="{1ADC82F4-61F3-18ED-8F46-ED0A43A6E8F8}"/>
+                </a:ext>
+              </a:extLst>
+            </p:cNvPr>
+            <p:cNvSpPr/>
+            <p:nvPr/>
+          </p:nvSpPr>
+          <p:spPr bwMode="auto">
+            <a:xfrm>
+              <a:off x="4313954" y="2641420"/>
+              <a:ext cx="216284" cy="216284"/>
+            </a:xfrm>
+            <a:prstGeom prst="ellipse">
+              <a:avLst/>
+            </a:prstGeom>
+            <a:solidFill>
+              <a:srgbClr val="CCFFCC"/>
+            </a:solidFill>
+            <a:ln w="12700" cap="flat" cmpd="sng" algn="ctr">
+              <a:solidFill>
+                <a:schemeClr val="tx1"/>
+              </a:solidFill>
+              <a:prstDash val="solid"/>
+              <a:round/>
+              <a:headEnd type="none" w="sm" len="sm"/>
+              <a:tailEnd type="none" w="sm" len="sm"/>
+            </a:ln>
+            <a:effectLst/>
+          </p:spPr>
+          <p:txBody>
+            <a:bodyPr vert="horz" wrap="square" lIns="91440" tIns="45720" rIns="91440" bIns="45720" numCol="1" rtlCol="0" anchor="ctr" anchorCtr="0" compatLnSpc="1">
+              <a:prstTxWarp prst="textNoShape">
+                <a:avLst/>
+              </a:prstTxWarp>
+            </a:bodyPr>
+            <a:lstStyle/>
+            <a:p>
+              <a:pPr marL="0" marR="0" indent="0" algn="ctr" defTabSz="914400" rtl="0" eaLnBrk="0" fontAlgn="base" latinLnBrk="0" hangingPunct="0">
+                <a:lnSpc>
+                  <a:spcPct val="100000"/>
+                </a:lnSpc>
+                <a:spcBef>
+                  <a:spcPct val="0"/>
+                </a:spcBef>
+                <a:spcAft>
+                  <a:spcPct val="0"/>
+                </a:spcAft>
+                <a:buClrTx/>
+                <a:buSzTx/>
+                <a:buFontTx/>
+                <a:buNone/>
+                <a:tabLst/>
+              </a:pPr>
+              <a:r>
+                <a:rPr kumimoji="0" lang="en-US" sz="1200" b="0" i="1" u="none" strike="noStrike" cap="none" normalizeH="0" baseline="0" dirty="0">
+                  <a:ln>
+                    <a:noFill/>
+                  </a:ln>
+                  <a:solidFill>
+                    <a:schemeClr val="tx2"/>
+                  </a:solidFill>
+                  <a:effectLst/>
+                  <a:latin typeface="Verdana" panose="020B0604030504040204" pitchFamily="34" charset="0"/>
+                  <a:ea typeface="Verdana" panose="020B0604030504040204" pitchFamily="34" charset="0"/>
+                  <a:cs typeface="Verdana" panose="020B0604030504040204" pitchFamily="34" charset="0"/>
+                </a:rPr>
+                <a:t>c</a:t>
+              </a:r>
+            </a:p>
+          </p:txBody>
+        </p:sp>
+        <p:sp>
+          <p:nvSpPr>
+            <p:cNvPr id="429112" name="Oval 429111">
+              <a:extLst>
+                <a:ext uri="{FF2B5EF4-FFF2-40B4-BE49-F238E27FC236}">
+                  <a16:creationId xmlns:a16="http://schemas.microsoft.com/office/drawing/2014/main" id="{60C69259-CC1A-18C2-F831-B6E5F114D421}"/>
+                </a:ext>
+              </a:extLst>
+            </p:cNvPr>
+            <p:cNvSpPr/>
+            <p:nvPr/>
+          </p:nvSpPr>
+          <p:spPr bwMode="auto">
+            <a:xfrm>
+              <a:off x="6490748" y="1915237"/>
+              <a:ext cx="216284" cy="216284"/>
+            </a:xfrm>
+            <a:prstGeom prst="ellipse">
+              <a:avLst/>
+            </a:prstGeom>
+            <a:solidFill>
+              <a:srgbClr val="CCFFCC"/>
+            </a:solidFill>
+            <a:ln w="12700" cap="flat" cmpd="sng" algn="ctr">
+              <a:solidFill>
+                <a:schemeClr val="tx1"/>
+              </a:solidFill>
+              <a:prstDash val="solid"/>
+              <a:round/>
+              <a:headEnd type="none" w="sm" len="sm"/>
+              <a:tailEnd type="none" w="sm" len="sm"/>
+            </a:ln>
+            <a:effectLst/>
+          </p:spPr>
+          <p:txBody>
+            <a:bodyPr vert="horz" wrap="square" lIns="91440" tIns="45720" rIns="91440" bIns="45720" numCol="1" rtlCol="0" anchor="ctr" anchorCtr="0" compatLnSpc="1">
+              <a:prstTxWarp prst="textNoShape">
+                <a:avLst/>
+              </a:prstTxWarp>
+            </a:bodyPr>
+            <a:lstStyle/>
+            <a:p>
+              <a:pPr marL="0" marR="0" indent="0" algn="ctr" defTabSz="914400" rtl="0" eaLnBrk="0" fontAlgn="base" latinLnBrk="0" hangingPunct="0">
+                <a:lnSpc>
+                  <a:spcPct val="100000"/>
+                </a:lnSpc>
+                <a:spcBef>
+                  <a:spcPct val="0"/>
+                </a:spcBef>
+                <a:spcAft>
+                  <a:spcPct val="0"/>
+                </a:spcAft>
+                <a:buClrTx/>
+                <a:buSzTx/>
+                <a:buFontTx/>
+                <a:buNone/>
+                <a:tabLst/>
+              </a:pPr>
+              <a:r>
+                <a:rPr kumimoji="0" lang="en-US" sz="1200" b="0" i="1" u="none" strike="noStrike" cap="none" normalizeH="0" baseline="0" dirty="0">
+                  <a:ln>
+                    <a:noFill/>
+                  </a:ln>
+                  <a:solidFill>
+                    <a:schemeClr val="tx2"/>
+                  </a:solidFill>
+                  <a:effectLst/>
+                  <a:latin typeface="Verdana" panose="020B0604030504040204" pitchFamily="34" charset="0"/>
+                  <a:ea typeface="Verdana" panose="020B0604030504040204" pitchFamily="34" charset="0"/>
+                  <a:cs typeface="Verdana" panose="020B0604030504040204" pitchFamily="34" charset="0"/>
+                </a:rPr>
+                <a:t>f</a:t>
+              </a:r>
+            </a:p>
+          </p:txBody>
+        </p:sp>
+        <p:sp>
+          <p:nvSpPr>
+            <p:cNvPr id="429113" name="Oval 429112">
+              <a:extLst>
+                <a:ext uri="{FF2B5EF4-FFF2-40B4-BE49-F238E27FC236}">
+                  <a16:creationId xmlns:a16="http://schemas.microsoft.com/office/drawing/2014/main" id="{4CD60392-A956-C6C1-2569-98476B95522C}"/>
+                </a:ext>
+              </a:extLst>
+            </p:cNvPr>
+            <p:cNvSpPr/>
+            <p:nvPr/>
+          </p:nvSpPr>
+          <p:spPr bwMode="auto">
+            <a:xfrm>
+              <a:off x="4315260" y="1915237"/>
+              <a:ext cx="216284" cy="216284"/>
+            </a:xfrm>
+            <a:prstGeom prst="ellipse">
+              <a:avLst/>
+            </a:prstGeom>
+            <a:solidFill>
+              <a:srgbClr val="CCFFCC"/>
+            </a:solidFill>
+            <a:ln w="12700" cap="flat" cmpd="sng" algn="ctr">
+              <a:solidFill>
+                <a:schemeClr val="tx1"/>
+              </a:solidFill>
+              <a:prstDash val="solid"/>
+              <a:round/>
+              <a:headEnd type="none" w="sm" len="sm"/>
+              <a:tailEnd type="none" w="sm" len="sm"/>
+            </a:ln>
+            <a:effectLst/>
+          </p:spPr>
+          <p:txBody>
+            <a:bodyPr vert="horz" wrap="square" lIns="91440" tIns="45720" rIns="91440" bIns="45720" numCol="1" rtlCol="0" anchor="ctr" anchorCtr="0" compatLnSpc="1">
+              <a:prstTxWarp prst="textNoShape">
+                <a:avLst/>
+              </a:prstTxWarp>
+            </a:bodyPr>
+            <a:lstStyle/>
+            <a:p>
+              <a:pPr marL="0" marR="0" indent="0" algn="ctr" defTabSz="914400" rtl="0" eaLnBrk="0" fontAlgn="base" latinLnBrk="0" hangingPunct="0">
+                <a:lnSpc>
+                  <a:spcPct val="100000"/>
+                </a:lnSpc>
+                <a:spcBef>
+                  <a:spcPct val="0"/>
+                </a:spcBef>
+                <a:spcAft>
+                  <a:spcPct val="0"/>
+                </a:spcAft>
+                <a:buClrTx/>
+                <a:buSzTx/>
+                <a:buFontTx/>
+                <a:buNone/>
+                <a:tabLst/>
+              </a:pPr>
+              <a:r>
+                <a:rPr kumimoji="0" lang="en-US" sz="1200" b="0" i="1" u="none" strike="noStrike" cap="none" normalizeH="0" baseline="0" dirty="0">
+                  <a:ln>
+                    <a:noFill/>
+                  </a:ln>
+                  <a:solidFill>
+                    <a:schemeClr val="tx2"/>
+                  </a:solidFill>
+                  <a:effectLst/>
+                  <a:latin typeface="Verdana" panose="020B0604030504040204" pitchFamily="34" charset="0"/>
+                  <a:ea typeface="Verdana" panose="020B0604030504040204" pitchFamily="34" charset="0"/>
+                  <a:cs typeface="Verdana" panose="020B0604030504040204" pitchFamily="34" charset="0"/>
+                </a:rPr>
+                <a:t>a</a:t>
+              </a:r>
+            </a:p>
+          </p:txBody>
+        </p:sp>
+        <p:sp>
+          <p:nvSpPr>
+            <p:cNvPr id="429114" name="Oval 429113">
+              <a:extLst>
+                <a:ext uri="{FF2B5EF4-FFF2-40B4-BE49-F238E27FC236}">
+                  <a16:creationId xmlns:a16="http://schemas.microsoft.com/office/drawing/2014/main" id="{C8A32958-BB98-8057-BF9B-061FBBD56747}"/>
+                </a:ext>
+              </a:extLst>
+            </p:cNvPr>
+            <p:cNvSpPr/>
+            <p:nvPr/>
+          </p:nvSpPr>
+          <p:spPr bwMode="auto">
+            <a:xfrm>
+              <a:off x="5737968" y="2641420"/>
+              <a:ext cx="216284" cy="216284"/>
+            </a:xfrm>
+            <a:prstGeom prst="ellipse">
+              <a:avLst/>
+            </a:prstGeom>
+            <a:solidFill>
+              <a:srgbClr val="CCFFCC"/>
+            </a:solidFill>
+            <a:ln w="12700" cap="flat" cmpd="sng" algn="ctr">
+              <a:solidFill>
+                <a:schemeClr val="tx1"/>
+              </a:solidFill>
+              <a:prstDash val="solid"/>
+              <a:round/>
+              <a:headEnd type="none" w="sm" len="sm"/>
+              <a:tailEnd type="none" w="sm" len="sm"/>
+            </a:ln>
+            <a:effectLst/>
+          </p:spPr>
+          <p:txBody>
+            <a:bodyPr vert="horz" wrap="square" lIns="91440" tIns="45720" rIns="91440" bIns="45720" numCol="1" rtlCol="0" anchor="ctr" anchorCtr="0" compatLnSpc="1">
+              <a:prstTxWarp prst="textNoShape">
+                <a:avLst/>
+              </a:prstTxWarp>
+            </a:bodyPr>
+            <a:lstStyle/>
+            <a:p>
+              <a:pPr marL="0" marR="0" indent="0" algn="ctr" defTabSz="914400" rtl="0" eaLnBrk="0" fontAlgn="base" latinLnBrk="0" hangingPunct="0">
+                <a:lnSpc>
+                  <a:spcPct val="100000"/>
+                </a:lnSpc>
+                <a:spcBef>
+                  <a:spcPct val="0"/>
+                </a:spcBef>
+                <a:spcAft>
+                  <a:spcPct val="0"/>
+                </a:spcAft>
+                <a:buClrTx/>
+                <a:buSzTx/>
+                <a:buFontTx/>
+                <a:buNone/>
+                <a:tabLst/>
+              </a:pPr>
+              <a:r>
+                <a:rPr kumimoji="0" lang="en-US" sz="1200" b="0" i="1" u="none" strike="noStrike" cap="none" normalizeH="0" baseline="0" dirty="0">
+                  <a:ln>
+                    <a:noFill/>
+                  </a:ln>
+                  <a:solidFill>
+                    <a:schemeClr val="tx2"/>
+                  </a:solidFill>
+                  <a:effectLst/>
+                  <a:latin typeface="Verdana" panose="020B0604030504040204" pitchFamily="34" charset="0"/>
+                  <a:ea typeface="Verdana" panose="020B0604030504040204" pitchFamily="34" charset="0"/>
+                  <a:cs typeface="Verdana" panose="020B0604030504040204" pitchFamily="34" charset="0"/>
+                </a:rPr>
+                <a:t>g</a:t>
+              </a:r>
+            </a:p>
+          </p:txBody>
+        </p:sp>
+        <p:sp>
+          <p:nvSpPr>
+            <p:cNvPr id="429115" name="Oval 429114">
+              <a:extLst>
+                <a:ext uri="{FF2B5EF4-FFF2-40B4-BE49-F238E27FC236}">
+                  <a16:creationId xmlns:a16="http://schemas.microsoft.com/office/drawing/2014/main" id="{1072AB10-ED5D-BE8F-017A-F9B57D388911}"/>
+                </a:ext>
+              </a:extLst>
+            </p:cNvPr>
+            <p:cNvSpPr/>
+            <p:nvPr/>
+          </p:nvSpPr>
+          <p:spPr bwMode="auto">
+            <a:xfrm>
+              <a:off x="5013117" y="2641420"/>
+              <a:ext cx="216284" cy="216284"/>
+            </a:xfrm>
+            <a:prstGeom prst="ellipse">
+              <a:avLst/>
+            </a:prstGeom>
+            <a:solidFill>
+              <a:srgbClr val="CCFFCC"/>
+            </a:solidFill>
+            <a:ln w="12700" cap="flat" cmpd="sng" algn="ctr">
+              <a:solidFill>
+                <a:schemeClr val="tx1"/>
+              </a:solidFill>
+              <a:prstDash val="solid"/>
+              <a:round/>
+              <a:headEnd type="none" w="sm" len="sm"/>
+              <a:tailEnd type="none" w="sm" len="sm"/>
+            </a:ln>
+            <a:effectLst/>
+          </p:spPr>
+          <p:txBody>
+            <a:bodyPr vert="horz" wrap="square" lIns="91440" tIns="45720" rIns="91440" bIns="45720" numCol="1" rtlCol="0" anchor="ctr" anchorCtr="0" compatLnSpc="1">
+              <a:prstTxWarp prst="textNoShape">
+                <a:avLst/>
+              </a:prstTxWarp>
+            </a:bodyPr>
+            <a:lstStyle/>
+            <a:p>
+              <a:pPr marL="0" marR="0" indent="0" algn="ctr" defTabSz="914400" rtl="0" eaLnBrk="0" fontAlgn="base" latinLnBrk="0" hangingPunct="0">
+                <a:lnSpc>
+                  <a:spcPct val="100000"/>
+                </a:lnSpc>
+                <a:spcBef>
+                  <a:spcPct val="0"/>
+                </a:spcBef>
+                <a:spcAft>
+                  <a:spcPct val="0"/>
+                </a:spcAft>
+                <a:buClrTx/>
+                <a:buSzTx/>
+                <a:buFontTx/>
+                <a:buNone/>
+                <a:tabLst/>
+              </a:pPr>
+              <a:r>
+                <a:rPr lang="en-US" sz="1200" i="1" dirty="0">
+                  <a:latin typeface="Verdana" panose="020B0604030504040204" pitchFamily="34" charset="0"/>
+                  <a:ea typeface="Verdana" panose="020B0604030504040204" pitchFamily="34" charset="0"/>
+                  <a:cs typeface="Verdana" panose="020B0604030504040204" pitchFamily="34" charset="0"/>
+                </a:rPr>
+                <a:t>d</a:t>
+              </a:r>
+              <a:endParaRPr kumimoji="0" lang="en-US" sz="1200" b="0" i="1" u="none" strike="noStrike" cap="none" normalizeH="0" baseline="0" dirty="0">
+                <a:ln>
+                  <a:noFill/>
+                </a:ln>
+                <a:solidFill>
+                  <a:schemeClr val="tx2"/>
+                </a:solidFill>
+                <a:effectLst/>
+                <a:latin typeface="Verdana" panose="020B0604030504040204" pitchFamily="34" charset="0"/>
+                <a:ea typeface="Verdana" panose="020B0604030504040204" pitchFamily="34" charset="0"/>
+                <a:cs typeface="Verdana" panose="020B0604030504040204" pitchFamily="34" charset="0"/>
+              </a:endParaRPr>
+            </a:p>
+          </p:txBody>
+        </p:sp>
+        <p:cxnSp>
+          <p:nvCxnSpPr>
+            <p:cNvPr id="429116" name="Straight Connector 429115">
+              <a:extLst>
+                <a:ext uri="{FF2B5EF4-FFF2-40B4-BE49-F238E27FC236}">
+                  <a16:creationId xmlns:a16="http://schemas.microsoft.com/office/drawing/2014/main" id="{0CD53FFF-7191-D3F1-E870-970677482F25}"/>
+                </a:ext>
+              </a:extLst>
+            </p:cNvPr>
+            <p:cNvCxnSpPr>
+              <a:cxnSpLocks/>
+              <a:stCxn id="429114" idx="6"/>
+              <a:endCxn id="429126" idx="2"/>
+            </p:cNvCxnSpPr>
+            <p:nvPr/>
+          </p:nvCxnSpPr>
+          <p:spPr bwMode="auto">
+            <a:xfrm>
+              <a:off x="5954252" y="2749562"/>
+              <a:ext cx="533301" cy="0"/>
+            </a:xfrm>
+            <a:prstGeom prst="line">
+              <a:avLst/>
+            </a:prstGeom>
+            <a:solidFill>
+              <a:schemeClr val="accent1"/>
+            </a:solidFill>
+            <a:ln w="44450" cap="flat" cmpd="sng" algn="ctr">
+              <a:solidFill>
+                <a:srgbClr val="00B0F0"/>
+              </a:solidFill>
+              <a:prstDash val="solid"/>
+              <a:round/>
+              <a:headEnd type="none" w="sm" len="sm"/>
+              <a:tailEnd type="none" w="sm" len="sm"/>
+            </a:ln>
+            <a:effectLst/>
+          </p:spPr>
+        </p:cxnSp>
+        <p:cxnSp>
+          <p:nvCxnSpPr>
+            <p:cNvPr id="429117" name="Straight Connector 429116">
+              <a:extLst>
+                <a:ext uri="{FF2B5EF4-FFF2-40B4-BE49-F238E27FC236}">
+                  <a16:creationId xmlns:a16="http://schemas.microsoft.com/office/drawing/2014/main" id="{643EEF11-4219-3DD8-6616-D7D83AE0F691}"/>
+                </a:ext>
+              </a:extLst>
+            </p:cNvPr>
+            <p:cNvCxnSpPr>
+              <a:cxnSpLocks/>
+              <a:stCxn id="429114" idx="2"/>
+              <a:endCxn id="429115" idx="6"/>
+            </p:cNvCxnSpPr>
+            <p:nvPr/>
+          </p:nvCxnSpPr>
+          <p:spPr bwMode="auto">
+            <a:xfrm flipH="1">
+              <a:off x="5229401" y="2749562"/>
+              <a:ext cx="508567" cy="0"/>
+            </a:xfrm>
+            <a:prstGeom prst="line">
+              <a:avLst/>
+            </a:prstGeom>
+            <a:solidFill>
+              <a:schemeClr val="accent1"/>
+            </a:solidFill>
+            <a:ln w="44450" cap="flat" cmpd="sng" algn="ctr">
+              <a:solidFill>
+                <a:srgbClr val="00B050"/>
+              </a:solidFill>
+              <a:prstDash val="solid"/>
+              <a:round/>
+              <a:headEnd type="none" w="sm" len="sm"/>
+              <a:tailEnd type="none" w="sm" len="sm"/>
+            </a:ln>
+            <a:effectLst/>
+          </p:spPr>
+        </p:cxnSp>
+        <p:cxnSp>
+          <p:nvCxnSpPr>
+            <p:cNvPr id="429118" name="Straight Connector 429117">
+              <a:extLst>
+                <a:ext uri="{FF2B5EF4-FFF2-40B4-BE49-F238E27FC236}">
+                  <a16:creationId xmlns:a16="http://schemas.microsoft.com/office/drawing/2014/main" id="{4F2CBEEF-1BA3-A443-EE19-9C4A78FDDDE9}"/>
+                </a:ext>
+              </a:extLst>
+            </p:cNvPr>
+            <p:cNvCxnSpPr>
+              <a:cxnSpLocks/>
+              <a:stCxn id="429112" idx="2"/>
+              <a:endCxn id="429125" idx="6"/>
+            </p:cNvCxnSpPr>
+            <p:nvPr/>
+          </p:nvCxnSpPr>
+          <p:spPr bwMode="auto">
+            <a:xfrm flipH="1">
+              <a:off x="5952073" y="2023379"/>
+              <a:ext cx="538675" cy="0"/>
+            </a:xfrm>
+            <a:prstGeom prst="line">
+              <a:avLst/>
+            </a:prstGeom>
+            <a:solidFill>
+              <a:schemeClr val="accent1"/>
+            </a:solidFill>
+            <a:ln w="44450" cap="flat" cmpd="sng" algn="ctr">
+              <a:solidFill>
+                <a:srgbClr val="00B0F0"/>
+              </a:solidFill>
+              <a:prstDash val="solid"/>
+              <a:round/>
+              <a:headEnd type="none" w="sm" len="sm"/>
+              <a:tailEnd type="none" w="sm" len="sm"/>
+            </a:ln>
+            <a:effectLst/>
+          </p:spPr>
+        </p:cxnSp>
+        <p:cxnSp>
+          <p:nvCxnSpPr>
+            <p:cNvPr id="429119" name="Straight Connector 429118">
+              <a:extLst>
+                <a:ext uri="{FF2B5EF4-FFF2-40B4-BE49-F238E27FC236}">
+                  <a16:creationId xmlns:a16="http://schemas.microsoft.com/office/drawing/2014/main" id="{95141D18-E686-7C8C-9563-1E2579EEE25D}"/>
+                </a:ext>
+              </a:extLst>
+            </p:cNvPr>
+            <p:cNvCxnSpPr>
+              <a:cxnSpLocks/>
+              <a:stCxn id="429114" idx="0"/>
+              <a:endCxn id="429125" idx="4"/>
+            </p:cNvCxnSpPr>
+            <p:nvPr/>
+          </p:nvCxnSpPr>
+          <p:spPr bwMode="auto">
+            <a:xfrm flipH="1" flipV="1">
+              <a:off x="5843931" y="2131521"/>
+              <a:ext cx="2179" cy="509899"/>
+            </a:xfrm>
+            <a:prstGeom prst="line">
+              <a:avLst/>
+            </a:prstGeom>
+            <a:solidFill>
+              <a:schemeClr val="accent1"/>
+            </a:solidFill>
+            <a:ln w="44450" cap="flat" cmpd="sng" algn="ctr">
+              <a:solidFill>
+                <a:srgbClr val="FF0000"/>
+              </a:solidFill>
+              <a:prstDash val="solid"/>
+              <a:round/>
+              <a:headEnd type="none" w="sm" len="sm"/>
+              <a:tailEnd type="none" w="sm" len="sm"/>
+            </a:ln>
+            <a:effectLst/>
+          </p:spPr>
+        </p:cxnSp>
+        <p:cxnSp>
+          <p:nvCxnSpPr>
+            <p:cNvPr id="429120" name="Straight Connector 429119">
+              <a:extLst>
+                <a:ext uri="{FF2B5EF4-FFF2-40B4-BE49-F238E27FC236}">
+                  <a16:creationId xmlns:a16="http://schemas.microsoft.com/office/drawing/2014/main" id="{2582F7C2-E497-A2F9-2B0D-7800C18C2368}"/>
+                </a:ext>
+              </a:extLst>
+            </p:cNvPr>
+            <p:cNvCxnSpPr>
+              <a:cxnSpLocks/>
+              <a:stCxn id="429112" idx="4"/>
+              <a:endCxn id="429126" idx="0"/>
+            </p:cNvCxnSpPr>
+            <p:nvPr/>
+          </p:nvCxnSpPr>
+          <p:spPr bwMode="auto">
+            <a:xfrm flipH="1">
+              <a:off x="6595695" y="2131521"/>
+              <a:ext cx="3195" cy="509899"/>
+            </a:xfrm>
+            <a:prstGeom prst="line">
+              <a:avLst/>
+            </a:prstGeom>
+            <a:solidFill>
+              <a:schemeClr val="accent1"/>
+            </a:solidFill>
+            <a:ln w="44450" cap="flat" cmpd="sng" algn="ctr">
+              <a:solidFill>
+                <a:srgbClr val="00B050"/>
+              </a:solidFill>
+              <a:prstDash val="solid"/>
+              <a:round/>
+              <a:headEnd type="none" w="sm" len="sm"/>
+              <a:tailEnd type="none" w="sm" len="sm"/>
+            </a:ln>
+            <a:effectLst/>
+          </p:spPr>
+        </p:cxnSp>
+        <p:cxnSp>
+          <p:nvCxnSpPr>
+            <p:cNvPr id="429121" name="Straight Connector 429120">
+              <a:extLst>
+                <a:ext uri="{FF2B5EF4-FFF2-40B4-BE49-F238E27FC236}">
+                  <a16:creationId xmlns:a16="http://schemas.microsoft.com/office/drawing/2014/main" id="{CB969A63-B459-9B54-BA7F-32BDBEBAA9BE}"/>
+                </a:ext>
+              </a:extLst>
+            </p:cNvPr>
+            <p:cNvCxnSpPr>
+              <a:cxnSpLocks/>
+              <a:stCxn id="429113" idx="6"/>
+              <a:endCxn id="429110" idx="2"/>
+            </p:cNvCxnSpPr>
+            <p:nvPr/>
+          </p:nvCxnSpPr>
+          <p:spPr bwMode="auto">
+            <a:xfrm>
+              <a:off x="4531544" y="2023379"/>
+              <a:ext cx="478580" cy="0"/>
+            </a:xfrm>
+            <a:prstGeom prst="line">
+              <a:avLst/>
+            </a:prstGeom>
+            <a:solidFill>
+              <a:schemeClr val="accent1"/>
+            </a:solidFill>
+            <a:ln w="44450" cap="flat" cmpd="sng" algn="ctr">
+              <a:solidFill>
+                <a:srgbClr val="00B050"/>
+              </a:solidFill>
+              <a:prstDash val="solid"/>
+              <a:round/>
+              <a:headEnd type="none" w="sm" len="sm"/>
+              <a:tailEnd type="none" w="sm" len="sm"/>
+            </a:ln>
+            <a:effectLst/>
+          </p:spPr>
+        </p:cxnSp>
+        <p:cxnSp>
+          <p:nvCxnSpPr>
+            <p:cNvPr id="429122" name="Straight Connector 429121">
+              <a:extLst>
+                <a:ext uri="{FF2B5EF4-FFF2-40B4-BE49-F238E27FC236}">
+                  <a16:creationId xmlns:a16="http://schemas.microsoft.com/office/drawing/2014/main" id="{1292DF42-83D2-2B3B-9CA2-9EE920297AF5}"/>
+                </a:ext>
+              </a:extLst>
+            </p:cNvPr>
+            <p:cNvCxnSpPr>
+              <a:cxnSpLocks/>
+              <a:stCxn id="429115" idx="2"/>
+              <a:endCxn id="429111" idx="6"/>
+            </p:cNvCxnSpPr>
+            <p:nvPr/>
+          </p:nvCxnSpPr>
+          <p:spPr bwMode="auto">
+            <a:xfrm flipH="1">
+              <a:off x="4530238" y="2749562"/>
+              <a:ext cx="482879" cy="0"/>
+            </a:xfrm>
+            <a:prstGeom prst="line">
+              <a:avLst/>
+            </a:prstGeom>
+            <a:solidFill>
+              <a:schemeClr val="accent1"/>
+            </a:solidFill>
+            <a:ln w="44450" cap="flat" cmpd="sng" algn="ctr">
+              <a:solidFill>
+                <a:srgbClr val="FF0000"/>
+              </a:solidFill>
+              <a:prstDash val="solid"/>
+              <a:round/>
+              <a:headEnd type="none" w="sm" len="sm"/>
+              <a:tailEnd type="none" w="sm" len="sm"/>
+            </a:ln>
+            <a:effectLst/>
+          </p:spPr>
+        </p:cxnSp>
+        <p:cxnSp>
+          <p:nvCxnSpPr>
+            <p:cNvPr id="429123" name="Straight Connector 429122">
+              <a:extLst>
+                <a:ext uri="{FF2B5EF4-FFF2-40B4-BE49-F238E27FC236}">
+                  <a16:creationId xmlns:a16="http://schemas.microsoft.com/office/drawing/2014/main" id="{75F668FB-8E58-7029-C827-F34DC203622B}"/>
+                </a:ext>
+              </a:extLst>
+            </p:cNvPr>
+            <p:cNvCxnSpPr>
+              <a:cxnSpLocks/>
+              <a:stCxn id="429111" idx="0"/>
+              <a:endCxn id="429113" idx="4"/>
+            </p:cNvCxnSpPr>
+            <p:nvPr/>
+          </p:nvCxnSpPr>
+          <p:spPr bwMode="auto">
+            <a:xfrm flipV="1">
+              <a:off x="4422096" y="2131521"/>
+              <a:ext cx="1306" cy="509899"/>
+            </a:xfrm>
+            <a:prstGeom prst="line">
+              <a:avLst/>
+            </a:prstGeom>
+            <a:solidFill>
+              <a:schemeClr val="accent1"/>
+            </a:solidFill>
+            <a:ln w="44450" cap="flat" cmpd="sng" algn="ctr">
+              <a:solidFill>
+                <a:srgbClr val="00B0F0"/>
+              </a:solidFill>
+              <a:prstDash val="solid"/>
+              <a:round/>
+              <a:headEnd type="none" w="sm" len="sm"/>
+              <a:tailEnd type="none" w="sm" len="sm"/>
+            </a:ln>
+            <a:effectLst/>
+          </p:spPr>
+        </p:cxnSp>
+        <p:cxnSp>
+          <p:nvCxnSpPr>
+            <p:cNvPr id="429124" name="Straight Connector 429123">
+              <a:extLst>
+                <a:ext uri="{FF2B5EF4-FFF2-40B4-BE49-F238E27FC236}">
+                  <a16:creationId xmlns:a16="http://schemas.microsoft.com/office/drawing/2014/main" id="{86425B11-DB87-5740-364C-0BE4363FF989}"/>
+                </a:ext>
+              </a:extLst>
+            </p:cNvPr>
+            <p:cNvCxnSpPr>
+              <a:cxnSpLocks/>
+              <a:stCxn id="429110" idx="4"/>
+              <a:endCxn id="429115" idx="0"/>
+            </p:cNvCxnSpPr>
+            <p:nvPr/>
+          </p:nvCxnSpPr>
+          <p:spPr bwMode="auto">
+            <a:xfrm>
+              <a:off x="5118266" y="2131521"/>
+              <a:ext cx="2993" cy="509899"/>
+            </a:xfrm>
+            <a:prstGeom prst="line">
+              <a:avLst/>
+            </a:prstGeom>
+            <a:solidFill>
+              <a:schemeClr val="accent1"/>
+            </a:solidFill>
+            <a:ln w="44450" cap="flat" cmpd="sng" algn="ctr">
+              <a:solidFill>
+                <a:srgbClr val="00B0F0"/>
+              </a:solidFill>
+              <a:prstDash val="solid"/>
+              <a:round/>
+              <a:headEnd type="none" w="sm" len="sm"/>
+              <a:tailEnd type="none" w="sm" len="sm"/>
+            </a:ln>
+            <a:effectLst/>
+          </p:spPr>
+        </p:cxnSp>
+        <p:sp>
+          <p:nvSpPr>
+            <p:cNvPr id="429125" name="Oval 429124">
+              <a:extLst>
+                <a:ext uri="{FF2B5EF4-FFF2-40B4-BE49-F238E27FC236}">
+                  <a16:creationId xmlns:a16="http://schemas.microsoft.com/office/drawing/2014/main" id="{F63EE919-24E2-0B1C-FD09-2C99BCA2A86D}"/>
+                </a:ext>
+              </a:extLst>
+            </p:cNvPr>
+            <p:cNvSpPr/>
+            <p:nvPr/>
+          </p:nvSpPr>
+          <p:spPr bwMode="auto">
+            <a:xfrm>
+              <a:off x="5735789" y="1915237"/>
+              <a:ext cx="216284" cy="216284"/>
+            </a:xfrm>
+            <a:prstGeom prst="ellipse">
+              <a:avLst/>
+            </a:prstGeom>
+            <a:solidFill>
+              <a:srgbClr val="CCFFCC"/>
+            </a:solidFill>
+            <a:ln w="12700" cap="flat" cmpd="sng" algn="ctr">
+              <a:solidFill>
+                <a:schemeClr val="tx1"/>
+              </a:solidFill>
+              <a:prstDash val="solid"/>
+              <a:round/>
+              <a:headEnd type="none" w="sm" len="sm"/>
+              <a:tailEnd type="none" w="sm" len="sm"/>
+            </a:ln>
+            <a:effectLst/>
+          </p:spPr>
+          <p:txBody>
+            <a:bodyPr vert="horz" wrap="square" lIns="91440" tIns="45720" rIns="91440" bIns="45720" numCol="1" rtlCol="0" anchor="ctr" anchorCtr="0" compatLnSpc="1">
+              <a:prstTxWarp prst="textNoShape">
+                <a:avLst/>
+              </a:prstTxWarp>
+            </a:bodyPr>
+            <a:lstStyle/>
+            <a:p>
+              <a:pPr marL="0" marR="0" indent="0" algn="ctr" defTabSz="914400" rtl="0" eaLnBrk="0" fontAlgn="base" latinLnBrk="0" hangingPunct="0">
+                <a:lnSpc>
+                  <a:spcPct val="100000"/>
+                </a:lnSpc>
+                <a:spcBef>
+                  <a:spcPct val="0"/>
+                </a:spcBef>
+                <a:spcAft>
+                  <a:spcPct val="0"/>
+                </a:spcAft>
+                <a:buClrTx/>
+                <a:buSzTx/>
+                <a:buFontTx/>
+                <a:buNone/>
+                <a:tabLst/>
+              </a:pPr>
+              <a:r>
+                <a:rPr kumimoji="0" lang="en-US" sz="1200" b="0" i="1" u="none" strike="noStrike" cap="none" normalizeH="0" baseline="0" dirty="0">
+                  <a:ln>
+                    <a:noFill/>
+                  </a:ln>
+                  <a:solidFill>
+                    <a:schemeClr val="tx2"/>
+                  </a:solidFill>
+                  <a:effectLst/>
+                  <a:latin typeface="Verdana" panose="020B0604030504040204" pitchFamily="34" charset="0"/>
+                  <a:ea typeface="Verdana" panose="020B0604030504040204" pitchFamily="34" charset="0"/>
+                  <a:cs typeface="Verdana" panose="020B0604030504040204" pitchFamily="34" charset="0"/>
+                </a:rPr>
+                <a:t>e</a:t>
+              </a:r>
+            </a:p>
+          </p:txBody>
+        </p:sp>
+        <p:sp>
+          <p:nvSpPr>
+            <p:cNvPr id="429126" name="Oval 429125">
+              <a:extLst>
+                <a:ext uri="{FF2B5EF4-FFF2-40B4-BE49-F238E27FC236}">
+                  <a16:creationId xmlns:a16="http://schemas.microsoft.com/office/drawing/2014/main" id="{ABA9030E-71F4-4624-955A-5DD314797084}"/>
+                </a:ext>
+              </a:extLst>
+            </p:cNvPr>
+            <p:cNvSpPr/>
+            <p:nvPr/>
+          </p:nvSpPr>
+          <p:spPr bwMode="auto">
+            <a:xfrm>
+              <a:off x="6487553" y="2641420"/>
+              <a:ext cx="216284" cy="216284"/>
+            </a:xfrm>
+            <a:prstGeom prst="ellipse">
+              <a:avLst/>
+            </a:prstGeom>
+            <a:solidFill>
+              <a:srgbClr val="CCFFCC"/>
+            </a:solidFill>
+            <a:ln w="12700" cap="flat" cmpd="sng" algn="ctr">
+              <a:solidFill>
+                <a:schemeClr val="tx1"/>
+              </a:solidFill>
+              <a:prstDash val="solid"/>
+              <a:round/>
+              <a:headEnd type="none" w="sm" len="sm"/>
+              <a:tailEnd type="none" w="sm" len="sm"/>
+            </a:ln>
+            <a:effectLst/>
+          </p:spPr>
+          <p:txBody>
+            <a:bodyPr vert="horz" wrap="square" lIns="91440" tIns="45720" rIns="91440" bIns="45720" numCol="1" rtlCol="0" anchor="ctr" anchorCtr="0" compatLnSpc="1">
+              <a:prstTxWarp prst="textNoShape">
+                <a:avLst/>
+              </a:prstTxWarp>
+            </a:bodyPr>
+            <a:lstStyle/>
+            <a:p>
+              <a:pPr marL="0" marR="0" indent="0" algn="ctr" defTabSz="914400" rtl="0" eaLnBrk="0" fontAlgn="base" latinLnBrk="0" hangingPunct="0">
+                <a:lnSpc>
+                  <a:spcPct val="100000"/>
+                </a:lnSpc>
+                <a:spcBef>
+                  <a:spcPct val="0"/>
+                </a:spcBef>
+                <a:spcAft>
+                  <a:spcPct val="0"/>
+                </a:spcAft>
+                <a:buClrTx/>
+                <a:buSzTx/>
+                <a:buFontTx/>
+                <a:buNone/>
+                <a:tabLst/>
+              </a:pPr>
+              <a:r>
+                <a:rPr kumimoji="0" lang="en-US" sz="1200" b="0" i="1" u="none" strike="noStrike" cap="none" normalizeH="0" baseline="0" dirty="0">
+                  <a:ln>
+                    <a:noFill/>
+                  </a:ln>
+                  <a:solidFill>
+                    <a:schemeClr val="tx2"/>
+                  </a:solidFill>
+                  <a:effectLst/>
+                  <a:latin typeface="Verdana" panose="020B0604030504040204" pitchFamily="34" charset="0"/>
+                  <a:ea typeface="Verdana" panose="020B0604030504040204" pitchFamily="34" charset="0"/>
+                  <a:cs typeface="Verdana" panose="020B0604030504040204" pitchFamily="34" charset="0"/>
+                </a:rPr>
+                <a:t>h</a:t>
+              </a:r>
+            </a:p>
+          </p:txBody>
+        </p:sp>
+        <p:sp>
+          <p:nvSpPr>
+            <p:cNvPr id="429127" name="Right Arrow 429126">
+              <a:extLst>
+                <a:ext uri="{FF2B5EF4-FFF2-40B4-BE49-F238E27FC236}">
+                  <a16:creationId xmlns:a16="http://schemas.microsoft.com/office/drawing/2014/main" id="{035D381D-4259-8F88-E5BE-830C5A6CA79E}"/>
+                </a:ext>
+              </a:extLst>
+            </p:cNvPr>
+            <p:cNvSpPr/>
+            <p:nvPr/>
+          </p:nvSpPr>
+          <p:spPr bwMode="auto">
+            <a:xfrm>
+              <a:off x="3570514" y="2231571"/>
+              <a:ext cx="424543" cy="250372"/>
+            </a:xfrm>
+            <a:prstGeom prst="rightArrow">
+              <a:avLst/>
+            </a:prstGeom>
+            <a:solidFill>
+              <a:schemeClr val="accent1"/>
+            </a:solidFill>
+            <a:ln w="12700" cap="flat" cmpd="sng" algn="ctr">
+              <a:solidFill>
+                <a:schemeClr val="tx1"/>
+              </a:solidFill>
+              <a:prstDash val="solid"/>
+              <a:round/>
+              <a:headEnd type="none" w="sm" len="sm"/>
+              <a:tailEnd type="none" w="sm" len="sm"/>
+            </a:ln>
+            <a:effectLst/>
+          </p:spPr>
+          <p:txBody>
+            <a:bodyPr vert="horz" wrap="square" lIns="91440" tIns="45720" rIns="91440" bIns="45720" numCol="1" rtlCol="0" anchor="t" anchorCtr="0" compatLnSpc="1">
+              <a:prstTxWarp prst="textNoShape">
+                <a:avLst/>
+              </a:prstTxWarp>
+            </a:bodyPr>
+            <a:lstStyle/>
+            <a:p>
+              <a:pPr marL="0" marR="0" indent="0" algn="l" defTabSz="914400" rtl="0" eaLnBrk="0" fontAlgn="base" latinLnBrk="0" hangingPunct="0">
+                <a:lnSpc>
+                  <a:spcPct val="100000"/>
+                </a:lnSpc>
+                <a:spcBef>
+                  <a:spcPct val="0"/>
+                </a:spcBef>
+                <a:spcAft>
+                  <a:spcPct val="0"/>
+                </a:spcAft>
+                <a:buClrTx/>
+                <a:buSzTx/>
+                <a:buFontTx/>
+                <a:buNone/>
+                <a:tabLst/>
+              </a:pPr>
+              <a:endParaRPr kumimoji="0" lang="en-US" sz="1600" b="0" i="0" u="none" strike="noStrike" cap="none" normalizeH="0" baseline="0">
+                <a:ln>
+                  <a:noFill/>
+                </a:ln>
+                <a:solidFill>
+                  <a:schemeClr val="tx2"/>
+                </a:solidFill>
+                <a:effectLst/>
+                <a:latin typeface="Book Antiqua" pitchFamily="18" charset="0"/>
+              </a:endParaRPr>
+            </a:p>
+          </p:txBody>
+        </p:sp>
+      </p:grpSp>
+    </p:spTree>
+    <p:extLst>
+      <p:ext uri="{BB962C8B-B14F-4D97-AF65-F5344CB8AC3E}">
+        <p14:creationId xmlns:p14="http://schemas.microsoft.com/office/powerpoint/2010/main" val="2809458302"/>
+      </p:ext>
+    </p:extLst>
+  </p:cSld>
+  <p:clrMapOvr>
+    <a:masterClrMapping/>
+  </p:clrMapOvr>
+  <p:transition/>
+</p:sld>
+</file>
+
+<file path=ppt/slides/slide3.xml><?xml version="1.0" encoding="utf-8"?>
+<p:sld xmlns:a="http://schemas.openxmlformats.org/drawingml/2006/main" xmlns:r="http://schemas.openxmlformats.org/officeDocument/2006/relationships" xmlns:p="http://schemas.openxmlformats.org/presentationml/2006/main" showMasterPhAnim="0">
+  <p:cSld>
+    <p:spTree>
+      <p:nvGrpSpPr>
+        <p:cNvPr id="1" name=""/>
+        <p:cNvGrpSpPr/>
+        <p:nvPr/>
+      </p:nvGrpSpPr>
+      <p:grpSpPr>
+        <a:xfrm>
+          <a:off x="0" y="0"/>
+          <a:ext cx="0" cy="0"/>
+          <a:chOff x="0" y="0"/>
+          <a:chExt cx="0" cy="0"/>
+        </a:xfrm>
+      </p:grpSpPr>
+      <p:sp>
+        <p:nvSpPr>
+          <p:cNvPr id="429058" name="Rectangle 2"/>
+          <p:cNvSpPr>
+            <a:spLocks noGrp="1" noChangeArrowheads="1"/>
+          </p:cNvSpPr>
+          <p:nvPr>
+            <p:ph type="title"/>
+          </p:nvPr>
+        </p:nvSpPr>
+        <p:spPr/>
+        <p:txBody>
+          <a:bodyPr/>
+          <a:lstStyle/>
+          <a:p>
+            <a:r>
+              <a:rPr lang="en-US" dirty="0" err="1"/>
+              <a:t>mdmatch</a:t>
+            </a:r>
+            <a:endParaRPr lang="en-US" dirty="0"/>
+          </a:p>
+        </p:txBody>
+      </p:sp>
+      <p:grpSp>
+        <p:nvGrpSpPr>
+          <p:cNvPr id="429097" name="Group 429096">
+            <a:extLst>
+              <a:ext uri="{FF2B5EF4-FFF2-40B4-BE49-F238E27FC236}">
+                <a16:creationId xmlns:a16="http://schemas.microsoft.com/office/drawing/2014/main" id="{726C5CDC-30D4-319B-EDF8-E1192A9D07B1}"/>
+              </a:ext>
+            </a:extLst>
+          </p:cNvPr>
+          <p:cNvGrpSpPr/>
+          <p:nvPr/>
+        </p:nvGrpSpPr>
+        <p:grpSpPr>
+          <a:xfrm>
+            <a:off x="56647" y="1590678"/>
+            <a:ext cx="9706953" cy="1267026"/>
+            <a:chOff x="56647" y="1590678"/>
+            <a:chExt cx="9706953" cy="1267026"/>
+          </a:xfrm>
+        </p:grpSpPr>
+        <p:sp>
+          <p:nvSpPr>
+            <p:cNvPr id="429127" name="Right Arrow 429126">
+              <a:extLst>
+                <a:ext uri="{FF2B5EF4-FFF2-40B4-BE49-F238E27FC236}">
+                  <a16:creationId xmlns:a16="http://schemas.microsoft.com/office/drawing/2014/main" id="{035D381D-4259-8F88-E5BE-830C5A6CA79E}"/>
+                </a:ext>
+              </a:extLst>
+            </p:cNvPr>
+            <p:cNvSpPr/>
+            <p:nvPr/>
+          </p:nvSpPr>
+          <p:spPr bwMode="auto">
+            <a:xfrm>
+              <a:off x="2585746" y="2099005"/>
+              <a:ext cx="424543" cy="250372"/>
+            </a:xfrm>
+            <a:prstGeom prst="rightArrow">
+              <a:avLst/>
+            </a:prstGeom>
+            <a:solidFill>
+              <a:schemeClr val="accent1"/>
+            </a:solidFill>
+            <a:ln w="12700" cap="flat" cmpd="sng" algn="ctr">
+              <a:solidFill>
+                <a:schemeClr val="tx1"/>
+              </a:solidFill>
+              <a:prstDash val="solid"/>
+              <a:round/>
+              <a:headEnd type="none" w="sm" len="sm"/>
+              <a:tailEnd type="none" w="sm" len="sm"/>
+            </a:ln>
+            <a:effectLst/>
+          </p:spPr>
+          <p:txBody>
+            <a:bodyPr vert="horz" wrap="square" lIns="91440" tIns="45720" rIns="91440" bIns="45720" numCol="1" rtlCol="0" anchor="t" anchorCtr="0" compatLnSpc="1">
+              <a:prstTxWarp prst="textNoShape">
+                <a:avLst/>
+              </a:prstTxWarp>
+            </a:bodyPr>
+            <a:lstStyle/>
+            <a:p>
+              <a:pPr marL="0" marR="0" indent="0" algn="l" defTabSz="914400" rtl="0" eaLnBrk="0" fontAlgn="base" latinLnBrk="0" hangingPunct="0">
+                <a:lnSpc>
+                  <a:spcPct val="100000"/>
+                </a:lnSpc>
+                <a:spcBef>
+                  <a:spcPct val="0"/>
+                </a:spcBef>
+                <a:spcAft>
+                  <a:spcPct val="0"/>
+                </a:spcAft>
+                <a:buClrTx/>
+                <a:buSzTx/>
+                <a:buFontTx/>
+                <a:buNone/>
+                <a:tabLst/>
+              </a:pPr>
+              <a:endParaRPr kumimoji="0" lang="en-US" sz="1600" b="0" i="0" u="none" strike="noStrike" cap="none" normalizeH="0" baseline="0">
+                <a:ln>
+                  <a:noFill/>
+                </a:ln>
+                <a:solidFill>
+                  <a:schemeClr val="tx2"/>
+                </a:solidFill>
+                <a:effectLst/>
+                <a:latin typeface="Book Antiqua" pitchFamily="18" charset="0"/>
+              </a:endParaRPr>
+            </a:p>
+          </p:txBody>
+        </p:sp>
+        <p:grpSp>
+          <p:nvGrpSpPr>
+            <p:cNvPr id="429096" name="Group 429095">
+              <a:extLst>
+                <a:ext uri="{FF2B5EF4-FFF2-40B4-BE49-F238E27FC236}">
+                  <a16:creationId xmlns:a16="http://schemas.microsoft.com/office/drawing/2014/main" id="{B24A12C1-6F53-FB75-61CA-8A9ECC4CFDBB}"/>
+                </a:ext>
+              </a:extLst>
+            </p:cNvPr>
+            <p:cNvGrpSpPr/>
+            <p:nvPr/>
+          </p:nvGrpSpPr>
+          <p:grpSpPr>
+            <a:xfrm>
+              <a:off x="56647" y="1600554"/>
+              <a:ext cx="2393078" cy="1247275"/>
+              <a:chOff x="56647" y="1610429"/>
+              <a:chExt cx="2393078" cy="1247275"/>
+            </a:xfrm>
+          </p:grpSpPr>
+          <p:sp>
+            <p:nvSpPr>
+              <p:cNvPr id="36" name="Oval 35"/>
+              <p:cNvSpPr/>
+              <p:nvPr/>
+            </p:nvSpPr>
+            <p:spPr bwMode="auto">
+              <a:xfrm>
+                <a:off x="752817" y="1969667"/>
+                <a:ext cx="216284" cy="216284"/>
+              </a:xfrm>
+              <a:prstGeom prst="ellipse">
+                <a:avLst/>
+              </a:prstGeom>
+              <a:solidFill>
+                <a:srgbClr val="CCFFFF"/>
+              </a:solidFill>
+              <a:ln w="12700" cap="flat" cmpd="sng" algn="ctr">
+                <a:solidFill>
+                  <a:schemeClr val="tx1"/>
+                </a:solidFill>
+                <a:prstDash val="solid"/>
+                <a:round/>
+                <a:headEnd type="none" w="sm" len="sm"/>
+                <a:tailEnd type="none" w="sm" len="sm"/>
+              </a:ln>
+              <a:effectLst/>
+            </p:spPr>
+            <p:txBody>
+              <a:bodyPr vert="horz" wrap="square" lIns="91440" tIns="45720" rIns="91440" bIns="45720" numCol="1" rtlCol="0" anchor="ctr" anchorCtr="0" compatLnSpc="1">
+                <a:prstTxWarp prst="textNoShape">
+                  <a:avLst/>
+                </a:prstTxWarp>
+              </a:bodyPr>
+              <a:lstStyle/>
+              <a:p>
+                <a:pPr marL="0" marR="0" indent="0" algn="ctr" defTabSz="914400" rtl="0" eaLnBrk="0" fontAlgn="base" latinLnBrk="0" hangingPunct="0">
+                  <a:lnSpc>
+                    <a:spcPct val="100000"/>
+                  </a:lnSpc>
+                  <a:spcBef>
+                    <a:spcPct val="0"/>
+                  </a:spcBef>
+                  <a:spcAft>
+                    <a:spcPct val="0"/>
+                  </a:spcAft>
+                  <a:buClrTx/>
+                  <a:buSzTx/>
+                  <a:buFontTx/>
+                  <a:buNone/>
+                  <a:tabLst/>
+                </a:pPr>
+                <a:r>
+                  <a:rPr kumimoji="0" lang="en-US" sz="1200" b="0" i="1" u="none" strike="noStrike" cap="none" normalizeH="0" baseline="0" dirty="0">
+                    <a:ln>
+                      <a:noFill/>
+                    </a:ln>
+                    <a:solidFill>
+                      <a:schemeClr val="tx2"/>
+                    </a:solidFill>
+                    <a:effectLst/>
+                    <a:latin typeface="Verdana" panose="020B0604030504040204" pitchFamily="34" charset="0"/>
+                    <a:ea typeface="Verdana" panose="020B0604030504040204" pitchFamily="34" charset="0"/>
+                    <a:cs typeface="Verdana" panose="020B0604030504040204" pitchFamily="34" charset="0"/>
+                  </a:rPr>
+                  <a:t>b</a:t>
+                </a:r>
+              </a:p>
+            </p:txBody>
+          </p:sp>
+          <p:sp>
+            <p:nvSpPr>
+              <p:cNvPr id="37" name="Oval 36"/>
+              <p:cNvSpPr/>
+              <p:nvPr/>
+            </p:nvSpPr>
+            <p:spPr bwMode="auto">
+              <a:xfrm>
+                <a:off x="56647" y="2641420"/>
+                <a:ext cx="216284" cy="216284"/>
+              </a:xfrm>
+              <a:prstGeom prst="ellipse">
+                <a:avLst/>
+              </a:prstGeom>
+              <a:solidFill>
+                <a:srgbClr val="CCFFFF"/>
+              </a:solidFill>
+              <a:ln w="12700" cap="flat" cmpd="sng" algn="ctr">
+                <a:solidFill>
+                  <a:schemeClr val="tx1"/>
+                </a:solidFill>
+                <a:prstDash val="solid"/>
+                <a:round/>
+                <a:headEnd type="none" w="sm" len="sm"/>
+                <a:tailEnd type="none" w="sm" len="sm"/>
+              </a:ln>
+              <a:effectLst/>
+            </p:spPr>
+            <p:txBody>
+              <a:bodyPr vert="horz" wrap="square" lIns="91440" tIns="45720" rIns="91440" bIns="45720" numCol="1" rtlCol="0" anchor="ctr" anchorCtr="0" compatLnSpc="1">
+                <a:prstTxWarp prst="textNoShape">
+                  <a:avLst/>
+                </a:prstTxWarp>
+              </a:bodyPr>
+              <a:lstStyle/>
+              <a:p>
+                <a:pPr marL="0" marR="0" indent="0" algn="ctr" defTabSz="914400" rtl="0" eaLnBrk="0" fontAlgn="base" latinLnBrk="0" hangingPunct="0">
+                  <a:lnSpc>
+                    <a:spcPct val="100000"/>
+                  </a:lnSpc>
+                  <a:spcBef>
+                    <a:spcPct val="0"/>
+                  </a:spcBef>
+                  <a:spcAft>
+                    <a:spcPct val="0"/>
+                  </a:spcAft>
+                  <a:buClrTx/>
+                  <a:buSzTx/>
+                  <a:buFontTx/>
+                  <a:buNone/>
+                  <a:tabLst/>
+                </a:pPr>
+                <a:r>
+                  <a:rPr kumimoji="0" lang="en-US" sz="1200" b="0" i="1" u="none" strike="noStrike" cap="none" normalizeH="0" baseline="0" dirty="0">
+                    <a:ln>
+                      <a:noFill/>
+                    </a:ln>
+                    <a:solidFill>
+                      <a:schemeClr val="tx2"/>
+                    </a:solidFill>
+                    <a:effectLst/>
+                    <a:latin typeface="Verdana" panose="020B0604030504040204" pitchFamily="34" charset="0"/>
+                    <a:ea typeface="Verdana" panose="020B0604030504040204" pitchFamily="34" charset="0"/>
+                    <a:cs typeface="Verdana" panose="020B0604030504040204" pitchFamily="34" charset="0"/>
+                  </a:rPr>
+                  <a:t>c</a:t>
+                </a:r>
+              </a:p>
+            </p:txBody>
+          </p:sp>
+          <p:sp>
+            <p:nvSpPr>
+              <p:cNvPr id="38" name="Oval 37"/>
+              <p:cNvSpPr/>
+              <p:nvPr/>
+            </p:nvSpPr>
+            <p:spPr bwMode="auto">
+              <a:xfrm>
+                <a:off x="2233441" y="1610429"/>
+                <a:ext cx="216284" cy="216284"/>
+              </a:xfrm>
+              <a:prstGeom prst="ellipse">
+                <a:avLst/>
+              </a:prstGeom>
+              <a:solidFill>
+                <a:srgbClr val="CCFFFF"/>
+              </a:solidFill>
+              <a:ln w="12700" cap="flat" cmpd="sng" algn="ctr">
+                <a:solidFill>
+                  <a:schemeClr val="tx1"/>
+                </a:solidFill>
+                <a:prstDash val="solid"/>
+                <a:round/>
+                <a:headEnd type="none" w="sm" len="sm"/>
+                <a:tailEnd type="none" w="sm" len="sm"/>
+              </a:ln>
+              <a:effectLst/>
+            </p:spPr>
+            <p:txBody>
+              <a:bodyPr vert="horz" wrap="square" lIns="91440" tIns="45720" rIns="91440" bIns="45720" numCol="1" rtlCol="0" anchor="ctr" anchorCtr="0" compatLnSpc="1">
+                <a:prstTxWarp prst="textNoShape">
+                  <a:avLst/>
+                </a:prstTxWarp>
+              </a:bodyPr>
+              <a:lstStyle/>
+              <a:p>
+                <a:pPr marL="0" marR="0" indent="0" algn="ctr" defTabSz="914400" rtl="0" eaLnBrk="0" fontAlgn="base" latinLnBrk="0" hangingPunct="0">
+                  <a:lnSpc>
+                    <a:spcPct val="100000"/>
+                  </a:lnSpc>
+                  <a:spcBef>
+                    <a:spcPct val="0"/>
+                  </a:spcBef>
+                  <a:spcAft>
+                    <a:spcPct val="0"/>
+                  </a:spcAft>
+                  <a:buClrTx/>
+                  <a:buSzTx/>
+                  <a:buFontTx/>
+                  <a:buNone/>
+                  <a:tabLst/>
+                </a:pPr>
+                <a:r>
+                  <a:rPr kumimoji="0" lang="en-US" sz="1200" b="0" i="1" u="none" strike="noStrike" cap="none" normalizeH="0" baseline="0" dirty="0">
+                    <a:ln>
+                      <a:noFill/>
+                    </a:ln>
+                    <a:solidFill>
+                      <a:schemeClr val="tx2"/>
+                    </a:solidFill>
+                    <a:effectLst/>
+                    <a:latin typeface="Verdana" panose="020B0604030504040204" pitchFamily="34" charset="0"/>
+                    <a:ea typeface="Verdana" panose="020B0604030504040204" pitchFamily="34" charset="0"/>
+                    <a:cs typeface="Verdana" panose="020B0604030504040204" pitchFamily="34" charset="0"/>
+                  </a:rPr>
+                  <a:t>f</a:t>
+                </a:r>
+              </a:p>
+            </p:txBody>
+          </p:sp>
+          <p:sp>
+            <p:nvSpPr>
+              <p:cNvPr id="39" name="Oval 38"/>
+              <p:cNvSpPr/>
+              <p:nvPr/>
+            </p:nvSpPr>
+            <p:spPr bwMode="auto">
+              <a:xfrm>
+                <a:off x="57953" y="1610429"/>
+                <a:ext cx="216284" cy="216284"/>
+              </a:xfrm>
+              <a:prstGeom prst="ellipse">
+                <a:avLst/>
+              </a:prstGeom>
+              <a:solidFill>
+                <a:srgbClr val="CCFFCC"/>
+              </a:solidFill>
+              <a:ln w="12700" cap="flat" cmpd="sng" algn="ctr">
+                <a:solidFill>
+                  <a:schemeClr val="tx1"/>
+                </a:solidFill>
+                <a:prstDash val="solid"/>
+                <a:round/>
+                <a:headEnd type="none" w="sm" len="sm"/>
+                <a:tailEnd type="none" w="sm" len="sm"/>
+              </a:ln>
+              <a:effectLst/>
+            </p:spPr>
+            <p:txBody>
+              <a:bodyPr vert="horz" wrap="square" lIns="91440" tIns="45720" rIns="91440" bIns="45720" numCol="1" rtlCol="0" anchor="ctr" anchorCtr="0" compatLnSpc="1">
+                <a:prstTxWarp prst="textNoShape">
+                  <a:avLst/>
+                </a:prstTxWarp>
+              </a:bodyPr>
+              <a:lstStyle/>
+              <a:p>
+                <a:pPr marL="0" marR="0" indent="0" algn="ctr" defTabSz="914400" rtl="0" eaLnBrk="0" fontAlgn="base" latinLnBrk="0" hangingPunct="0">
+                  <a:lnSpc>
+                    <a:spcPct val="100000"/>
+                  </a:lnSpc>
+                  <a:spcBef>
+                    <a:spcPct val="0"/>
+                  </a:spcBef>
+                  <a:spcAft>
+                    <a:spcPct val="0"/>
+                  </a:spcAft>
+                  <a:buClrTx/>
+                  <a:buSzTx/>
+                  <a:buFontTx/>
+                  <a:buNone/>
+                  <a:tabLst/>
+                </a:pPr>
+                <a:r>
+                  <a:rPr kumimoji="0" lang="en-US" sz="1200" b="0" i="1" u="none" strike="noStrike" cap="none" normalizeH="0" baseline="0" dirty="0">
+                    <a:ln>
+                      <a:noFill/>
+                    </a:ln>
+                    <a:solidFill>
+                      <a:schemeClr val="tx2"/>
+                    </a:solidFill>
+                    <a:effectLst/>
+                    <a:latin typeface="Verdana" panose="020B0604030504040204" pitchFamily="34" charset="0"/>
+                    <a:ea typeface="Verdana" panose="020B0604030504040204" pitchFamily="34" charset="0"/>
+                    <a:cs typeface="Verdana" panose="020B0604030504040204" pitchFamily="34" charset="0"/>
+                  </a:rPr>
+                  <a:t>a</a:t>
+                </a:r>
+              </a:p>
+            </p:txBody>
+          </p:sp>
+          <p:sp>
+            <p:nvSpPr>
+              <p:cNvPr id="40" name="Oval 39"/>
+              <p:cNvSpPr/>
+              <p:nvPr/>
+            </p:nvSpPr>
+            <p:spPr bwMode="auto">
+              <a:xfrm>
+                <a:off x="1480661" y="2641420"/>
+                <a:ext cx="216284" cy="216284"/>
+              </a:xfrm>
+              <a:prstGeom prst="ellipse">
+                <a:avLst/>
+              </a:prstGeom>
+              <a:solidFill>
+                <a:srgbClr val="CCFFFF"/>
+              </a:solidFill>
+              <a:ln w="12700" cap="flat" cmpd="sng" algn="ctr">
+                <a:solidFill>
+                  <a:schemeClr val="tx1"/>
+                </a:solidFill>
+                <a:prstDash val="solid"/>
+                <a:round/>
+                <a:headEnd type="none" w="sm" len="sm"/>
+                <a:tailEnd type="none" w="sm" len="sm"/>
+              </a:ln>
+              <a:effectLst/>
+            </p:spPr>
+            <p:txBody>
+              <a:bodyPr vert="horz" wrap="square" lIns="91440" tIns="45720" rIns="91440" bIns="45720" numCol="1" rtlCol="0" anchor="ctr" anchorCtr="0" compatLnSpc="1">
+                <a:prstTxWarp prst="textNoShape">
+                  <a:avLst/>
+                </a:prstTxWarp>
+              </a:bodyPr>
+              <a:lstStyle/>
+              <a:p>
+                <a:pPr marL="0" marR="0" indent="0" algn="ctr" defTabSz="914400" rtl="0" eaLnBrk="0" fontAlgn="base" latinLnBrk="0" hangingPunct="0">
+                  <a:lnSpc>
+                    <a:spcPct val="100000"/>
+                  </a:lnSpc>
+                  <a:spcBef>
+                    <a:spcPct val="0"/>
+                  </a:spcBef>
+                  <a:spcAft>
+                    <a:spcPct val="0"/>
+                  </a:spcAft>
+                  <a:buClrTx/>
+                  <a:buSzTx/>
+                  <a:buFontTx/>
+                  <a:buNone/>
+                  <a:tabLst/>
+                </a:pPr>
+                <a:r>
+                  <a:rPr kumimoji="0" lang="en-US" sz="1200" b="0" i="1" u="none" strike="noStrike" cap="none" normalizeH="0" baseline="0" dirty="0">
+                    <a:ln>
+                      <a:noFill/>
+                    </a:ln>
+                    <a:solidFill>
+                      <a:schemeClr val="tx2"/>
+                    </a:solidFill>
+                    <a:effectLst/>
+                    <a:latin typeface="Verdana" panose="020B0604030504040204" pitchFamily="34" charset="0"/>
+                    <a:ea typeface="Verdana" panose="020B0604030504040204" pitchFamily="34" charset="0"/>
+                    <a:cs typeface="Verdana" panose="020B0604030504040204" pitchFamily="34" charset="0"/>
+                  </a:rPr>
+                  <a:t>g</a:t>
+                </a:r>
+              </a:p>
+            </p:txBody>
+          </p:sp>
+          <p:sp>
+            <p:nvSpPr>
+              <p:cNvPr id="41" name="Oval 40"/>
+              <p:cNvSpPr/>
+              <p:nvPr/>
+            </p:nvSpPr>
+            <p:spPr bwMode="auto">
+              <a:xfrm>
+                <a:off x="755810" y="2641420"/>
+                <a:ext cx="216284" cy="216284"/>
+              </a:xfrm>
+              <a:prstGeom prst="ellipse">
+                <a:avLst/>
+              </a:prstGeom>
+              <a:solidFill>
+                <a:srgbClr val="CCFFCC"/>
+              </a:solidFill>
+              <a:ln w="12700" cap="flat" cmpd="sng" algn="ctr">
+                <a:solidFill>
+                  <a:schemeClr val="tx1"/>
+                </a:solidFill>
+                <a:prstDash val="solid"/>
+                <a:round/>
+                <a:headEnd type="none" w="sm" len="sm"/>
+                <a:tailEnd type="none" w="sm" len="sm"/>
+              </a:ln>
+              <a:effectLst/>
+            </p:spPr>
+            <p:txBody>
+              <a:bodyPr vert="horz" wrap="square" lIns="91440" tIns="45720" rIns="91440" bIns="45720" numCol="1" rtlCol="0" anchor="ctr" anchorCtr="0" compatLnSpc="1">
+                <a:prstTxWarp prst="textNoShape">
+                  <a:avLst/>
+                </a:prstTxWarp>
+              </a:bodyPr>
+              <a:lstStyle/>
+              <a:p>
+                <a:pPr marL="0" marR="0" indent="0" algn="ctr" defTabSz="914400" rtl="0" eaLnBrk="0" fontAlgn="base" latinLnBrk="0" hangingPunct="0">
+                  <a:lnSpc>
+                    <a:spcPct val="100000"/>
+                  </a:lnSpc>
+                  <a:spcBef>
+                    <a:spcPct val="0"/>
+                  </a:spcBef>
+                  <a:spcAft>
+                    <a:spcPct val="0"/>
+                  </a:spcAft>
+                  <a:buClrTx/>
+                  <a:buSzTx/>
+                  <a:buFontTx/>
+                  <a:buNone/>
+                  <a:tabLst/>
+                </a:pPr>
+                <a:r>
+                  <a:rPr lang="en-US" sz="1200" i="1" dirty="0">
+                    <a:latin typeface="Verdana" panose="020B0604030504040204" pitchFamily="34" charset="0"/>
+                    <a:ea typeface="Verdana" panose="020B0604030504040204" pitchFamily="34" charset="0"/>
+                    <a:cs typeface="Verdana" panose="020B0604030504040204" pitchFamily="34" charset="0"/>
+                  </a:rPr>
+                  <a:t>d</a:t>
+                </a:r>
+                <a:endParaRPr kumimoji="0" lang="en-US" sz="1200" b="0" i="1" u="none" strike="noStrike" cap="none" normalizeH="0" baseline="0" dirty="0">
+                  <a:ln>
+                    <a:noFill/>
+                  </a:ln>
+                  <a:solidFill>
+                    <a:schemeClr val="tx2"/>
+                  </a:solidFill>
+                  <a:effectLst/>
+                  <a:latin typeface="Verdana" panose="020B0604030504040204" pitchFamily="34" charset="0"/>
+                  <a:ea typeface="Verdana" panose="020B0604030504040204" pitchFamily="34" charset="0"/>
+                  <a:cs typeface="Verdana" panose="020B0604030504040204" pitchFamily="34" charset="0"/>
+                </a:endParaRPr>
+              </a:p>
+            </p:txBody>
+          </p:sp>
+          <p:cxnSp>
+            <p:nvCxnSpPr>
+              <p:cNvPr id="42" name="Straight Connector 41"/>
+              <p:cNvCxnSpPr>
+                <a:cxnSpLocks/>
+                <a:stCxn id="40" idx="6"/>
+                <a:endCxn id="14" idx="2"/>
+              </p:cNvCxnSpPr>
+              <p:nvPr/>
+            </p:nvCxnSpPr>
+            <p:spPr bwMode="auto">
+              <a:xfrm>
+                <a:off x="1696945" y="2749562"/>
+                <a:ext cx="533301" cy="0"/>
+              </a:xfrm>
+              <a:prstGeom prst="line">
+                <a:avLst/>
+              </a:prstGeom>
+              <a:solidFill>
+                <a:schemeClr val="accent1"/>
+              </a:solidFill>
+              <a:ln w="12700" cap="flat" cmpd="sng" algn="ctr">
+                <a:solidFill>
+                  <a:schemeClr val="tx1"/>
+                </a:solidFill>
+                <a:prstDash val="solid"/>
+                <a:round/>
+                <a:headEnd type="none" w="sm" len="sm"/>
+                <a:tailEnd type="none" w="sm" len="sm"/>
+              </a:ln>
+              <a:effectLst/>
+            </p:spPr>
+          </p:cxnSp>
+          <p:cxnSp>
+            <p:nvCxnSpPr>
+              <p:cNvPr id="43" name="Straight Connector 42"/>
+              <p:cNvCxnSpPr>
+                <a:cxnSpLocks/>
+                <a:stCxn id="40" idx="2"/>
+                <a:endCxn id="41" idx="6"/>
+              </p:cNvCxnSpPr>
+              <p:nvPr/>
+            </p:nvCxnSpPr>
+            <p:spPr bwMode="auto">
+              <a:xfrm flipH="1">
+                <a:off x="972094" y="2749562"/>
+                <a:ext cx="508567" cy="0"/>
+              </a:xfrm>
+              <a:prstGeom prst="line">
+                <a:avLst/>
+              </a:prstGeom>
+              <a:solidFill>
+                <a:schemeClr val="accent1"/>
+              </a:solidFill>
+              <a:ln w="12700" cap="flat" cmpd="sng" algn="ctr">
+                <a:solidFill>
+                  <a:schemeClr val="tx1"/>
+                </a:solidFill>
+                <a:prstDash val="solid"/>
+                <a:round/>
+                <a:headEnd type="none" w="sm" len="sm"/>
+                <a:tailEnd type="none" w="sm" len="sm"/>
+              </a:ln>
+              <a:effectLst/>
+            </p:spPr>
+          </p:cxnSp>
+          <p:cxnSp>
+            <p:nvCxnSpPr>
+              <p:cNvPr id="44" name="Straight Connector 43"/>
+              <p:cNvCxnSpPr>
+                <a:cxnSpLocks/>
+                <a:stCxn id="38" idx="3"/>
+                <a:endCxn id="13" idx="7"/>
+              </p:cNvCxnSpPr>
+              <p:nvPr/>
+            </p:nvCxnSpPr>
+            <p:spPr bwMode="auto">
+              <a:xfrm flipH="1">
+                <a:off x="1663092" y="1795039"/>
+                <a:ext cx="602023" cy="206302"/>
+              </a:xfrm>
+              <a:prstGeom prst="line">
+                <a:avLst/>
+              </a:prstGeom>
+              <a:solidFill>
+                <a:schemeClr val="accent1"/>
+              </a:solidFill>
+              <a:ln w="12700" cap="flat" cmpd="sng" algn="ctr">
+                <a:solidFill>
+                  <a:schemeClr val="tx1"/>
+                </a:solidFill>
+                <a:prstDash val="solid"/>
+                <a:round/>
+                <a:headEnd type="none" w="sm" len="sm"/>
+                <a:tailEnd type="none" w="sm" len="sm"/>
+              </a:ln>
+              <a:effectLst/>
+            </p:spPr>
+          </p:cxnSp>
+          <p:cxnSp>
+            <p:nvCxnSpPr>
+              <p:cNvPr id="45" name="Straight Connector 44"/>
+              <p:cNvCxnSpPr>
+                <a:cxnSpLocks/>
+                <a:stCxn id="40" idx="0"/>
+                <a:endCxn id="13" idx="4"/>
+              </p:cNvCxnSpPr>
+              <p:nvPr/>
+            </p:nvCxnSpPr>
+            <p:spPr bwMode="auto">
+              <a:xfrm flipH="1" flipV="1">
+                <a:off x="1586624" y="2185951"/>
+                <a:ext cx="2179" cy="455469"/>
+              </a:xfrm>
+              <a:prstGeom prst="line">
+                <a:avLst/>
+              </a:prstGeom>
+              <a:solidFill>
+                <a:schemeClr val="accent1"/>
+              </a:solidFill>
+              <a:ln w="12700" cap="flat" cmpd="sng" algn="ctr">
+                <a:solidFill>
+                  <a:schemeClr val="tx1"/>
+                </a:solidFill>
+                <a:prstDash val="solid"/>
+                <a:round/>
+                <a:headEnd type="none" w="sm" len="sm"/>
+                <a:tailEnd type="none" w="sm" len="sm"/>
+              </a:ln>
+              <a:effectLst/>
+            </p:spPr>
+          </p:cxnSp>
+          <p:cxnSp>
+            <p:nvCxnSpPr>
+              <p:cNvPr id="46" name="Straight Connector 45"/>
+              <p:cNvCxnSpPr>
+                <a:cxnSpLocks/>
+                <a:stCxn id="38" idx="4"/>
+                <a:endCxn id="14" idx="0"/>
+              </p:cNvCxnSpPr>
+              <p:nvPr/>
+            </p:nvCxnSpPr>
+            <p:spPr bwMode="auto">
+              <a:xfrm flipH="1">
+                <a:off x="2338388" y="1826713"/>
+                <a:ext cx="3195" cy="814707"/>
+              </a:xfrm>
+              <a:prstGeom prst="line">
+                <a:avLst/>
+              </a:prstGeom>
+              <a:solidFill>
+                <a:schemeClr val="accent1"/>
+              </a:solidFill>
+              <a:ln w="12700" cap="flat" cmpd="sng" algn="ctr">
+                <a:solidFill>
+                  <a:schemeClr val="tx1"/>
+                </a:solidFill>
+                <a:prstDash val="solid"/>
+                <a:round/>
+                <a:headEnd type="none" w="sm" len="sm"/>
+                <a:tailEnd type="none" w="sm" len="sm"/>
+              </a:ln>
+              <a:effectLst/>
+            </p:spPr>
+          </p:cxnSp>
+          <p:cxnSp>
+            <p:nvCxnSpPr>
+              <p:cNvPr id="47" name="Straight Connector 46"/>
+              <p:cNvCxnSpPr>
+                <a:cxnSpLocks/>
+                <a:stCxn id="39" idx="5"/>
+                <a:endCxn id="36" idx="1"/>
+              </p:cNvCxnSpPr>
+              <p:nvPr/>
+            </p:nvCxnSpPr>
+            <p:spPr bwMode="auto">
+              <a:xfrm>
+                <a:off x="242563" y="1795039"/>
+                <a:ext cx="541928" cy="206302"/>
+              </a:xfrm>
+              <a:prstGeom prst="line">
+                <a:avLst/>
+              </a:prstGeom>
+              <a:solidFill>
+                <a:schemeClr val="accent1"/>
+              </a:solidFill>
+              <a:ln w="12700" cap="flat" cmpd="sng" algn="ctr">
+                <a:solidFill>
+                  <a:schemeClr val="tx1"/>
+                </a:solidFill>
+                <a:prstDash val="solid"/>
+                <a:round/>
+                <a:headEnd type="none" w="sm" len="sm"/>
+                <a:tailEnd type="none" w="sm" len="sm"/>
+              </a:ln>
+              <a:effectLst/>
+            </p:spPr>
+          </p:cxnSp>
+          <p:cxnSp>
+            <p:nvCxnSpPr>
+              <p:cNvPr id="48" name="Straight Connector 47"/>
+              <p:cNvCxnSpPr>
+                <a:cxnSpLocks/>
+                <a:stCxn id="41" idx="2"/>
+                <a:endCxn id="37" idx="6"/>
+              </p:cNvCxnSpPr>
+              <p:nvPr/>
+            </p:nvCxnSpPr>
+            <p:spPr bwMode="auto">
+              <a:xfrm flipH="1">
+                <a:off x="272931" y="2749562"/>
+                <a:ext cx="482879" cy="0"/>
+              </a:xfrm>
+              <a:prstGeom prst="line">
+                <a:avLst/>
+              </a:prstGeom>
+              <a:solidFill>
+                <a:schemeClr val="accent1"/>
+              </a:solidFill>
+              <a:ln w="12700" cap="flat" cmpd="sng" algn="ctr">
+                <a:solidFill>
+                  <a:schemeClr val="tx1"/>
+                </a:solidFill>
+                <a:prstDash val="solid"/>
+                <a:round/>
+                <a:headEnd type="none" w="sm" len="sm"/>
+                <a:tailEnd type="none" w="sm" len="sm"/>
+              </a:ln>
+              <a:effectLst/>
+            </p:spPr>
+          </p:cxnSp>
+          <p:cxnSp>
+            <p:nvCxnSpPr>
+              <p:cNvPr id="49" name="Straight Connector 48"/>
+              <p:cNvCxnSpPr>
+                <a:cxnSpLocks/>
+                <a:stCxn id="37" idx="0"/>
+                <a:endCxn id="39" idx="4"/>
+              </p:cNvCxnSpPr>
+              <p:nvPr/>
+            </p:nvCxnSpPr>
+            <p:spPr bwMode="auto">
+              <a:xfrm flipV="1">
+                <a:off x="164789" y="1826713"/>
+                <a:ext cx="1306" cy="814707"/>
+              </a:xfrm>
+              <a:prstGeom prst="line">
+                <a:avLst/>
+              </a:prstGeom>
+              <a:solidFill>
+                <a:schemeClr val="accent1"/>
+              </a:solidFill>
+              <a:ln w="12700" cap="flat" cmpd="sng" algn="ctr">
+                <a:solidFill>
+                  <a:schemeClr val="tx1"/>
+                </a:solidFill>
+                <a:prstDash val="solid"/>
+                <a:round/>
+                <a:headEnd type="none" w="sm" len="sm"/>
+                <a:tailEnd type="none" w="sm" len="sm"/>
+              </a:ln>
+              <a:effectLst/>
+            </p:spPr>
+          </p:cxnSp>
+          <p:cxnSp>
+            <p:nvCxnSpPr>
+              <p:cNvPr id="50" name="Straight Connector 49"/>
+              <p:cNvCxnSpPr>
+                <a:cxnSpLocks/>
+                <a:stCxn id="36" idx="4"/>
+                <a:endCxn id="41" idx="0"/>
+              </p:cNvCxnSpPr>
+              <p:nvPr/>
+            </p:nvCxnSpPr>
+            <p:spPr bwMode="auto">
+              <a:xfrm>
+                <a:off x="860959" y="2185951"/>
+                <a:ext cx="2993" cy="455469"/>
+              </a:xfrm>
+              <a:prstGeom prst="line">
+                <a:avLst/>
+              </a:prstGeom>
+              <a:solidFill>
+                <a:schemeClr val="accent1"/>
+              </a:solidFill>
+              <a:ln w="12700" cap="flat" cmpd="sng" algn="ctr">
+                <a:solidFill>
+                  <a:schemeClr val="tx1"/>
+                </a:solidFill>
+                <a:prstDash val="solid"/>
+                <a:round/>
+                <a:headEnd type="none" w="sm" len="sm"/>
+                <a:tailEnd type="none" w="sm" len="sm"/>
+              </a:ln>
+              <a:effectLst/>
+            </p:spPr>
+          </p:cxnSp>
+          <p:sp>
+            <p:nvSpPr>
+              <p:cNvPr id="13" name="Oval 12">
+                <a:extLst>
+                  <a:ext uri="{FF2B5EF4-FFF2-40B4-BE49-F238E27FC236}">
+                    <a16:creationId xmlns:a16="http://schemas.microsoft.com/office/drawing/2014/main" id="{B6B114D6-1A93-4A58-671F-BEA7904F16E4}"/>
+                  </a:ext>
+                </a:extLst>
+              </p:cNvPr>
+              <p:cNvSpPr/>
+              <p:nvPr/>
+            </p:nvSpPr>
+            <p:spPr bwMode="auto">
+              <a:xfrm>
+                <a:off x="1478482" y="1969667"/>
+                <a:ext cx="216284" cy="216284"/>
+              </a:xfrm>
+              <a:prstGeom prst="ellipse">
+                <a:avLst/>
+              </a:prstGeom>
+              <a:solidFill>
+                <a:srgbClr val="CCFFCC"/>
+              </a:solidFill>
+              <a:ln w="12700" cap="flat" cmpd="sng" algn="ctr">
+                <a:solidFill>
+                  <a:schemeClr val="tx1"/>
+                </a:solidFill>
+                <a:prstDash val="solid"/>
+                <a:round/>
+                <a:headEnd type="none" w="sm" len="sm"/>
+                <a:tailEnd type="none" w="sm" len="sm"/>
+              </a:ln>
+              <a:effectLst/>
+            </p:spPr>
+            <p:txBody>
+              <a:bodyPr vert="horz" wrap="square" lIns="91440" tIns="45720" rIns="91440" bIns="45720" numCol="1" rtlCol="0" anchor="ctr" anchorCtr="0" compatLnSpc="1">
+                <a:prstTxWarp prst="textNoShape">
+                  <a:avLst/>
+                </a:prstTxWarp>
+              </a:bodyPr>
+              <a:lstStyle/>
+              <a:p>
+                <a:pPr marL="0" marR="0" indent="0" algn="ctr" defTabSz="914400" rtl="0" eaLnBrk="0" fontAlgn="base" latinLnBrk="0" hangingPunct="0">
+                  <a:lnSpc>
+                    <a:spcPct val="100000"/>
+                  </a:lnSpc>
+                  <a:spcBef>
+                    <a:spcPct val="0"/>
+                  </a:spcBef>
+                  <a:spcAft>
+                    <a:spcPct val="0"/>
+                  </a:spcAft>
+                  <a:buClrTx/>
+                  <a:buSzTx/>
+                  <a:buFontTx/>
+                  <a:buNone/>
+                  <a:tabLst/>
+                </a:pPr>
+                <a:r>
+                  <a:rPr kumimoji="0" lang="en-US" sz="1200" b="0" i="1" u="none" strike="noStrike" cap="none" normalizeH="0" baseline="0" dirty="0">
+                    <a:ln>
+                      <a:noFill/>
+                    </a:ln>
+                    <a:solidFill>
+                      <a:schemeClr val="tx2"/>
+                    </a:solidFill>
+                    <a:effectLst/>
+                    <a:latin typeface="Verdana" panose="020B0604030504040204" pitchFamily="34" charset="0"/>
+                    <a:ea typeface="Verdana" panose="020B0604030504040204" pitchFamily="34" charset="0"/>
+                    <a:cs typeface="Verdana" panose="020B0604030504040204" pitchFamily="34" charset="0"/>
+                  </a:rPr>
+                  <a:t>e</a:t>
+                </a:r>
+              </a:p>
+            </p:txBody>
+          </p:sp>
+          <p:sp>
+            <p:nvSpPr>
+              <p:cNvPr id="14" name="Oval 13">
+                <a:extLst>
+                  <a:ext uri="{FF2B5EF4-FFF2-40B4-BE49-F238E27FC236}">
+                    <a16:creationId xmlns:a16="http://schemas.microsoft.com/office/drawing/2014/main" id="{A3D6276F-CF95-8D5A-2267-483DAAF89F1C}"/>
+                  </a:ext>
+                </a:extLst>
+              </p:cNvPr>
+              <p:cNvSpPr/>
+              <p:nvPr/>
+            </p:nvSpPr>
+            <p:spPr bwMode="auto">
+              <a:xfrm>
+                <a:off x="2230246" y="2641420"/>
+                <a:ext cx="216284" cy="216284"/>
+              </a:xfrm>
+              <a:prstGeom prst="ellipse">
+                <a:avLst/>
+              </a:prstGeom>
+              <a:solidFill>
+                <a:srgbClr val="CCFFCC"/>
+              </a:solidFill>
+              <a:ln w="12700" cap="flat" cmpd="sng" algn="ctr">
+                <a:solidFill>
+                  <a:schemeClr val="tx1"/>
+                </a:solidFill>
+                <a:prstDash val="solid"/>
+                <a:round/>
+                <a:headEnd type="none" w="sm" len="sm"/>
+                <a:tailEnd type="none" w="sm" len="sm"/>
+              </a:ln>
+              <a:effectLst/>
+            </p:spPr>
+            <p:txBody>
+              <a:bodyPr vert="horz" wrap="square" lIns="91440" tIns="45720" rIns="91440" bIns="45720" numCol="1" rtlCol="0" anchor="ctr" anchorCtr="0" compatLnSpc="1">
+                <a:prstTxWarp prst="textNoShape">
+                  <a:avLst/>
+                </a:prstTxWarp>
+              </a:bodyPr>
+              <a:lstStyle/>
+              <a:p>
+                <a:pPr marL="0" marR="0" indent="0" algn="ctr" defTabSz="914400" rtl="0" eaLnBrk="0" fontAlgn="base" latinLnBrk="0" hangingPunct="0">
+                  <a:lnSpc>
+                    <a:spcPct val="100000"/>
+                  </a:lnSpc>
+                  <a:spcBef>
+                    <a:spcPct val="0"/>
+                  </a:spcBef>
+                  <a:spcAft>
+                    <a:spcPct val="0"/>
+                  </a:spcAft>
+                  <a:buClrTx/>
+                  <a:buSzTx/>
+                  <a:buFontTx/>
+                  <a:buNone/>
+                  <a:tabLst/>
+                </a:pPr>
+                <a:r>
+                  <a:rPr kumimoji="0" lang="en-US" sz="1200" b="0" i="1" u="none" strike="noStrike" cap="none" normalizeH="0" baseline="0" dirty="0">
+                    <a:ln>
+                      <a:noFill/>
+                    </a:ln>
+                    <a:solidFill>
+                      <a:schemeClr val="tx2"/>
+                    </a:solidFill>
+                    <a:effectLst/>
+                    <a:latin typeface="Verdana" panose="020B0604030504040204" pitchFamily="34" charset="0"/>
+                    <a:ea typeface="Verdana" panose="020B0604030504040204" pitchFamily="34" charset="0"/>
+                    <a:cs typeface="Verdana" panose="020B0604030504040204" pitchFamily="34" charset="0"/>
+                  </a:rPr>
+                  <a:t>h</a:t>
+                </a:r>
+              </a:p>
+            </p:txBody>
+          </p:sp>
+          <p:cxnSp>
+            <p:nvCxnSpPr>
+              <p:cNvPr id="2" name="Straight Connector 1">
+                <a:extLst>
+                  <a:ext uri="{FF2B5EF4-FFF2-40B4-BE49-F238E27FC236}">
+                    <a16:creationId xmlns:a16="http://schemas.microsoft.com/office/drawing/2014/main" id="{F24AB0DD-736D-26D3-D587-A0F7543B6884}"/>
+                  </a:ext>
+                </a:extLst>
+              </p:cNvPr>
+              <p:cNvCxnSpPr>
+                <a:cxnSpLocks/>
+                <a:stCxn id="39" idx="6"/>
+                <a:endCxn id="38" idx="2"/>
+              </p:cNvCxnSpPr>
+              <p:nvPr/>
+            </p:nvCxnSpPr>
+            <p:spPr bwMode="auto">
+              <a:xfrm>
+                <a:off x="274237" y="1718571"/>
+                <a:ext cx="1959204" cy="0"/>
+              </a:xfrm>
+              <a:prstGeom prst="line">
+                <a:avLst/>
+              </a:prstGeom>
+              <a:solidFill>
+                <a:schemeClr val="accent1"/>
+              </a:solidFill>
+              <a:ln w="12700" cap="flat" cmpd="sng" algn="ctr">
+                <a:solidFill>
+                  <a:schemeClr val="tx1"/>
+                </a:solidFill>
+                <a:prstDash val="solid"/>
+                <a:round/>
+                <a:headEnd type="none" w="sm" len="sm"/>
+                <a:tailEnd type="none" w="sm" len="sm"/>
+              </a:ln>
+              <a:effectLst/>
+            </p:spPr>
+          </p:cxnSp>
+        </p:grpSp>
+        <p:grpSp>
+          <p:nvGrpSpPr>
+            <p:cNvPr id="429094" name="Group 429093">
+              <a:extLst>
+                <a:ext uri="{FF2B5EF4-FFF2-40B4-BE49-F238E27FC236}">
+                  <a16:creationId xmlns:a16="http://schemas.microsoft.com/office/drawing/2014/main" id="{081EDE4A-34CE-6210-F6F9-325E2739F4B7}"/>
+                </a:ext>
+              </a:extLst>
+            </p:cNvPr>
+            <p:cNvGrpSpPr/>
+            <p:nvPr/>
+          </p:nvGrpSpPr>
+          <p:grpSpPr>
+            <a:xfrm>
+              <a:off x="7388456" y="1590678"/>
+              <a:ext cx="2375144" cy="1267026"/>
+              <a:chOff x="7388456" y="1590678"/>
+              <a:chExt cx="2375144" cy="1267026"/>
+            </a:xfrm>
+          </p:grpSpPr>
+          <p:sp>
+            <p:nvSpPr>
+              <p:cNvPr id="429066" name="Oval 429065">
+                <a:extLst>
+                  <a:ext uri="{FF2B5EF4-FFF2-40B4-BE49-F238E27FC236}">
+                    <a16:creationId xmlns:a16="http://schemas.microsoft.com/office/drawing/2014/main" id="{8427D67F-34AE-FE09-0B14-9503DF261739}"/>
+                  </a:ext>
+                </a:extLst>
+              </p:cNvPr>
+              <p:cNvSpPr/>
+              <p:nvPr/>
+            </p:nvSpPr>
+            <p:spPr bwMode="auto">
+              <a:xfrm>
+                <a:off x="8084626" y="1949916"/>
+                <a:ext cx="216284" cy="216284"/>
+              </a:xfrm>
+              <a:prstGeom prst="ellipse">
+                <a:avLst/>
+              </a:prstGeom>
+              <a:solidFill>
+                <a:srgbClr val="CCFFFF"/>
+              </a:solidFill>
+              <a:ln w="12700" cap="flat" cmpd="sng" algn="ctr">
+                <a:solidFill>
+                  <a:schemeClr val="tx1"/>
+                </a:solidFill>
+                <a:prstDash val="solid"/>
+                <a:round/>
+                <a:headEnd type="none" w="sm" len="sm"/>
+                <a:tailEnd type="none" w="sm" len="sm"/>
+              </a:ln>
+              <a:effectLst/>
+            </p:spPr>
+            <p:txBody>
+              <a:bodyPr vert="horz" wrap="square" lIns="91440" tIns="45720" rIns="91440" bIns="45720" numCol="1" rtlCol="0" anchor="ctr" anchorCtr="0" compatLnSpc="1">
+                <a:prstTxWarp prst="textNoShape">
+                  <a:avLst/>
+                </a:prstTxWarp>
+              </a:bodyPr>
+              <a:lstStyle/>
+              <a:p>
+                <a:pPr marL="0" marR="0" indent="0" algn="ctr" defTabSz="914400" rtl="0" eaLnBrk="0" fontAlgn="base" latinLnBrk="0" hangingPunct="0">
+                  <a:lnSpc>
+                    <a:spcPct val="100000"/>
+                  </a:lnSpc>
+                  <a:spcBef>
+                    <a:spcPct val="0"/>
+                  </a:spcBef>
+                  <a:spcAft>
+                    <a:spcPct val="0"/>
+                  </a:spcAft>
+                  <a:buClrTx/>
+                  <a:buSzTx/>
+                  <a:buFontTx/>
+                  <a:buNone/>
+                  <a:tabLst/>
+                </a:pPr>
+                <a:r>
+                  <a:rPr kumimoji="0" lang="en-US" sz="1200" b="0" i="1" u="none" strike="noStrike" cap="none" normalizeH="0" baseline="0" dirty="0">
+                    <a:ln>
+                      <a:noFill/>
+                    </a:ln>
+                    <a:solidFill>
+                      <a:schemeClr val="tx2"/>
+                    </a:solidFill>
+                    <a:effectLst/>
+                    <a:latin typeface="Verdana" panose="020B0604030504040204" pitchFamily="34" charset="0"/>
+                    <a:ea typeface="Verdana" panose="020B0604030504040204" pitchFamily="34" charset="0"/>
+                    <a:cs typeface="Verdana" panose="020B0604030504040204" pitchFamily="34" charset="0"/>
+                  </a:rPr>
+                  <a:t>b</a:t>
+                </a:r>
+              </a:p>
+            </p:txBody>
+          </p:sp>
+          <p:sp>
+            <p:nvSpPr>
+              <p:cNvPr id="429067" name="Oval 429066">
+                <a:extLst>
+                  <a:ext uri="{FF2B5EF4-FFF2-40B4-BE49-F238E27FC236}">
+                    <a16:creationId xmlns:a16="http://schemas.microsoft.com/office/drawing/2014/main" id="{32FEA0BF-1B52-36ED-4C4C-68A90D748BE7}"/>
+                  </a:ext>
+                </a:extLst>
+              </p:cNvPr>
+              <p:cNvSpPr/>
+              <p:nvPr/>
+            </p:nvSpPr>
+            <p:spPr bwMode="auto">
+              <a:xfrm>
+                <a:off x="7388456" y="2621669"/>
+                <a:ext cx="216284" cy="216284"/>
+              </a:xfrm>
+              <a:prstGeom prst="ellipse">
+                <a:avLst/>
+              </a:prstGeom>
+              <a:solidFill>
+                <a:srgbClr val="CCFFFF"/>
+              </a:solidFill>
+              <a:ln w="12700" cap="flat" cmpd="sng" algn="ctr">
+                <a:solidFill>
+                  <a:schemeClr val="tx1"/>
+                </a:solidFill>
+                <a:prstDash val="solid"/>
+                <a:round/>
+                <a:headEnd type="none" w="sm" len="sm"/>
+                <a:tailEnd type="none" w="sm" len="sm"/>
+              </a:ln>
+              <a:effectLst/>
+            </p:spPr>
+            <p:txBody>
+              <a:bodyPr vert="horz" wrap="square" lIns="91440" tIns="45720" rIns="91440" bIns="45720" numCol="1" rtlCol="0" anchor="ctr" anchorCtr="0" compatLnSpc="1">
+                <a:prstTxWarp prst="textNoShape">
+                  <a:avLst/>
+                </a:prstTxWarp>
+              </a:bodyPr>
+              <a:lstStyle/>
+              <a:p>
+                <a:pPr marL="0" marR="0" indent="0" algn="ctr" defTabSz="914400" rtl="0" eaLnBrk="0" fontAlgn="base" latinLnBrk="0" hangingPunct="0">
+                  <a:lnSpc>
+                    <a:spcPct val="100000"/>
+                  </a:lnSpc>
+                  <a:spcBef>
+                    <a:spcPct val="0"/>
+                  </a:spcBef>
+                  <a:spcAft>
+                    <a:spcPct val="0"/>
+                  </a:spcAft>
+                  <a:buClrTx/>
+                  <a:buSzTx/>
+                  <a:buFontTx/>
+                  <a:buNone/>
+                  <a:tabLst/>
+                </a:pPr>
+                <a:r>
+                  <a:rPr kumimoji="0" lang="en-US" sz="1200" b="0" i="1" u="none" strike="noStrike" cap="none" normalizeH="0" baseline="0" dirty="0">
+                    <a:ln>
+                      <a:noFill/>
+                    </a:ln>
+                    <a:solidFill>
+                      <a:schemeClr val="tx2"/>
+                    </a:solidFill>
+                    <a:effectLst/>
+                    <a:latin typeface="Verdana" panose="020B0604030504040204" pitchFamily="34" charset="0"/>
+                    <a:ea typeface="Verdana" panose="020B0604030504040204" pitchFamily="34" charset="0"/>
+                    <a:cs typeface="Verdana" panose="020B0604030504040204" pitchFamily="34" charset="0"/>
+                  </a:rPr>
+                  <a:t>c</a:t>
+                </a:r>
+              </a:p>
+            </p:txBody>
+          </p:sp>
+          <p:sp>
+            <p:nvSpPr>
+              <p:cNvPr id="429069" name="Oval 429068">
+                <a:extLst>
+                  <a:ext uri="{FF2B5EF4-FFF2-40B4-BE49-F238E27FC236}">
+                    <a16:creationId xmlns:a16="http://schemas.microsoft.com/office/drawing/2014/main" id="{B57405E1-27AF-5E69-CBFA-FBA7825E19AD}"/>
+                  </a:ext>
+                </a:extLst>
+              </p:cNvPr>
+              <p:cNvSpPr/>
+              <p:nvPr/>
+            </p:nvSpPr>
+            <p:spPr bwMode="auto">
+              <a:xfrm>
+                <a:off x="7389762" y="1590678"/>
+                <a:ext cx="216284" cy="216284"/>
+              </a:xfrm>
+              <a:prstGeom prst="ellipse">
+                <a:avLst/>
+              </a:prstGeom>
+              <a:solidFill>
+                <a:srgbClr val="CCFFCC"/>
+              </a:solidFill>
+              <a:ln w="12700" cap="flat" cmpd="sng" algn="ctr">
+                <a:solidFill>
+                  <a:schemeClr val="tx1"/>
+                </a:solidFill>
+                <a:prstDash val="solid"/>
+                <a:round/>
+                <a:headEnd type="none" w="sm" len="sm"/>
+                <a:tailEnd type="none" w="sm" len="sm"/>
+              </a:ln>
+              <a:effectLst/>
+            </p:spPr>
+            <p:txBody>
+              <a:bodyPr vert="horz" wrap="square" lIns="91440" tIns="45720" rIns="91440" bIns="45720" numCol="1" rtlCol="0" anchor="ctr" anchorCtr="0" compatLnSpc="1">
+                <a:prstTxWarp prst="textNoShape">
+                  <a:avLst/>
+                </a:prstTxWarp>
+              </a:bodyPr>
+              <a:lstStyle/>
+              <a:p>
+                <a:pPr marL="0" marR="0" indent="0" algn="ctr" defTabSz="914400" rtl="0" eaLnBrk="0" fontAlgn="base" latinLnBrk="0" hangingPunct="0">
+                  <a:lnSpc>
+                    <a:spcPct val="100000"/>
+                  </a:lnSpc>
+                  <a:spcBef>
+                    <a:spcPct val="0"/>
+                  </a:spcBef>
+                  <a:spcAft>
+                    <a:spcPct val="0"/>
+                  </a:spcAft>
+                  <a:buClrTx/>
+                  <a:buSzTx/>
+                  <a:buFontTx/>
+                  <a:buNone/>
+                  <a:tabLst/>
+                </a:pPr>
+                <a:r>
+                  <a:rPr kumimoji="0" lang="en-US" sz="1200" b="0" i="1" u="none" strike="noStrike" cap="none" normalizeH="0" baseline="0" dirty="0">
+                    <a:ln>
+                      <a:noFill/>
+                    </a:ln>
+                    <a:solidFill>
+                      <a:schemeClr val="tx2"/>
+                    </a:solidFill>
+                    <a:effectLst/>
+                    <a:latin typeface="Verdana" panose="020B0604030504040204" pitchFamily="34" charset="0"/>
+                    <a:ea typeface="Verdana" panose="020B0604030504040204" pitchFamily="34" charset="0"/>
+                    <a:cs typeface="Verdana" panose="020B0604030504040204" pitchFamily="34" charset="0"/>
+                  </a:rPr>
+                  <a:t>a</a:t>
+                </a:r>
+              </a:p>
+            </p:txBody>
+          </p:sp>
+          <p:sp>
+            <p:nvSpPr>
+              <p:cNvPr id="429071" name="Oval 429070">
+                <a:extLst>
+                  <a:ext uri="{FF2B5EF4-FFF2-40B4-BE49-F238E27FC236}">
+                    <a16:creationId xmlns:a16="http://schemas.microsoft.com/office/drawing/2014/main" id="{DE53B3D0-3929-A3AE-AC70-6FE08B2F481C}"/>
+                  </a:ext>
+                </a:extLst>
+              </p:cNvPr>
+              <p:cNvSpPr/>
+              <p:nvPr/>
+            </p:nvSpPr>
+            <p:spPr bwMode="auto">
+              <a:xfrm>
+                <a:off x="8087619" y="2621669"/>
+                <a:ext cx="216284" cy="216284"/>
+              </a:xfrm>
+              <a:prstGeom prst="ellipse">
+                <a:avLst/>
+              </a:prstGeom>
+              <a:solidFill>
+                <a:srgbClr val="CCFFCC"/>
+              </a:solidFill>
+              <a:ln w="12700" cap="flat" cmpd="sng" algn="ctr">
+                <a:solidFill>
+                  <a:schemeClr val="tx1"/>
+                </a:solidFill>
+                <a:prstDash val="solid"/>
+                <a:round/>
+                <a:headEnd type="none" w="sm" len="sm"/>
+                <a:tailEnd type="none" w="sm" len="sm"/>
+              </a:ln>
+              <a:effectLst/>
+            </p:spPr>
+            <p:txBody>
+              <a:bodyPr vert="horz" wrap="square" lIns="91440" tIns="45720" rIns="91440" bIns="45720" numCol="1" rtlCol="0" anchor="ctr" anchorCtr="0" compatLnSpc="1">
+                <a:prstTxWarp prst="textNoShape">
+                  <a:avLst/>
+                </a:prstTxWarp>
+              </a:bodyPr>
+              <a:lstStyle/>
+              <a:p>
+                <a:pPr marL="0" marR="0" indent="0" algn="ctr" defTabSz="914400" rtl="0" eaLnBrk="0" fontAlgn="base" latinLnBrk="0" hangingPunct="0">
+                  <a:lnSpc>
+                    <a:spcPct val="100000"/>
+                  </a:lnSpc>
+                  <a:spcBef>
+                    <a:spcPct val="0"/>
+                  </a:spcBef>
+                  <a:spcAft>
+                    <a:spcPct val="0"/>
+                  </a:spcAft>
+                  <a:buClrTx/>
+                  <a:buSzTx/>
+                  <a:buFontTx/>
+                  <a:buNone/>
+                  <a:tabLst/>
+                </a:pPr>
+                <a:r>
+                  <a:rPr lang="en-US" sz="1200" i="1" dirty="0">
+                    <a:latin typeface="Verdana" panose="020B0604030504040204" pitchFamily="34" charset="0"/>
+                    <a:ea typeface="Verdana" panose="020B0604030504040204" pitchFamily="34" charset="0"/>
+                    <a:cs typeface="Verdana" panose="020B0604030504040204" pitchFamily="34" charset="0"/>
+                  </a:rPr>
+                  <a:t>d</a:t>
+                </a:r>
+                <a:endParaRPr kumimoji="0" lang="en-US" sz="1200" b="0" i="1" u="none" strike="noStrike" cap="none" normalizeH="0" baseline="0" dirty="0">
+                  <a:ln>
+                    <a:noFill/>
+                  </a:ln>
+                  <a:solidFill>
+                    <a:schemeClr val="tx2"/>
+                  </a:solidFill>
+                  <a:effectLst/>
+                  <a:latin typeface="Verdana" panose="020B0604030504040204" pitchFamily="34" charset="0"/>
+                  <a:ea typeface="Verdana" panose="020B0604030504040204" pitchFamily="34" charset="0"/>
+                  <a:cs typeface="Verdana" panose="020B0604030504040204" pitchFamily="34" charset="0"/>
+                </a:endParaRPr>
+              </a:p>
+            </p:txBody>
+          </p:sp>
+          <p:cxnSp>
+            <p:nvCxnSpPr>
+              <p:cNvPr id="429073" name="Straight Connector 429072">
+                <a:extLst>
+                  <a:ext uri="{FF2B5EF4-FFF2-40B4-BE49-F238E27FC236}">
+                    <a16:creationId xmlns:a16="http://schemas.microsoft.com/office/drawing/2014/main" id="{95285D66-EB10-4AD5-D574-5452BC3682FD}"/>
+                  </a:ext>
+                </a:extLst>
+              </p:cNvPr>
+              <p:cNvCxnSpPr>
+                <a:cxnSpLocks/>
+                <a:stCxn id="429069" idx="5"/>
+                <a:endCxn id="429066" idx="1"/>
+              </p:cNvCxnSpPr>
+              <p:nvPr/>
+            </p:nvCxnSpPr>
+            <p:spPr bwMode="auto">
+              <a:xfrm>
+                <a:off x="7574372" y="1775288"/>
+                <a:ext cx="541928" cy="206302"/>
+              </a:xfrm>
+              <a:prstGeom prst="line">
+                <a:avLst/>
+              </a:prstGeom>
+              <a:solidFill>
+                <a:schemeClr val="accent1"/>
+              </a:solidFill>
+              <a:ln w="12700" cap="flat" cmpd="sng" algn="ctr">
+                <a:solidFill>
+                  <a:schemeClr val="tx1"/>
+                </a:solidFill>
+                <a:prstDash val="solid"/>
+                <a:round/>
+                <a:headEnd type="none" w="sm" len="sm"/>
+                <a:tailEnd type="none" w="sm" len="sm"/>
+              </a:ln>
+              <a:effectLst/>
+            </p:spPr>
+          </p:cxnSp>
+          <p:cxnSp>
+            <p:nvCxnSpPr>
+              <p:cNvPr id="429074" name="Straight Connector 429073">
+                <a:extLst>
+                  <a:ext uri="{FF2B5EF4-FFF2-40B4-BE49-F238E27FC236}">
+                    <a16:creationId xmlns:a16="http://schemas.microsoft.com/office/drawing/2014/main" id="{FEE6BBAB-2910-90D4-373A-4C11DAAB9E27}"/>
+                  </a:ext>
+                </a:extLst>
+              </p:cNvPr>
+              <p:cNvCxnSpPr>
+                <a:cxnSpLocks/>
+                <a:stCxn id="429071" idx="2"/>
+                <a:endCxn id="429067" idx="6"/>
+              </p:cNvCxnSpPr>
+              <p:nvPr/>
+            </p:nvCxnSpPr>
+            <p:spPr bwMode="auto">
+              <a:xfrm flipH="1">
+                <a:off x="7604740" y="2729811"/>
+                <a:ext cx="482879" cy="0"/>
+              </a:xfrm>
+              <a:prstGeom prst="line">
+                <a:avLst/>
+              </a:prstGeom>
+              <a:solidFill>
+                <a:schemeClr val="accent1"/>
+              </a:solidFill>
+              <a:ln w="44450" cap="flat" cmpd="sng" algn="ctr">
+                <a:solidFill>
+                  <a:schemeClr val="tx1"/>
+                </a:solidFill>
+                <a:prstDash val="solid"/>
+                <a:round/>
+                <a:headEnd type="none" w="sm" len="sm"/>
+                <a:tailEnd type="none" w="sm" len="sm"/>
+              </a:ln>
+              <a:effectLst/>
+            </p:spPr>
+          </p:cxnSp>
+          <p:cxnSp>
+            <p:nvCxnSpPr>
+              <p:cNvPr id="429075" name="Straight Connector 429074">
+                <a:extLst>
+                  <a:ext uri="{FF2B5EF4-FFF2-40B4-BE49-F238E27FC236}">
+                    <a16:creationId xmlns:a16="http://schemas.microsoft.com/office/drawing/2014/main" id="{019E5F40-4E59-B6C5-1CE0-ACB7A86688CB}"/>
+                  </a:ext>
+                </a:extLst>
+              </p:cNvPr>
+              <p:cNvCxnSpPr>
+                <a:cxnSpLocks/>
+                <a:stCxn id="429067" idx="0"/>
+                <a:endCxn id="429069" idx="4"/>
+              </p:cNvCxnSpPr>
+              <p:nvPr/>
+            </p:nvCxnSpPr>
+            <p:spPr bwMode="auto">
+              <a:xfrm flipV="1">
+                <a:off x="7496598" y="1806962"/>
+                <a:ext cx="1306" cy="814707"/>
+              </a:xfrm>
+              <a:prstGeom prst="line">
+                <a:avLst/>
+              </a:prstGeom>
+              <a:solidFill>
+                <a:schemeClr val="accent1"/>
+              </a:solidFill>
+              <a:ln w="12700" cap="flat" cmpd="sng" algn="ctr">
+                <a:solidFill>
+                  <a:schemeClr val="tx1"/>
+                </a:solidFill>
+                <a:prstDash val="solid"/>
+                <a:round/>
+                <a:headEnd type="none" w="sm" len="sm"/>
+                <a:tailEnd type="none" w="sm" len="sm"/>
+              </a:ln>
+              <a:effectLst/>
+            </p:spPr>
+          </p:cxnSp>
+          <p:cxnSp>
+            <p:nvCxnSpPr>
+              <p:cNvPr id="429076" name="Straight Connector 429075">
+                <a:extLst>
+                  <a:ext uri="{FF2B5EF4-FFF2-40B4-BE49-F238E27FC236}">
+                    <a16:creationId xmlns:a16="http://schemas.microsoft.com/office/drawing/2014/main" id="{D1AAD9D5-444F-661A-0CA9-9D9574C4FDEF}"/>
+                  </a:ext>
+                </a:extLst>
+              </p:cNvPr>
+              <p:cNvCxnSpPr>
+                <a:cxnSpLocks/>
+                <a:stCxn id="429066" idx="4"/>
+                <a:endCxn id="429071" idx="0"/>
+              </p:cNvCxnSpPr>
+              <p:nvPr/>
+            </p:nvCxnSpPr>
+            <p:spPr bwMode="auto">
+              <a:xfrm>
+                <a:off x="8192768" y="2166200"/>
+                <a:ext cx="2993" cy="455469"/>
+              </a:xfrm>
+              <a:prstGeom prst="line">
+                <a:avLst/>
+              </a:prstGeom>
+              <a:solidFill>
+                <a:schemeClr val="accent1"/>
+              </a:solidFill>
+              <a:ln w="12700" cap="flat" cmpd="sng" algn="ctr">
+                <a:solidFill>
+                  <a:schemeClr val="tx1"/>
+                </a:solidFill>
+                <a:prstDash val="solid"/>
+                <a:round/>
+                <a:headEnd type="none" w="sm" len="sm"/>
+                <a:tailEnd type="none" w="sm" len="sm"/>
+              </a:ln>
+              <a:effectLst/>
+            </p:spPr>
+          </p:cxnSp>
+          <p:sp>
+            <p:nvSpPr>
+              <p:cNvPr id="429078" name="Oval 429077">
+                <a:extLst>
+                  <a:ext uri="{FF2B5EF4-FFF2-40B4-BE49-F238E27FC236}">
+                    <a16:creationId xmlns:a16="http://schemas.microsoft.com/office/drawing/2014/main" id="{0A1772D8-EB91-C7CA-51B9-099A09C8A9AF}"/>
+                  </a:ext>
+                </a:extLst>
+              </p:cNvPr>
+              <p:cNvSpPr/>
+              <p:nvPr/>
+            </p:nvSpPr>
+            <p:spPr bwMode="auto">
+              <a:xfrm>
+                <a:off x="9547316" y="1599543"/>
+                <a:ext cx="216284" cy="216284"/>
+              </a:xfrm>
+              <a:prstGeom prst="ellipse">
+                <a:avLst/>
+              </a:prstGeom>
+              <a:solidFill>
+                <a:srgbClr val="CCFFFF"/>
+              </a:solidFill>
+              <a:ln w="12700" cap="flat" cmpd="sng" algn="ctr">
+                <a:solidFill>
+                  <a:schemeClr val="tx1"/>
+                </a:solidFill>
+                <a:prstDash val="solid"/>
+                <a:round/>
+                <a:headEnd type="none" w="sm" len="sm"/>
+                <a:tailEnd type="none" w="sm" len="sm"/>
+              </a:ln>
+              <a:effectLst/>
+            </p:spPr>
+            <p:txBody>
+              <a:bodyPr vert="horz" wrap="square" lIns="91440" tIns="45720" rIns="91440" bIns="45720" numCol="1" rtlCol="0" anchor="ctr" anchorCtr="0" compatLnSpc="1">
+                <a:prstTxWarp prst="textNoShape">
+                  <a:avLst/>
+                </a:prstTxWarp>
+              </a:bodyPr>
+              <a:lstStyle/>
+              <a:p>
+                <a:pPr marL="0" marR="0" indent="0" algn="ctr" defTabSz="914400" rtl="0" eaLnBrk="0" fontAlgn="base" latinLnBrk="0" hangingPunct="0">
+                  <a:lnSpc>
+                    <a:spcPct val="100000"/>
+                  </a:lnSpc>
+                  <a:spcBef>
+                    <a:spcPct val="0"/>
+                  </a:spcBef>
+                  <a:spcAft>
+                    <a:spcPct val="0"/>
+                  </a:spcAft>
+                  <a:buClrTx/>
+                  <a:buSzTx/>
+                  <a:buFontTx/>
+                  <a:buNone/>
+                  <a:tabLst/>
+                </a:pPr>
+                <a:r>
+                  <a:rPr kumimoji="0" lang="en-US" sz="1200" b="0" i="1" u="none" strike="noStrike" cap="none" normalizeH="0" baseline="0" dirty="0">
+                    <a:ln>
+                      <a:noFill/>
+                    </a:ln>
+                    <a:solidFill>
+                      <a:schemeClr val="tx2"/>
+                    </a:solidFill>
+                    <a:effectLst/>
+                    <a:latin typeface="Verdana" panose="020B0604030504040204" pitchFamily="34" charset="0"/>
+                    <a:ea typeface="Verdana" panose="020B0604030504040204" pitchFamily="34" charset="0"/>
+                    <a:cs typeface="Verdana" panose="020B0604030504040204" pitchFamily="34" charset="0"/>
+                  </a:rPr>
+                  <a:t>f</a:t>
+                </a:r>
+              </a:p>
+            </p:txBody>
+          </p:sp>
+          <p:sp>
+            <p:nvSpPr>
+              <p:cNvPr id="429080" name="Oval 429079">
+                <a:extLst>
+                  <a:ext uri="{FF2B5EF4-FFF2-40B4-BE49-F238E27FC236}">
+                    <a16:creationId xmlns:a16="http://schemas.microsoft.com/office/drawing/2014/main" id="{5DACDF88-E9FC-6515-EBEE-59D82E41EB44}"/>
+                  </a:ext>
+                </a:extLst>
+              </p:cNvPr>
+              <p:cNvSpPr/>
+              <p:nvPr/>
+            </p:nvSpPr>
+            <p:spPr bwMode="auto">
+              <a:xfrm>
+                <a:off x="8794536" y="2641420"/>
+                <a:ext cx="216284" cy="216284"/>
+              </a:xfrm>
+              <a:prstGeom prst="ellipse">
+                <a:avLst/>
+              </a:prstGeom>
+              <a:solidFill>
+                <a:srgbClr val="CCFFFF"/>
+              </a:solidFill>
+              <a:ln w="12700" cap="flat" cmpd="sng" algn="ctr">
+                <a:solidFill>
+                  <a:schemeClr val="tx1"/>
+                </a:solidFill>
+                <a:prstDash val="solid"/>
+                <a:round/>
+                <a:headEnd type="none" w="sm" len="sm"/>
+                <a:tailEnd type="none" w="sm" len="sm"/>
+              </a:ln>
+              <a:effectLst/>
+            </p:spPr>
+            <p:txBody>
+              <a:bodyPr vert="horz" wrap="square" lIns="91440" tIns="45720" rIns="91440" bIns="45720" numCol="1" rtlCol="0" anchor="ctr" anchorCtr="0" compatLnSpc="1">
+                <a:prstTxWarp prst="textNoShape">
+                  <a:avLst/>
+                </a:prstTxWarp>
+              </a:bodyPr>
+              <a:lstStyle/>
+              <a:p>
+                <a:pPr marL="0" marR="0" indent="0" algn="ctr" defTabSz="914400" rtl="0" eaLnBrk="0" fontAlgn="base" latinLnBrk="0" hangingPunct="0">
+                  <a:lnSpc>
+                    <a:spcPct val="100000"/>
+                  </a:lnSpc>
+                  <a:spcBef>
+                    <a:spcPct val="0"/>
+                  </a:spcBef>
+                  <a:spcAft>
+                    <a:spcPct val="0"/>
+                  </a:spcAft>
+                  <a:buClrTx/>
+                  <a:buSzTx/>
+                  <a:buFontTx/>
+                  <a:buNone/>
+                  <a:tabLst/>
+                </a:pPr>
+                <a:r>
+                  <a:rPr kumimoji="0" lang="en-US" sz="1200" b="0" i="1" u="none" strike="noStrike" cap="none" normalizeH="0" baseline="0" dirty="0">
+                    <a:ln>
+                      <a:noFill/>
+                    </a:ln>
+                    <a:solidFill>
+                      <a:schemeClr val="tx2"/>
+                    </a:solidFill>
+                    <a:effectLst/>
+                    <a:latin typeface="Verdana" panose="020B0604030504040204" pitchFamily="34" charset="0"/>
+                    <a:ea typeface="Verdana" panose="020B0604030504040204" pitchFamily="34" charset="0"/>
+                    <a:cs typeface="Verdana" panose="020B0604030504040204" pitchFamily="34" charset="0"/>
+                  </a:rPr>
+                  <a:t>g</a:t>
+                </a:r>
+              </a:p>
+            </p:txBody>
+          </p:sp>
+          <p:cxnSp>
+            <p:nvCxnSpPr>
+              <p:cNvPr id="429082" name="Straight Connector 429081">
+                <a:extLst>
+                  <a:ext uri="{FF2B5EF4-FFF2-40B4-BE49-F238E27FC236}">
+                    <a16:creationId xmlns:a16="http://schemas.microsoft.com/office/drawing/2014/main" id="{E6E3A598-62B3-A14E-C3CD-AFCAB94820AB}"/>
+                  </a:ext>
+                </a:extLst>
+              </p:cNvPr>
+              <p:cNvCxnSpPr>
+                <a:cxnSpLocks/>
+                <a:stCxn id="429080" idx="6"/>
+                <a:endCxn id="429088" idx="2"/>
+              </p:cNvCxnSpPr>
+              <p:nvPr/>
+            </p:nvCxnSpPr>
+            <p:spPr bwMode="auto">
+              <a:xfrm>
+                <a:off x="9010820" y="2749562"/>
+                <a:ext cx="533301" cy="0"/>
+              </a:xfrm>
+              <a:prstGeom prst="line">
+                <a:avLst/>
+              </a:prstGeom>
+              <a:solidFill>
+                <a:schemeClr val="accent1"/>
+              </a:solidFill>
+              <a:ln w="44450" cap="flat" cmpd="sng" algn="ctr">
+                <a:solidFill>
+                  <a:schemeClr val="tx1"/>
+                </a:solidFill>
+                <a:prstDash val="solid"/>
+                <a:round/>
+                <a:headEnd type="none" w="sm" len="sm"/>
+                <a:tailEnd type="none" w="sm" len="sm"/>
+              </a:ln>
+              <a:effectLst/>
+            </p:spPr>
+          </p:cxnSp>
+          <p:cxnSp>
+            <p:nvCxnSpPr>
+              <p:cNvPr id="429083" name="Straight Connector 429082">
+                <a:extLst>
+                  <a:ext uri="{FF2B5EF4-FFF2-40B4-BE49-F238E27FC236}">
+                    <a16:creationId xmlns:a16="http://schemas.microsoft.com/office/drawing/2014/main" id="{AEFA7CE8-E656-211A-6383-B4112CAA46C8}"/>
+                  </a:ext>
+                </a:extLst>
+              </p:cNvPr>
+              <p:cNvCxnSpPr>
+                <a:cxnSpLocks/>
+                <a:stCxn id="429080" idx="2"/>
+              </p:cNvCxnSpPr>
+              <p:nvPr/>
+            </p:nvCxnSpPr>
+            <p:spPr bwMode="auto">
+              <a:xfrm flipH="1">
+                <a:off x="8285969" y="2749562"/>
+                <a:ext cx="508567" cy="0"/>
+              </a:xfrm>
+              <a:prstGeom prst="line">
+                <a:avLst/>
+              </a:prstGeom>
+              <a:solidFill>
+                <a:schemeClr val="accent1"/>
+              </a:solidFill>
+              <a:ln w="12700" cap="flat" cmpd="sng" algn="ctr">
+                <a:solidFill>
+                  <a:schemeClr val="tx1"/>
+                </a:solidFill>
+                <a:prstDash val="solid"/>
+                <a:round/>
+                <a:headEnd type="none" w="sm" len="sm"/>
+                <a:tailEnd type="none" w="sm" len="sm"/>
+              </a:ln>
+              <a:effectLst/>
+            </p:spPr>
+          </p:cxnSp>
+          <p:cxnSp>
+            <p:nvCxnSpPr>
+              <p:cNvPr id="429084" name="Straight Connector 429083">
+                <a:extLst>
+                  <a:ext uri="{FF2B5EF4-FFF2-40B4-BE49-F238E27FC236}">
+                    <a16:creationId xmlns:a16="http://schemas.microsoft.com/office/drawing/2014/main" id="{9F99734F-F433-D427-17D6-DCB18647C474}"/>
+                  </a:ext>
+                </a:extLst>
+              </p:cNvPr>
+              <p:cNvCxnSpPr>
+                <a:cxnSpLocks/>
+                <a:stCxn id="429078" idx="3"/>
+                <a:endCxn id="429087" idx="7"/>
+              </p:cNvCxnSpPr>
+              <p:nvPr/>
+            </p:nvCxnSpPr>
+            <p:spPr bwMode="auto">
+              <a:xfrm flipH="1">
+                <a:off x="8976967" y="1784153"/>
+                <a:ext cx="602023" cy="217188"/>
+              </a:xfrm>
+              <a:prstGeom prst="line">
+                <a:avLst/>
+              </a:prstGeom>
+              <a:solidFill>
+                <a:schemeClr val="accent1"/>
+              </a:solidFill>
+              <a:ln w="12700" cap="flat" cmpd="sng" algn="ctr">
+                <a:solidFill>
+                  <a:schemeClr val="tx1"/>
+                </a:solidFill>
+                <a:prstDash val="solid"/>
+                <a:round/>
+                <a:headEnd type="none" w="sm" len="sm"/>
+                <a:tailEnd type="none" w="sm" len="sm"/>
+              </a:ln>
+              <a:effectLst/>
+            </p:spPr>
+          </p:cxnSp>
+          <p:cxnSp>
+            <p:nvCxnSpPr>
+              <p:cNvPr id="429085" name="Straight Connector 429084">
+                <a:extLst>
+                  <a:ext uri="{FF2B5EF4-FFF2-40B4-BE49-F238E27FC236}">
+                    <a16:creationId xmlns:a16="http://schemas.microsoft.com/office/drawing/2014/main" id="{FE019E55-A981-5290-ECE7-7D999253EC96}"/>
+                  </a:ext>
+                </a:extLst>
+              </p:cNvPr>
+              <p:cNvCxnSpPr>
+                <a:cxnSpLocks/>
+                <a:stCxn id="429080" idx="0"/>
+                <a:endCxn id="429087" idx="4"/>
+              </p:cNvCxnSpPr>
+              <p:nvPr/>
+            </p:nvCxnSpPr>
+            <p:spPr bwMode="auto">
+              <a:xfrm flipH="1" flipV="1">
+                <a:off x="8900499" y="2185951"/>
+                <a:ext cx="2179" cy="455469"/>
+              </a:xfrm>
+              <a:prstGeom prst="line">
+                <a:avLst/>
+              </a:prstGeom>
+              <a:solidFill>
+                <a:schemeClr val="accent1"/>
+              </a:solidFill>
+              <a:ln w="12700" cap="flat" cmpd="sng" algn="ctr">
+                <a:solidFill>
+                  <a:schemeClr val="tx1"/>
+                </a:solidFill>
+                <a:prstDash val="solid"/>
+                <a:round/>
+                <a:headEnd type="none" w="sm" len="sm"/>
+                <a:tailEnd type="none" w="sm" len="sm"/>
+              </a:ln>
+              <a:effectLst/>
+            </p:spPr>
+          </p:cxnSp>
+          <p:cxnSp>
+            <p:nvCxnSpPr>
+              <p:cNvPr id="429086" name="Straight Connector 429085">
+                <a:extLst>
+                  <a:ext uri="{FF2B5EF4-FFF2-40B4-BE49-F238E27FC236}">
+                    <a16:creationId xmlns:a16="http://schemas.microsoft.com/office/drawing/2014/main" id="{07B40FAE-B7D2-4413-74A6-8999574B835E}"/>
+                  </a:ext>
+                </a:extLst>
+              </p:cNvPr>
+              <p:cNvCxnSpPr>
+                <a:cxnSpLocks/>
+                <a:stCxn id="429078" idx="4"/>
+                <a:endCxn id="429088" idx="0"/>
+              </p:cNvCxnSpPr>
+              <p:nvPr/>
+            </p:nvCxnSpPr>
+            <p:spPr bwMode="auto">
+              <a:xfrm flipH="1">
+                <a:off x="9652263" y="1815827"/>
+                <a:ext cx="3195" cy="825593"/>
+              </a:xfrm>
+              <a:prstGeom prst="line">
+                <a:avLst/>
+              </a:prstGeom>
+              <a:solidFill>
+                <a:schemeClr val="accent1"/>
+              </a:solidFill>
+              <a:ln w="12700" cap="flat" cmpd="sng" algn="ctr">
+                <a:solidFill>
+                  <a:schemeClr val="tx1"/>
+                </a:solidFill>
+                <a:prstDash val="solid"/>
+                <a:round/>
+                <a:headEnd type="none" w="sm" len="sm"/>
+                <a:tailEnd type="none" w="sm" len="sm"/>
+              </a:ln>
+              <a:effectLst/>
+            </p:spPr>
+          </p:cxnSp>
+          <p:sp>
+            <p:nvSpPr>
+              <p:cNvPr id="429087" name="Oval 429086">
+                <a:extLst>
+                  <a:ext uri="{FF2B5EF4-FFF2-40B4-BE49-F238E27FC236}">
+                    <a16:creationId xmlns:a16="http://schemas.microsoft.com/office/drawing/2014/main" id="{2BF66F7E-8695-6ABF-35B0-3409052269A8}"/>
+                  </a:ext>
+                </a:extLst>
+              </p:cNvPr>
+              <p:cNvSpPr/>
+              <p:nvPr/>
+            </p:nvSpPr>
+            <p:spPr bwMode="auto">
+              <a:xfrm>
+                <a:off x="8792357" y="1969667"/>
+                <a:ext cx="216284" cy="216284"/>
+              </a:xfrm>
+              <a:prstGeom prst="ellipse">
+                <a:avLst/>
+              </a:prstGeom>
+              <a:solidFill>
+                <a:srgbClr val="CCFFCC"/>
+              </a:solidFill>
+              <a:ln w="12700" cap="flat" cmpd="sng" algn="ctr">
+                <a:solidFill>
+                  <a:schemeClr val="tx1"/>
+                </a:solidFill>
+                <a:prstDash val="solid"/>
+                <a:round/>
+                <a:headEnd type="none" w="sm" len="sm"/>
+                <a:tailEnd type="none" w="sm" len="sm"/>
+              </a:ln>
+              <a:effectLst/>
+            </p:spPr>
+            <p:txBody>
+              <a:bodyPr vert="horz" wrap="square" lIns="91440" tIns="45720" rIns="91440" bIns="45720" numCol="1" rtlCol="0" anchor="ctr" anchorCtr="0" compatLnSpc="1">
+                <a:prstTxWarp prst="textNoShape">
+                  <a:avLst/>
+                </a:prstTxWarp>
+              </a:bodyPr>
+              <a:lstStyle/>
+              <a:p>
+                <a:pPr marL="0" marR="0" indent="0" algn="ctr" defTabSz="914400" rtl="0" eaLnBrk="0" fontAlgn="base" latinLnBrk="0" hangingPunct="0">
+                  <a:lnSpc>
+                    <a:spcPct val="100000"/>
+                  </a:lnSpc>
+                  <a:spcBef>
+                    <a:spcPct val="0"/>
+                  </a:spcBef>
+                  <a:spcAft>
+                    <a:spcPct val="0"/>
+                  </a:spcAft>
+                  <a:buClrTx/>
+                  <a:buSzTx/>
+                  <a:buFontTx/>
+                  <a:buNone/>
+                  <a:tabLst/>
+                </a:pPr>
+                <a:r>
+                  <a:rPr kumimoji="0" lang="en-US" sz="1200" b="0" i="1" u="none" strike="noStrike" cap="none" normalizeH="0" baseline="0" dirty="0">
+                    <a:ln>
+                      <a:noFill/>
+                    </a:ln>
+                    <a:solidFill>
+                      <a:schemeClr val="tx2"/>
+                    </a:solidFill>
+                    <a:effectLst/>
+                    <a:latin typeface="Verdana" panose="020B0604030504040204" pitchFamily="34" charset="0"/>
+                    <a:ea typeface="Verdana" panose="020B0604030504040204" pitchFamily="34" charset="0"/>
+                    <a:cs typeface="Verdana" panose="020B0604030504040204" pitchFamily="34" charset="0"/>
+                  </a:rPr>
+                  <a:t>e</a:t>
+                </a:r>
+              </a:p>
+            </p:txBody>
+          </p:sp>
+          <p:sp>
+            <p:nvSpPr>
+              <p:cNvPr id="429088" name="Oval 429087">
+                <a:extLst>
+                  <a:ext uri="{FF2B5EF4-FFF2-40B4-BE49-F238E27FC236}">
+                    <a16:creationId xmlns:a16="http://schemas.microsoft.com/office/drawing/2014/main" id="{2A1C5804-0C17-6D19-1FF7-48D76196D2B2}"/>
+                  </a:ext>
+                </a:extLst>
+              </p:cNvPr>
+              <p:cNvSpPr/>
+              <p:nvPr/>
+            </p:nvSpPr>
+            <p:spPr bwMode="auto">
+              <a:xfrm>
+                <a:off x="9544121" y="2641420"/>
+                <a:ext cx="216284" cy="216284"/>
+              </a:xfrm>
+              <a:prstGeom prst="ellipse">
+                <a:avLst/>
+              </a:prstGeom>
+              <a:solidFill>
+                <a:srgbClr val="CCFFCC"/>
+              </a:solidFill>
+              <a:ln w="12700" cap="flat" cmpd="sng" algn="ctr">
+                <a:solidFill>
+                  <a:schemeClr val="tx1"/>
+                </a:solidFill>
+                <a:prstDash val="solid"/>
+                <a:round/>
+                <a:headEnd type="none" w="sm" len="sm"/>
+                <a:tailEnd type="none" w="sm" len="sm"/>
+              </a:ln>
+              <a:effectLst/>
+            </p:spPr>
+            <p:txBody>
+              <a:bodyPr vert="horz" wrap="square" lIns="91440" tIns="45720" rIns="91440" bIns="45720" numCol="1" rtlCol="0" anchor="ctr" anchorCtr="0" compatLnSpc="1">
+                <a:prstTxWarp prst="textNoShape">
+                  <a:avLst/>
+                </a:prstTxWarp>
+              </a:bodyPr>
+              <a:lstStyle/>
+              <a:p>
+                <a:pPr marL="0" marR="0" indent="0" algn="ctr" defTabSz="914400" rtl="0" eaLnBrk="0" fontAlgn="base" latinLnBrk="0" hangingPunct="0">
+                  <a:lnSpc>
+                    <a:spcPct val="100000"/>
+                  </a:lnSpc>
+                  <a:spcBef>
+                    <a:spcPct val="0"/>
+                  </a:spcBef>
+                  <a:spcAft>
+                    <a:spcPct val="0"/>
+                  </a:spcAft>
+                  <a:buClrTx/>
+                  <a:buSzTx/>
+                  <a:buFontTx/>
+                  <a:buNone/>
+                  <a:tabLst/>
+                </a:pPr>
+                <a:r>
+                  <a:rPr kumimoji="0" lang="en-US" sz="1200" b="0" i="1" u="none" strike="noStrike" cap="none" normalizeH="0" baseline="0" dirty="0">
+                    <a:ln>
+                      <a:noFill/>
+                    </a:ln>
+                    <a:solidFill>
+                      <a:schemeClr val="tx2"/>
+                    </a:solidFill>
+                    <a:effectLst/>
+                    <a:latin typeface="Verdana" panose="020B0604030504040204" pitchFamily="34" charset="0"/>
+                    <a:ea typeface="Verdana" panose="020B0604030504040204" pitchFamily="34" charset="0"/>
+                    <a:cs typeface="Verdana" panose="020B0604030504040204" pitchFamily="34" charset="0"/>
+                  </a:rPr>
+                  <a:t>h</a:t>
+                </a:r>
+              </a:p>
+            </p:txBody>
+          </p:sp>
+          <p:cxnSp>
+            <p:nvCxnSpPr>
+              <p:cNvPr id="429089" name="Straight Connector 429088">
+                <a:extLst>
+                  <a:ext uri="{FF2B5EF4-FFF2-40B4-BE49-F238E27FC236}">
+                    <a16:creationId xmlns:a16="http://schemas.microsoft.com/office/drawing/2014/main" id="{285B6BF8-5488-1046-9410-D3E8B2F664CA}"/>
+                  </a:ext>
+                </a:extLst>
+              </p:cNvPr>
+              <p:cNvCxnSpPr>
+                <a:cxnSpLocks/>
+                <a:stCxn id="429069" idx="6"/>
+                <a:endCxn id="429078" idx="2"/>
+              </p:cNvCxnSpPr>
+              <p:nvPr/>
+            </p:nvCxnSpPr>
+            <p:spPr bwMode="auto">
+              <a:xfrm>
+                <a:off x="7606046" y="1698820"/>
+                <a:ext cx="1941270" cy="8865"/>
+              </a:xfrm>
+              <a:prstGeom prst="line">
+                <a:avLst/>
+              </a:prstGeom>
+              <a:solidFill>
+                <a:schemeClr val="accent1"/>
+              </a:solidFill>
+              <a:ln w="44450" cap="flat" cmpd="sng" algn="ctr">
+                <a:solidFill>
+                  <a:schemeClr val="tx1"/>
+                </a:solidFill>
+                <a:prstDash val="solid"/>
+                <a:round/>
+                <a:headEnd type="none" w="sm" len="sm"/>
+                <a:tailEnd type="none" w="sm" len="sm"/>
+              </a:ln>
+              <a:effectLst/>
+            </p:spPr>
+          </p:cxnSp>
+        </p:grpSp>
+        <p:grpSp>
+          <p:nvGrpSpPr>
+            <p:cNvPr id="429095" name="Group 429094">
+              <a:extLst>
+                <a:ext uri="{FF2B5EF4-FFF2-40B4-BE49-F238E27FC236}">
+                  <a16:creationId xmlns:a16="http://schemas.microsoft.com/office/drawing/2014/main" id="{9879747D-5B56-1D58-55BF-A45B57E15992}"/>
+                </a:ext>
+              </a:extLst>
+            </p:cNvPr>
+            <p:cNvGrpSpPr/>
+            <p:nvPr/>
+          </p:nvGrpSpPr>
+          <p:grpSpPr>
+            <a:xfrm>
+              <a:off x="3112864" y="1600554"/>
+              <a:ext cx="3645653" cy="1247275"/>
+              <a:chOff x="3112864" y="1610429"/>
+              <a:chExt cx="3645653" cy="1247275"/>
+            </a:xfrm>
+          </p:grpSpPr>
+          <p:sp>
+            <p:nvSpPr>
+              <p:cNvPr id="22" name="Oval 21">
+                <a:extLst>
+                  <a:ext uri="{FF2B5EF4-FFF2-40B4-BE49-F238E27FC236}">
+                    <a16:creationId xmlns:a16="http://schemas.microsoft.com/office/drawing/2014/main" id="{BE281706-2119-7E77-C19B-F2ABE6850402}"/>
+                  </a:ext>
+                </a:extLst>
+              </p:cNvPr>
+              <p:cNvSpPr/>
+              <p:nvPr/>
+            </p:nvSpPr>
+            <p:spPr bwMode="auto">
+              <a:xfrm>
+                <a:off x="3809034" y="1969667"/>
+                <a:ext cx="216284" cy="216284"/>
+              </a:xfrm>
+              <a:prstGeom prst="ellipse">
+                <a:avLst/>
+              </a:prstGeom>
+              <a:solidFill>
+                <a:srgbClr val="CCFFFF"/>
+              </a:solidFill>
+              <a:ln w="12700" cap="flat" cmpd="sng" algn="ctr">
+                <a:solidFill>
+                  <a:schemeClr val="tx1"/>
+                </a:solidFill>
+                <a:prstDash val="solid"/>
+                <a:round/>
+                <a:headEnd type="none" w="sm" len="sm"/>
+                <a:tailEnd type="none" w="sm" len="sm"/>
+              </a:ln>
+              <a:effectLst/>
+            </p:spPr>
+            <p:txBody>
+              <a:bodyPr vert="horz" wrap="square" lIns="91440" tIns="45720" rIns="91440" bIns="45720" numCol="1" rtlCol="0" anchor="ctr" anchorCtr="0" compatLnSpc="1">
+                <a:prstTxWarp prst="textNoShape">
+                  <a:avLst/>
+                </a:prstTxWarp>
+              </a:bodyPr>
+              <a:lstStyle/>
+              <a:p>
+                <a:pPr marL="0" marR="0" indent="0" algn="ctr" defTabSz="914400" rtl="0" eaLnBrk="0" fontAlgn="base" latinLnBrk="0" hangingPunct="0">
+                  <a:lnSpc>
+                    <a:spcPct val="100000"/>
+                  </a:lnSpc>
+                  <a:spcBef>
+                    <a:spcPct val="0"/>
+                  </a:spcBef>
+                  <a:spcAft>
+                    <a:spcPct val="0"/>
+                  </a:spcAft>
+                  <a:buClrTx/>
+                  <a:buSzTx/>
+                  <a:buFontTx/>
+                  <a:buNone/>
+                  <a:tabLst/>
+                </a:pPr>
+                <a:r>
+                  <a:rPr kumimoji="0" lang="en-US" sz="1200" b="0" i="1" u="none" strike="noStrike" cap="none" normalizeH="0" baseline="0" dirty="0">
+                    <a:ln>
+                      <a:noFill/>
+                    </a:ln>
+                    <a:solidFill>
+                      <a:schemeClr val="tx2"/>
+                    </a:solidFill>
+                    <a:effectLst/>
+                    <a:latin typeface="Verdana" panose="020B0604030504040204" pitchFamily="34" charset="0"/>
+                    <a:ea typeface="Verdana" panose="020B0604030504040204" pitchFamily="34" charset="0"/>
+                    <a:cs typeface="Verdana" panose="020B0604030504040204" pitchFamily="34" charset="0"/>
+                  </a:rPr>
+                  <a:t>b</a:t>
+                </a:r>
+              </a:p>
+            </p:txBody>
+          </p:sp>
+          <p:sp>
+            <p:nvSpPr>
+              <p:cNvPr id="23" name="Oval 22">
+                <a:extLst>
+                  <a:ext uri="{FF2B5EF4-FFF2-40B4-BE49-F238E27FC236}">
+                    <a16:creationId xmlns:a16="http://schemas.microsoft.com/office/drawing/2014/main" id="{600B7522-066A-767F-C9A3-5EC5089822BD}"/>
+                  </a:ext>
+                </a:extLst>
+              </p:cNvPr>
+              <p:cNvSpPr/>
+              <p:nvPr/>
+            </p:nvSpPr>
+            <p:spPr bwMode="auto">
+              <a:xfrm>
+                <a:off x="3112864" y="2641420"/>
+                <a:ext cx="216284" cy="216284"/>
+              </a:xfrm>
+              <a:prstGeom prst="ellipse">
+                <a:avLst/>
+              </a:prstGeom>
+              <a:solidFill>
+                <a:srgbClr val="CCFFFF"/>
+              </a:solidFill>
+              <a:ln w="12700" cap="flat" cmpd="sng" algn="ctr">
+                <a:solidFill>
+                  <a:schemeClr val="tx1"/>
+                </a:solidFill>
+                <a:prstDash val="solid"/>
+                <a:round/>
+                <a:headEnd type="none" w="sm" len="sm"/>
+                <a:tailEnd type="none" w="sm" len="sm"/>
+              </a:ln>
+              <a:effectLst/>
+            </p:spPr>
+            <p:txBody>
+              <a:bodyPr vert="horz" wrap="square" lIns="91440" tIns="45720" rIns="91440" bIns="45720" numCol="1" rtlCol="0" anchor="ctr" anchorCtr="0" compatLnSpc="1">
+                <a:prstTxWarp prst="textNoShape">
+                  <a:avLst/>
+                </a:prstTxWarp>
+              </a:bodyPr>
+              <a:lstStyle/>
+              <a:p>
+                <a:pPr marL="0" marR="0" indent="0" algn="ctr" defTabSz="914400" rtl="0" eaLnBrk="0" fontAlgn="base" latinLnBrk="0" hangingPunct="0">
+                  <a:lnSpc>
+                    <a:spcPct val="100000"/>
+                  </a:lnSpc>
+                  <a:spcBef>
+                    <a:spcPct val="0"/>
+                  </a:spcBef>
+                  <a:spcAft>
+                    <a:spcPct val="0"/>
+                  </a:spcAft>
+                  <a:buClrTx/>
+                  <a:buSzTx/>
+                  <a:buFontTx/>
+                  <a:buNone/>
+                  <a:tabLst/>
+                </a:pPr>
+                <a:r>
+                  <a:rPr kumimoji="0" lang="en-US" sz="1200" b="0" i="1" u="none" strike="noStrike" cap="none" normalizeH="0" baseline="0" dirty="0">
+                    <a:ln>
+                      <a:noFill/>
+                    </a:ln>
+                    <a:solidFill>
+                      <a:schemeClr val="tx2"/>
+                    </a:solidFill>
+                    <a:effectLst/>
+                    <a:latin typeface="Verdana" panose="020B0604030504040204" pitchFamily="34" charset="0"/>
+                    <a:ea typeface="Verdana" panose="020B0604030504040204" pitchFamily="34" charset="0"/>
+                    <a:cs typeface="Verdana" panose="020B0604030504040204" pitchFamily="34" charset="0"/>
+                  </a:rPr>
+                  <a:t>c</a:t>
+                </a:r>
+              </a:p>
+            </p:txBody>
+          </p:sp>
+          <p:sp>
+            <p:nvSpPr>
+              <p:cNvPr id="24" name="Oval 23">
+                <a:extLst>
+                  <a:ext uri="{FF2B5EF4-FFF2-40B4-BE49-F238E27FC236}">
+                    <a16:creationId xmlns:a16="http://schemas.microsoft.com/office/drawing/2014/main" id="{0004C934-1945-C521-B3A2-7A76F9BC4D4E}"/>
+                  </a:ext>
+                </a:extLst>
+              </p:cNvPr>
+              <p:cNvSpPr/>
+              <p:nvPr/>
+            </p:nvSpPr>
+            <p:spPr bwMode="auto">
+              <a:xfrm>
+                <a:off x="4538542" y="1610429"/>
+                <a:ext cx="216284" cy="216284"/>
+              </a:xfrm>
+              <a:prstGeom prst="ellipse">
+                <a:avLst/>
+              </a:prstGeom>
+              <a:solidFill>
+                <a:srgbClr val="CCFFFF"/>
+              </a:solidFill>
+              <a:ln w="12700" cap="flat" cmpd="sng" algn="ctr">
+                <a:solidFill>
+                  <a:schemeClr val="tx1"/>
+                </a:solidFill>
+                <a:prstDash val="solid"/>
+                <a:round/>
+                <a:headEnd type="none" w="sm" len="sm"/>
+                <a:tailEnd type="none" w="sm" len="sm"/>
+              </a:ln>
+              <a:effectLst/>
+            </p:spPr>
+            <p:txBody>
+              <a:bodyPr vert="horz" wrap="square" lIns="91440" tIns="45720" rIns="91440" bIns="45720" numCol="1" rtlCol="0" anchor="ctr" anchorCtr="0" compatLnSpc="1">
+                <a:prstTxWarp prst="textNoShape">
+                  <a:avLst/>
+                </a:prstTxWarp>
+              </a:bodyPr>
+              <a:lstStyle/>
+              <a:p>
+                <a:pPr marL="0" marR="0" indent="0" algn="ctr" defTabSz="914400" rtl="0" eaLnBrk="0" fontAlgn="base" latinLnBrk="0" hangingPunct="0">
+                  <a:lnSpc>
+                    <a:spcPct val="100000"/>
+                  </a:lnSpc>
+                  <a:spcBef>
+                    <a:spcPct val="0"/>
+                  </a:spcBef>
+                  <a:spcAft>
+                    <a:spcPct val="0"/>
+                  </a:spcAft>
+                  <a:buClrTx/>
+                  <a:buSzTx/>
+                  <a:buFontTx/>
+                  <a:buNone/>
+                  <a:tabLst/>
+                </a:pPr>
+                <a:r>
+                  <a:rPr kumimoji="0" lang="en-US" sz="1200" b="0" i="1" u="none" strike="noStrike" cap="none" normalizeH="0" baseline="0" dirty="0">
+                    <a:ln>
+                      <a:noFill/>
+                    </a:ln>
+                    <a:solidFill>
+                      <a:schemeClr val="tx2"/>
+                    </a:solidFill>
+                    <a:effectLst/>
+                    <a:latin typeface="Verdana" panose="020B0604030504040204" pitchFamily="34" charset="0"/>
+                    <a:ea typeface="Verdana" panose="020B0604030504040204" pitchFamily="34" charset="0"/>
+                    <a:cs typeface="Verdana" panose="020B0604030504040204" pitchFamily="34" charset="0"/>
+                  </a:rPr>
+                  <a:t>f</a:t>
+                </a:r>
+              </a:p>
+            </p:txBody>
+          </p:sp>
+          <p:sp>
+            <p:nvSpPr>
+              <p:cNvPr id="25" name="Oval 24">
+                <a:extLst>
+                  <a:ext uri="{FF2B5EF4-FFF2-40B4-BE49-F238E27FC236}">
+                    <a16:creationId xmlns:a16="http://schemas.microsoft.com/office/drawing/2014/main" id="{34A5B0D9-16D6-3277-8CA1-AA1430058A4B}"/>
+                  </a:ext>
+                </a:extLst>
+              </p:cNvPr>
+              <p:cNvSpPr/>
+              <p:nvPr/>
+            </p:nvSpPr>
+            <p:spPr bwMode="auto">
+              <a:xfrm>
+                <a:off x="3114170" y="1610429"/>
+                <a:ext cx="216284" cy="216284"/>
+              </a:xfrm>
+              <a:prstGeom prst="ellipse">
+                <a:avLst/>
+              </a:prstGeom>
+              <a:solidFill>
+                <a:srgbClr val="CCFFCC"/>
+              </a:solidFill>
+              <a:ln w="12700" cap="flat" cmpd="sng" algn="ctr">
+                <a:solidFill>
+                  <a:schemeClr val="tx1"/>
+                </a:solidFill>
+                <a:prstDash val="solid"/>
+                <a:round/>
+                <a:headEnd type="none" w="sm" len="sm"/>
+                <a:tailEnd type="none" w="sm" len="sm"/>
+              </a:ln>
+              <a:effectLst/>
+            </p:spPr>
+            <p:txBody>
+              <a:bodyPr vert="horz" wrap="square" lIns="91440" tIns="45720" rIns="91440" bIns="45720" numCol="1" rtlCol="0" anchor="ctr" anchorCtr="0" compatLnSpc="1">
+                <a:prstTxWarp prst="textNoShape">
+                  <a:avLst/>
+                </a:prstTxWarp>
+              </a:bodyPr>
+              <a:lstStyle/>
+              <a:p>
+                <a:pPr marL="0" marR="0" indent="0" algn="ctr" defTabSz="914400" rtl="0" eaLnBrk="0" fontAlgn="base" latinLnBrk="0" hangingPunct="0">
+                  <a:lnSpc>
+                    <a:spcPct val="100000"/>
+                  </a:lnSpc>
+                  <a:spcBef>
+                    <a:spcPct val="0"/>
+                  </a:spcBef>
+                  <a:spcAft>
+                    <a:spcPct val="0"/>
+                  </a:spcAft>
+                  <a:buClrTx/>
+                  <a:buSzTx/>
+                  <a:buFontTx/>
+                  <a:buNone/>
+                  <a:tabLst/>
+                </a:pPr>
+                <a:r>
+                  <a:rPr kumimoji="0" lang="en-US" sz="1200" b="0" i="1" u="none" strike="noStrike" cap="none" normalizeH="0" baseline="0" dirty="0">
+                    <a:ln>
+                      <a:noFill/>
+                    </a:ln>
+                    <a:solidFill>
+                      <a:schemeClr val="tx2"/>
+                    </a:solidFill>
+                    <a:effectLst/>
+                    <a:latin typeface="Verdana" panose="020B0604030504040204" pitchFamily="34" charset="0"/>
+                    <a:ea typeface="Verdana" panose="020B0604030504040204" pitchFamily="34" charset="0"/>
+                    <a:cs typeface="Verdana" panose="020B0604030504040204" pitchFamily="34" charset="0"/>
+                  </a:rPr>
+                  <a:t>a</a:t>
+                </a:r>
+              </a:p>
+            </p:txBody>
+          </p:sp>
+          <p:sp>
+            <p:nvSpPr>
+              <p:cNvPr id="26" name="Oval 25">
+                <a:extLst>
+                  <a:ext uri="{FF2B5EF4-FFF2-40B4-BE49-F238E27FC236}">
+                    <a16:creationId xmlns:a16="http://schemas.microsoft.com/office/drawing/2014/main" id="{1755183D-1DFE-DEF3-7055-222E3BFBFD6B}"/>
+                  </a:ext>
+                </a:extLst>
+              </p:cNvPr>
+              <p:cNvSpPr/>
+              <p:nvPr/>
+            </p:nvSpPr>
+            <p:spPr bwMode="auto">
+              <a:xfrm>
+                <a:off x="4536878" y="2641420"/>
+                <a:ext cx="216284" cy="216284"/>
+              </a:xfrm>
+              <a:prstGeom prst="ellipse">
+                <a:avLst/>
+              </a:prstGeom>
+              <a:solidFill>
+                <a:srgbClr val="CCFFFF"/>
+              </a:solidFill>
+              <a:ln w="12700" cap="flat" cmpd="sng" algn="ctr">
+                <a:solidFill>
+                  <a:schemeClr val="tx1"/>
+                </a:solidFill>
+                <a:prstDash val="solid"/>
+                <a:round/>
+                <a:headEnd type="none" w="sm" len="sm"/>
+                <a:tailEnd type="none" w="sm" len="sm"/>
+              </a:ln>
+              <a:effectLst/>
+            </p:spPr>
+            <p:txBody>
+              <a:bodyPr vert="horz" wrap="square" lIns="91440" tIns="45720" rIns="91440" bIns="45720" numCol="1" rtlCol="0" anchor="ctr" anchorCtr="0" compatLnSpc="1">
+                <a:prstTxWarp prst="textNoShape">
+                  <a:avLst/>
+                </a:prstTxWarp>
+              </a:bodyPr>
+              <a:lstStyle/>
+              <a:p>
+                <a:pPr marL="0" marR="0" indent="0" algn="ctr" defTabSz="914400" rtl="0" eaLnBrk="0" fontAlgn="base" latinLnBrk="0" hangingPunct="0">
+                  <a:lnSpc>
+                    <a:spcPct val="100000"/>
+                  </a:lnSpc>
+                  <a:spcBef>
+                    <a:spcPct val="0"/>
+                  </a:spcBef>
+                  <a:spcAft>
+                    <a:spcPct val="0"/>
+                  </a:spcAft>
+                  <a:buClrTx/>
+                  <a:buSzTx/>
+                  <a:buFontTx/>
+                  <a:buNone/>
+                  <a:tabLst/>
+                </a:pPr>
+                <a:r>
+                  <a:rPr kumimoji="0" lang="en-US" sz="1200" b="0" i="1" u="none" strike="noStrike" cap="none" normalizeH="0" baseline="0" dirty="0">
+                    <a:ln>
+                      <a:noFill/>
+                    </a:ln>
+                    <a:solidFill>
+                      <a:schemeClr val="tx2"/>
+                    </a:solidFill>
+                    <a:effectLst/>
+                    <a:latin typeface="Verdana" panose="020B0604030504040204" pitchFamily="34" charset="0"/>
+                    <a:ea typeface="Verdana" panose="020B0604030504040204" pitchFamily="34" charset="0"/>
+                    <a:cs typeface="Verdana" panose="020B0604030504040204" pitchFamily="34" charset="0"/>
+                  </a:rPr>
+                  <a:t>g</a:t>
+                </a:r>
+              </a:p>
+            </p:txBody>
+          </p:sp>
+          <p:sp>
+            <p:nvSpPr>
+              <p:cNvPr id="27" name="Oval 26">
+                <a:extLst>
+                  <a:ext uri="{FF2B5EF4-FFF2-40B4-BE49-F238E27FC236}">
+                    <a16:creationId xmlns:a16="http://schemas.microsoft.com/office/drawing/2014/main" id="{5F46866F-0C4B-27B6-1758-315D546E7B42}"/>
+                  </a:ext>
+                </a:extLst>
+              </p:cNvPr>
+              <p:cNvSpPr/>
+              <p:nvPr/>
+            </p:nvSpPr>
+            <p:spPr bwMode="auto">
+              <a:xfrm>
+                <a:off x="3812027" y="2641420"/>
+                <a:ext cx="216284" cy="216284"/>
+              </a:xfrm>
+              <a:prstGeom prst="ellipse">
+                <a:avLst/>
+              </a:prstGeom>
+              <a:solidFill>
+                <a:srgbClr val="CCFFCC"/>
+              </a:solidFill>
+              <a:ln w="12700" cap="flat" cmpd="sng" algn="ctr">
+                <a:solidFill>
+                  <a:schemeClr val="tx1"/>
+                </a:solidFill>
+                <a:prstDash val="solid"/>
+                <a:round/>
+                <a:headEnd type="none" w="sm" len="sm"/>
+                <a:tailEnd type="none" w="sm" len="sm"/>
+              </a:ln>
+              <a:effectLst/>
+            </p:spPr>
+            <p:txBody>
+              <a:bodyPr vert="horz" wrap="square" lIns="91440" tIns="45720" rIns="91440" bIns="45720" numCol="1" rtlCol="0" anchor="ctr" anchorCtr="0" compatLnSpc="1">
+                <a:prstTxWarp prst="textNoShape">
+                  <a:avLst/>
+                </a:prstTxWarp>
+              </a:bodyPr>
+              <a:lstStyle/>
+              <a:p>
+                <a:pPr marL="0" marR="0" indent="0" algn="ctr" defTabSz="914400" rtl="0" eaLnBrk="0" fontAlgn="base" latinLnBrk="0" hangingPunct="0">
+                  <a:lnSpc>
+                    <a:spcPct val="100000"/>
+                  </a:lnSpc>
+                  <a:spcBef>
+                    <a:spcPct val="0"/>
+                  </a:spcBef>
+                  <a:spcAft>
+                    <a:spcPct val="0"/>
+                  </a:spcAft>
+                  <a:buClrTx/>
+                  <a:buSzTx/>
+                  <a:buFontTx/>
+                  <a:buNone/>
+                  <a:tabLst/>
+                </a:pPr>
+                <a:r>
+                  <a:rPr lang="en-US" sz="1200" i="1" dirty="0">
+                    <a:latin typeface="Verdana" panose="020B0604030504040204" pitchFamily="34" charset="0"/>
+                    <a:ea typeface="Verdana" panose="020B0604030504040204" pitchFamily="34" charset="0"/>
+                    <a:cs typeface="Verdana" panose="020B0604030504040204" pitchFamily="34" charset="0"/>
+                  </a:rPr>
+                  <a:t>d</a:t>
+                </a:r>
+                <a:endParaRPr kumimoji="0" lang="en-US" sz="1200" b="0" i="1" u="none" strike="noStrike" cap="none" normalizeH="0" baseline="0" dirty="0">
+                  <a:ln>
+                    <a:noFill/>
+                  </a:ln>
+                  <a:solidFill>
+                    <a:schemeClr val="tx2"/>
+                  </a:solidFill>
+                  <a:effectLst/>
+                  <a:latin typeface="Verdana" panose="020B0604030504040204" pitchFamily="34" charset="0"/>
+                  <a:ea typeface="Verdana" panose="020B0604030504040204" pitchFamily="34" charset="0"/>
+                  <a:cs typeface="Verdana" panose="020B0604030504040204" pitchFamily="34" charset="0"/>
+                </a:endParaRPr>
+              </a:p>
+            </p:txBody>
+          </p:sp>
+          <p:cxnSp>
+            <p:nvCxnSpPr>
+              <p:cNvPr id="29" name="Straight Connector 28">
+                <a:extLst>
+                  <a:ext uri="{FF2B5EF4-FFF2-40B4-BE49-F238E27FC236}">
+                    <a16:creationId xmlns:a16="http://schemas.microsoft.com/office/drawing/2014/main" id="{E0B29ABA-6F18-44E9-312D-2A89B78FE3EC}"/>
+                  </a:ext>
+                </a:extLst>
+              </p:cNvPr>
+              <p:cNvCxnSpPr>
+                <a:cxnSpLocks/>
+                <a:stCxn id="26" idx="2"/>
+                <a:endCxn id="27" idx="6"/>
+              </p:cNvCxnSpPr>
+              <p:nvPr/>
+            </p:nvCxnSpPr>
+            <p:spPr bwMode="auto">
+              <a:xfrm flipH="1">
+                <a:off x="4028311" y="2749562"/>
+                <a:ext cx="508567" cy="0"/>
+              </a:xfrm>
+              <a:prstGeom prst="line">
+                <a:avLst/>
+              </a:prstGeom>
+              <a:solidFill>
+                <a:schemeClr val="accent1"/>
+              </a:solidFill>
+              <a:ln w="12700" cap="flat" cmpd="sng" algn="ctr">
+                <a:solidFill>
+                  <a:schemeClr val="tx1"/>
+                </a:solidFill>
+                <a:prstDash val="solid"/>
+                <a:round/>
+                <a:headEnd type="none" w="sm" len="sm"/>
+                <a:tailEnd type="none" w="sm" len="sm"/>
+              </a:ln>
+              <a:effectLst/>
+            </p:spPr>
+          </p:cxnSp>
+          <p:cxnSp>
+            <p:nvCxnSpPr>
+              <p:cNvPr id="33" name="Straight Connector 32">
+                <a:extLst>
+                  <a:ext uri="{FF2B5EF4-FFF2-40B4-BE49-F238E27FC236}">
+                    <a16:creationId xmlns:a16="http://schemas.microsoft.com/office/drawing/2014/main" id="{2B8AB97F-6C4F-36D6-A8AC-A3F00E6F72F0}"/>
+                  </a:ext>
+                </a:extLst>
+              </p:cNvPr>
+              <p:cNvCxnSpPr>
+                <a:cxnSpLocks/>
+                <a:stCxn id="25" idx="5"/>
+                <a:endCxn id="22" idx="1"/>
+              </p:cNvCxnSpPr>
+              <p:nvPr/>
+            </p:nvCxnSpPr>
+            <p:spPr bwMode="auto">
+              <a:xfrm>
+                <a:off x="3298780" y="1795039"/>
+                <a:ext cx="541928" cy="206302"/>
+              </a:xfrm>
+              <a:prstGeom prst="line">
+                <a:avLst/>
+              </a:prstGeom>
+              <a:solidFill>
+                <a:schemeClr val="accent1"/>
+              </a:solidFill>
+              <a:ln w="44450" cap="flat" cmpd="sng" algn="ctr">
+                <a:solidFill>
+                  <a:srgbClr val="00B050"/>
+                </a:solidFill>
+                <a:prstDash val="solid"/>
+                <a:round/>
+                <a:headEnd type="none" w="sm" len="sm"/>
+                <a:tailEnd type="none" w="sm" len="sm"/>
+              </a:ln>
+              <a:effectLst/>
+            </p:spPr>
+          </p:cxnSp>
+          <p:cxnSp>
+            <p:nvCxnSpPr>
+              <p:cNvPr id="34" name="Straight Connector 33">
+                <a:extLst>
+                  <a:ext uri="{FF2B5EF4-FFF2-40B4-BE49-F238E27FC236}">
+                    <a16:creationId xmlns:a16="http://schemas.microsoft.com/office/drawing/2014/main" id="{61C175CE-4129-0AFC-7CFB-42109CD474EF}"/>
+                  </a:ext>
+                </a:extLst>
+              </p:cNvPr>
+              <p:cNvCxnSpPr>
+                <a:cxnSpLocks/>
+                <a:stCxn id="27" idx="2"/>
+                <a:endCxn id="23" idx="6"/>
+              </p:cNvCxnSpPr>
+              <p:nvPr/>
+            </p:nvCxnSpPr>
+            <p:spPr bwMode="auto">
+              <a:xfrm flipH="1">
+                <a:off x="3329148" y="2749562"/>
+                <a:ext cx="482879" cy="0"/>
+              </a:xfrm>
+              <a:prstGeom prst="line">
+                <a:avLst/>
+              </a:prstGeom>
+              <a:solidFill>
+                <a:schemeClr val="accent1"/>
+              </a:solidFill>
+              <a:ln w="44450" cap="flat" cmpd="sng" algn="ctr">
+                <a:solidFill>
+                  <a:srgbClr val="00B050"/>
+                </a:solidFill>
+                <a:prstDash val="solid"/>
+                <a:round/>
+                <a:headEnd type="none" w="sm" len="sm"/>
+                <a:tailEnd type="none" w="sm" len="sm"/>
+              </a:ln>
+              <a:effectLst/>
+            </p:spPr>
+          </p:cxnSp>
+          <p:cxnSp>
+            <p:nvCxnSpPr>
+              <p:cNvPr id="35" name="Straight Connector 34">
+                <a:extLst>
+                  <a:ext uri="{FF2B5EF4-FFF2-40B4-BE49-F238E27FC236}">
+                    <a16:creationId xmlns:a16="http://schemas.microsoft.com/office/drawing/2014/main" id="{2C7850CB-4C6F-26BA-2101-9074432BFB31}"/>
+                  </a:ext>
+                </a:extLst>
+              </p:cNvPr>
+              <p:cNvCxnSpPr>
+                <a:cxnSpLocks/>
+                <a:stCxn id="23" idx="0"/>
+                <a:endCxn id="25" idx="4"/>
+              </p:cNvCxnSpPr>
+              <p:nvPr/>
+            </p:nvCxnSpPr>
+            <p:spPr bwMode="auto">
+              <a:xfrm flipV="1">
+                <a:off x="3221006" y="1826713"/>
+                <a:ext cx="1306" cy="814707"/>
+              </a:xfrm>
+              <a:prstGeom prst="line">
+                <a:avLst/>
+              </a:prstGeom>
+              <a:solidFill>
+                <a:schemeClr val="accent1"/>
+              </a:solidFill>
+              <a:ln w="12700" cap="flat" cmpd="sng" algn="ctr">
+                <a:solidFill>
+                  <a:schemeClr val="tx1"/>
+                </a:solidFill>
+                <a:prstDash val="solid"/>
+                <a:round/>
+                <a:headEnd type="none" w="sm" len="sm"/>
+                <a:tailEnd type="none" w="sm" len="sm"/>
+              </a:ln>
+              <a:effectLst/>
+            </p:spPr>
+          </p:cxnSp>
+          <p:cxnSp>
+            <p:nvCxnSpPr>
+              <p:cNvPr id="51" name="Straight Connector 50">
+                <a:extLst>
+                  <a:ext uri="{FF2B5EF4-FFF2-40B4-BE49-F238E27FC236}">
+                    <a16:creationId xmlns:a16="http://schemas.microsoft.com/office/drawing/2014/main" id="{0ED7C475-8FD8-63FA-6C63-5A5C7B5731D0}"/>
+                  </a:ext>
+                </a:extLst>
+              </p:cNvPr>
+              <p:cNvCxnSpPr>
+                <a:cxnSpLocks/>
+                <a:stCxn id="22" idx="4"/>
+                <a:endCxn id="27" idx="0"/>
+              </p:cNvCxnSpPr>
+              <p:nvPr/>
+            </p:nvCxnSpPr>
+            <p:spPr bwMode="auto">
+              <a:xfrm>
+                <a:off x="3917176" y="2185951"/>
+                <a:ext cx="2993" cy="455469"/>
+              </a:xfrm>
+              <a:prstGeom prst="line">
+                <a:avLst/>
+              </a:prstGeom>
+              <a:solidFill>
+                <a:schemeClr val="accent1"/>
+              </a:solidFill>
+              <a:ln w="12700" cap="flat" cmpd="sng" algn="ctr">
+                <a:solidFill>
+                  <a:schemeClr val="tx1"/>
+                </a:solidFill>
+                <a:prstDash val="solid"/>
+                <a:round/>
+                <a:headEnd type="none" w="sm" len="sm"/>
+                <a:tailEnd type="none" w="sm" len="sm"/>
+              </a:ln>
+              <a:effectLst/>
+            </p:spPr>
+          </p:cxnSp>
+          <p:cxnSp>
+            <p:nvCxnSpPr>
+              <p:cNvPr id="54" name="Straight Connector 53">
+                <a:extLst>
+                  <a:ext uri="{FF2B5EF4-FFF2-40B4-BE49-F238E27FC236}">
+                    <a16:creationId xmlns:a16="http://schemas.microsoft.com/office/drawing/2014/main" id="{768720EE-B43B-0BFC-A1A1-B719E988624F}"/>
+                  </a:ext>
+                </a:extLst>
+              </p:cNvPr>
+              <p:cNvCxnSpPr>
+                <a:cxnSpLocks/>
+                <a:stCxn id="25" idx="6"/>
+                <a:endCxn id="24" idx="2"/>
+              </p:cNvCxnSpPr>
+              <p:nvPr/>
+            </p:nvCxnSpPr>
+            <p:spPr bwMode="auto">
+              <a:xfrm>
+                <a:off x="3330454" y="1718571"/>
+                <a:ext cx="1208088" cy="0"/>
+              </a:xfrm>
+              <a:prstGeom prst="line">
+                <a:avLst/>
+              </a:prstGeom>
+              <a:solidFill>
+                <a:schemeClr val="accent1"/>
+              </a:solidFill>
+              <a:ln w="12700" cap="flat" cmpd="sng" algn="ctr">
+                <a:solidFill>
+                  <a:schemeClr val="tx1"/>
+                </a:solidFill>
+                <a:prstDash val="solid"/>
+                <a:round/>
+                <a:headEnd type="none" w="sm" len="sm"/>
+                <a:tailEnd type="none" w="sm" len="sm"/>
+              </a:ln>
+              <a:effectLst/>
+            </p:spPr>
+          </p:cxnSp>
+          <p:sp>
+            <p:nvSpPr>
+              <p:cNvPr id="57" name="Oval 56">
+                <a:extLst>
+                  <a:ext uri="{FF2B5EF4-FFF2-40B4-BE49-F238E27FC236}">
+                    <a16:creationId xmlns:a16="http://schemas.microsoft.com/office/drawing/2014/main" id="{764D43B5-65D9-C864-0B4D-89CBFB141B9D}"/>
+                  </a:ext>
+                </a:extLst>
+              </p:cNvPr>
+              <p:cNvSpPr/>
+              <p:nvPr/>
+            </p:nvSpPr>
+            <p:spPr bwMode="auto">
+              <a:xfrm>
+                <a:off x="6542233" y="1610429"/>
+                <a:ext cx="216284" cy="216284"/>
+              </a:xfrm>
+              <a:prstGeom prst="ellipse">
+                <a:avLst/>
+              </a:prstGeom>
+              <a:solidFill>
+                <a:srgbClr val="CCFFFF"/>
+              </a:solidFill>
+              <a:ln w="12700" cap="flat" cmpd="sng" algn="ctr">
+                <a:solidFill>
+                  <a:schemeClr val="tx1"/>
+                </a:solidFill>
+                <a:prstDash val="solid"/>
+                <a:round/>
+                <a:headEnd type="none" w="sm" len="sm"/>
+                <a:tailEnd type="none" w="sm" len="sm"/>
+              </a:ln>
+              <a:effectLst/>
+            </p:spPr>
+            <p:txBody>
+              <a:bodyPr vert="horz" wrap="square" lIns="91440" tIns="45720" rIns="91440" bIns="45720" numCol="1" rtlCol="0" anchor="ctr" anchorCtr="0" compatLnSpc="1">
+                <a:prstTxWarp prst="textNoShape">
+                  <a:avLst/>
+                </a:prstTxWarp>
+              </a:bodyPr>
+              <a:lstStyle/>
+              <a:p>
+                <a:pPr marL="0" marR="0" indent="0" algn="ctr" defTabSz="914400" rtl="0" eaLnBrk="0" fontAlgn="base" latinLnBrk="0" hangingPunct="0">
+                  <a:lnSpc>
+                    <a:spcPct val="100000"/>
+                  </a:lnSpc>
+                  <a:spcBef>
+                    <a:spcPct val="0"/>
+                  </a:spcBef>
+                  <a:spcAft>
+                    <a:spcPct val="0"/>
+                  </a:spcAft>
+                  <a:buClrTx/>
+                  <a:buSzTx/>
+                  <a:buFontTx/>
+                  <a:buNone/>
+                  <a:tabLst/>
+                </a:pPr>
+                <a:r>
+                  <a:rPr kumimoji="0" lang="en-US" sz="1200" b="0" i="1" u="none" strike="noStrike" cap="none" normalizeH="0" baseline="0" dirty="0">
+                    <a:ln>
+                      <a:noFill/>
+                    </a:ln>
+                    <a:solidFill>
+                      <a:schemeClr val="tx2"/>
+                    </a:solidFill>
+                    <a:effectLst/>
+                    <a:latin typeface="Verdana" panose="020B0604030504040204" pitchFamily="34" charset="0"/>
+                    <a:ea typeface="Verdana" panose="020B0604030504040204" pitchFamily="34" charset="0"/>
+                    <a:cs typeface="Verdana" panose="020B0604030504040204" pitchFamily="34" charset="0"/>
+                  </a:rPr>
+                  <a:t>f</a:t>
+                </a:r>
+              </a:p>
+            </p:txBody>
+          </p:sp>
+          <p:sp>
+            <p:nvSpPr>
+              <p:cNvPr id="58" name="Oval 57">
+                <a:extLst>
+                  <a:ext uri="{FF2B5EF4-FFF2-40B4-BE49-F238E27FC236}">
+                    <a16:creationId xmlns:a16="http://schemas.microsoft.com/office/drawing/2014/main" id="{2E4843D6-E771-64FD-1804-D3224B37F088}"/>
+                  </a:ext>
+                </a:extLst>
+              </p:cNvPr>
+              <p:cNvSpPr/>
+              <p:nvPr/>
+            </p:nvSpPr>
+            <p:spPr bwMode="auto">
+              <a:xfrm>
+                <a:off x="5096087" y="1610429"/>
+                <a:ext cx="216284" cy="216284"/>
+              </a:xfrm>
+              <a:prstGeom prst="ellipse">
+                <a:avLst/>
+              </a:prstGeom>
+              <a:solidFill>
+                <a:srgbClr val="CCFFCC"/>
+              </a:solidFill>
+              <a:ln w="12700" cap="flat" cmpd="sng" algn="ctr">
+                <a:solidFill>
+                  <a:schemeClr val="tx1"/>
+                </a:solidFill>
+                <a:prstDash val="solid"/>
+                <a:round/>
+                <a:headEnd type="none" w="sm" len="sm"/>
+                <a:tailEnd type="none" w="sm" len="sm"/>
+              </a:ln>
+              <a:effectLst/>
+            </p:spPr>
+            <p:txBody>
+              <a:bodyPr vert="horz" wrap="square" lIns="91440" tIns="45720" rIns="91440" bIns="45720" numCol="1" rtlCol="0" anchor="ctr" anchorCtr="0" compatLnSpc="1">
+                <a:prstTxWarp prst="textNoShape">
+                  <a:avLst/>
+                </a:prstTxWarp>
+              </a:bodyPr>
+              <a:lstStyle/>
+              <a:p>
+                <a:pPr marL="0" marR="0" indent="0" algn="ctr" defTabSz="914400" rtl="0" eaLnBrk="0" fontAlgn="base" latinLnBrk="0" hangingPunct="0">
+                  <a:lnSpc>
+                    <a:spcPct val="100000"/>
+                  </a:lnSpc>
+                  <a:spcBef>
+                    <a:spcPct val="0"/>
+                  </a:spcBef>
+                  <a:spcAft>
+                    <a:spcPct val="0"/>
+                  </a:spcAft>
+                  <a:buClrTx/>
+                  <a:buSzTx/>
+                  <a:buFontTx/>
+                  <a:buNone/>
+                  <a:tabLst/>
+                </a:pPr>
+                <a:r>
+                  <a:rPr kumimoji="0" lang="en-US" sz="1200" b="0" i="1" u="none" strike="noStrike" cap="none" normalizeH="0" baseline="0" dirty="0">
+                    <a:ln>
+                      <a:noFill/>
+                    </a:ln>
+                    <a:solidFill>
+                      <a:schemeClr val="tx2"/>
+                    </a:solidFill>
+                    <a:effectLst/>
+                    <a:latin typeface="Verdana" panose="020B0604030504040204" pitchFamily="34" charset="0"/>
+                    <a:ea typeface="Verdana" panose="020B0604030504040204" pitchFamily="34" charset="0"/>
+                    <a:cs typeface="Verdana" panose="020B0604030504040204" pitchFamily="34" charset="0"/>
+                  </a:rPr>
+                  <a:t>a</a:t>
+                </a:r>
+              </a:p>
+            </p:txBody>
+          </p:sp>
+          <p:sp>
+            <p:nvSpPr>
+              <p:cNvPr id="59" name="Oval 58">
+                <a:extLst>
+                  <a:ext uri="{FF2B5EF4-FFF2-40B4-BE49-F238E27FC236}">
+                    <a16:creationId xmlns:a16="http://schemas.microsoft.com/office/drawing/2014/main" id="{C7C00C6A-359B-FB2D-7D6C-B68E4D965186}"/>
+                  </a:ext>
+                </a:extLst>
+              </p:cNvPr>
+              <p:cNvSpPr/>
+              <p:nvPr/>
+            </p:nvSpPr>
+            <p:spPr bwMode="auto">
+              <a:xfrm>
+                <a:off x="5789453" y="2641420"/>
+                <a:ext cx="216284" cy="216284"/>
+              </a:xfrm>
+              <a:prstGeom prst="ellipse">
+                <a:avLst/>
+              </a:prstGeom>
+              <a:solidFill>
+                <a:srgbClr val="CCFFFF"/>
+              </a:solidFill>
+              <a:ln w="12700" cap="flat" cmpd="sng" algn="ctr">
+                <a:solidFill>
+                  <a:schemeClr val="tx1"/>
+                </a:solidFill>
+                <a:prstDash val="solid"/>
+                <a:round/>
+                <a:headEnd type="none" w="sm" len="sm"/>
+                <a:tailEnd type="none" w="sm" len="sm"/>
+              </a:ln>
+              <a:effectLst/>
+            </p:spPr>
+            <p:txBody>
+              <a:bodyPr vert="horz" wrap="square" lIns="91440" tIns="45720" rIns="91440" bIns="45720" numCol="1" rtlCol="0" anchor="ctr" anchorCtr="0" compatLnSpc="1">
+                <a:prstTxWarp prst="textNoShape">
+                  <a:avLst/>
+                </a:prstTxWarp>
+              </a:bodyPr>
+              <a:lstStyle/>
+              <a:p>
+                <a:pPr marL="0" marR="0" indent="0" algn="ctr" defTabSz="914400" rtl="0" eaLnBrk="0" fontAlgn="base" latinLnBrk="0" hangingPunct="0">
+                  <a:lnSpc>
+                    <a:spcPct val="100000"/>
+                  </a:lnSpc>
+                  <a:spcBef>
+                    <a:spcPct val="0"/>
+                  </a:spcBef>
+                  <a:spcAft>
+                    <a:spcPct val="0"/>
+                  </a:spcAft>
+                  <a:buClrTx/>
+                  <a:buSzTx/>
+                  <a:buFontTx/>
+                  <a:buNone/>
+                  <a:tabLst/>
+                </a:pPr>
+                <a:r>
+                  <a:rPr kumimoji="0" lang="en-US" sz="1200" b="0" i="1" u="none" strike="noStrike" cap="none" normalizeH="0" baseline="0" dirty="0">
+                    <a:ln>
+                      <a:noFill/>
+                    </a:ln>
+                    <a:solidFill>
+                      <a:schemeClr val="tx2"/>
+                    </a:solidFill>
+                    <a:effectLst/>
+                    <a:latin typeface="Verdana" panose="020B0604030504040204" pitchFamily="34" charset="0"/>
+                    <a:ea typeface="Verdana" panose="020B0604030504040204" pitchFamily="34" charset="0"/>
+                    <a:cs typeface="Verdana" panose="020B0604030504040204" pitchFamily="34" charset="0"/>
+                  </a:rPr>
+                  <a:t>g</a:t>
+                </a:r>
+              </a:p>
+            </p:txBody>
+          </p:sp>
+          <p:sp>
+            <p:nvSpPr>
+              <p:cNvPr id="60" name="Oval 59">
+                <a:extLst>
+                  <a:ext uri="{FF2B5EF4-FFF2-40B4-BE49-F238E27FC236}">
+                    <a16:creationId xmlns:a16="http://schemas.microsoft.com/office/drawing/2014/main" id="{BE077EF5-0B63-871E-1EE3-7B3D9C6AECFA}"/>
+                  </a:ext>
+                </a:extLst>
+              </p:cNvPr>
+              <p:cNvSpPr/>
+              <p:nvPr/>
+            </p:nvSpPr>
+            <p:spPr bwMode="auto">
+              <a:xfrm>
+                <a:off x="5064602" y="2641420"/>
+                <a:ext cx="216284" cy="216284"/>
+              </a:xfrm>
+              <a:prstGeom prst="ellipse">
+                <a:avLst/>
+              </a:prstGeom>
+              <a:solidFill>
+                <a:srgbClr val="CCFFCC"/>
+              </a:solidFill>
+              <a:ln w="12700" cap="flat" cmpd="sng" algn="ctr">
+                <a:solidFill>
+                  <a:schemeClr val="tx1"/>
+                </a:solidFill>
+                <a:prstDash val="solid"/>
+                <a:round/>
+                <a:headEnd type="none" w="sm" len="sm"/>
+                <a:tailEnd type="none" w="sm" len="sm"/>
+              </a:ln>
+              <a:effectLst/>
+            </p:spPr>
+            <p:txBody>
+              <a:bodyPr vert="horz" wrap="square" lIns="91440" tIns="45720" rIns="91440" bIns="45720" numCol="1" rtlCol="0" anchor="ctr" anchorCtr="0" compatLnSpc="1">
+                <a:prstTxWarp prst="textNoShape">
+                  <a:avLst/>
+                </a:prstTxWarp>
+              </a:bodyPr>
+              <a:lstStyle/>
+              <a:p>
+                <a:pPr marL="0" marR="0" indent="0" algn="ctr" defTabSz="914400" rtl="0" eaLnBrk="0" fontAlgn="base" latinLnBrk="0" hangingPunct="0">
+                  <a:lnSpc>
+                    <a:spcPct val="100000"/>
+                  </a:lnSpc>
+                  <a:spcBef>
+                    <a:spcPct val="0"/>
+                  </a:spcBef>
+                  <a:spcAft>
+                    <a:spcPct val="0"/>
+                  </a:spcAft>
+                  <a:buClrTx/>
+                  <a:buSzTx/>
+                  <a:buFontTx/>
+                  <a:buNone/>
+                  <a:tabLst/>
+                </a:pPr>
+                <a:r>
+                  <a:rPr lang="en-US" sz="1200" i="1" dirty="0">
+                    <a:latin typeface="Verdana" panose="020B0604030504040204" pitchFamily="34" charset="0"/>
+                    <a:ea typeface="Verdana" panose="020B0604030504040204" pitchFamily="34" charset="0"/>
+                    <a:cs typeface="Verdana" panose="020B0604030504040204" pitchFamily="34" charset="0"/>
+                  </a:rPr>
+                  <a:t>d</a:t>
+                </a:r>
+                <a:endParaRPr kumimoji="0" lang="en-US" sz="1200" b="0" i="1" u="none" strike="noStrike" cap="none" normalizeH="0" baseline="0" dirty="0">
+                  <a:ln>
+                    <a:noFill/>
+                  </a:ln>
+                  <a:solidFill>
+                    <a:schemeClr val="tx2"/>
+                  </a:solidFill>
+                  <a:effectLst/>
+                  <a:latin typeface="Verdana" panose="020B0604030504040204" pitchFamily="34" charset="0"/>
+                  <a:ea typeface="Verdana" panose="020B0604030504040204" pitchFamily="34" charset="0"/>
+                  <a:cs typeface="Verdana" panose="020B0604030504040204" pitchFamily="34" charset="0"/>
+                </a:endParaRPr>
+              </a:p>
+            </p:txBody>
+          </p:sp>
+          <p:cxnSp>
+            <p:nvCxnSpPr>
+              <p:cNvPr id="61" name="Straight Connector 60">
+                <a:extLst>
+                  <a:ext uri="{FF2B5EF4-FFF2-40B4-BE49-F238E27FC236}">
+                    <a16:creationId xmlns:a16="http://schemas.microsoft.com/office/drawing/2014/main" id="{8AEDE95A-B754-B785-30C2-53EA6F848651}"/>
+                  </a:ext>
+                </a:extLst>
+              </p:cNvPr>
+              <p:cNvCxnSpPr>
+                <a:cxnSpLocks/>
+                <a:stCxn id="59" idx="6"/>
+                <a:endCxn id="429064" idx="2"/>
+              </p:cNvCxnSpPr>
+              <p:nvPr/>
+            </p:nvCxnSpPr>
+            <p:spPr bwMode="auto">
+              <a:xfrm>
+                <a:off x="6005737" y="2749562"/>
+                <a:ext cx="533301" cy="0"/>
+              </a:xfrm>
+              <a:prstGeom prst="line">
+                <a:avLst/>
+              </a:prstGeom>
+              <a:solidFill>
+                <a:schemeClr val="accent1"/>
+              </a:solidFill>
+              <a:ln w="44450" cap="flat" cmpd="sng" algn="ctr">
+                <a:solidFill>
+                  <a:srgbClr val="0070C0"/>
+                </a:solidFill>
+                <a:prstDash val="solid"/>
+                <a:round/>
+                <a:headEnd type="none" w="sm" len="sm"/>
+                <a:tailEnd type="none" w="sm" len="sm"/>
+              </a:ln>
+              <a:effectLst/>
+            </p:spPr>
+          </p:cxnSp>
+          <p:cxnSp>
+            <p:nvCxnSpPr>
+              <p:cNvPr id="62" name="Straight Connector 61">
+                <a:extLst>
+                  <a:ext uri="{FF2B5EF4-FFF2-40B4-BE49-F238E27FC236}">
+                    <a16:creationId xmlns:a16="http://schemas.microsoft.com/office/drawing/2014/main" id="{345AA06A-907F-9A63-FBE9-89DC3FCFA977}"/>
+                  </a:ext>
+                </a:extLst>
+              </p:cNvPr>
+              <p:cNvCxnSpPr>
+                <a:cxnSpLocks/>
+                <a:stCxn id="59" idx="2"/>
+                <a:endCxn id="60" idx="6"/>
+              </p:cNvCxnSpPr>
+              <p:nvPr/>
+            </p:nvCxnSpPr>
+            <p:spPr bwMode="auto">
+              <a:xfrm flipH="1">
+                <a:off x="5280886" y="2749562"/>
+                <a:ext cx="508567" cy="0"/>
+              </a:xfrm>
+              <a:prstGeom prst="line">
+                <a:avLst/>
+              </a:prstGeom>
+              <a:solidFill>
+                <a:schemeClr val="accent1"/>
+              </a:solidFill>
+              <a:ln w="12700" cap="flat" cmpd="sng" algn="ctr">
+                <a:solidFill>
+                  <a:schemeClr val="tx1"/>
+                </a:solidFill>
+                <a:prstDash val="solid"/>
+                <a:round/>
+                <a:headEnd type="none" w="sm" len="sm"/>
+                <a:tailEnd type="none" w="sm" len="sm"/>
+              </a:ln>
+              <a:effectLst/>
+            </p:spPr>
+          </p:cxnSp>
+          <p:cxnSp>
+            <p:nvCxnSpPr>
+              <p:cNvPr id="63" name="Straight Connector 62">
+                <a:extLst>
+                  <a:ext uri="{FF2B5EF4-FFF2-40B4-BE49-F238E27FC236}">
+                    <a16:creationId xmlns:a16="http://schemas.microsoft.com/office/drawing/2014/main" id="{44285570-A364-0D02-EF4A-B841944B9CEC}"/>
+                  </a:ext>
+                </a:extLst>
+              </p:cNvPr>
+              <p:cNvCxnSpPr>
+                <a:cxnSpLocks/>
+                <a:stCxn id="57" idx="3"/>
+                <a:endCxn id="429063" idx="7"/>
+              </p:cNvCxnSpPr>
+              <p:nvPr/>
+            </p:nvCxnSpPr>
+            <p:spPr bwMode="auto">
+              <a:xfrm flipH="1">
+                <a:off x="5971884" y="1795039"/>
+                <a:ext cx="602023" cy="206302"/>
+              </a:xfrm>
+              <a:prstGeom prst="line">
+                <a:avLst/>
+              </a:prstGeom>
+              <a:solidFill>
+                <a:schemeClr val="accent1"/>
+              </a:solidFill>
+              <a:ln w="12700" cap="flat" cmpd="sng" algn="ctr">
+                <a:solidFill>
+                  <a:schemeClr val="tx1"/>
+                </a:solidFill>
+                <a:prstDash val="solid"/>
+                <a:round/>
+                <a:headEnd type="none" w="sm" len="sm"/>
+                <a:tailEnd type="none" w="sm" len="sm"/>
+              </a:ln>
+              <a:effectLst/>
+            </p:spPr>
+          </p:cxnSp>
+          <p:cxnSp>
+            <p:nvCxnSpPr>
+              <p:cNvPr id="429056" name="Straight Connector 429055">
+                <a:extLst>
+                  <a:ext uri="{FF2B5EF4-FFF2-40B4-BE49-F238E27FC236}">
+                    <a16:creationId xmlns:a16="http://schemas.microsoft.com/office/drawing/2014/main" id="{9E0E1ECC-F83D-02B9-2A52-714EB4884E35}"/>
+                  </a:ext>
+                </a:extLst>
+              </p:cNvPr>
+              <p:cNvCxnSpPr>
+                <a:cxnSpLocks/>
+                <a:stCxn id="59" idx="0"/>
+                <a:endCxn id="429063" idx="4"/>
+              </p:cNvCxnSpPr>
+              <p:nvPr/>
+            </p:nvCxnSpPr>
+            <p:spPr bwMode="auto">
+              <a:xfrm flipH="1" flipV="1">
+                <a:off x="5895416" y="2185951"/>
+                <a:ext cx="2179" cy="455469"/>
+              </a:xfrm>
+              <a:prstGeom prst="line">
+                <a:avLst/>
+              </a:prstGeom>
+              <a:solidFill>
+                <a:schemeClr val="accent1"/>
+              </a:solidFill>
+              <a:ln w="12700" cap="flat" cmpd="sng" algn="ctr">
+                <a:solidFill>
+                  <a:schemeClr val="tx1"/>
+                </a:solidFill>
+                <a:prstDash val="solid"/>
+                <a:round/>
+                <a:headEnd type="none" w="sm" len="sm"/>
+                <a:tailEnd type="none" w="sm" len="sm"/>
+              </a:ln>
+              <a:effectLst/>
+            </p:spPr>
+          </p:cxnSp>
+          <p:cxnSp>
+            <p:nvCxnSpPr>
+              <p:cNvPr id="429057" name="Straight Connector 429056">
+                <a:extLst>
+                  <a:ext uri="{FF2B5EF4-FFF2-40B4-BE49-F238E27FC236}">
+                    <a16:creationId xmlns:a16="http://schemas.microsoft.com/office/drawing/2014/main" id="{C67E1C82-1624-FC2D-D417-30E625E1666A}"/>
+                  </a:ext>
+                </a:extLst>
+              </p:cNvPr>
+              <p:cNvCxnSpPr>
+                <a:cxnSpLocks/>
+                <a:stCxn id="57" idx="4"/>
+                <a:endCxn id="429064" idx="0"/>
+              </p:cNvCxnSpPr>
+              <p:nvPr/>
+            </p:nvCxnSpPr>
+            <p:spPr bwMode="auto">
+              <a:xfrm flipH="1">
+                <a:off x="6647180" y="1826713"/>
+                <a:ext cx="3195" cy="814707"/>
+              </a:xfrm>
+              <a:prstGeom prst="line">
+                <a:avLst/>
+              </a:prstGeom>
+              <a:solidFill>
+                <a:schemeClr val="accent1"/>
+              </a:solidFill>
+              <a:ln w="12700" cap="flat" cmpd="sng" algn="ctr">
+                <a:solidFill>
+                  <a:schemeClr val="tx1"/>
+                </a:solidFill>
+                <a:prstDash val="solid"/>
+                <a:round/>
+                <a:headEnd type="none" w="sm" len="sm"/>
+                <a:tailEnd type="none" w="sm" len="sm"/>
+              </a:ln>
+              <a:effectLst/>
+            </p:spPr>
+          </p:cxnSp>
+          <p:sp>
+            <p:nvSpPr>
+              <p:cNvPr id="429063" name="Oval 429062">
+                <a:extLst>
+                  <a:ext uri="{FF2B5EF4-FFF2-40B4-BE49-F238E27FC236}">
+                    <a16:creationId xmlns:a16="http://schemas.microsoft.com/office/drawing/2014/main" id="{5B334749-9923-7638-D0FA-50B6CABA228F}"/>
+                  </a:ext>
+                </a:extLst>
+              </p:cNvPr>
+              <p:cNvSpPr/>
+              <p:nvPr/>
+            </p:nvSpPr>
+            <p:spPr bwMode="auto">
+              <a:xfrm>
+                <a:off x="5787274" y="1969667"/>
+                <a:ext cx="216284" cy="216284"/>
+              </a:xfrm>
+              <a:prstGeom prst="ellipse">
+                <a:avLst/>
+              </a:prstGeom>
+              <a:solidFill>
+                <a:srgbClr val="CCFFCC"/>
+              </a:solidFill>
+              <a:ln w="12700" cap="flat" cmpd="sng" algn="ctr">
+                <a:solidFill>
+                  <a:schemeClr val="tx1"/>
+                </a:solidFill>
+                <a:prstDash val="solid"/>
+                <a:round/>
+                <a:headEnd type="none" w="sm" len="sm"/>
+                <a:tailEnd type="none" w="sm" len="sm"/>
+              </a:ln>
+              <a:effectLst/>
+            </p:spPr>
+            <p:txBody>
+              <a:bodyPr vert="horz" wrap="square" lIns="91440" tIns="45720" rIns="91440" bIns="45720" numCol="1" rtlCol="0" anchor="ctr" anchorCtr="0" compatLnSpc="1">
+                <a:prstTxWarp prst="textNoShape">
+                  <a:avLst/>
+                </a:prstTxWarp>
+              </a:bodyPr>
+              <a:lstStyle/>
+              <a:p>
+                <a:pPr marL="0" marR="0" indent="0" algn="ctr" defTabSz="914400" rtl="0" eaLnBrk="0" fontAlgn="base" latinLnBrk="0" hangingPunct="0">
+                  <a:lnSpc>
+                    <a:spcPct val="100000"/>
+                  </a:lnSpc>
+                  <a:spcBef>
+                    <a:spcPct val="0"/>
+                  </a:spcBef>
+                  <a:spcAft>
+                    <a:spcPct val="0"/>
+                  </a:spcAft>
+                  <a:buClrTx/>
+                  <a:buSzTx/>
+                  <a:buFontTx/>
+                  <a:buNone/>
+                  <a:tabLst/>
+                </a:pPr>
+                <a:r>
+                  <a:rPr kumimoji="0" lang="en-US" sz="1200" b="0" i="1" u="none" strike="noStrike" cap="none" normalizeH="0" baseline="0" dirty="0">
+                    <a:ln>
+                      <a:noFill/>
+                    </a:ln>
+                    <a:solidFill>
+                      <a:schemeClr val="tx2"/>
+                    </a:solidFill>
+                    <a:effectLst/>
+                    <a:latin typeface="Verdana" panose="020B0604030504040204" pitchFamily="34" charset="0"/>
+                    <a:ea typeface="Verdana" panose="020B0604030504040204" pitchFamily="34" charset="0"/>
+                    <a:cs typeface="Verdana" panose="020B0604030504040204" pitchFamily="34" charset="0"/>
+                  </a:rPr>
+                  <a:t>e</a:t>
+                </a:r>
+              </a:p>
+            </p:txBody>
+          </p:sp>
+          <p:sp>
+            <p:nvSpPr>
+              <p:cNvPr id="429064" name="Oval 429063">
+                <a:extLst>
+                  <a:ext uri="{FF2B5EF4-FFF2-40B4-BE49-F238E27FC236}">
+                    <a16:creationId xmlns:a16="http://schemas.microsoft.com/office/drawing/2014/main" id="{746C4D02-EBCA-8A27-9788-F5CFDD3CBFC5}"/>
+                  </a:ext>
+                </a:extLst>
+              </p:cNvPr>
+              <p:cNvSpPr/>
+              <p:nvPr/>
+            </p:nvSpPr>
+            <p:spPr bwMode="auto">
+              <a:xfrm>
+                <a:off x="6539038" y="2641420"/>
+                <a:ext cx="216284" cy="216284"/>
+              </a:xfrm>
+              <a:prstGeom prst="ellipse">
+                <a:avLst/>
+              </a:prstGeom>
+              <a:solidFill>
+                <a:srgbClr val="CCFFCC"/>
+              </a:solidFill>
+              <a:ln w="12700" cap="flat" cmpd="sng" algn="ctr">
+                <a:solidFill>
+                  <a:schemeClr val="tx1"/>
+                </a:solidFill>
+                <a:prstDash val="solid"/>
+                <a:round/>
+                <a:headEnd type="none" w="sm" len="sm"/>
+                <a:tailEnd type="none" w="sm" len="sm"/>
+              </a:ln>
+              <a:effectLst/>
+            </p:spPr>
+            <p:txBody>
+              <a:bodyPr vert="horz" wrap="square" lIns="91440" tIns="45720" rIns="91440" bIns="45720" numCol="1" rtlCol="0" anchor="ctr" anchorCtr="0" compatLnSpc="1">
+                <a:prstTxWarp prst="textNoShape">
+                  <a:avLst/>
+                </a:prstTxWarp>
+              </a:bodyPr>
+              <a:lstStyle/>
+              <a:p>
+                <a:pPr marL="0" marR="0" indent="0" algn="ctr" defTabSz="914400" rtl="0" eaLnBrk="0" fontAlgn="base" latinLnBrk="0" hangingPunct="0">
+                  <a:lnSpc>
+                    <a:spcPct val="100000"/>
+                  </a:lnSpc>
+                  <a:spcBef>
+                    <a:spcPct val="0"/>
+                  </a:spcBef>
+                  <a:spcAft>
+                    <a:spcPct val="0"/>
+                  </a:spcAft>
+                  <a:buClrTx/>
+                  <a:buSzTx/>
+                  <a:buFontTx/>
+                  <a:buNone/>
+                  <a:tabLst/>
+                </a:pPr>
+                <a:r>
+                  <a:rPr kumimoji="0" lang="en-US" sz="1200" b="0" i="1" u="none" strike="noStrike" cap="none" normalizeH="0" baseline="0" dirty="0">
+                    <a:ln>
+                      <a:noFill/>
+                    </a:ln>
+                    <a:solidFill>
+                      <a:schemeClr val="tx2"/>
+                    </a:solidFill>
+                    <a:effectLst/>
+                    <a:latin typeface="Verdana" panose="020B0604030504040204" pitchFamily="34" charset="0"/>
+                    <a:ea typeface="Verdana" panose="020B0604030504040204" pitchFamily="34" charset="0"/>
+                    <a:cs typeface="Verdana" panose="020B0604030504040204" pitchFamily="34" charset="0"/>
+                  </a:rPr>
+                  <a:t>h</a:t>
+                </a:r>
+              </a:p>
+            </p:txBody>
+          </p:sp>
+          <p:cxnSp>
+            <p:nvCxnSpPr>
+              <p:cNvPr id="429065" name="Straight Connector 429064">
+                <a:extLst>
+                  <a:ext uri="{FF2B5EF4-FFF2-40B4-BE49-F238E27FC236}">
+                    <a16:creationId xmlns:a16="http://schemas.microsoft.com/office/drawing/2014/main" id="{FEB33889-C0C0-6421-821E-B6860B702208}"/>
+                  </a:ext>
+                </a:extLst>
+              </p:cNvPr>
+              <p:cNvCxnSpPr>
+                <a:cxnSpLocks/>
+                <a:stCxn id="58" idx="6"/>
+                <a:endCxn id="57" idx="2"/>
+              </p:cNvCxnSpPr>
+              <p:nvPr/>
+            </p:nvCxnSpPr>
+            <p:spPr bwMode="auto">
+              <a:xfrm>
+                <a:off x="5312371" y="1718571"/>
+                <a:ext cx="1229862" cy="0"/>
+              </a:xfrm>
+              <a:prstGeom prst="line">
+                <a:avLst/>
+              </a:prstGeom>
+              <a:solidFill>
+                <a:schemeClr val="accent1"/>
+              </a:solidFill>
+              <a:ln w="44450" cap="flat" cmpd="sng" algn="ctr">
+                <a:solidFill>
+                  <a:srgbClr val="0070C0"/>
+                </a:solidFill>
+                <a:prstDash val="solid"/>
+                <a:round/>
+                <a:headEnd type="none" w="sm" len="sm"/>
+                <a:tailEnd type="none" w="sm" len="sm"/>
+              </a:ln>
+              <a:effectLst/>
+            </p:spPr>
+          </p:cxnSp>
+          <p:sp>
+            <p:nvSpPr>
+              <p:cNvPr id="429091" name="Text Box 59">
+                <a:extLst>
+                  <a:ext uri="{FF2B5EF4-FFF2-40B4-BE49-F238E27FC236}">
+                    <a16:creationId xmlns:a16="http://schemas.microsoft.com/office/drawing/2014/main" id="{B93DFC3C-2DE5-0F19-2B53-4175C17DDEAB}"/>
+                  </a:ext>
+                </a:extLst>
+              </p:cNvPr>
+              <p:cNvSpPr txBox="1">
+                <a:spLocks noChangeArrowheads="1"/>
+              </p:cNvSpPr>
+              <p:nvPr/>
+            </p:nvSpPr>
+            <p:spPr bwMode="auto">
+              <a:xfrm>
+                <a:off x="4169500" y="2110536"/>
+                <a:ext cx="240450" cy="246221"/>
+              </a:xfrm>
+              <a:prstGeom prst="rect">
+                <a:avLst/>
+              </a:prstGeom>
+              <a:noFill/>
+              <a:ln w="12700">
+                <a:noFill/>
+                <a:miter lim="800000"/>
+                <a:headEnd type="none" w="sm" len="sm"/>
+                <a:tailEnd type="none" w="sm" len="sm"/>
+              </a:ln>
+              <a:effectLst/>
+            </p:spPr>
+            <p:txBody>
+              <a:bodyPr wrap="none" lIns="0" tIns="0" rIns="0" bIns="0" anchor="ctr" anchorCtr="1">
+                <a:spAutoFit/>
+              </a:bodyPr>
+              <a:lstStyle/>
+              <a:p>
+                <a:pPr algn="l">
+                  <a:spcBef>
+                    <a:spcPct val="50000"/>
+                  </a:spcBef>
+                </a:pPr>
+                <a:r>
+                  <a:rPr lang="en-US" i="1" dirty="0">
+                    <a:latin typeface="+mn-lt"/>
+                  </a:rPr>
+                  <a:t>H</a:t>
+                </a:r>
+                <a:r>
+                  <a:rPr lang="en-US" baseline="-25000" dirty="0">
+                    <a:latin typeface="+mn-lt"/>
+                  </a:rPr>
+                  <a:t>1</a:t>
+                </a:r>
+              </a:p>
+            </p:txBody>
+          </p:sp>
+          <p:sp>
+            <p:nvSpPr>
+              <p:cNvPr id="429092" name="Text Box 59">
+                <a:extLst>
+                  <a:ext uri="{FF2B5EF4-FFF2-40B4-BE49-F238E27FC236}">
+                    <a16:creationId xmlns:a16="http://schemas.microsoft.com/office/drawing/2014/main" id="{F676590C-D42F-EF3A-8FFD-A32F12F665EE}"/>
+                  </a:ext>
+                </a:extLst>
+              </p:cNvPr>
+              <p:cNvSpPr txBox="1">
+                <a:spLocks noChangeArrowheads="1"/>
+              </p:cNvSpPr>
+              <p:nvPr/>
+            </p:nvSpPr>
+            <p:spPr bwMode="auto">
+              <a:xfrm>
+                <a:off x="5306984" y="2110536"/>
+                <a:ext cx="240450" cy="246221"/>
+              </a:xfrm>
+              <a:prstGeom prst="rect">
+                <a:avLst/>
+              </a:prstGeom>
+              <a:noFill/>
+              <a:ln w="12700">
+                <a:noFill/>
+                <a:miter lim="800000"/>
+                <a:headEnd type="none" w="sm" len="sm"/>
+                <a:tailEnd type="none" w="sm" len="sm"/>
+              </a:ln>
+              <a:effectLst/>
+            </p:spPr>
+            <p:txBody>
+              <a:bodyPr wrap="none" lIns="0" tIns="0" rIns="0" bIns="0" anchor="ctr" anchorCtr="1">
+                <a:spAutoFit/>
+              </a:bodyPr>
+              <a:lstStyle/>
+              <a:p>
+                <a:pPr algn="l">
+                  <a:spcBef>
+                    <a:spcPct val="50000"/>
+                  </a:spcBef>
+                </a:pPr>
+                <a:r>
+                  <a:rPr lang="en-US" i="1" dirty="0">
+                    <a:latin typeface="+mn-lt"/>
+                  </a:rPr>
+                  <a:t>H</a:t>
+                </a:r>
+                <a:r>
+                  <a:rPr lang="en-US" baseline="-25000" dirty="0">
+                    <a:latin typeface="+mn-lt"/>
+                  </a:rPr>
+                  <a:t>2</a:t>
+                </a:r>
+              </a:p>
+            </p:txBody>
+          </p:sp>
+        </p:grpSp>
+        <p:sp>
+          <p:nvSpPr>
+            <p:cNvPr id="429093" name="Right Arrow 429092">
+              <a:extLst>
+                <a:ext uri="{FF2B5EF4-FFF2-40B4-BE49-F238E27FC236}">
+                  <a16:creationId xmlns:a16="http://schemas.microsoft.com/office/drawing/2014/main" id="{10ACD51F-47D1-3FF9-9215-4BDD1D8F5A3A}"/>
+                </a:ext>
+              </a:extLst>
+            </p:cNvPr>
+            <p:cNvSpPr/>
+            <p:nvPr/>
+          </p:nvSpPr>
+          <p:spPr bwMode="auto">
+            <a:xfrm>
+              <a:off x="6880874" y="2099005"/>
+              <a:ext cx="424543" cy="250372"/>
+            </a:xfrm>
+            <a:prstGeom prst="rightArrow">
+              <a:avLst/>
+            </a:prstGeom>
+            <a:solidFill>
+              <a:schemeClr val="accent1"/>
+            </a:solidFill>
+            <a:ln w="12700" cap="flat" cmpd="sng" algn="ctr">
+              <a:solidFill>
+                <a:schemeClr val="tx1"/>
+              </a:solidFill>
+              <a:prstDash val="solid"/>
+              <a:round/>
+              <a:headEnd type="none" w="sm" len="sm"/>
+              <a:tailEnd type="none" w="sm" len="sm"/>
+            </a:ln>
+            <a:effectLst/>
+          </p:spPr>
+          <p:txBody>
+            <a:bodyPr vert="horz" wrap="square" lIns="91440" tIns="45720" rIns="91440" bIns="45720" numCol="1" rtlCol="0" anchor="t" anchorCtr="0" compatLnSpc="1">
+              <a:prstTxWarp prst="textNoShape">
+                <a:avLst/>
+              </a:prstTxWarp>
+            </a:bodyPr>
+            <a:lstStyle/>
+            <a:p>
+              <a:pPr marL="0" marR="0" indent="0" algn="l" defTabSz="914400" rtl="0" eaLnBrk="0" fontAlgn="base" latinLnBrk="0" hangingPunct="0">
+                <a:lnSpc>
+                  <a:spcPct val="100000"/>
+                </a:lnSpc>
+                <a:spcBef>
+                  <a:spcPct val="0"/>
+                </a:spcBef>
+                <a:spcAft>
+                  <a:spcPct val="0"/>
+                </a:spcAft>
+                <a:buClrTx/>
+                <a:buSzTx/>
+                <a:buFontTx/>
+                <a:buNone/>
+                <a:tabLst/>
+              </a:pPr>
+              <a:endParaRPr kumimoji="0" lang="en-US" sz="1600" b="0" i="0" u="none" strike="noStrike" cap="none" normalizeH="0" baseline="0">
+                <a:ln>
+                  <a:noFill/>
+                </a:ln>
+                <a:solidFill>
+                  <a:schemeClr val="tx2"/>
+                </a:solidFill>
+                <a:effectLst/>
+                <a:latin typeface="Book Antiqua" pitchFamily="18" charset="0"/>
+              </a:endParaRPr>
+            </a:p>
+          </p:txBody>
+        </p:sp>
+      </p:grpSp>
+    </p:spTree>
+    <p:extLst>
+      <p:ext uri="{BB962C8B-B14F-4D97-AF65-F5344CB8AC3E}">
+        <p14:creationId xmlns:p14="http://schemas.microsoft.com/office/powerpoint/2010/main" val="3359654132"/>
+      </p:ext>
+    </p:extLst>
+  </p:cSld>
+  <p:clrMapOvr>
+    <a:masterClrMapping/>
+  </p:clrMapOvr>
+  <p:transition/>
+</p:sld>
+</file>
+
+<file path=ppt/slides/slide4.xml><?xml version="1.0" encoding="utf-8"?>
+<p:sld xmlns:a="http://schemas.openxmlformats.org/drawingml/2006/main" xmlns:r="http://schemas.openxmlformats.org/officeDocument/2006/relationships" xmlns:p="http://schemas.openxmlformats.org/presentationml/2006/main" showMasterPhAnim="0">
+  <p:cSld>
+    <p:spTree>
+      <p:nvGrpSpPr>
+        <p:cNvPr id="1" name=""/>
+        <p:cNvGrpSpPr/>
+        <p:nvPr/>
+      </p:nvGrpSpPr>
+      <p:grpSpPr>
+        <a:xfrm>
+          <a:off x="0" y="0"/>
+          <a:ext cx="0" cy="0"/>
+          <a:chOff x="0" y="0"/>
+          <a:chExt cx="0" cy="0"/>
+        </a:xfrm>
+      </p:grpSpPr>
+      <p:sp>
+        <p:nvSpPr>
+          <p:cNvPr id="429058" name="Rectangle 2"/>
+          <p:cNvSpPr>
+            <a:spLocks noGrp="1" noChangeArrowheads="1"/>
+          </p:cNvSpPr>
+          <p:nvPr>
+            <p:ph type="title"/>
+          </p:nvPr>
+        </p:nvSpPr>
+        <p:spPr/>
+        <p:txBody>
+          <a:bodyPr/>
+          <a:lstStyle/>
+          <a:p>
+            <a:r>
+              <a:rPr lang="en-US"/>
+              <a:t>gabow</a:t>
+            </a:r>
+            <a:endParaRPr lang="en-US" dirty="0"/>
+          </a:p>
+        </p:txBody>
+      </p:sp>
+      <p:grpSp>
+        <p:nvGrpSpPr>
+          <p:cNvPr id="31" name="Group 30">
+            <a:extLst>
+              <a:ext uri="{FF2B5EF4-FFF2-40B4-BE49-F238E27FC236}">
+                <a16:creationId xmlns:a16="http://schemas.microsoft.com/office/drawing/2014/main" id="{0D4E7629-CCAF-2793-611C-397D30070785}"/>
+              </a:ext>
+            </a:extLst>
+          </p:cNvPr>
+          <p:cNvGrpSpPr/>
+          <p:nvPr/>
+        </p:nvGrpSpPr>
+        <p:grpSpPr>
+          <a:xfrm>
+            <a:off x="651011" y="1812747"/>
+            <a:ext cx="5780576" cy="1275891"/>
+            <a:chOff x="651011" y="1812747"/>
+            <a:chExt cx="5780576" cy="1275891"/>
+          </a:xfrm>
+        </p:grpSpPr>
+        <p:grpSp>
+          <p:nvGrpSpPr>
+            <p:cNvPr id="429094" name="Group 429093">
+              <a:extLst>
+                <a:ext uri="{FF2B5EF4-FFF2-40B4-BE49-F238E27FC236}">
+                  <a16:creationId xmlns:a16="http://schemas.microsoft.com/office/drawing/2014/main" id="{081EDE4A-34CE-6210-F6F9-325E2739F4B7}"/>
+                </a:ext>
+              </a:extLst>
+            </p:cNvPr>
+            <p:cNvGrpSpPr/>
+            <p:nvPr/>
+          </p:nvGrpSpPr>
+          <p:grpSpPr>
+            <a:xfrm>
+              <a:off x="651011" y="1812747"/>
+              <a:ext cx="2375144" cy="1267026"/>
+              <a:chOff x="7388456" y="1590678"/>
+              <a:chExt cx="2375144" cy="1267026"/>
+            </a:xfrm>
+          </p:grpSpPr>
+          <p:sp>
+            <p:nvSpPr>
+              <p:cNvPr id="429066" name="Oval 429065">
+                <a:extLst>
+                  <a:ext uri="{FF2B5EF4-FFF2-40B4-BE49-F238E27FC236}">
+                    <a16:creationId xmlns:a16="http://schemas.microsoft.com/office/drawing/2014/main" id="{8427D67F-34AE-FE09-0B14-9503DF261739}"/>
+                  </a:ext>
+                </a:extLst>
+              </p:cNvPr>
+              <p:cNvSpPr/>
+              <p:nvPr/>
+            </p:nvSpPr>
+            <p:spPr bwMode="auto">
+              <a:xfrm>
+                <a:off x="8084626" y="1949916"/>
+                <a:ext cx="216284" cy="216284"/>
+              </a:xfrm>
+              <a:prstGeom prst="ellipse">
+                <a:avLst/>
+              </a:prstGeom>
+              <a:solidFill>
+                <a:srgbClr val="CCFFFF"/>
+              </a:solidFill>
+              <a:ln w="12700" cap="flat" cmpd="sng" algn="ctr">
+                <a:solidFill>
+                  <a:schemeClr val="tx1"/>
+                </a:solidFill>
+                <a:prstDash val="solid"/>
+                <a:round/>
+                <a:headEnd type="none" w="sm" len="sm"/>
+                <a:tailEnd type="none" w="sm" len="sm"/>
+              </a:ln>
+              <a:effectLst/>
+            </p:spPr>
+            <p:txBody>
+              <a:bodyPr vert="horz" wrap="square" lIns="91440" tIns="45720" rIns="91440" bIns="45720" numCol="1" rtlCol="0" anchor="ctr" anchorCtr="0" compatLnSpc="1">
+                <a:prstTxWarp prst="textNoShape">
+                  <a:avLst/>
+                </a:prstTxWarp>
+              </a:bodyPr>
+              <a:lstStyle/>
+              <a:p>
+                <a:pPr marL="0" marR="0" indent="0" algn="ctr" defTabSz="914400" rtl="0" eaLnBrk="0" fontAlgn="base" latinLnBrk="0" hangingPunct="0">
+                  <a:lnSpc>
+                    <a:spcPct val="100000"/>
+                  </a:lnSpc>
+                  <a:spcBef>
+                    <a:spcPct val="0"/>
+                  </a:spcBef>
+                  <a:spcAft>
+                    <a:spcPct val="0"/>
+                  </a:spcAft>
+                  <a:buClrTx/>
+                  <a:buSzTx/>
+                  <a:buFontTx/>
+                  <a:buNone/>
+                  <a:tabLst/>
+                </a:pPr>
+                <a:r>
+                  <a:rPr kumimoji="0" lang="en-US" sz="1200" b="0" i="1" u="none" strike="noStrike" cap="none" normalizeH="0" baseline="0" dirty="0">
+                    <a:ln>
+                      <a:noFill/>
+                    </a:ln>
+                    <a:solidFill>
+                      <a:schemeClr val="tx2"/>
+                    </a:solidFill>
+                    <a:effectLst/>
+                    <a:latin typeface="Verdana" panose="020B0604030504040204" pitchFamily="34" charset="0"/>
+                    <a:ea typeface="Verdana" panose="020B0604030504040204" pitchFamily="34" charset="0"/>
+                    <a:cs typeface="Verdana" panose="020B0604030504040204" pitchFamily="34" charset="0"/>
+                  </a:rPr>
+                  <a:t>b</a:t>
+                </a:r>
+              </a:p>
+            </p:txBody>
+          </p:sp>
+          <p:sp>
+            <p:nvSpPr>
+              <p:cNvPr id="429067" name="Oval 429066">
+                <a:extLst>
+                  <a:ext uri="{FF2B5EF4-FFF2-40B4-BE49-F238E27FC236}">
+                    <a16:creationId xmlns:a16="http://schemas.microsoft.com/office/drawing/2014/main" id="{32FEA0BF-1B52-36ED-4C4C-68A90D748BE7}"/>
+                  </a:ext>
+                </a:extLst>
+              </p:cNvPr>
+              <p:cNvSpPr/>
+              <p:nvPr/>
+            </p:nvSpPr>
+            <p:spPr bwMode="auto">
+              <a:xfrm>
+                <a:off x="7388456" y="2621669"/>
+                <a:ext cx="216284" cy="216284"/>
+              </a:xfrm>
+              <a:prstGeom prst="ellipse">
+                <a:avLst/>
+              </a:prstGeom>
+              <a:solidFill>
+                <a:srgbClr val="CCFFFF"/>
+              </a:solidFill>
+              <a:ln w="12700" cap="flat" cmpd="sng" algn="ctr">
+                <a:solidFill>
+                  <a:schemeClr val="tx1"/>
+                </a:solidFill>
+                <a:prstDash val="solid"/>
+                <a:round/>
+                <a:headEnd type="none" w="sm" len="sm"/>
+                <a:tailEnd type="none" w="sm" len="sm"/>
+              </a:ln>
+              <a:effectLst/>
+            </p:spPr>
+            <p:txBody>
+              <a:bodyPr vert="horz" wrap="square" lIns="91440" tIns="45720" rIns="91440" bIns="45720" numCol="1" rtlCol="0" anchor="ctr" anchorCtr="0" compatLnSpc="1">
+                <a:prstTxWarp prst="textNoShape">
+                  <a:avLst/>
+                </a:prstTxWarp>
+              </a:bodyPr>
+              <a:lstStyle/>
+              <a:p>
+                <a:pPr marL="0" marR="0" indent="0" algn="ctr" defTabSz="914400" rtl="0" eaLnBrk="0" fontAlgn="base" latinLnBrk="0" hangingPunct="0">
+                  <a:lnSpc>
+                    <a:spcPct val="100000"/>
+                  </a:lnSpc>
+                  <a:spcBef>
+                    <a:spcPct val="0"/>
+                  </a:spcBef>
+                  <a:spcAft>
+                    <a:spcPct val="0"/>
+                  </a:spcAft>
+                  <a:buClrTx/>
+                  <a:buSzTx/>
+                  <a:buFontTx/>
+                  <a:buNone/>
+                  <a:tabLst/>
+                </a:pPr>
+                <a:r>
+                  <a:rPr kumimoji="0" lang="en-US" sz="1200" b="0" i="1" u="none" strike="noStrike" cap="none" normalizeH="0" baseline="0" dirty="0">
+                    <a:ln>
+                      <a:noFill/>
+                    </a:ln>
+                    <a:solidFill>
+                      <a:schemeClr val="tx2"/>
+                    </a:solidFill>
+                    <a:effectLst/>
+                    <a:latin typeface="Verdana" panose="020B0604030504040204" pitchFamily="34" charset="0"/>
+                    <a:ea typeface="Verdana" panose="020B0604030504040204" pitchFamily="34" charset="0"/>
+                    <a:cs typeface="Verdana" panose="020B0604030504040204" pitchFamily="34" charset="0"/>
+                  </a:rPr>
+                  <a:t>c</a:t>
+                </a:r>
+              </a:p>
+            </p:txBody>
+          </p:sp>
+          <p:sp>
+            <p:nvSpPr>
+              <p:cNvPr id="429069" name="Oval 429068">
+                <a:extLst>
+                  <a:ext uri="{FF2B5EF4-FFF2-40B4-BE49-F238E27FC236}">
+                    <a16:creationId xmlns:a16="http://schemas.microsoft.com/office/drawing/2014/main" id="{B57405E1-27AF-5E69-CBFA-FBA7825E19AD}"/>
+                  </a:ext>
+                </a:extLst>
+              </p:cNvPr>
+              <p:cNvSpPr/>
+              <p:nvPr/>
+            </p:nvSpPr>
+            <p:spPr bwMode="auto">
+              <a:xfrm>
+                <a:off x="7389762" y="1590678"/>
+                <a:ext cx="216284" cy="216284"/>
+              </a:xfrm>
+              <a:prstGeom prst="ellipse">
+                <a:avLst/>
+              </a:prstGeom>
+              <a:solidFill>
+                <a:srgbClr val="CCFFCC"/>
+              </a:solidFill>
+              <a:ln w="12700" cap="flat" cmpd="sng" algn="ctr">
+                <a:solidFill>
+                  <a:schemeClr val="tx1"/>
+                </a:solidFill>
+                <a:prstDash val="solid"/>
+                <a:round/>
+                <a:headEnd type="none" w="sm" len="sm"/>
+                <a:tailEnd type="none" w="sm" len="sm"/>
+              </a:ln>
+              <a:effectLst/>
+            </p:spPr>
+            <p:txBody>
+              <a:bodyPr vert="horz" wrap="square" lIns="91440" tIns="45720" rIns="91440" bIns="45720" numCol="1" rtlCol="0" anchor="ctr" anchorCtr="0" compatLnSpc="1">
+                <a:prstTxWarp prst="textNoShape">
+                  <a:avLst/>
+                </a:prstTxWarp>
+              </a:bodyPr>
+              <a:lstStyle/>
+              <a:p>
+                <a:pPr marL="0" marR="0" indent="0" algn="ctr" defTabSz="914400" rtl="0" eaLnBrk="0" fontAlgn="base" latinLnBrk="0" hangingPunct="0">
+                  <a:lnSpc>
+                    <a:spcPct val="100000"/>
+                  </a:lnSpc>
+                  <a:spcBef>
+                    <a:spcPct val="0"/>
+                  </a:spcBef>
+                  <a:spcAft>
+                    <a:spcPct val="0"/>
+                  </a:spcAft>
+                  <a:buClrTx/>
+                  <a:buSzTx/>
+                  <a:buFontTx/>
+                  <a:buNone/>
+                  <a:tabLst/>
+                </a:pPr>
+                <a:r>
+                  <a:rPr kumimoji="0" lang="en-US" sz="1200" b="0" i="1" u="none" strike="noStrike" cap="none" normalizeH="0" baseline="0" dirty="0">
+                    <a:ln>
+                      <a:noFill/>
+                    </a:ln>
+                    <a:solidFill>
+                      <a:schemeClr val="tx2"/>
+                    </a:solidFill>
+                    <a:effectLst/>
+                    <a:latin typeface="Verdana" panose="020B0604030504040204" pitchFamily="34" charset="0"/>
+                    <a:ea typeface="Verdana" panose="020B0604030504040204" pitchFamily="34" charset="0"/>
+                    <a:cs typeface="Verdana" panose="020B0604030504040204" pitchFamily="34" charset="0"/>
+                  </a:rPr>
+                  <a:t>a</a:t>
+                </a:r>
+              </a:p>
+            </p:txBody>
+          </p:sp>
+          <p:sp>
+            <p:nvSpPr>
+              <p:cNvPr id="429071" name="Oval 429070">
+                <a:extLst>
+                  <a:ext uri="{FF2B5EF4-FFF2-40B4-BE49-F238E27FC236}">
+                    <a16:creationId xmlns:a16="http://schemas.microsoft.com/office/drawing/2014/main" id="{DE53B3D0-3929-A3AE-AC70-6FE08B2F481C}"/>
+                  </a:ext>
+                </a:extLst>
+              </p:cNvPr>
+              <p:cNvSpPr/>
+              <p:nvPr/>
+            </p:nvSpPr>
+            <p:spPr bwMode="auto">
+              <a:xfrm>
+                <a:off x="8087619" y="2621669"/>
+                <a:ext cx="216284" cy="216284"/>
+              </a:xfrm>
+              <a:prstGeom prst="ellipse">
+                <a:avLst/>
+              </a:prstGeom>
+              <a:solidFill>
+                <a:srgbClr val="CCFFCC"/>
+              </a:solidFill>
+              <a:ln w="12700" cap="flat" cmpd="sng" algn="ctr">
+                <a:solidFill>
+                  <a:schemeClr val="tx1"/>
+                </a:solidFill>
+                <a:prstDash val="solid"/>
+                <a:round/>
+                <a:headEnd type="none" w="sm" len="sm"/>
+                <a:tailEnd type="none" w="sm" len="sm"/>
+              </a:ln>
+              <a:effectLst/>
+            </p:spPr>
+            <p:txBody>
+              <a:bodyPr vert="horz" wrap="square" lIns="91440" tIns="45720" rIns="91440" bIns="45720" numCol="1" rtlCol="0" anchor="ctr" anchorCtr="0" compatLnSpc="1">
+                <a:prstTxWarp prst="textNoShape">
+                  <a:avLst/>
+                </a:prstTxWarp>
+              </a:bodyPr>
+              <a:lstStyle/>
+              <a:p>
+                <a:pPr marL="0" marR="0" indent="0" algn="ctr" defTabSz="914400" rtl="0" eaLnBrk="0" fontAlgn="base" latinLnBrk="0" hangingPunct="0">
+                  <a:lnSpc>
+                    <a:spcPct val="100000"/>
+                  </a:lnSpc>
+                  <a:spcBef>
+                    <a:spcPct val="0"/>
+                  </a:spcBef>
+                  <a:spcAft>
+                    <a:spcPct val="0"/>
+                  </a:spcAft>
+                  <a:buClrTx/>
+                  <a:buSzTx/>
+                  <a:buFontTx/>
+                  <a:buNone/>
+                  <a:tabLst/>
+                </a:pPr>
+                <a:r>
+                  <a:rPr lang="en-US" sz="1200" i="1" dirty="0">
+                    <a:latin typeface="Verdana" panose="020B0604030504040204" pitchFamily="34" charset="0"/>
+                    <a:ea typeface="Verdana" panose="020B0604030504040204" pitchFamily="34" charset="0"/>
+                    <a:cs typeface="Verdana" panose="020B0604030504040204" pitchFamily="34" charset="0"/>
+                  </a:rPr>
+                  <a:t>d</a:t>
+                </a:r>
+                <a:endParaRPr kumimoji="0" lang="en-US" sz="1200" b="0" i="1" u="none" strike="noStrike" cap="none" normalizeH="0" baseline="0" dirty="0">
+                  <a:ln>
+                    <a:noFill/>
+                  </a:ln>
+                  <a:solidFill>
+                    <a:schemeClr val="tx2"/>
+                  </a:solidFill>
+                  <a:effectLst/>
+                  <a:latin typeface="Verdana" panose="020B0604030504040204" pitchFamily="34" charset="0"/>
+                  <a:ea typeface="Verdana" panose="020B0604030504040204" pitchFamily="34" charset="0"/>
+                  <a:cs typeface="Verdana" panose="020B0604030504040204" pitchFamily="34" charset="0"/>
+                </a:endParaRPr>
+              </a:p>
+            </p:txBody>
+          </p:sp>
+          <p:cxnSp>
+            <p:nvCxnSpPr>
+              <p:cNvPr id="429073" name="Straight Connector 429072">
+                <a:extLst>
+                  <a:ext uri="{FF2B5EF4-FFF2-40B4-BE49-F238E27FC236}">
+                    <a16:creationId xmlns:a16="http://schemas.microsoft.com/office/drawing/2014/main" id="{95285D66-EB10-4AD5-D574-5452BC3682FD}"/>
+                  </a:ext>
+                </a:extLst>
+              </p:cNvPr>
+              <p:cNvCxnSpPr>
+                <a:cxnSpLocks/>
+                <a:stCxn id="429069" idx="5"/>
+                <a:endCxn id="429066" idx="1"/>
+              </p:cNvCxnSpPr>
+              <p:nvPr/>
+            </p:nvCxnSpPr>
+            <p:spPr bwMode="auto">
+              <a:xfrm>
+                <a:off x="7574372" y="1775288"/>
+                <a:ext cx="541928" cy="206302"/>
+              </a:xfrm>
+              <a:prstGeom prst="line">
+                <a:avLst/>
+              </a:prstGeom>
+              <a:solidFill>
+                <a:schemeClr val="accent1"/>
+              </a:solidFill>
+              <a:ln w="12700" cap="flat" cmpd="sng" algn="ctr">
+                <a:solidFill>
+                  <a:schemeClr val="tx1"/>
+                </a:solidFill>
+                <a:prstDash val="solid"/>
+                <a:round/>
+                <a:headEnd type="none" w="sm" len="sm"/>
+                <a:tailEnd type="none" w="sm" len="sm"/>
+              </a:ln>
+              <a:effectLst/>
+            </p:spPr>
+          </p:cxnSp>
+          <p:cxnSp>
+            <p:nvCxnSpPr>
+              <p:cNvPr id="429074" name="Straight Connector 429073">
+                <a:extLst>
+                  <a:ext uri="{FF2B5EF4-FFF2-40B4-BE49-F238E27FC236}">
+                    <a16:creationId xmlns:a16="http://schemas.microsoft.com/office/drawing/2014/main" id="{FEE6BBAB-2910-90D4-373A-4C11DAAB9E27}"/>
+                  </a:ext>
+                </a:extLst>
+              </p:cNvPr>
+              <p:cNvCxnSpPr>
+                <a:cxnSpLocks/>
+                <a:stCxn id="429071" idx="2"/>
+                <a:endCxn id="429067" idx="6"/>
+              </p:cNvCxnSpPr>
+              <p:nvPr/>
+            </p:nvCxnSpPr>
+            <p:spPr bwMode="auto">
+              <a:xfrm flipH="1">
+                <a:off x="7604740" y="2729811"/>
+                <a:ext cx="482879" cy="0"/>
+              </a:xfrm>
+              <a:prstGeom prst="line">
+                <a:avLst/>
+              </a:prstGeom>
+              <a:solidFill>
+                <a:schemeClr val="accent1"/>
+              </a:solidFill>
+              <a:ln w="44450" cap="flat" cmpd="sng" algn="ctr">
+                <a:solidFill>
+                  <a:srgbClr val="FF0000"/>
+                </a:solidFill>
+                <a:prstDash val="solid"/>
+                <a:round/>
+                <a:headEnd type="none" w="sm" len="sm"/>
+                <a:tailEnd type="none" w="sm" len="sm"/>
+              </a:ln>
+              <a:effectLst/>
+            </p:spPr>
+          </p:cxnSp>
+          <p:cxnSp>
+            <p:nvCxnSpPr>
+              <p:cNvPr id="429075" name="Straight Connector 429074">
+                <a:extLst>
+                  <a:ext uri="{FF2B5EF4-FFF2-40B4-BE49-F238E27FC236}">
+                    <a16:creationId xmlns:a16="http://schemas.microsoft.com/office/drawing/2014/main" id="{019E5F40-4E59-B6C5-1CE0-ACB7A86688CB}"/>
+                  </a:ext>
+                </a:extLst>
+              </p:cNvPr>
+              <p:cNvCxnSpPr>
+                <a:cxnSpLocks/>
+                <a:stCxn id="429067" idx="0"/>
+                <a:endCxn id="429069" idx="4"/>
+              </p:cNvCxnSpPr>
+              <p:nvPr/>
+            </p:nvCxnSpPr>
+            <p:spPr bwMode="auto">
+              <a:xfrm flipV="1">
+                <a:off x="7496598" y="1806962"/>
+                <a:ext cx="1306" cy="814707"/>
+              </a:xfrm>
+              <a:prstGeom prst="line">
+                <a:avLst/>
+              </a:prstGeom>
+              <a:solidFill>
+                <a:schemeClr val="accent1"/>
+              </a:solidFill>
+              <a:ln w="12700" cap="flat" cmpd="sng" algn="ctr">
+                <a:solidFill>
+                  <a:schemeClr val="tx1"/>
+                </a:solidFill>
+                <a:prstDash val="solid"/>
+                <a:round/>
+                <a:headEnd type="none" w="sm" len="sm"/>
+                <a:tailEnd type="none" w="sm" len="sm"/>
+              </a:ln>
+              <a:effectLst/>
+            </p:spPr>
+          </p:cxnSp>
+          <p:cxnSp>
+            <p:nvCxnSpPr>
+              <p:cNvPr id="429076" name="Straight Connector 429075">
+                <a:extLst>
+                  <a:ext uri="{FF2B5EF4-FFF2-40B4-BE49-F238E27FC236}">
+                    <a16:creationId xmlns:a16="http://schemas.microsoft.com/office/drawing/2014/main" id="{D1AAD9D5-444F-661A-0CA9-9D9574C4FDEF}"/>
+                  </a:ext>
+                </a:extLst>
+              </p:cNvPr>
+              <p:cNvCxnSpPr>
+                <a:cxnSpLocks/>
+                <a:stCxn id="429066" idx="4"/>
+                <a:endCxn id="429071" idx="0"/>
+              </p:cNvCxnSpPr>
+              <p:nvPr/>
+            </p:nvCxnSpPr>
+            <p:spPr bwMode="auto">
+              <a:xfrm>
+                <a:off x="8192768" y="2166200"/>
+                <a:ext cx="2993" cy="455469"/>
+              </a:xfrm>
+              <a:prstGeom prst="line">
+                <a:avLst/>
+              </a:prstGeom>
+              <a:solidFill>
+                <a:schemeClr val="accent1"/>
+              </a:solidFill>
+              <a:ln w="12700" cap="flat" cmpd="sng" algn="ctr">
+                <a:solidFill>
+                  <a:schemeClr val="tx1"/>
+                </a:solidFill>
+                <a:prstDash val="solid"/>
+                <a:round/>
+                <a:headEnd type="none" w="sm" len="sm"/>
+                <a:tailEnd type="none" w="sm" len="sm"/>
+              </a:ln>
+              <a:effectLst/>
+            </p:spPr>
+          </p:cxnSp>
+          <p:sp>
+            <p:nvSpPr>
+              <p:cNvPr id="429078" name="Oval 429077">
+                <a:extLst>
+                  <a:ext uri="{FF2B5EF4-FFF2-40B4-BE49-F238E27FC236}">
+                    <a16:creationId xmlns:a16="http://schemas.microsoft.com/office/drawing/2014/main" id="{0A1772D8-EB91-C7CA-51B9-099A09C8A9AF}"/>
+                  </a:ext>
+                </a:extLst>
+              </p:cNvPr>
+              <p:cNvSpPr/>
+              <p:nvPr/>
+            </p:nvSpPr>
+            <p:spPr bwMode="auto">
+              <a:xfrm>
+                <a:off x="9547316" y="1599543"/>
+                <a:ext cx="216284" cy="216284"/>
+              </a:xfrm>
+              <a:prstGeom prst="ellipse">
+                <a:avLst/>
+              </a:prstGeom>
+              <a:solidFill>
+                <a:srgbClr val="CCFFFF"/>
+              </a:solidFill>
+              <a:ln w="12700" cap="flat" cmpd="sng" algn="ctr">
+                <a:solidFill>
+                  <a:schemeClr val="tx1"/>
+                </a:solidFill>
+                <a:prstDash val="solid"/>
+                <a:round/>
+                <a:headEnd type="none" w="sm" len="sm"/>
+                <a:tailEnd type="none" w="sm" len="sm"/>
+              </a:ln>
+              <a:effectLst/>
+            </p:spPr>
+            <p:txBody>
+              <a:bodyPr vert="horz" wrap="square" lIns="91440" tIns="45720" rIns="91440" bIns="45720" numCol="1" rtlCol="0" anchor="ctr" anchorCtr="0" compatLnSpc="1">
+                <a:prstTxWarp prst="textNoShape">
+                  <a:avLst/>
+                </a:prstTxWarp>
+              </a:bodyPr>
+              <a:lstStyle/>
+              <a:p>
+                <a:pPr marL="0" marR="0" indent="0" algn="ctr" defTabSz="914400" rtl="0" eaLnBrk="0" fontAlgn="base" latinLnBrk="0" hangingPunct="0">
+                  <a:lnSpc>
+                    <a:spcPct val="100000"/>
+                  </a:lnSpc>
+                  <a:spcBef>
+                    <a:spcPct val="0"/>
+                  </a:spcBef>
+                  <a:spcAft>
+                    <a:spcPct val="0"/>
+                  </a:spcAft>
+                  <a:buClrTx/>
+                  <a:buSzTx/>
+                  <a:buFontTx/>
+                  <a:buNone/>
+                  <a:tabLst/>
+                </a:pPr>
+                <a:r>
+                  <a:rPr kumimoji="0" lang="en-US" sz="1200" b="0" i="1" u="none" strike="noStrike" cap="none" normalizeH="0" baseline="0" dirty="0">
+                    <a:ln>
+                      <a:noFill/>
+                    </a:ln>
+                    <a:solidFill>
+                      <a:schemeClr val="tx2"/>
+                    </a:solidFill>
+                    <a:effectLst/>
+                    <a:latin typeface="Verdana" panose="020B0604030504040204" pitchFamily="34" charset="0"/>
+                    <a:ea typeface="Verdana" panose="020B0604030504040204" pitchFamily="34" charset="0"/>
+                    <a:cs typeface="Verdana" panose="020B0604030504040204" pitchFamily="34" charset="0"/>
+                  </a:rPr>
+                  <a:t>f</a:t>
+                </a:r>
+              </a:p>
+            </p:txBody>
+          </p:sp>
+          <p:sp>
+            <p:nvSpPr>
+              <p:cNvPr id="429080" name="Oval 429079">
+                <a:extLst>
+                  <a:ext uri="{FF2B5EF4-FFF2-40B4-BE49-F238E27FC236}">
+                    <a16:creationId xmlns:a16="http://schemas.microsoft.com/office/drawing/2014/main" id="{5DACDF88-E9FC-6515-EBEE-59D82E41EB44}"/>
+                  </a:ext>
+                </a:extLst>
+              </p:cNvPr>
+              <p:cNvSpPr/>
+              <p:nvPr/>
+            </p:nvSpPr>
+            <p:spPr bwMode="auto">
+              <a:xfrm>
+                <a:off x="8794536" y="2641420"/>
+                <a:ext cx="216284" cy="216284"/>
+              </a:xfrm>
+              <a:prstGeom prst="ellipse">
+                <a:avLst/>
+              </a:prstGeom>
+              <a:solidFill>
+                <a:srgbClr val="CCFFFF"/>
+              </a:solidFill>
+              <a:ln w="12700" cap="flat" cmpd="sng" algn="ctr">
+                <a:solidFill>
+                  <a:schemeClr val="tx1"/>
+                </a:solidFill>
+                <a:prstDash val="solid"/>
+                <a:round/>
+                <a:headEnd type="none" w="sm" len="sm"/>
+                <a:tailEnd type="none" w="sm" len="sm"/>
+              </a:ln>
+              <a:effectLst/>
+            </p:spPr>
+            <p:txBody>
+              <a:bodyPr vert="horz" wrap="square" lIns="91440" tIns="45720" rIns="91440" bIns="45720" numCol="1" rtlCol="0" anchor="ctr" anchorCtr="0" compatLnSpc="1">
+                <a:prstTxWarp prst="textNoShape">
+                  <a:avLst/>
+                </a:prstTxWarp>
+              </a:bodyPr>
+              <a:lstStyle/>
+              <a:p>
+                <a:pPr marL="0" marR="0" indent="0" algn="ctr" defTabSz="914400" rtl="0" eaLnBrk="0" fontAlgn="base" latinLnBrk="0" hangingPunct="0">
+                  <a:lnSpc>
+                    <a:spcPct val="100000"/>
+                  </a:lnSpc>
+                  <a:spcBef>
+                    <a:spcPct val="0"/>
+                  </a:spcBef>
+                  <a:spcAft>
+                    <a:spcPct val="0"/>
+                  </a:spcAft>
+                  <a:buClrTx/>
+                  <a:buSzTx/>
+                  <a:buFontTx/>
+                  <a:buNone/>
+                  <a:tabLst/>
+                </a:pPr>
+                <a:r>
+                  <a:rPr kumimoji="0" lang="en-US" sz="1200" b="0" i="1" u="none" strike="noStrike" cap="none" normalizeH="0" baseline="0" dirty="0">
+                    <a:ln>
+                      <a:noFill/>
+                    </a:ln>
+                    <a:solidFill>
+                      <a:schemeClr val="tx2"/>
+                    </a:solidFill>
+                    <a:effectLst/>
+                    <a:latin typeface="Verdana" panose="020B0604030504040204" pitchFamily="34" charset="0"/>
+                    <a:ea typeface="Verdana" panose="020B0604030504040204" pitchFamily="34" charset="0"/>
+                    <a:cs typeface="Verdana" panose="020B0604030504040204" pitchFamily="34" charset="0"/>
+                  </a:rPr>
+                  <a:t>g</a:t>
+                </a:r>
+              </a:p>
+            </p:txBody>
+          </p:sp>
+          <p:cxnSp>
+            <p:nvCxnSpPr>
+              <p:cNvPr id="429082" name="Straight Connector 429081">
+                <a:extLst>
+                  <a:ext uri="{FF2B5EF4-FFF2-40B4-BE49-F238E27FC236}">
+                    <a16:creationId xmlns:a16="http://schemas.microsoft.com/office/drawing/2014/main" id="{E6E3A598-62B3-A14E-C3CD-AFCAB94820AB}"/>
+                  </a:ext>
+                </a:extLst>
+              </p:cNvPr>
+              <p:cNvCxnSpPr>
+                <a:cxnSpLocks/>
+                <a:stCxn id="429080" idx="6"/>
+                <a:endCxn id="429088" idx="2"/>
+              </p:cNvCxnSpPr>
+              <p:nvPr/>
+            </p:nvCxnSpPr>
+            <p:spPr bwMode="auto">
+              <a:xfrm>
+                <a:off x="9010820" y="2749562"/>
+                <a:ext cx="533301" cy="0"/>
+              </a:xfrm>
+              <a:prstGeom prst="line">
+                <a:avLst/>
+              </a:prstGeom>
+              <a:solidFill>
+                <a:schemeClr val="accent1"/>
+              </a:solidFill>
+              <a:ln w="44450" cap="flat" cmpd="sng" algn="ctr">
+                <a:solidFill>
+                  <a:srgbClr val="FF0000"/>
+                </a:solidFill>
+                <a:prstDash val="solid"/>
+                <a:round/>
+                <a:headEnd type="none" w="sm" len="sm"/>
+                <a:tailEnd type="none" w="sm" len="sm"/>
+              </a:ln>
+              <a:effectLst/>
+            </p:spPr>
+          </p:cxnSp>
+          <p:cxnSp>
+            <p:nvCxnSpPr>
+              <p:cNvPr id="429083" name="Straight Connector 429082">
+                <a:extLst>
+                  <a:ext uri="{FF2B5EF4-FFF2-40B4-BE49-F238E27FC236}">
+                    <a16:creationId xmlns:a16="http://schemas.microsoft.com/office/drawing/2014/main" id="{AEFA7CE8-E656-211A-6383-B4112CAA46C8}"/>
+                  </a:ext>
+                </a:extLst>
+              </p:cNvPr>
+              <p:cNvCxnSpPr>
+                <a:cxnSpLocks/>
+                <a:stCxn id="429080" idx="2"/>
+              </p:cNvCxnSpPr>
+              <p:nvPr/>
+            </p:nvCxnSpPr>
+            <p:spPr bwMode="auto">
+              <a:xfrm flipH="1">
+                <a:off x="8285969" y="2749562"/>
+                <a:ext cx="508567" cy="0"/>
+              </a:xfrm>
+              <a:prstGeom prst="line">
+                <a:avLst/>
+              </a:prstGeom>
+              <a:solidFill>
+                <a:schemeClr val="accent1"/>
+              </a:solidFill>
+              <a:ln w="12700" cap="flat" cmpd="sng" algn="ctr">
+                <a:solidFill>
+                  <a:schemeClr val="tx1"/>
+                </a:solidFill>
+                <a:prstDash val="solid"/>
+                <a:round/>
+                <a:headEnd type="none" w="sm" len="sm"/>
+                <a:tailEnd type="none" w="sm" len="sm"/>
+              </a:ln>
+              <a:effectLst/>
+            </p:spPr>
+          </p:cxnSp>
+          <p:cxnSp>
+            <p:nvCxnSpPr>
+              <p:cNvPr id="429084" name="Straight Connector 429083">
+                <a:extLst>
+                  <a:ext uri="{FF2B5EF4-FFF2-40B4-BE49-F238E27FC236}">
+                    <a16:creationId xmlns:a16="http://schemas.microsoft.com/office/drawing/2014/main" id="{9F99734F-F433-D427-17D6-DCB18647C474}"/>
+                  </a:ext>
+                </a:extLst>
+              </p:cNvPr>
+              <p:cNvCxnSpPr>
+                <a:cxnSpLocks/>
+                <a:stCxn id="429078" idx="3"/>
+                <a:endCxn id="429087" idx="7"/>
+              </p:cNvCxnSpPr>
+              <p:nvPr/>
+            </p:nvCxnSpPr>
+            <p:spPr bwMode="auto">
+              <a:xfrm flipH="1">
+                <a:off x="8976967" y="1784153"/>
+                <a:ext cx="602023" cy="217188"/>
+              </a:xfrm>
+              <a:prstGeom prst="line">
+                <a:avLst/>
+              </a:prstGeom>
+              <a:solidFill>
+                <a:schemeClr val="accent1"/>
+              </a:solidFill>
+              <a:ln w="12700" cap="flat" cmpd="sng" algn="ctr">
+                <a:solidFill>
+                  <a:schemeClr val="tx1"/>
+                </a:solidFill>
+                <a:prstDash val="solid"/>
+                <a:round/>
+                <a:headEnd type="none" w="sm" len="sm"/>
+                <a:tailEnd type="none" w="sm" len="sm"/>
+              </a:ln>
+              <a:effectLst/>
+            </p:spPr>
+          </p:cxnSp>
+          <p:cxnSp>
+            <p:nvCxnSpPr>
+              <p:cNvPr id="429085" name="Straight Connector 429084">
+                <a:extLst>
+                  <a:ext uri="{FF2B5EF4-FFF2-40B4-BE49-F238E27FC236}">
+                    <a16:creationId xmlns:a16="http://schemas.microsoft.com/office/drawing/2014/main" id="{FE019E55-A981-5290-ECE7-7D999253EC96}"/>
+                  </a:ext>
+                </a:extLst>
+              </p:cNvPr>
+              <p:cNvCxnSpPr>
+                <a:cxnSpLocks/>
+                <a:stCxn id="429080" idx="0"/>
+                <a:endCxn id="429087" idx="4"/>
+              </p:cNvCxnSpPr>
+              <p:nvPr/>
+            </p:nvCxnSpPr>
+            <p:spPr bwMode="auto">
+              <a:xfrm flipH="1" flipV="1">
+                <a:off x="8900499" y="2185951"/>
+                <a:ext cx="2179" cy="455469"/>
+              </a:xfrm>
+              <a:prstGeom prst="line">
+                <a:avLst/>
+              </a:prstGeom>
+              <a:solidFill>
+                <a:schemeClr val="accent1"/>
+              </a:solidFill>
+              <a:ln w="12700" cap="flat" cmpd="sng" algn="ctr">
+                <a:solidFill>
+                  <a:schemeClr val="tx1"/>
+                </a:solidFill>
+                <a:prstDash val="solid"/>
+                <a:round/>
+                <a:headEnd type="none" w="sm" len="sm"/>
+                <a:tailEnd type="none" w="sm" len="sm"/>
+              </a:ln>
+              <a:effectLst/>
+            </p:spPr>
+          </p:cxnSp>
+          <p:cxnSp>
+            <p:nvCxnSpPr>
+              <p:cNvPr id="429086" name="Straight Connector 429085">
+                <a:extLst>
+                  <a:ext uri="{FF2B5EF4-FFF2-40B4-BE49-F238E27FC236}">
+                    <a16:creationId xmlns:a16="http://schemas.microsoft.com/office/drawing/2014/main" id="{07B40FAE-B7D2-4413-74A6-8999574B835E}"/>
+                  </a:ext>
+                </a:extLst>
+              </p:cNvPr>
+              <p:cNvCxnSpPr>
+                <a:cxnSpLocks/>
+                <a:stCxn id="429078" idx="4"/>
+                <a:endCxn id="429088" idx="0"/>
+              </p:cNvCxnSpPr>
+              <p:nvPr/>
+            </p:nvCxnSpPr>
+            <p:spPr bwMode="auto">
+              <a:xfrm flipH="1">
+                <a:off x="9652263" y="1815827"/>
+                <a:ext cx="3195" cy="825593"/>
+              </a:xfrm>
+              <a:prstGeom prst="line">
+                <a:avLst/>
+              </a:prstGeom>
+              <a:solidFill>
+                <a:schemeClr val="accent1"/>
+              </a:solidFill>
+              <a:ln w="12700" cap="flat" cmpd="sng" algn="ctr">
+                <a:solidFill>
+                  <a:schemeClr val="tx1"/>
+                </a:solidFill>
+                <a:prstDash val="solid"/>
+                <a:round/>
+                <a:headEnd type="none" w="sm" len="sm"/>
+                <a:tailEnd type="none" w="sm" len="sm"/>
+              </a:ln>
+              <a:effectLst/>
+            </p:spPr>
+          </p:cxnSp>
+          <p:sp>
+            <p:nvSpPr>
+              <p:cNvPr id="429087" name="Oval 429086">
+                <a:extLst>
+                  <a:ext uri="{FF2B5EF4-FFF2-40B4-BE49-F238E27FC236}">
+                    <a16:creationId xmlns:a16="http://schemas.microsoft.com/office/drawing/2014/main" id="{2BF66F7E-8695-6ABF-35B0-3409052269A8}"/>
+                  </a:ext>
+                </a:extLst>
+              </p:cNvPr>
+              <p:cNvSpPr/>
+              <p:nvPr/>
+            </p:nvSpPr>
+            <p:spPr bwMode="auto">
+              <a:xfrm>
+                <a:off x="8792357" y="1969667"/>
+                <a:ext cx="216284" cy="216284"/>
+              </a:xfrm>
+              <a:prstGeom prst="ellipse">
+                <a:avLst/>
+              </a:prstGeom>
+              <a:solidFill>
+                <a:srgbClr val="CCFFCC"/>
+              </a:solidFill>
+              <a:ln w="12700" cap="flat" cmpd="sng" algn="ctr">
+                <a:solidFill>
+                  <a:schemeClr val="tx1"/>
+                </a:solidFill>
+                <a:prstDash val="solid"/>
+                <a:round/>
+                <a:headEnd type="none" w="sm" len="sm"/>
+                <a:tailEnd type="none" w="sm" len="sm"/>
+              </a:ln>
+              <a:effectLst/>
+            </p:spPr>
+            <p:txBody>
+              <a:bodyPr vert="horz" wrap="square" lIns="91440" tIns="45720" rIns="91440" bIns="45720" numCol="1" rtlCol="0" anchor="ctr" anchorCtr="0" compatLnSpc="1">
+                <a:prstTxWarp prst="textNoShape">
+                  <a:avLst/>
+                </a:prstTxWarp>
+              </a:bodyPr>
+              <a:lstStyle/>
+              <a:p>
+                <a:pPr marL="0" marR="0" indent="0" algn="ctr" defTabSz="914400" rtl="0" eaLnBrk="0" fontAlgn="base" latinLnBrk="0" hangingPunct="0">
+                  <a:lnSpc>
+                    <a:spcPct val="100000"/>
+                  </a:lnSpc>
+                  <a:spcBef>
+                    <a:spcPct val="0"/>
+                  </a:spcBef>
+                  <a:spcAft>
+                    <a:spcPct val="0"/>
+                  </a:spcAft>
+                  <a:buClrTx/>
+                  <a:buSzTx/>
+                  <a:buFontTx/>
+                  <a:buNone/>
+                  <a:tabLst/>
+                </a:pPr>
+                <a:r>
+                  <a:rPr kumimoji="0" lang="en-US" sz="1200" b="0" i="1" u="none" strike="noStrike" cap="none" normalizeH="0" baseline="0" dirty="0">
+                    <a:ln>
+                      <a:noFill/>
+                    </a:ln>
+                    <a:solidFill>
+                      <a:schemeClr val="tx2"/>
+                    </a:solidFill>
+                    <a:effectLst/>
+                    <a:latin typeface="Verdana" panose="020B0604030504040204" pitchFamily="34" charset="0"/>
+                    <a:ea typeface="Verdana" panose="020B0604030504040204" pitchFamily="34" charset="0"/>
+                    <a:cs typeface="Verdana" panose="020B0604030504040204" pitchFamily="34" charset="0"/>
+                  </a:rPr>
+                  <a:t>e</a:t>
+                </a:r>
+              </a:p>
+            </p:txBody>
+          </p:sp>
+          <p:sp>
+            <p:nvSpPr>
+              <p:cNvPr id="429088" name="Oval 429087">
+                <a:extLst>
+                  <a:ext uri="{FF2B5EF4-FFF2-40B4-BE49-F238E27FC236}">
+                    <a16:creationId xmlns:a16="http://schemas.microsoft.com/office/drawing/2014/main" id="{2A1C5804-0C17-6D19-1FF7-48D76196D2B2}"/>
+                  </a:ext>
+                </a:extLst>
+              </p:cNvPr>
+              <p:cNvSpPr/>
+              <p:nvPr/>
+            </p:nvSpPr>
+            <p:spPr bwMode="auto">
+              <a:xfrm>
+                <a:off x="9544121" y="2641420"/>
+                <a:ext cx="216284" cy="216284"/>
+              </a:xfrm>
+              <a:prstGeom prst="ellipse">
+                <a:avLst/>
+              </a:prstGeom>
+              <a:solidFill>
+                <a:srgbClr val="CCFFCC"/>
+              </a:solidFill>
+              <a:ln w="12700" cap="flat" cmpd="sng" algn="ctr">
+                <a:solidFill>
+                  <a:schemeClr val="tx1"/>
+                </a:solidFill>
+                <a:prstDash val="solid"/>
+                <a:round/>
+                <a:headEnd type="none" w="sm" len="sm"/>
+                <a:tailEnd type="none" w="sm" len="sm"/>
+              </a:ln>
+              <a:effectLst/>
+            </p:spPr>
+            <p:txBody>
+              <a:bodyPr vert="horz" wrap="square" lIns="91440" tIns="45720" rIns="91440" bIns="45720" numCol="1" rtlCol="0" anchor="ctr" anchorCtr="0" compatLnSpc="1">
+                <a:prstTxWarp prst="textNoShape">
+                  <a:avLst/>
+                </a:prstTxWarp>
+              </a:bodyPr>
+              <a:lstStyle/>
+              <a:p>
+                <a:pPr marL="0" marR="0" indent="0" algn="ctr" defTabSz="914400" rtl="0" eaLnBrk="0" fontAlgn="base" latinLnBrk="0" hangingPunct="0">
+                  <a:lnSpc>
+                    <a:spcPct val="100000"/>
+                  </a:lnSpc>
+                  <a:spcBef>
+                    <a:spcPct val="0"/>
+                  </a:spcBef>
+                  <a:spcAft>
+                    <a:spcPct val="0"/>
+                  </a:spcAft>
+                  <a:buClrTx/>
+                  <a:buSzTx/>
+                  <a:buFontTx/>
+                  <a:buNone/>
+                  <a:tabLst/>
+                </a:pPr>
+                <a:r>
+                  <a:rPr kumimoji="0" lang="en-US" sz="1200" b="0" i="1" u="none" strike="noStrike" cap="none" normalizeH="0" baseline="0" dirty="0">
+                    <a:ln>
+                      <a:noFill/>
+                    </a:ln>
+                    <a:solidFill>
+                      <a:schemeClr val="tx2"/>
+                    </a:solidFill>
+                    <a:effectLst/>
+                    <a:latin typeface="Verdana" panose="020B0604030504040204" pitchFamily="34" charset="0"/>
+                    <a:ea typeface="Verdana" panose="020B0604030504040204" pitchFamily="34" charset="0"/>
+                    <a:cs typeface="Verdana" panose="020B0604030504040204" pitchFamily="34" charset="0"/>
+                  </a:rPr>
+                  <a:t>h</a:t>
+                </a:r>
+              </a:p>
+            </p:txBody>
+          </p:sp>
+          <p:cxnSp>
+            <p:nvCxnSpPr>
+              <p:cNvPr id="429089" name="Straight Connector 429088">
+                <a:extLst>
+                  <a:ext uri="{FF2B5EF4-FFF2-40B4-BE49-F238E27FC236}">
+                    <a16:creationId xmlns:a16="http://schemas.microsoft.com/office/drawing/2014/main" id="{285B6BF8-5488-1046-9410-D3E8B2F664CA}"/>
+                  </a:ext>
+                </a:extLst>
+              </p:cNvPr>
+              <p:cNvCxnSpPr>
+                <a:cxnSpLocks/>
+                <a:stCxn id="429069" idx="6"/>
+                <a:endCxn id="429078" idx="2"/>
+              </p:cNvCxnSpPr>
+              <p:nvPr/>
+            </p:nvCxnSpPr>
+            <p:spPr bwMode="auto">
+              <a:xfrm>
+                <a:off x="7606046" y="1698820"/>
+                <a:ext cx="1941270" cy="8865"/>
+              </a:xfrm>
+              <a:prstGeom prst="line">
+                <a:avLst/>
+              </a:prstGeom>
+              <a:solidFill>
+                <a:schemeClr val="accent1"/>
+              </a:solidFill>
+              <a:ln w="44450" cap="flat" cmpd="sng" algn="ctr">
+                <a:solidFill>
+                  <a:srgbClr val="FF0000"/>
+                </a:solidFill>
+                <a:prstDash val="solid"/>
+                <a:round/>
+                <a:headEnd type="none" w="sm" len="sm"/>
+                <a:tailEnd type="none" w="sm" len="sm"/>
+              </a:ln>
+              <a:effectLst/>
+            </p:spPr>
+          </p:cxnSp>
+        </p:grpSp>
+        <p:sp>
+          <p:nvSpPr>
+            <p:cNvPr id="429093" name="Right Arrow 429092">
+              <a:extLst>
+                <a:ext uri="{FF2B5EF4-FFF2-40B4-BE49-F238E27FC236}">
+                  <a16:creationId xmlns:a16="http://schemas.microsoft.com/office/drawing/2014/main" id="{10ACD51F-47D1-3FF9-9215-4BDD1D8F5A3A}"/>
+                </a:ext>
+              </a:extLst>
+            </p:cNvPr>
+            <p:cNvSpPr/>
+            <p:nvPr/>
+          </p:nvSpPr>
+          <p:spPr bwMode="auto">
+            <a:xfrm>
+              <a:off x="3347184" y="2282834"/>
+              <a:ext cx="424543" cy="250372"/>
+            </a:xfrm>
+            <a:prstGeom prst="rightArrow">
+              <a:avLst/>
+            </a:prstGeom>
+            <a:solidFill>
+              <a:schemeClr val="accent1"/>
+            </a:solidFill>
+            <a:ln w="12700" cap="flat" cmpd="sng" algn="ctr">
+              <a:solidFill>
+                <a:schemeClr val="tx1"/>
+              </a:solidFill>
+              <a:prstDash val="solid"/>
+              <a:round/>
+              <a:headEnd type="none" w="sm" len="sm"/>
+              <a:tailEnd type="none" w="sm" len="sm"/>
+            </a:ln>
+            <a:effectLst/>
+          </p:spPr>
+          <p:txBody>
+            <a:bodyPr vert="horz" wrap="square" lIns="91440" tIns="45720" rIns="91440" bIns="45720" numCol="1" rtlCol="0" anchor="t" anchorCtr="0" compatLnSpc="1">
+              <a:prstTxWarp prst="textNoShape">
+                <a:avLst/>
+              </a:prstTxWarp>
+            </a:bodyPr>
+            <a:lstStyle/>
+            <a:p>
+              <a:pPr marL="0" marR="0" indent="0" algn="l" defTabSz="914400" rtl="0" eaLnBrk="0" fontAlgn="base" latinLnBrk="0" hangingPunct="0">
+                <a:lnSpc>
+                  <a:spcPct val="100000"/>
+                </a:lnSpc>
+                <a:spcBef>
+                  <a:spcPct val="0"/>
+                </a:spcBef>
+                <a:spcAft>
+                  <a:spcPct val="0"/>
+                </a:spcAft>
+                <a:buClrTx/>
+                <a:buSzTx/>
+                <a:buFontTx/>
+                <a:buNone/>
+                <a:tabLst/>
+              </a:pPr>
+              <a:endParaRPr kumimoji="0" lang="en-US" sz="1600" b="0" i="0" u="none" strike="noStrike" cap="none" normalizeH="0" baseline="0">
+                <a:ln>
+                  <a:noFill/>
+                </a:ln>
+                <a:solidFill>
+                  <a:schemeClr val="tx2"/>
+                </a:solidFill>
+                <a:effectLst/>
+                <a:latin typeface="Book Antiqua" pitchFamily="18" charset="0"/>
+              </a:endParaRPr>
+            </a:p>
+          </p:txBody>
+        </p:sp>
+        <p:grpSp>
+          <p:nvGrpSpPr>
+            <p:cNvPr id="3" name="Group 2">
+              <a:extLst>
+                <a:ext uri="{FF2B5EF4-FFF2-40B4-BE49-F238E27FC236}">
+                  <a16:creationId xmlns:a16="http://schemas.microsoft.com/office/drawing/2014/main" id="{EDA81F62-973F-8076-971E-9E6A921E3512}"/>
+                </a:ext>
+              </a:extLst>
+            </p:cNvPr>
+            <p:cNvGrpSpPr/>
+            <p:nvPr/>
+          </p:nvGrpSpPr>
+          <p:grpSpPr>
+            <a:xfrm>
+              <a:off x="4056443" y="1821612"/>
+              <a:ext cx="2375144" cy="1267026"/>
+              <a:chOff x="7388456" y="1590678"/>
+              <a:chExt cx="2375144" cy="1267026"/>
+            </a:xfrm>
+          </p:grpSpPr>
+          <p:sp>
+            <p:nvSpPr>
+              <p:cNvPr id="4" name="Oval 3">
+                <a:extLst>
+                  <a:ext uri="{FF2B5EF4-FFF2-40B4-BE49-F238E27FC236}">
+                    <a16:creationId xmlns:a16="http://schemas.microsoft.com/office/drawing/2014/main" id="{00574568-BD99-C01B-13CE-22DF3281E27E}"/>
+                  </a:ext>
+                </a:extLst>
+              </p:cNvPr>
+              <p:cNvSpPr/>
+              <p:nvPr/>
+            </p:nvSpPr>
+            <p:spPr bwMode="auto">
+              <a:xfrm>
+                <a:off x="8084626" y="1949916"/>
+                <a:ext cx="216284" cy="216284"/>
+              </a:xfrm>
+              <a:prstGeom prst="ellipse">
+                <a:avLst/>
+              </a:prstGeom>
+              <a:solidFill>
+                <a:srgbClr val="CCFFFF"/>
+              </a:solidFill>
+              <a:ln w="12700" cap="flat" cmpd="sng" algn="ctr">
+                <a:solidFill>
+                  <a:schemeClr val="tx1"/>
+                </a:solidFill>
+                <a:prstDash val="solid"/>
+                <a:round/>
+                <a:headEnd type="none" w="sm" len="sm"/>
+                <a:tailEnd type="none" w="sm" len="sm"/>
+              </a:ln>
+              <a:effectLst/>
+            </p:spPr>
+            <p:txBody>
+              <a:bodyPr vert="horz" wrap="square" lIns="91440" tIns="45720" rIns="91440" bIns="45720" numCol="1" rtlCol="0" anchor="ctr" anchorCtr="0" compatLnSpc="1">
+                <a:prstTxWarp prst="textNoShape">
+                  <a:avLst/>
+                </a:prstTxWarp>
+              </a:bodyPr>
+              <a:lstStyle/>
+              <a:p>
+                <a:pPr marL="0" marR="0" indent="0" algn="ctr" defTabSz="914400" rtl="0" eaLnBrk="0" fontAlgn="base" latinLnBrk="0" hangingPunct="0">
+                  <a:lnSpc>
+                    <a:spcPct val="100000"/>
+                  </a:lnSpc>
+                  <a:spcBef>
+                    <a:spcPct val="0"/>
+                  </a:spcBef>
+                  <a:spcAft>
+                    <a:spcPct val="0"/>
+                  </a:spcAft>
+                  <a:buClrTx/>
+                  <a:buSzTx/>
+                  <a:buFontTx/>
+                  <a:buNone/>
+                  <a:tabLst/>
+                </a:pPr>
+                <a:r>
+                  <a:rPr kumimoji="0" lang="en-US" sz="1200" b="0" i="1" u="none" strike="noStrike" cap="none" normalizeH="0" baseline="0" dirty="0">
+                    <a:ln>
+                      <a:noFill/>
+                    </a:ln>
+                    <a:solidFill>
+                      <a:schemeClr val="tx2"/>
+                    </a:solidFill>
+                    <a:effectLst/>
+                    <a:latin typeface="Verdana" panose="020B0604030504040204" pitchFamily="34" charset="0"/>
+                    <a:ea typeface="Verdana" panose="020B0604030504040204" pitchFamily="34" charset="0"/>
+                    <a:cs typeface="Verdana" panose="020B0604030504040204" pitchFamily="34" charset="0"/>
+                  </a:rPr>
+                  <a:t>b</a:t>
+                </a:r>
+              </a:p>
+            </p:txBody>
+          </p:sp>
+          <p:sp>
+            <p:nvSpPr>
+              <p:cNvPr id="5" name="Oval 4">
+                <a:extLst>
+                  <a:ext uri="{FF2B5EF4-FFF2-40B4-BE49-F238E27FC236}">
+                    <a16:creationId xmlns:a16="http://schemas.microsoft.com/office/drawing/2014/main" id="{975A6243-95CA-AE34-A1CD-3734F0C9C448}"/>
+                  </a:ext>
+                </a:extLst>
+              </p:cNvPr>
+              <p:cNvSpPr/>
+              <p:nvPr/>
+            </p:nvSpPr>
+            <p:spPr bwMode="auto">
+              <a:xfrm>
+                <a:off x="7388456" y="2621669"/>
+                <a:ext cx="216284" cy="216284"/>
+              </a:xfrm>
+              <a:prstGeom prst="ellipse">
+                <a:avLst/>
+              </a:prstGeom>
+              <a:solidFill>
+                <a:srgbClr val="CCFFFF"/>
+              </a:solidFill>
+              <a:ln w="12700" cap="flat" cmpd="sng" algn="ctr">
+                <a:solidFill>
+                  <a:schemeClr val="tx1"/>
+                </a:solidFill>
+                <a:prstDash val="solid"/>
+                <a:round/>
+                <a:headEnd type="none" w="sm" len="sm"/>
+                <a:tailEnd type="none" w="sm" len="sm"/>
+              </a:ln>
+              <a:effectLst/>
+            </p:spPr>
+            <p:txBody>
+              <a:bodyPr vert="horz" wrap="square" lIns="91440" tIns="45720" rIns="91440" bIns="45720" numCol="1" rtlCol="0" anchor="ctr" anchorCtr="0" compatLnSpc="1">
+                <a:prstTxWarp prst="textNoShape">
+                  <a:avLst/>
+                </a:prstTxWarp>
+              </a:bodyPr>
+              <a:lstStyle/>
+              <a:p>
+                <a:pPr marL="0" marR="0" indent="0" algn="ctr" defTabSz="914400" rtl="0" eaLnBrk="0" fontAlgn="base" latinLnBrk="0" hangingPunct="0">
+                  <a:lnSpc>
+                    <a:spcPct val="100000"/>
+                  </a:lnSpc>
+                  <a:spcBef>
+                    <a:spcPct val="0"/>
+                  </a:spcBef>
+                  <a:spcAft>
+                    <a:spcPct val="0"/>
+                  </a:spcAft>
+                  <a:buClrTx/>
+                  <a:buSzTx/>
+                  <a:buFontTx/>
+                  <a:buNone/>
+                  <a:tabLst/>
+                </a:pPr>
+                <a:r>
+                  <a:rPr kumimoji="0" lang="en-US" sz="1200" b="0" i="1" u="none" strike="noStrike" cap="none" normalizeH="0" baseline="0" dirty="0">
+                    <a:ln>
+                      <a:noFill/>
+                    </a:ln>
+                    <a:solidFill>
+                      <a:schemeClr val="tx2"/>
+                    </a:solidFill>
+                    <a:effectLst/>
+                    <a:latin typeface="Verdana" panose="020B0604030504040204" pitchFamily="34" charset="0"/>
+                    <a:ea typeface="Verdana" panose="020B0604030504040204" pitchFamily="34" charset="0"/>
+                    <a:cs typeface="Verdana" panose="020B0604030504040204" pitchFamily="34" charset="0"/>
+                  </a:rPr>
+                  <a:t>c</a:t>
+                </a:r>
+              </a:p>
+            </p:txBody>
+          </p:sp>
+          <p:sp>
+            <p:nvSpPr>
+              <p:cNvPr id="6" name="Oval 5">
+                <a:extLst>
+                  <a:ext uri="{FF2B5EF4-FFF2-40B4-BE49-F238E27FC236}">
+                    <a16:creationId xmlns:a16="http://schemas.microsoft.com/office/drawing/2014/main" id="{8DE8B8FE-9AF4-88DC-1DAB-B057CA5F28FD}"/>
+                  </a:ext>
+                </a:extLst>
+              </p:cNvPr>
+              <p:cNvSpPr/>
+              <p:nvPr/>
+            </p:nvSpPr>
+            <p:spPr bwMode="auto">
+              <a:xfrm>
+                <a:off x="7389762" y="1590678"/>
+                <a:ext cx="216284" cy="216284"/>
+              </a:xfrm>
+              <a:prstGeom prst="ellipse">
+                <a:avLst/>
+              </a:prstGeom>
+              <a:solidFill>
+                <a:srgbClr val="CCFFCC"/>
+              </a:solidFill>
+              <a:ln w="12700" cap="flat" cmpd="sng" algn="ctr">
+                <a:solidFill>
+                  <a:schemeClr val="tx1"/>
+                </a:solidFill>
+                <a:prstDash val="solid"/>
+                <a:round/>
+                <a:headEnd type="none" w="sm" len="sm"/>
+                <a:tailEnd type="none" w="sm" len="sm"/>
+              </a:ln>
+              <a:effectLst/>
+            </p:spPr>
+            <p:txBody>
+              <a:bodyPr vert="horz" wrap="square" lIns="91440" tIns="45720" rIns="91440" bIns="45720" numCol="1" rtlCol="0" anchor="ctr" anchorCtr="0" compatLnSpc="1">
+                <a:prstTxWarp prst="textNoShape">
+                  <a:avLst/>
+                </a:prstTxWarp>
+              </a:bodyPr>
+              <a:lstStyle/>
+              <a:p>
+                <a:pPr marL="0" marR="0" indent="0" algn="ctr" defTabSz="914400" rtl="0" eaLnBrk="0" fontAlgn="base" latinLnBrk="0" hangingPunct="0">
+                  <a:lnSpc>
+                    <a:spcPct val="100000"/>
+                  </a:lnSpc>
+                  <a:spcBef>
+                    <a:spcPct val="0"/>
+                  </a:spcBef>
+                  <a:spcAft>
+                    <a:spcPct val="0"/>
+                  </a:spcAft>
+                  <a:buClrTx/>
+                  <a:buSzTx/>
+                  <a:buFontTx/>
+                  <a:buNone/>
+                  <a:tabLst/>
+                </a:pPr>
+                <a:r>
+                  <a:rPr kumimoji="0" lang="en-US" sz="1200" b="0" i="1" u="none" strike="noStrike" cap="none" normalizeH="0" baseline="0" dirty="0">
+                    <a:ln>
+                      <a:noFill/>
+                    </a:ln>
+                    <a:solidFill>
+                      <a:schemeClr val="tx2"/>
+                    </a:solidFill>
+                    <a:effectLst/>
+                    <a:latin typeface="Verdana" panose="020B0604030504040204" pitchFamily="34" charset="0"/>
+                    <a:ea typeface="Verdana" panose="020B0604030504040204" pitchFamily="34" charset="0"/>
+                    <a:cs typeface="Verdana" panose="020B0604030504040204" pitchFamily="34" charset="0"/>
+                  </a:rPr>
+                  <a:t>a</a:t>
+                </a:r>
+              </a:p>
+            </p:txBody>
+          </p:sp>
+          <p:sp>
+            <p:nvSpPr>
+              <p:cNvPr id="7" name="Oval 6">
+                <a:extLst>
+                  <a:ext uri="{FF2B5EF4-FFF2-40B4-BE49-F238E27FC236}">
+                    <a16:creationId xmlns:a16="http://schemas.microsoft.com/office/drawing/2014/main" id="{6C3466E8-5F95-1511-E143-B3A6673B2822}"/>
+                  </a:ext>
+                </a:extLst>
+              </p:cNvPr>
+              <p:cNvSpPr/>
+              <p:nvPr/>
+            </p:nvSpPr>
+            <p:spPr bwMode="auto">
+              <a:xfrm>
+                <a:off x="8087619" y="2621669"/>
+                <a:ext cx="216284" cy="216284"/>
+              </a:xfrm>
+              <a:prstGeom prst="ellipse">
+                <a:avLst/>
+              </a:prstGeom>
+              <a:solidFill>
+                <a:srgbClr val="CCFFCC"/>
+              </a:solidFill>
+              <a:ln w="12700" cap="flat" cmpd="sng" algn="ctr">
+                <a:solidFill>
+                  <a:schemeClr val="tx1"/>
+                </a:solidFill>
+                <a:prstDash val="solid"/>
+                <a:round/>
+                <a:headEnd type="none" w="sm" len="sm"/>
+                <a:tailEnd type="none" w="sm" len="sm"/>
+              </a:ln>
+              <a:effectLst/>
+            </p:spPr>
+            <p:txBody>
+              <a:bodyPr vert="horz" wrap="square" lIns="91440" tIns="45720" rIns="91440" bIns="45720" numCol="1" rtlCol="0" anchor="ctr" anchorCtr="0" compatLnSpc="1">
+                <a:prstTxWarp prst="textNoShape">
+                  <a:avLst/>
+                </a:prstTxWarp>
+              </a:bodyPr>
+              <a:lstStyle/>
+              <a:p>
+                <a:pPr marL="0" marR="0" indent="0" algn="ctr" defTabSz="914400" rtl="0" eaLnBrk="0" fontAlgn="base" latinLnBrk="0" hangingPunct="0">
+                  <a:lnSpc>
+                    <a:spcPct val="100000"/>
+                  </a:lnSpc>
+                  <a:spcBef>
+                    <a:spcPct val="0"/>
+                  </a:spcBef>
+                  <a:spcAft>
+                    <a:spcPct val="0"/>
+                  </a:spcAft>
+                  <a:buClrTx/>
+                  <a:buSzTx/>
+                  <a:buFontTx/>
+                  <a:buNone/>
+                  <a:tabLst/>
+                </a:pPr>
+                <a:r>
+                  <a:rPr lang="en-US" sz="1200" i="1" dirty="0">
+                    <a:latin typeface="Verdana" panose="020B0604030504040204" pitchFamily="34" charset="0"/>
+                    <a:ea typeface="Verdana" panose="020B0604030504040204" pitchFamily="34" charset="0"/>
+                    <a:cs typeface="Verdana" panose="020B0604030504040204" pitchFamily="34" charset="0"/>
+                  </a:rPr>
+                  <a:t>d</a:t>
+                </a:r>
+                <a:endParaRPr kumimoji="0" lang="en-US" sz="1200" b="0" i="1" u="none" strike="noStrike" cap="none" normalizeH="0" baseline="0" dirty="0">
+                  <a:ln>
+                    <a:noFill/>
+                  </a:ln>
+                  <a:solidFill>
+                    <a:schemeClr val="tx2"/>
+                  </a:solidFill>
+                  <a:effectLst/>
+                  <a:latin typeface="Verdana" panose="020B0604030504040204" pitchFamily="34" charset="0"/>
+                  <a:ea typeface="Verdana" panose="020B0604030504040204" pitchFamily="34" charset="0"/>
+                  <a:cs typeface="Verdana" panose="020B0604030504040204" pitchFamily="34" charset="0"/>
+                </a:endParaRPr>
+              </a:p>
+            </p:txBody>
+          </p:sp>
+          <p:cxnSp>
+            <p:nvCxnSpPr>
+              <p:cNvPr id="8" name="Straight Connector 7">
+                <a:extLst>
+                  <a:ext uri="{FF2B5EF4-FFF2-40B4-BE49-F238E27FC236}">
+                    <a16:creationId xmlns:a16="http://schemas.microsoft.com/office/drawing/2014/main" id="{B8B8A5EA-7936-8354-8B9F-269F57F2D126}"/>
+                  </a:ext>
+                </a:extLst>
+              </p:cNvPr>
+              <p:cNvCxnSpPr>
+                <a:cxnSpLocks/>
+                <a:stCxn id="6" idx="5"/>
+                <a:endCxn id="4" idx="1"/>
+              </p:cNvCxnSpPr>
+              <p:nvPr/>
+            </p:nvCxnSpPr>
+            <p:spPr bwMode="auto">
+              <a:xfrm>
+                <a:off x="7574372" y="1775288"/>
+                <a:ext cx="541928" cy="206302"/>
+              </a:xfrm>
+              <a:prstGeom prst="line">
+                <a:avLst/>
+              </a:prstGeom>
+              <a:solidFill>
+                <a:schemeClr val="accent1"/>
+              </a:solidFill>
+              <a:ln w="44450" cap="flat" cmpd="sng" algn="ctr">
+                <a:solidFill>
+                  <a:srgbClr val="0070C0"/>
+                </a:solidFill>
+                <a:prstDash val="solid"/>
+                <a:round/>
+                <a:headEnd type="none" w="sm" len="sm"/>
+                <a:tailEnd type="none" w="sm" len="sm"/>
+              </a:ln>
+              <a:effectLst/>
+            </p:spPr>
+          </p:cxnSp>
+          <p:cxnSp>
+            <p:nvCxnSpPr>
+              <p:cNvPr id="10" name="Straight Connector 9">
+                <a:extLst>
+                  <a:ext uri="{FF2B5EF4-FFF2-40B4-BE49-F238E27FC236}">
+                    <a16:creationId xmlns:a16="http://schemas.microsoft.com/office/drawing/2014/main" id="{579E7D5A-6A71-E036-FCF0-A61E41215B8E}"/>
+                  </a:ext>
+                </a:extLst>
+              </p:cNvPr>
+              <p:cNvCxnSpPr>
+                <a:cxnSpLocks/>
+                <a:stCxn id="5" idx="0"/>
+                <a:endCxn id="6" idx="4"/>
+              </p:cNvCxnSpPr>
+              <p:nvPr/>
+            </p:nvCxnSpPr>
+            <p:spPr bwMode="auto">
+              <a:xfrm flipV="1">
+                <a:off x="7496598" y="1806962"/>
+                <a:ext cx="1306" cy="814707"/>
+              </a:xfrm>
+              <a:prstGeom prst="line">
+                <a:avLst/>
+              </a:prstGeom>
+              <a:solidFill>
+                <a:schemeClr val="accent1"/>
+              </a:solidFill>
+              <a:ln w="44450" cap="flat" cmpd="sng" algn="ctr">
+                <a:solidFill>
+                  <a:srgbClr val="00B050"/>
+                </a:solidFill>
+                <a:prstDash val="solid"/>
+                <a:round/>
+                <a:headEnd type="none" w="sm" len="sm"/>
+                <a:tailEnd type="none" w="sm" len="sm"/>
+              </a:ln>
+              <a:effectLst/>
+            </p:spPr>
+          </p:cxnSp>
+          <p:cxnSp>
+            <p:nvCxnSpPr>
+              <p:cNvPr id="11" name="Straight Connector 10">
+                <a:extLst>
+                  <a:ext uri="{FF2B5EF4-FFF2-40B4-BE49-F238E27FC236}">
+                    <a16:creationId xmlns:a16="http://schemas.microsoft.com/office/drawing/2014/main" id="{2D8BEA1F-54F7-AED7-A09B-FE7C44574EEB}"/>
+                  </a:ext>
+                </a:extLst>
+              </p:cNvPr>
+              <p:cNvCxnSpPr>
+                <a:cxnSpLocks/>
+                <a:stCxn id="4" idx="4"/>
+                <a:endCxn id="7" idx="0"/>
+              </p:cNvCxnSpPr>
+              <p:nvPr/>
+            </p:nvCxnSpPr>
+            <p:spPr bwMode="auto">
+              <a:xfrm>
+                <a:off x="8192768" y="2166200"/>
+                <a:ext cx="2993" cy="455469"/>
+              </a:xfrm>
+              <a:prstGeom prst="line">
+                <a:avLst/>
+              </a:prstGeom>
+              <a:solidFill>
+                <a:schemeClr val="accent1"/>
+              </a:solidFill>
+              <a:ln w="44450" cap="flat" cmpd="sng" algn="ctr">
+                <a:solidFill>
+                  <a:srgbClr val="00B050"/>
+                </a:solidFill>
+                <a:prstDash val="solid"/>
+                <a:round/>
+                <a:headEnd type="none" w="sm" len="sm"/>
+                <a:tailEnd type="none" w="sm" len="sm"/>
+              </a:ln>
+              <a:effectLst/>
+            </p:spPr>
+          </p:cxnSp>
+          <p:sp>
+            <p:nvSpPr>
+              <p:cNvPr id="12" name="Oval 11">
+                <a:extLst>
+                  <a:ext uri="{FF2B5EF4-FFF2-40B4-BE49-F238E27FC236}">
+                    <a16:creationId xmlns:a16="http://schemas.microsoft.com/office/drawing/2014/main" id="{8BDD0E1C-F2D4-A6FD-9E1F-405D9CEF6EE1}"/>
+                  </a:ext>
+                </a:extLst>
+              </p:cNvPr>
+              <p:cNvSpPr/>
+              <p:nvPr/>
+            </p:nvSpPr>
+            <p:spPr bwMode="auto">
+              <a:xfrm>
+                <a:off x="9547316" y="1599543"/>
+                <a:ext cx="216284" cy="216284"/>
+              </a:xfrm>
+              <a:prstGeom prst="ellipse">
+                <a:avLst/>
+              </a:prstGeom>
+              <a:solidFill>
+                <a:srgbClr val="CCFFFF"/>
+              </a:solidFill>
+              <a:ln w="12700" cap="flat" cmpd="sng" algn="ctr">
+                <a:solidFill>
+                  <a:schemeClr val="tx1"/>
+                </a:solidFill>
+                <a:prstDash val="solid"/>
+                <a:round/>
+                <a:headEnd type="none" w="sm" len="sm"/>
+                <a:tailEnd type="none" w="sm" len="sm"/>
+              </a:ln>
+              <a:effectLst/>
+            </p:spPr>
+            <p:txBody>
+              <a:bodyPr vert="horz" wrap="square" lIns="91440" tIns="45720" rIns="91440" bIns="45720" numCol="1" rtlCol="0" anchor="ctr" anchorCtr="0" compatLnSpc="1">
+                <a:prstTxWarp prst="textNoShape">
+                  <a:avLst/>
+                </a:prstTxWarp>
+              </a:bodyPr>
+              <a:lstStyle/>
+              <a:p>
+                <a:pPr marL="0" marR="0" indent="0" algn="ctr" defTabSz="914400" rtl="0" eaLnBrk="0" fontAlgn="base" latinLnBrk="0" hangingPunct="0">
+                  <a:lnSpc>
+                    <a:spcPct val="100000"/>
+                  </a:lnSpc>
+                  <a:spcBef>
+                    <a:spcPct val="0"/>
+                  </a:spcBef>
+                  <a:spcAft>
+                    <a:spcPct val="0"/>
+                  </a:spcAft>
+                  <a:buClrTx/>
+                  <a:buSzTx/>
+                  <a:buFontTx/>
+                  <a:buNone/>
+                  <a:tabLst/>
+                </a:pPr>
+                <a:r>
+                  <a:rPr kumimoji="0" lang="en-US" sz="1200" b="0" i="1" u="none" strike="noStrike" cap="none" normalizeH="0" baseline="0" dirty="0">
+                    <a:ln>
+                      <a:noFill/>
+                    </a:ln>
+                    <a:solidFill>
+                      <a:schemeClr val="tx2"/>
+                    </a:solidFill>
+                    <a:effectLst/>
+                    <a:latin typeface="Verdana" panose="020B0604030504040204" pitchFamily="34" charset="0"/>
+                    <a:ea typeface="Verdana" panose="020B0604030504040204" pitchFamily="34" charset="0"/>
+                    <a:cs typeface="Verdana" panose="020B0604030504040204" pitchFamily="34" charset="0"/>
+                  </a:rPr>
+                  <a:t>f</a:t>
+                </a:r>
+              </a:p>
+            </p:txBody>
+          </p:sp>
+          <p:sp>
+            <p:nvSpPr>
+              <p:cNvPr id="15" name="Oval 14">
+                <a:extLst>
+                  <a:ext uri="{FF2B5EF4-FFF2-40B4-BE49-F238E27FC236}">
+                    <a16:creationId xmlns:a16="http://schemas.microsoft.com/office/drawing/2014/main" id="{A1B8B5EB-0D10-331E-AB58-0D33C3DF3537}"/>
+                  </a:ext>
+                </a:extLst>
+              </p:cNvPr>
+              <p:cNvSpPr/>
+              <p:nvPr/>
+            </p:nvSpPr>
+            <p:spPr bwMode="auto">
+              <a:xfrm>
+                <a:off x="8794536" y="2641420"/>
+                <a:ext cx="216284" cy="216284"/>
+              </a:xfrm>
+              <a:prstGeom prst="ellipse">
+                <a:avLst/>
+              </a:prstGeom>
+              <a:solidFill>
+                <a:srgbClr val="CCFFFF"/>
+              </a:solidFill>
+              <a:ln w="12700" cap="flat" cmpd="sng" algn="ctr">
+                <a:solidFill>
+                  <a:schemeClr val="tx1"/>
+                </a:solidFill>
+                <a:prstDash val="solid"/>
+                <a:round/>
+                <a:headEnd type="none" w="sm" len="sm"/>
+                <a:tailEnd type="none" w="sm" len="sm"/>
+              </a:ln>
+              <a:effectLst/>
+            </p:spPr>
+            <p:txBody>
+              <a:bodyPr vert="horz" wrap="square" lIns="91440" tIns="45720" rIns="91440" bIns="45720" numCol="1" rtlCol="0" anchor="ctr" anchorCtr="0" compatLnSpc="1">
+                <a:prstTxWarp prst="textNoShape">
+                  <a:avLst/>
+                </a:prstTxWarp>
+              </a:bodyPr>
+              <a:lstStyle/>
+              <a:p>
+                <a:pPr marL="0" marR="0" indent="0" algn="ctr" defTabSz="914400" rtl="0" eaLnBrk="0" fontAlgn="base" latinLnBrk="0" hangingPunct="0">
+                  <a:lnSpc>
+                    <a:spcPct val="100000"/>
+                  </a:lnSpc>
+                  <a:spcBef>
+                    <a:spcPct val="0"/>
+                  </a:spcBef>
+                  <a:spcAft>
+                    <a:spcPct val="0"/>
+                  </a:spcAft>
+                  <a:buClrTx/>
+                  <a:buSzTx/>
+                  <a:buFontTx/>
+                  <a:buNone/>
+                  <a:tabLst/>
+                </a:pPr>
+                <a:r>
+                  <a:rPr kumimoji="0" lang="en-US" sz="1200" b="0" i="1" u="none" strike="noStrike" cap="none" normalizeH="0" baseline="0" dirty="0">
+                    <a:ln>
+                      <a:noFill/>
+                    </a:ln>
+                    <a:solidFill>
+                      <a:schemeClr val="tx2"/>
+                    </a:solidFill>
+                    <a:effectLst/>
+                    <a:latin typeface="Verdana" panose="020B0604030504040204" pitchFamily="34" charset="0"/>
+                    <a:ea typeface="Verdana" panose="020B0604030504040204" pitchFamily="34" charset="0"/>
+                    <a:cs typeface="Verdana" panose="020B0604030504040204" pitchFamily="34" charset="0"/>
+                  </a:rPr>
+                  <a:t>g</a:t>
+                </a:r>
+              </a:p>
+            </p:txBody>
+          </p:sp>
+          <p:cxnSp>
+            <p:nvCxnSpPr>
+              <p:cNvPr id="17" name="Straight Connector 16">
+                <a:extLst>
+                  <a:ext uri="{FF2B5EF4-FFF2-40B4-BE49-F238E27FC236}">
+                    <a16:creationId xmlns:a16="http://schemas.microsoft.com/office/drawing/2014/main" id="{069E351D-435B-FF72-4CBE-2AE36416473D}"/>
+                  </a:ext>
+                </a:extLst>
+              </p:cNvPr>
+              <p:cNvCxnSpPr>
+                <a:cxnSpLocks/>
+                <a:stCxn id="15" idx="2"/>
+              </p:cNvCxnSpPr>
+              <p:nvPr/>
+            </p:nvCxnSpPr>
+            <p:spPr bwMode="auto">
+              <a:xfrm flipH="1">
+                <a:off x="8285969" y="2749562"/>
+                <a:ext cx="508567" cy="0"/>
+              </a:xfrm>
+              <a:prstGeom prst="line">
+                <a:avLst/>
+              </a:prstGeom>
+              <a:solidFill>
+                <a:schemeClr val="accent1"/>
+              </a:solidFill>
+              <a:ln w="44450" cap="flat" cmpd="sng" algn="ctr">
+                <a:solidFill>
+                  <a:srgbClr val="0070C0"/>
+                </a:solidFill>
+                <a:prstDash val="solid"/>
+                <a:round/>
+                <a:headEnd type="none" w="sm" len="sm"/>
+                <a:tailEnd type="none" w="sm" len="sm"/>
+              </a:ln>
+              <a:effectLst/>
+            </p:spPr>
+          </p:cxnSp>
+          <p:cxnSp>
+            <p:nvCxnSpPr>
+              <p:cNvPr id="18" name="Straight Connector 17">
+                <a:extLst>
+                  <a:ext uri="{FF2B5EF4-FFF2-40B4-BE49-F238E27FC236}">
+                    <a16:creationId xmlns:a16="http://schemas.microsoft.com/office/drawing/2014/main" id="{55683E2F-9059-D52A-FA85-CD8E4564D819}"/>
+                  </a:ext>
+                </a:extLst>
+              </p:cNvPr>
+              <p:cNvCxnSpPr>
+                <a:cxnSpLocks/>
+                <a:stCxn id="12" idx="3"/>
+                <a:endCxn id="21" idx="7"/>
+              </p:cNvCxnSpPr>
+              <p:nvPr/>
+            </p:nvCxnSpPr>
+            <p:spPr bwMode="auto">
+              <a:xfrm flipH="1">
+                <a:off x="8976967" y="1784153"/>
+                <a:ext cx="602023" cy="217188"/>
+              </a:xfrm>
+              <a:prstGeom prst="line">
+                <a:avLst/>
+              </a:prstGeom>
+              <a:solidFill>
+                <a:schemeClr val="accent1"/>
+              </a:solidFill>
+              <a:ln w="44450" cap="flat" cmpd="sng" algn="ctr">
+                <a:solidFill>
+                  <a:srgbClr val="0070C0"/>
+                </a:solidFill>
+                <a:prstDash val="solid"/>
+                <a:round/>
+                <a:headEnd type="none" w="sm" len="sm"/>
+                <a:tailEnd type="none" w="sm" len="sm"/>
+              </a:ln>
+              <a:effectLst/>
+            </p:spPr>
+          </p:cxnSp>
+          <p:cxnSp>
+            <p:nvCxnSpPr>
+              <p:cNvPr id="19" name="Straight Connector 18">
+                <a:extLst>
+                  <a:ext uri="{FF2B5EF4-FFF2-40B4-BE49-F238E27FC236}">
+                    <a16:creationId xmlns:a16="http://schemas.microsoft.com/office/drawing/2014/main" id="{72D8BA93-75A8-EDB6-136F-276680C579E8}"/>
+                  </a:ext>
+                </a:extLst>
+              </p:cNvPr>
+              <p:cNvCxnSpPr>
+                <a:cxnSpLocks/>
+                <a:stCxn id="15" idx="0"/>
+                <a:endCxn id="21" idx="4"/>
+              </p:cNvCxnSpPr>
+              <p:nvPr/>
+            </p:nvCxnSpPr>
+            <p:spPr bwMode="auto">
+              <a:xfrm flipH="1" flipV="1">
+                <a:off x="8900499" y="2185951"/>
+                <a:ext cx="2179" cy="455469"/>
+              </a:xfrm>
+              <a:prstGeom prst="line">
+                <a:avLst/>
+              </a:prstGeom>
+              <a:solidFill>
+                <a:schemeClr val="accent1"/>
+              </a:solidFill>
+              <a:ln w="44450" cap="flat" cmpd="sng" algn="ctr">
+                <a:solidFill>
+                  <a:srgbClr val="00B050"/>
+                </a:solidFill>
+                <a:prstDash val="solid"/>
+                <a:round/>
+                <a:headEnd type="none" w="sm" len="sm"/>
+                <a:tailEnd type="none" w="sm" len="sm"/>
+              </a:ln>
+              <a:effectLst/>
+            </p:spPr>
+          </p:cxnSp>
+          <p:cxnSp>
+            <p:nvCxnSpPr>
+              <p:cNvPr id="20" name="Straight Connector 19">
+                <a:extLst>
+                  <a:ext uri="{FF2B5EF4-FFF2-40B4-BE49-F238E27FC236}">
+                    <a16:creationId xmlns:a16="http://schemas.microsoft.com/office/drawing/2014/main" id="{675DFFBC-F392-1357-0ACD-8EA7CAC070D4}"/>
+                  </a:ext>
+                </a:extLst>
+              </p:cNvPr>
+              <p:cNvCxnSpPr>
+                <a:cxnSpLocks/>
+                <a:stCxn id="12" idx="4"/>
+                <a:endCxn id="28" idx="0"/>
+              </p:cNvCxnSpPr>
+              <p:nvPr/>
+            </p:nvCxnSpPr>
+            <p:spPr bwMode="auto">
+              <a:xfrm flipH="1">
+                <a:off x="9652263" y="1815827"/>
+                <a:ext cx="3195" cy="825593"/>
+              </a:xfrm>
+              <a:prstGeom prst="line">
+                <a:avLst/>
+              </a:prstGeom>
+              <a:solidFill>
+                <a:schemeClr val="accent1"/>
+              </a:solidFill>
+              <a:ln w="44450" cap="flat" cmpd="sng" algn="ctr">
+                <a:solidFill>
+                  <a:srgbClr val="00B050"/>
+                </a:solidFill>
+                <a:prstDash val="solid"/>
+                <a:round/>
+                <a:headEnd type="none" w="sm" len="sm"/>
+                <a:tailEnd type="none" w="sm" len="sm"/>
+              </a:ln>
+              <a:effectLst/>
+            </p:spPr>
+          </p:cxnSp>
+          <p:sp>
+            <p:nvSpPr>
+              <p:cNvPr id="21" name="Oval 20">
+                <a:extLst>
+                  <a:ext uri="{FF2B5EF4-FFF2-40B4-BE49-F238E27FC236}">
+                    <a16:creationId xmlns:a16="http://schemas.microsoft.com/office/drawing/2014/main" id="{B2D15628-ADC7-7631-BF80-43D520AB74B2}"/>
+                  </a:ext>
+                </a:extLst>
+              </p:cNvPr>
+              <p:cNvSpPr/>
+              <p:nvPr/>
+            </p:nvSpPr>
+            <p:spPr bwMode="auto">
+              <a:xfrm>
+                <a:off x="8792357" y="1969667"/>
+                <a:ext cx="216284" cy="216284"/>
+              </a:xfrm>
+              <a:prstGeom prst="ellipse">
+                <a:avLst/>
+              </a:prstGeom>
+              <a:solidFill>
+                <a:srgbClr val="CCFFCC"/>
+              </a:solidFill>
+              <a:ln w="12700" cap="flat" cmpd="sng" algn="ctr">
+                <a:solidFill>
+                  <a:schemeClr val="tx1"/>
+                </a:solidFill>
+                <a:prstDash val="solid"/>
+                <a:round/>
+                <a:headEnd type="none" w="sm" len="sm"/>
+                <a:tailEnd type="none" w="sm" len="sm"/>
+              </a:ln>
+              <a:effectLst/>
+            </p:spPr>
+            <p:txBody>
+              <a:bodyPr vert="horz" wrap="square" lIns="91440" tIns="45720" rIns="91440" bIns="45720" numCol="1" rtlCol="0" anchor="ctr" anchorCtr="0" compatLnSpc="1">
+                <a:prstTxWarp prst="textNoShape">
+                  <a:avLst/>
+                </a:prstTxWarp>
+              </a:bodyPr>
+              <a:lstStyle/>
+              <a:p>
+                <a:pPr marL="0" marR="0" indent="0" algn="ctr" defTabSz="914400" rtl="0" eaLnBrk="0" fontAlgn="base" latinLnBrk="0" hangingPunct="0">
+                  <a:lnSpc>
+                    <a:spcPct val="100000"/>
+                  </a:lnSpc>
+                  <a:spcBef>
+                    <a:spcPct val="0"/>
+                  </a:spcBef>
+                  <a:spcAft>
+                    <a:spcPct val="0"/>
+                  </a:spcAft>
+                  <a:buClrTx/>
+                  <a:buSzTx/>
+                  <a:buFontTx/>
+                  <a:buNone/>
+                  <a:tabLst/>
+                </a:pPr>
+                <a:r>
+                  <a:rPr kumimoji="0" lang="en-US" sz="1200" b="0" i="1" u="none" strike="noStrike" cap="none" normalizeH="0" baseline="0" dirty="0">
+                    <a:ln>
+                      <a:noFill/>
+                    </a:ln>
+                    <a:solidFill>
+                      <a:schemeClr val="tx2"/>
+                    </a:solidFill>
+                    <a:effectLst/>
+                    <a:latin typeface="Verdana" panose="020B0604030504040204" pitchFamily="34" charset="0"/>
+                    <a:ea typeface="Verdana" panose="020B0604030504040204" pitchFamily="34" charset="0"/>
+                    <a:cs typeface="Verdana" panose="020B0604030504040204" pitchFamily="34" charset="0"/>
+                  </a:rPr>
+                  <a:t>e</a:t>
+                </a:r>
+              </a:p>
+            </p:txBody>
+          </p:sp>
+          <p:sp>
+            <p:nvSpPr>
+              <p:cNvPr id="28" name="Oval 27">
+                <a:extLst>
+                  <a:ext uri="{FF2B5EF4-FFF2-40B4-BE49-F238E27FC236}">
+                    <a16:creationId xmlns:a16="http://schemas.microsoft.com/office/drawing/2014/main" id="{299A2E36-45D5-47EA-F168-57C00003A677}"/>
+                  </a:ext>
+                </a:extLst>
+              </p:cNvPr>
+              <p:cNvSpPr/>
+              <p:nvPr/>
+            </p:nvSpPr>
+            <p:spPr bwMode="auto">
+              <a:xfrm>
+                <a:off x="9544121" y="2641420"/>
+                <a:ext cx="216284" cy="216284"/>
+              </a:xfrm>
+              <a:prstGeom prst="ellipse">
+                <a:avLst/>
+              </a:prstGeom>
+              <a:solidFill>
+                <a:srgbClr val="CCFFCC"/>
+              </a:solidFill>
+              <a:ln w="12700" cap="flat" cmpd="sng" algn="ctr">
+                <a:solidFill>
+                  <a:schemeClr val="tx1"/>
+                </a:solidFill>
+                <a:prstDash val="solid"/>
+                <a:round/>
+                <a:headEnd type="none" w="sm" len="sm"/>
+                <a:tailEnd type="none" w="sm" len="sm"/>
+              </a:ln>
+              <a:effectLst/>
+            </p:spPr>
+            <p:txBody>
+              <a:bodyPr vert="horz" wrap="square" lIns="91440" tIns="45720" rIns="91440" bIns="45720" numCol="1" rtlCol="0" anchor="ctr" anchorCtr="0" compatLnSpc="1">
+                <a:prstTxWarp prst="textNoShape">
+                  <a:avLst/>
+                </a:prstTxWarp>
+              </a:bodyPr>
+              <a:lstStyle/>
+              <a:p>
+                <a:pPr marL="0" marR="0" indent="0" algn="ctr" defTabSz="914400" rtl="0" eaLnBrk="0" fontAlgn="base" latinLnBrk="0" hangingPunct="0">
+                  <a:lnSpc>
+                    <a:spcPct val="100000"/>
+                  </a:lnSpc>
+                  <a:spcBef>
+                    <a:spcPct val="0"/>
+                  </a:spcBef>
+                  <a:spcAft>
+                    <a:spcPct val="0"/>
+                  </a:spcAft>
+                  <a:buClrTx/>
+                  <a:buSzTx/>
+                  <a:buFontTx/>
+                  <a:buNone/>
+                  <a:tabLst/>
+                </a:pPr>
+                <a:r>
+                  <a:rPr kumimoji="0" lang="en-US" sz="1200" b="0" i="1" u="none" strike="noStrike" cap="none" normalizeH="0" baseline="0" dirty="0">
+                    <a:ln>
+                      <a:noFill/>
+                    </a:ln>
+                    <a:solidFill>
+                      <a:schemeClr val="tx2"/>
+                    </a:solidFill>
+                    <a:effectLst/>
+                    <a:latin typeface="Verdana" panose="020B0604030504040204" pitchFamily="34" charset="0"/>
+                    <a:ea typeface="Verdana" panose="020B0604030504040204" pitchFamily="34" charset="0"/>
+                    <a:cs typeface="Verdana" panose="020B0604030504040204" pitchFamily="34" charset="0"/>
+                  </a:rPr>
+                  <a:t>h</a:t>
+                </a:r>
+              </a:p>
+            </p:txBody>
+          </p:sp>
+        </p:grpSp>
+      </p:grpSp>
+    </p:spTree>
+    <p:extLst>
+      <p:ext uri="{BB962C8B-B14F-4D97-AF65-F5344CB8AC3E}">
+        <p14:creationId xmlns:p14="http://schemas.microsoft.com/office/powerpoint/2010/main" val="3613840476"/>
+      </p:ext>
+    </p:extLst>
+  </p:cSld>
+  <p:clrMapOvr>
+    <a:masterClrMapping/>
+  </p:clrMapOvr>
+  <p:transition/>
+</p:sld>
+</file>
+
+<file path=ppt/slides/slide5.xml><?xml version="1.0" encoding="utf-8"?>
+<p:sld xmlns:a="http://schemas.openxmlformats.org/drawingml/2006/main" xmlns:r="http://schemas.openxmlformats.org/officeDocument/2006/relationships" xmlns:p="http://schemas.openxmlformats.org/presentationml/2006/main" showMasterPhAnim="0">
+  <p:cSld>
+    <p:spTree>
+      <p:nvGrpSpPr>
+        <p:cNvPr id="1" name=""/>
+        <p:cNvGrpSpPr/>
+        <p:nvPr/>
+      </p:nvGrpSpPr>
+      <p:grpSpPr>
+        <a:xfrm>
+          <a:off x="0" y="0"/>
+          <a:ext cx="0" cy="0"/>
+          <a:chOff x="0" y="0"/>
+          <a:chExt cx="0" cy="0"/>
+        </a:xfrm>
+      </p:grpSpPr>
       <p:grpSp>
         <p:nvGrpSpPr>
           <p:cNvPr id="55" name="Group 54">

--- a/graphAlgorithms/ecolor/figs.pptx
+++ b/graphAlgorithms/ecolor/figs.pptx
@@ -6,17 +6,18 @@
     <p:sldMasterId id="2147483651" r:id="rId2"/>
   </p:sldMasterIdLst>
   <p:notesMasterIdLst>
-    <p:notesMasterId r:id="rId8"/>
+    <p:notesMasterId r:id="rId9"/>
   </p:notesMasterIdLst>
   <p:handoutMasterIdLst>
-    <p:handoutMasterId r:id="rId9"/>
+    <p:handoutMasterId r:id="rId10"/>
   </p:handoutMasterIdLst>
   <p:sldIdLst>
     <p:sldId id="743" r:id="rId3"/>
     <p:sldId id="745" r:id="rId4"/>
     <p:sldId id="746" r:id="rId5"/>
     <p:sldId id="747" r:id="rId6"/>
-    <p:sldId id="744" r:id="rId7"/>
+    <p:sldId id="748" r:id="rId7"/>
+    <p:sldId id="744" r:id="rId8"/>
   </p:sldIdLst>
   <p:sldSz cx="9144000" cy="6858000" type="letter"/>
   <p:notesSz cx="6985000" cy="9283700"/>
@@ -1271,10 +1272,99 @@
           <a:bodyPr/>
           <a:lstStyle/>
           <a:p>
+            <a:fld id="{75FCB6E0-B47C-47A4-BE17-A4D81E87DC7F}" type="slidenum">
+              <a:rPr lang="en-US"/>
+              <a:pPr/>
+              <a:t>5</a:t>
+            </a:fld>
+            <a:endParaRPr lang="en-US"/>
+          </a:p>
+        </p:txBody>
+      </p:sp>
+      <p:sp>
+        <p:nvSpPr>
+          <p:cNvPr id="581634" name="Rectangle 2"/>
+          <p:cNvSpPr>
+            <a:spLocks noGrp="1" noRot="1" noChangeAspect="1" noChangeArrowheads="1" noTextEdit="1"/>
+          </p:cNvSpPr>
+          <p:nvPr>
+            <p:ph type="sldImg"/>
+          </p:nvPr>
+        </p:nvSpPr>
+        <p:spPr>
+          <a:ln/>
+        </p:spPr>
+      </p:sp>
+      <p:sp>
+        <p:nvSpPr>
+          <p:cNvPr id="581635" name="Rectangle 3"/>
+          <p:cNvSpPr>
+            <a:spLocks noGrp="1" noChangeArrowheads="1"/>
+          </p:cNvSpPr>
+          <p:nvPr>
+            <p:ph type="body" idx="1"/>
+          </p:nvPr>
+        </p:nvSpPr>
+        <p:spPr/>
+        <p:txBody>
+          <a:bodyPr/>
+          <a:lstStyle/>
+          <a:p>
+            <a:endParaRPr lang="en-US"/>
+          </a:p>
+        </p:txBody>
+      </p:sp>
+    </p:spTree>
+    <p:extLst>
+      <p:ext uri="{BB962C8B-B14F-4D97-AF65-F5344CB8AC3E}">
+        <p14:creationId xmlns:p14="http://schemas.microsoft.com/office/powerpoint/2010/main" val="2144757540"/>
+      </p:ext>
+    </p:extLst>
+  </p:cSld>
+  <p:clrMapOvr>
+    <a:masterClrMapping/>
+  </p:clrMapOvr>
+</p:notes>
+</file>
+
+<file path=ppt/notesSlides/notesSlide6.xml><?xml version="1.0" encoding="utf-8"?>
+<p:notes xmlns:a="http://schemas.openxmlformats.org/drawingml/2006/main" xmlns:r="http://schemas.openxmlformats.org/officeDocument/2006/relationships" xmlns:p="http://schemas.openxmlformats.org/presentationml/2006/main">
+  <p:cSld>
+    <p:spTree>
+      <p:nvGrpSpPr>
+        <p:cNvPr id="1" name=""/>
+        <p:cNvGrpSpPr/>
+        <p:nvPr/>
+      </p:nvGrpSpPr>
+      <p:grpSpPr>
+        <a:xfrm>
+          <a:off x="0" y="0"/>
+          <a:ext cx="0" cy="0"/>
+          <a:chOff x="0" y="0"/>
+          <a:chExt cx="0" cy="0"/>
+        </a:xfrm>
+      </p:grpSpPr>
+      <p:sp>
+        <p:nvSpPr>
+          <p:cNvPr id="7" name="Rectangle 7"/>
+          <p:cNvSpPr>
+            <a:spLocks noGrp="1" noChangeArrowheads="1"/>
+          </p:cNvSpPr>
+          <p:nvPr>
+            <p:ph type="sldNum" sz="quarter" idx="5"/>
+          </p:nvPr>
+        </p:nvSpPr>
+        <p:spPr>
+          <a:ln/>
+        </p:spPr>
+        <p:txBody>
+          <a:bodyPr/>
+          <a:lstStyle/>
+          <a:p>
             <a:fld id="{23913E3E-D4D3-4C25-A31B-4FD5D8B95C82}" type="slidenum">
               <a:rPr lang="en-US"/>
               <a:pPr/>
-              <a:t>5</a:t>
+              <a:t>6</a:t>
             </a:fld>
             <a:endParaRPr lang="en-US"/>
           </a:p>
@@ -23283,7 +23373,7 @@
           <a:lstStyle/>
           <a:p>
             <a:r>
-              <a:rPr lang="en-US"/>
+              <a:rPr lang="en-US" dirty="0" err="1"/>
               <a:t>gabow</a:t>
             </a:r>
             <a:endParaRPr lang="en-US" dirty="0"/>
@@ -25326,6 +25416,5794 @@
 </file>
 
 <file path=ppt/slides/slide5.xml><?xml version="1.0" encoding="utf-8"?>
+<p:sld xmlns:a="http://schemas.openxmlformats.org/drawingml/2006/main" xmlns:r="http://schemas.openxmlformats.org/officeDocument/2006/relationships" xmlns:p="http://schemas.openxmlformats.org/presentationml/2006/main" showMasterPhAnim="0">
+  <p:cSld>
+    <p:spTree>
+      <p:nvGrpSpPr>
+        <p:cNvPr id="1" name=""/>
+        <p:cNvGrpSpPr/>
+        <p:nvPr/>
+      </p:nvGrpSpPr>
+      <p:grpSpPr>
+        <a:xfrm>
+          <a:off x="0" y="0"/>
+          <a:ext cx="0" cy="0"/>
+          <a:chOff x="0" y="0"/>
+          <a:chExt cx="0" cy="0"/>
+        </a:xfrm>
+      </p:grpSpPr>
+      <p:sp>
+        <p:nvSpPr>
+          <p:cNvPr id="429058" name="Rectangle 2"/>
+          <p:cNvSpPr>
+            <a:spLocks noGrp="1" noChangeArrowheads="1"/>
+          </p:cNvSpPr>
+          <p:nvPr>
+            <p:ph type="title"/>
+          </p:nvPr>
+        </p:nvSpPr>
+        <p:spPr/>
+        <p:txBody>
+          <a:bodyPr/>
+          <a:lstStyle/>
+          <a:p>
+            <a:r>
+              <a:rPr lang="en-US" dirty="0" err="1"/>
+              <a:t>euler</a:t>
+            </a:r>
+            <a:endParaRPr lang="en-US" dirty="0"/>
+          </a:p>
+        </p:txBody>
+      </p:sp>
+      <p:grpSp>
+        <p:nvGrpSpPr>
+          <p:cNvPr id="429161" name="Group 429160">
+            <a:extLst>
+              <a:ext uri="{FF2B5EF4-FFF2-40B4-BE49-F238E27FC236}">
+                <a16:creationId xmlns:a16="http://schemas.microsoft.com/office/drawing/2014/main" id="{FEE8DF4C-B600-7995-369B-077208938BA2}"/>
+              </a:ext>
+            </a:extLst>
+          </p:cNvPr>
+          <p:cNvGrpSpPr/>
+          <p:nvPr/>
+        </p:nvGrpSpPr>
+        <p:grpSpPr>
+          <a:xfrm>
+            <a:off x="238821" y="1721053"/>
+            <a:ext cx="8617753" cy="2080368"/>
+            <a:chOff x="238821" y="1721053"/>
+            <a:chExt cx="8617753" cy="2080368"/>
+          </a:xfrm>
+        </p:grpSpPr>
+        <p:grpSp>
+          <p:nvGrpSpPr>
+            <p:cNvPr id="429157" name="Group 429156">
+              <a:extLst>
+                <a:ext uri="{FF2B5EF4-FFF2-40B4-BE49-F238E27FC236}">
+                  <a16:creationId xmlns:a16="http://schemas.microsoft.com/office/drawing/2014/main" id="{0426DB8A-B052-4A36-56A1-2696104BD95D}"/>
+                </a:ext>
+              </a:extLst>
+            </p:cNvPr>
+            <p:cNvGrpSpPr/>
+            <p:nvPr/>
+          </p:nvGrpSpPr>
+          <p:grpSpPr>
+            <a:xfrm>
+              <a:off x="238821" y="1721053"/>
+              <a:ext cx="8617753" cy="1774382"/>
+              <a:chOff x="238821" y="1721053"/>
+              <a:chExt cx="8617753" cy="1774382"/>
+            </a:xfrm>
+          </p:grpSpPr>
+          <p:sp>
+            <p:nvSpPr>
+              <p:cNvPr id="429093" name="Right Arrow 429092">
+                <a:extLst>
+                  <a:ext uri="{FF2B5EF4-FFF2-40B4-BE49-F238E27FC236}">
+                    <a16:creationId xmlns:a16="http://schemas.microsoft.com/office/drawing/2014/main" id="{10ACD51F-47D1-3FF9-9215-4BDD1D8F5A3A}"/>
+                  </a:ext>
+                </a:extLst>
+              </p:cNvPr>
+              <p:cNvSpPr/>
+              <p:nvPr/>
+            </p:nvSpPr>
+            <p:spPr bwMode="auto">
+              <a:xfrm>
+                <a:off x="2710494" y="2483058"/>
+                <a:ext cx="424543" cy="250372"/>
+              </a:xfrm>
+              <a:prstGeom prst="rightArrow">
+                <a:avLst/>
+              </a:prstGeom>
+              <a:solidFill>
+                <a:schemeClr val="accent1"/>
+              </a:solidFill>
+              <a:ln w="12700" cap="flat" cmpd="sng" algn="ctr">
+                <a:solidFill>
+                  <a:schemeClr val="tx1"/>
+                </a:solidFill>
+                <a:prstDash val="solid"/>
+                <a:round/>
+                <a:headEnd type="none" w="sm" len="sm"/>
+                <a:tailEnd type="none" w="sm" len="sm"/>
+              </a:ln>
+              <a:effectLst/>
+            </p:spPr>
+            <p:txBody>
+              <a:bodyPr vert="horz" wrap="square" lIns="91440" tIns="45720" rIns="91440" bIns="45720" numCol="1" rtlCol="0" anchor="t" anchorCtr="0" compatLnSpc="1">
+                <a:prstTxWarp prst="textNoShape">
+                  <a:avLst/>
+                </a:prstTxWarp>
+              </a:bodyPr>
+              <a:lstStyle/>
+              <a:p>
+                <a:pPr marL="0" marR="0" indent="0" algn="l" defTabSz="914400" rtl="0" eaLnBrk="0" fontAlgn="base" latinLnBrk="0" hangingPunct="0">
+                  <a:lnSpc>
+                    <a:spcPct val="100000"/>
+                  </a:lnSpc>
+                  <a:spcBef>
+                    <a:spcPct val="0"/>
+                  </a:spcBef>
+                  <a:spcAft>
+                    <a:spcPct val="0"/>
+                  </a:spcAft>
+                  <a:buClrTx/>
+                  <a:buSzTx/>
+                  <a:buFontTx/>
+                  <a:buNone/>
+                  <a:tabLst/>
+                </a:pPr>
+                <a:endParaRPr kumimoji="0" lang="en-US" sz="1600" b="0" i="0" u="none" strike="noStrike" cap="none" normalizeH="0" baseline="0">
+                  <a:ln>
+                    <a:noFill/>
+                  </a:ln>
+                  <a:solidFill>
+                    <a:schemeClr val="tx2"/>
+                  </a:solidFill>
+                  <a:effectLst/>
+                  <a:latin typeface="Book Antiqua" pitchFamily="18" charset="0"/>
+                </a:endParaRPr>
+              </a:p>
+            </p:txBody>
+          </p:sp>
+          <p:grpSp>
+            <p:nvGrpSpPr>
+              <p:cNvPr id="429156" name="Group 429155">
+                <a:extLst>
+                  <a:ext uri="{FF2B5EF4-FFF2-40B4-BE49-F238E27FC236}">
+                    <a16:creationId xmlns:a16="http://schemas.microsoft.com/office/drawing/2014/main" id="{3F23C323-B974-19D0-D269-1DCB01E564CA}"/>
+                  </a:ext>
+                </a:extLst>
+              </p:cNvPr>
+              <p:cNvGrpSpPr/>
+              <p:nvPr/>
+            </p:nvGrpSpPr>
+            <p:grpSpPr>
+              <a:xfrm>
+                <a:off x="238821" y="1721053"/>
+                <a:ext cx="2118024" cy="1774382"/>
+                <a:chOff x="238821" y="1721053"/>
+                <a:chExt cx="2118024" cy="1774382"/>
+              </a:xfrm>
+            </p:grpSpPr>
+            <p:sp>
+              <p:nvSpPr>
+                <p:cNvPr id="429066" name="Oval 429065">
+                  <a:extLst>
+                    <a:ext uri="{FF2B5EF4-FFF2-40B4-BE49-F238E27FC236}">
+                      <a16:creationId xmlns:a16="http://schemas.microsoft.com/office/drawing/2014/main" id="{8427D67F-34AE-FE09-0B14-9503DF261739}"/>
+                    </a:ext>
+                  </a:extLst>
+                </p:cNvPr>
+                <p:cNvSpPr/>
+                <p:nvPr/>
+              </p:nvSpPr>
+              <p:spPr bwMode="auto">
+                <a:xfrm>
+                  <a:off x="826196" y="2167781"/>
+                  <a:ext cx="216284" cy="216284"/>
+                </a:xfrm>
+                <a:prstGeom prst="ellipse">
+                  <a:avLst/>
+                </a:prstGeom>
+                <a:solidFill>
+                  <a:srgbClr val="CCFFCC"/>
+                </a:solidFill>
+                <a:ln w="12700" cap="flat" cmpd="sng" algn="ctr">
+                  <a:solidFill>
+                    <a:schemeClr val="tx1"/>
+                  </a:solidFill>
+                  <a:prstDash val="solid"/>
+                  <a:round/>
+                  <a:headEnd type="none" w="sm" len="sm"/>
+                  <a:tailEnd type="none" w="sm" len="sm"/>
+                </a:ln>
+                <a:effectLst/>
+              </p:spPr>
+              <p:txBody>
+                <a:bodyPr vert="horz" wrap="square" lIns="91440" tIns="45720" rIns="91440" bIns="45720" numCol="1" rtlCol="0" anchor="ctr" anchorCtr="0" compatLnSpc="1">
+                  <a:prstTxWarp prst="textNoShape">
+                    <a:avLst/>
+                  </a:prstTxWarp>
+                </a:bodyPr>
+                <a:lstStyle/>
+                <a:p>
+                  <a:pPr marL="0" marR="0" indent="0" algn="ctr" defTabSz="914400" rtl="0" eaLnBrk="0" fontAlgn="base" latinLnBrk="0" hangingPunct="0">
+                    <a:lnSpc>
+                      <a:spcPct val="100000"/>
+                    </a:lnSpc>
+                    <a:spcBef>
+                      <a:spcPct val="0"/>
+                    </a:spcBef>
+                    <a:spcAft>
+                      <a:spcPct val="0"/>
+                    </a:spcAft>
+                    <a:buClrTx/>
+                    <a:buSzTx/>
+                    <a:buFontTx/>
+                    <a:buNone/>
+                    <a:tabLst/>
+                  </a:pPr>
+                  <a:r>
+                    <a:rPr kumimoji="0" lang="en-US" sz="1200" b="0" i="1" u="none" strike="noStrike" cap="none" normalizeH="0" baseline="0" dirty="0">
+                      <a:ln>
+                        <a:noFill/>
+                      </a:ln>
+                      <a:solidFill>
+                        <a:schemeClr val="tx2"/>
+                      </a:solidFill>
+                      <a:effectLst/>
+                      <a:latin typeface="Verdana" panose="020B0604030504040204" pitchFamily="34" charset="0"/>
+                      <a:ea typeface="Verdana" panose="020B0604030504040204" pitchFamily="34" charset="0"/>
+                      <a:cs typeface="Verdana" panose="020B0604030504040204" pitchFamily="34" charset="0"/>
+                    </a:rPr>
+                    <a:t>b</a:t>
+                  </a:r>
+                </a:p>
+              </p:txBody>
+            </p:sp>
+            <p:sp>
+              <p:nvSpPr>
+                <p:cNvPr id="429067" name="Oval 429066">
+                  <a:extLst>
+                    <a:ext uri="{FF2B5EF4-FFF2-40B4-BE49-F238E27FC236}">
+                      <a16:creationId xmlns:a16="http://schemas.microsoft.com/office/drawing/2014/main" id="{32FEA0BF-1B52-36ED-4C4C-68A90D748BE7}"/>
+                    </a:ext>
+                  </a:extLst>
+                </p:cNvPr>
+                <p:cNvSpPr/>
+                <p:nvPr/>
+              </p:nvSpPr>
+              <p:spPr bwMode="auto">
+                <a:xfrm>
+                  <a:off x="238821" y="3279151"/>
+                  <a:ext cx="216284" cy="216284"/>
+                </a:xfrm>
+                <a:prstGeom prst="ellipse">
+                  <a:avLst/>
+                </a:prstGeom>
+                <a:solidFill>
+                  <a:srgbClr val="CCFFCC"/>
+                </a:solidFill>
+                <a:ln w="12700" cap="flat" cmpd="sng" algn="ctr">
+                  <a:solidFill>
+                    <a:schemeClr val="tx1"/>
+                  </a:solidFill>
+                  <a:prstDash val="solid"/>
+                  <a:round/>
+                  <a:headEnd type="none" w="sm" len="sm"/>
+                  <a:tailEnd type="none" w="sm" len="sm"/>
+                </a:ln>
+                <a:effectLst/>
+              </p:spPr>
+              <p:txBody>
+                <a:bodyPr vert="horz" wrap="square" lIns="91440" tIns="45720" rIns="91440" bIns="45720" numCol="1" rtlCol="0" anchor="ctr" anchorCtr="0" compatLnSpc="1">
+                  <a:prstTxWarp prst="textNoShape">
+                    <a:avLst/>
+                  </a:prstTxWarp>
+                </a:bodyPr>
+                <a:lstStyle/>
+                <a:p>
+                  <a:pPr marL="0" marR="0" indent="0" algn="ctr" defTabSz="914400" rtl="0" eaLnBrk="0" fontAlgn="base" latinLnBrk="0" hangingPunct="0">
+                    <a:lnSpc>
+                      <a:spcPct val="100000"/>
+                    </a:lnSpc>
+                    <a:spcBef>
+                      <a:spcPct val="0"/>
+                    </a:spcBef>
+                    <a:spcAft>
+                      <a:spcPct val="0"/>
+                    </a:spcAft>
+                    <a:buClrTx/>
+                    <a:buSzTx/>
+                    <a:buFontTx/>
+                    <a:buNone/>
+                    <a:tabLst/>
+                  </a:pPr>
+                  <a:r>
+                    <a:rPr kumimoji="0" lang="en-US" sz="1200" b="0" i="1" u="none" strike="noStrike" cap="none" normalizeH="0" baseline="0" dirty="0">
+                      <a:ln>
+                        <a:noFill/>
+                      </a:ln>
+                      <a:solidFill>
+                        <a:schemeClr val="tx2"/>
+                      </a:solidFill>
+                      <a:effectLst/>
+                      <a:latin typeface="Verdana" panose="020B0604030504040204" pitchFamily="34" charset="0"/>
+                      <a:ea typeface="Verdana" panose="020B0604030504040204" pitchFamily="34" charset="0"/>
+                      <a:cs typeface="Verdana" panose="020B0604030504040204" pitchFamily="34" charset="0"/>
+                    </a:rPr>
+                    <a:t>c</a:t>
+                  </a:r>
+                </a:p>
+              </p:txBody>
+            </p:sp>
+            <p:sp>
+              <p:nvSpPr>
+                <p:cNvPr id="429069" name="Oval 429068">
+                  <a:extLst>
+                    <a:ext uri="{FF2B5EF4-FFF2-40B4-BE49-F238E27FC236}">
+                      <a16:creationId xmlns:a16="http://schemas.microsoft.com/office/drawing/2014/main" id="{B57405E1-27AF-5E69-CBFA-FBA7825E19AD}"/>
+                    </a:ext>
+                  </a:extLst>
+                </p:cNvPr>
+                <p:cNvSpPr/>
+                <p:nvPr/>
+              </p:nvSpPr>
+              <p:spPr bwMode="auto">
+                <a:xfrm>
+                  <a:off x="238821" y="1721053"/>
+                  <a:ext cx="216284" cy="216284"/>
+                </a:xfrm>
+                <a:prstGeom prst="ellipse">
+                  <a:avLst/>
+                </a:prstGeom>
+                <a:solidFill>
+                  <a:srgbClr val="CCFFCC"/>
+                </a:solidFill>
+                <a:ln w="12700" cap="flat" cmpd="sng" algn="ctr">
+                  <a:solidFill>
+                    <a:schemeClr val="tx1"/>
+                  </a:solidFill>
+                  <a:prstDash val="solid"/>
+                  <a:round/>
+                  <a:headEnd type="none" w="sm" len="sm"/>
+                  <a:tailEnd type="none" w="sm" len="sm"/>
+                </a:ln>
+                <a:effectLst/>
+              </p:spPr>
+              <p:txBody>
+                <a:bodyPr vert="horz" wrap="square" lIns="91440" tIns="45720" rIns="91440" bIns="45720" numCol="1" rtlCol="0" anchor="ctr" anchorCtr="0" compatLnSpc="1">
+                  <a:prstTxWarp prst="textNoShape">
+                    <a:avLst/>
+                  </a:prstTxWarp>
+                </a:bodyPr>
+                <a:lstStyle/>
+                <a:p>
+                  <a:pPr marL="0" marR="0" indent="0" algn="ctr" defTabSz="914400" rtl="0" eaLnBrk="0" fontAlgn="base" latinLnBrk="0" hangingPunct="0">
+                    <a:lnSpc>
+                      <a:spcPct val="100000"/>
+                    </a:lnSpc>
+                    <a:spcBef>
+                      <a:spcPct val="0"/>
+                    </a:spcBef>
+                    <a:spcAft>
+                      <a:spcPct val="0"/>
+                    </a:spcAft>
+                    <a:buClrTx/>
+                    <a:buSzTx/>
+                    <a:buFontTx/>
+                    <a:buNone/>
+                    <a:tabLst/>
+                  </a:pPr>
+                  <a:r>
+                    <a:rPr kumimoji="0" lang="en-US" sz="1200" b="0" i="1" u="none" strike="noStrike" cap="none" normalizeH="0" baseline="0" dirty="0">
+                      <a:ln>
+                        <a:noFill/>
+                      </a:ln>
+                      <a:solidFill>
+                        <a:schemeClr val="tx2"/>
+                      </a:solidFill>
+                      <a:effectLst/>
+                      <a:latin typeface="Verdana" panose="020B0604030504040204" pitchFamily="34" charset="0"/>
+                      <a:ea typeface="Verdana" panose="020B0604030504040204" pitchFamily="34" charset="0"/>
+                      <a:cs typeface="Verdana" panose="020B0604030504040204" pitchFamily="34" charset="0"/>
+                    </a:rPr>
+                    <a:t>a</a:t>
+                  </a:r>
+                </a:p>
+              </p:txBody>
+            </p:sp>
+            <p:sp>
+              <p:nvSpPr>
+                <p:cNvPr id="429071" name="Oval 429070">
+                  <a:extLst>
+                    <a:ext uri="{FF2B5EF4-FFF2-40B4-BE49-F238E27FC236}">
+                      <a16:creationId xmlns:a16="http://schemas.microsoft.com/office/drawing/2014/main" id="{DE53B3D0-3929-A3AE-AC70-6FE08B2F481C}"/>
+                    </a:ext>
+                  </a:extLst>
+                </p:cNvPr>
+                <p:cNvSpPr/>
+                <p:nvPr/>
+              </p:nvSpPr>
+              <p:spPr bwMode="auto">
+                <a:xfrm>
+                  <a:off x="829189" y="2851036"/>
+                  <a:ext cx="216284" cy="216284"/>
+                </a:xfrm>
+                <a:prstGeom prst="ellipse">
+                  <a:avLst/>
+                </a:prstGeom>
+                <a:solidFill>
+                  <a:srgbClr val="CCFFCC"/>
+                </a:solidFill>
+                <a:ln w="12700" cap="flat" cmpd="sng" algn="ctr">
+                  <a:solidFill>
+                    <a:schemeClr val="tx1"/>
+                  </a:solidFill>
+                  <a:prstDash val="solid"/>
+                  <a:round/>
+                  <a:headEnd type="none" w="sm" len="sm"/>
+                  <a:tailEnd type="none" w="sm" len="sm"/>
+                </a:ln>
+                <a:effectLst/>
+              </p:spPr>
+              <p:txBody>
+                <a:bodyPr vert="horz" wrap="square" lIns="91440" tIns="45720" rIns="91440" bIns="45720" numCol="1" rtlCol="0" anchor="ctr" anchorCtr="0" compatLnSpc="1">
+                  <a:prstTxWarp prst="textNoShape">
+                    <a:avLst/>
+                  </a:prstTxWarp>
+                </a:bodyPr>
+                <a:lstStyle/>
+                <a:p>
+                  <a:pPr marL="0" marR="0" indent="0" algn="ctr" defTabSz="914400" rtl="0" eaLnBrk="0" fontAlgn="base" latinLnBrk="0" hangingPunct="0">
+                    <a:lnSpc>
+                      <a:spcPct val="100000"/>
+                    </a:lnSpc>
+                    <a:spcBef>
+                      <a:spcPct val="0"/>
+                    </a:spcBef>
+                    <a:spcAft>
+                      <a:spcPct val="0"/>
+                    </a:spcAft>
+                    <a:buClrTx/>
+                    <a:buSzTx/>
+                    <a:buFontTx/>
+                    <a:buNone/>
+                    <a:tabLst/>
+                  </a:pPr>
+                  <a:r>
+                    <a:rPr lang="en-US" sz="1200" i="1" dirty="0">
+                      <a:latin typeface="Verdana" panose="020B0604030504040204" pitchFamily="34" charset="0"/>
+                      <a:ea typeface="Verdana" panose="020B0604030504040204" pitchFamily="34" charset="0"/>
+                      <a:cs typeface="Verdana" panose="020B0604030504040204" pitchFamily="34" charset="0"/>
+                    </a:rPr>
+                    <a:t>d</a:t>
+                  </a:r>
+                  <a:endParaRPr kumimoji="0" lang="en-US" sz="1200" b="0" i="1" u="none" strike="noStrike" cap="none" normalizeH="0" baseline="0" dirty="0">
+                    <a:ln>
+                      <a:noFill/>
+                    </a:ln>
+                    <a:solidFill>
+                      <a:schemeClr val="tx2"/>
+                    </a:solidFill>
+                    <a:effectLst/>
+                    <a:latin typeface="Verdana" panose="020B0604030504040204" pitchFamily="34" charset="0"/>
+                    <a:ea typeface="Verdana" panose="020B0604030504040204" pitchFamily="34" charset="0"/>
+                    <a:cs typeface="Verdana" panose="020B0604030504040204" pitchFamily="34" charset="0"/>
+                  </a:endParaRPr>
+                </a:p>
+              </p:txBody>
+            </p:sp>
+            <p:cxnSp>
+              <p:nvCxnSpPr>
+                <p:cNvPr id="429073" name="Straight Connector 429072">
+                  <a:extLst>
+                    <a:ext uri="{FF2B5EF4-FFF2-40B4-BE49-F238E27FC236}">
+                      <a16:creationId xmlns:a16="http://schemas.microsoft.com/office/drawing/2014/main" id="{95285D66-EB10-4AD5-D574-5452BC3682FD}"/>
+                    </a:ext>
+                  </a:extLst>
+                </p:cNvPr>
+                <p:cNvCxnSpPr>
+                  <a:cxnSpLocks/>
+                  <a:stCxn id="429069" idx="5"/>
+                  <a:endCxn id="429066" idx="1"/>
+                </p:cNvCxnSpPr>
+                <p:nvPr/>
+              </p:nvCxnSpPr>
+              <p:spPr bwMode="auto">
+                <a:xfrm>
+                  <a:off x="423431" y="1905663"/>
+                  <a:ext cx="434439" cy="293792"/>
+                </a:xfrm>
+                <a:prstGeom prst="line">
+                  <a:avLst/>
+                </a:prstGeom>
+                <a:solidFill>
+                  <a:srgbClr val="CCFFCC"/>
+                </a:solidFill>
+                <a:ln w="44450" cap="flat" cmpd="sng" algn="ctr">
+                  <a:solidFill>
+                    <a:srgbClr val="FF0000"/>
+                  </a:solidFill>
+                  <a:prstDash val="solid"/>
+                  <a:round/>
+                  <a:headEnd type="none" w="sm" len="sm"/>
+                  <a:tailEnd type="none" w="sm" len="sm"/>
+                </a:ln>
+                <a:effectLst/>
+              </p:spPr>
+            </p:cxnSp>
+            <p:cxnSp>
+              <p:nvCxnSpPr>
+                <p:cNvPr id="429074" name="Straight Connector 429073">
+                  <a:extLst>
+                    <a:ext uri="{FF2B5EF4-FFF2-40B4-BE49-F238E27FC236}">
+                      <a16:creationId xmlns:a16="http://schemas.microsoft.com/office/drawing/2014/main" id="{FEE6BBAB-2910-90D4-373A-4C11DAAB9E27}"/>
+                    </a:ext>
+                  </a:extLst>
+                </p:cNvPr>
+                <p:cNvCxnSpPr>
+                  <a:cxnSpLocks/>
+                  <a:stCxn id="429071" idx="3"/>
+                  <a:endCxn id="429067" idx="7"/>
+                </p:cNvCxnSpPr>
+                <p:nvPr/>
+              </p:nvCxnSpPr>
+              <p:spPr bwMode="auto">
+                <a:xfrm flipH="1">
+                  <a:off x="423431" y="3035646"/>
+                  <a:ext cx="437432" cy="275179"/>
+                </a:xfrm>
+                <a:prstGeom prst="line">
+                  <a:avLst/>
+                </a:prstGeom>
+                <a:solidFill>
+                  <a:srgbClr val="CCFFCC"/>
+                </a:solidFill>
+                <a:ln w="12700" cap="flat" cmpd="sng" algn="ctr">
+                  <a:solidFill>
+                    <a:schemeClr val="tx1"/>
+                  </a:solidFill>
+                  <a:prstDash val="solid"/>
+                  <a:round/>
+                  <a:headEnd type="none" w="sm" len="sm"/>
+                  <a:tailEnd type="none" w="sm" len="sm"/>
+                </a:ln>
+                <a:effectLst/>
+              </p:spPr>
+            </p:cxnSp>
+            <p:cxnSp>
+              <p:nvCxnSpPr>
+                <p:cNvPr id="429075" name="Straight Connector 429074">
+                  <a:extLst>
+                    <a:ext uri="{FF2B5EF4-FFF2-40B4-BE49-F238E27FC236}">
+                      <a16:creationId xmlns:a16="http://schemas.microsoft.com/office/drawing/2014/main" id="{019E5F40-4E59-B6C5-1CE0-ACB7A86688CB}"/>
+                    </a:ext>
+                  </a:extLst>
+                </p:cNvPr>
+                <p:cNvCxnSpPr>
+                  <a:cxnSpLocks/>
+                </p:cNvCxnSpPr>
+                <p:nvPr/>
+              </p:nvCxnSpPr>
+              <p:spPr bwMode="auto">
+                <a:xfrm flipV="1">
+                  <a:off x="346963" y="1937337"/>
+                  <a:ext cx="0" cy="1341814"/>
+                </a:xfrm>
+                <a:prstGeom prst="line">
+                  <a:avLst/>
+                </a:prstGeom>
+                <a:solidFill>
+                  <a:srgbClr val="CCFFCC"/>
+                </a:solidFill>
+                <a:ln w="44450" cap="flat" cmpd="sng" algn="ctr">
+                  <a:solidFill>
+                    <a:srgbClr val="FF0000"/>
+                  </a:solidFill>
+                  <a:prstDash val="solid"/>
+                  <a:round/>
+                  <a:headEnd type="none" w="sm" len="sm"/>
+                  <a:tailEnd type="none" w="sm" len="sm"/>
+                </a:ln>
+                <a:effectLst/>
+              </p:spPr>
+            </p:cxnSp>
+            <p:cxnSp>
+              <p:nvCxnSpPr>
+                <p:cNvPr id="429076" name="Straight Connector 429075">
+                  <a:extLst>
+                    <a:ext uri="{FF2B5EF4-FFF2-40B4-BE49-F238E27FC236}">
+                      <a16:creationId xmlns:a16="http://schemas.microsoft.com/office/drawing/2014/main" id="{D1AAD9D5-444F-661A-0CA9-9D9574C4FDEF}"/>
+                    </a:ext>
+                  </a:extLst>
+                </p:cNvPr>
+                <p:cNvCxnSpPr>
+                  <a:cxnSpLocks/>
+                  <a:stCxn id="429066" idx="4"/>
+                  <a:endCxn id="429071" idx="0"/>
+                </p:cNvCxnSpPr>
+                <p:nvPr/>
+              </p:nvCxnSpPr>
+              <p:spPr bwMode="auto">
+                <a:xfrm>
+                  <a:off x="934338" y="2384065"/>
+                  <a:ext cx="2993" cy="466971"/>
+                </a:xfrm>
+                <a:prstGeom prst="line">
+                  <a:avLst/>
+                </a:prstGeom>
+                <a:solidFill>
+                  <a:srgbClr val="CCFFCC"/>
+                </a:solidFill>
+                <a:ln w="12700" cap="flat" cmpd="sng" algn="ctr">
+                  <a:solidFill>
+                    <a:schemeClr val="tx1"/>
+                  </a:solidFill>
+                  <a:prstDash val="solid"/>
+                  <a:round/>
+                  <a:headEnd type="none" w="sm" len="sm"/>
+                  <a:tailEnd type="none" w="sm" len="sm"/>
+                </a:ln>
+                <a:effectLst/>
+              </p:spPr>
+            </p:cxnSp>
+            <p:sp>
+              <p:nvSpPr>
+                <p:cNvPr id="429078" name="Oval 429077">
+                  <a:extLst>
+                    <a:ext uri="{FF2B5EF4-FFF2-40B4-BE49-F238E27FC236}">
+                      <a16:creationId xmlns:a16="http://schemas.microsoft.com/office/drawing/2014/main" id="{0A1772D8-EB91-C7CA-51B9-099A09C8A9AF}"/>
+                    </a:ext>
+                  </a:extLst>
+                </p:cNvPr>
+                <p:cNvSpPr/>
+                <p:nvPr/>
+              </p:nvSpPr>
+              <p:spPr bwMode="auto">
+                <a:xfrm>
+                  <a:off x="2140561" y="1721053"/>
+                  <a:ext cx="216284" cy="216284"/>
+                </a:xfrm>
+                <a:prstGeom prst="ellipse">
+                  <a:avLst/>
+                </a:prstGeom>
+                <a:solidFill>
+                  <a:srgbClr val="CCFFCC"/>
+                </a:solidFill>
+                <a:ln w="12700" cap="flat" cmpd="sng" algn="ctr">
+                  <a:solidFill>
+                    <a:schemeClr val="tx1"/>
+                  </a:solidFill>
+                  <a:prstDash val="solid"/>
+                  <a:round/>
+                  <a:headEnd type="none" w="sm" len="sm"/>
+                  <a:tailEnd type="none" w="sm" len="sm"/>
+                </a:ln>
+                <a:effectLst/>
+              </p:spPr>
+              <p:txBody>
+                <a:bodyPr vert="horz" wrap="square" lIns="91440" tIns="45720" rIns="91440" bIns="45720" numCol="1" rtlCol="0" anchor="ctr" anchorCtr="0" compatLnSpc="1">
+                  <a:prstTxWarp prst="textNoShape">
+                    <a:avLst/>
+                  </a:prstTxWarp>
+                </a:bodyPr>
+                <a:lstStyle/>
+                <a:p>
+                  <a:pPr marL="0" marR="0" indent="0" algn="ctr" defTabSz="914400" rtl="0" eaLnBrk="0" fontAlgn="base" latinLnBrk="0" hangingPunct="0">
+                    <a:lnSpc>
+                      <a:spcPct val="100000"/>
+                    </a:lnSpc>
+                    <a:spcBef>
+                      <a:spcPct val="0"/>
+                    </a:spcBef>
+                    <a:spcAft>
+                      <a:spcPct val="0"/>
+                    </a:spcAft>
+                    <a:buClrTx/>
+                    <a:buSzTx/>
+                    <a:buFontTx/>
+                    <a:buNone/>
+                    <a:tabLst/>
+                  </a:pPr>
+                  <a:r>
+                    <a:rPr kumimoji="0" lang="en-US" sz="1200" b="0" i="1" u="none" strike="noStrike" cap="none" normalizeH="0" baseline="0" dirty="0">
+                      <a:ln>
+                        <a:noFill/>
+                      </a:ln>
+                      <a:solidFill>
+                        <a:schemeClr val="tx2"/>
+                      </a:solidFill>
+                      <a:effectLst/>
+                      <a:latin typeface="Verdana" panose="020B0604030504040204" pitchFamily="34" charset="0"/>
+                      <a:ea typeface="Verdana" panose="020B0604030504040204" pitchFamily="34" charset="0"/>
+                      <a:cs typeface="Verdana" panose="020B0604030504040204" pitchFamily="34" charset="0"/>
+                    </a:rPr>
+                    <a:t>f</a:t>
+                  </a:r>
+                </a:p>
+              </p:txBody>
+            </p:sp>
+            <p:sp>
+              <p:nvSpPr>
+                <p:cNvPr id="429080" name="Oval 429079">
+                  <a:extLst>
+                    <a:ext uri="{FF2B5EF4-FFF2-40B4-BE49-F238E27FC236}">
+                      <a16:creationId xmlns:a16="http://schemas.microsoft.com/office/drawing/2014/main" id="{5DACDF88-E9FC-6515-EBEE-59D82E41EB44}"/>
+                    </a:ext>
+                  </a:extLst>
+                </p:cNvPr>
+                <p:cNvSpPr/>
+                <p:nvPr/>
+              </p:nvSpPr>
+              <p:spPr bwMode="auto">
+                <a:xfrm>
+                  <a:off x="1536106" y="2851036"/>
+                  <a:ext cx="216284" cy="216284"/>
+                </a:xfrm>
+                <a:prstGeom prst="ellipse">
+                  <a:avLst/>
+                </a:prstGeom>
+                <a:solidFill>
+                  <a:srgbClr val="CCFFCC"/>
+                </a:solidFill>
+                <a:ln w="12700" cap="flat" cmpd="sng" algn="ctr">
+                  <a:solidFill>
+                    <a:schemeClr val="tx1"/>
+                  </a:solidFill>
+                  <a:prstDash val="solid"/>
+                  <a:round/>
+                  <a:headEnd type="none" w="sm" len="sm"/>
+                  <a:tailEnd type="none" w="sm" len="sm"/>
+                </a:ln>
+                <a:effectLst/>
+              </p:spPr>
+              <p:txBody>
+                <a:bodyPr vert="horz" wrap="square" lIns="91440" tIns="45720" rIns="91440" bIns="45720" numCol="1" rtlCol="0" anchor="ctr" anchorCtr="0" compatLnSpc="1">
+                  <a:prstTxWarp prst="textNoShape">
+                    <a:avLst/>
+                  </a:prstTxWarp>
+                </a:bodyPr>
+                <a:lstStyle/>
+                <a:p>
+                  <a:pPr marL="0" marR="0" indent="0" algn="ctr" defTabSz="914400" rtl="0" eaLnBrk="0" fontAlgn="base" latinLnBrk="0" hangingPunct="0">
+                    <a:lnSpc>
+                      <a:spcPct val="100000"/>
+                    </a:lnSpc>
+                    <a:spcBef>
+                      <a:spcPct val="0"/>
+                    </a:spcBef>
+                    <a:spcAft>
+                      <a:spcPct val="0"/>
+                    </a:spcAft>
+                    <a:buClrTx/>
+                    <a:buSzTx/>
+                    <a:buFontTx/>
+                    <a:buNone/>
+                    <a:tabLst/>
+                  </a:pPr>
+                  <a:r>
+                    <a:rPr kumimoji="0" lang="en-US" sz="1200" b="0" i="1" u="none" strike="noStrike" cap="none" normalizeH="0" baseline="0" dirty="0">
+                      <a:ln>
+                        <a:noFill/>
+                      </a:ln>
+                      <a:solidFill>
+                        <a:schemeClr val="tx2"/>
+                      </a:solidFill>
+                      <a:effectLst/>
+                      <a:latin typeface="Verdana" panose="020B0604030504040204" pitchFamily="34" charset="0"/>
+                      <a:ea typeface="Verdana" panose="020B0604030504040204" pitchFamily="34" charset="0"/>
+                      <a:cs typeface="Verdana" panose="020B0604030504040204" pitchFamily="34" charset="0"/>
+                    </a:rPr>
+                    <a:t>g</a:t>
+                  </a:r>
+                </a:p>
+              </p:txBody>
+            </p:sp>
+            <p:cxnSp>
+              <p:nvCxnSpPr>
+                <p:cNvPr id="429082" name="Straight Connector 429081">
+                  <a:extLst>
+                    <a:ext uri="{FF2B5EF4-FFF2-40B4-BE49-F238E27FC236}">
+                      <a16:creationId xmlns:a16="http://schemas.microsoft.com/office/drawing/2014/main" id="{E6E3A598-62B3-A14E-C3CD-AFCAB94820AB}"/>
+                    </a:ext>
+                  </a:extLst>
+                </p:cNvPr>
+                <p:cNvCxnSpPr>
+                  <a:cxnSpLocks/>
+                  <a:stCxn id="429080" idx="5"/>
+                  <a:endCxn id="429088" idx="1"/>
+                </p:cNvCxnSpPr>
+                <p:nvPr/>
+              </p:nvCxnSpPr>
+              <p:spPr bwMode="auto">
+                <a:xfrm>
+                  <a:off x="1720716" y="3035646"/>
+                  <a:ext cx="446742" cy="270884"/>
+                </a:xfrm>
+                <a:prstGeom prst="line">
+                  <a:avLst/>
+                </a:prstGeom>
+                <a:solidFill>
+                  <a:srgbClr val="CCFFCC"/>
+                </a:solidFill>
+                <a:ln w="12700" cap="flat" cmpd="sng" algn="ctr">
+                  <a:solidFill>
+                    <a:schemeClr val="tx1"/>
+                  </a:solidFill>
+                  <a:prstDash val="solid"/>
+                  <a:round/>
+                  <a:headEnd type="none" w="sm" len="sm"/>
+                  <a:tailEnd type="none" w="sm" len="sm"/>
+                </a:ln>
+                <a:effectLst/>
+              </p:spPr>
+            </p:cxnSp>
+            <p:cxnSp>
+              <p:nvCxnSpPr>
+                <p:cNvPr id="429083" name="Straight Connector 429082">
+                  <a:extLst>
+                    <a:ext uri="{FF2B5EF4-FFF2-40B4-BE49-F238E27FC236}">
+                      <a16:creationId xmlns:a16="http://schemas.microsoft.com/office/drawing/2014/main" id="{AEFA7CE8-E656-211A-6383-B4112CAA46C8}"/>
+                    </a:ext>
+                  </a:extLst>
+                </p:cNvPr>
+                <p:cNvCxnSpPr>
+                  <a:cxnSpLocks/>
+                </p:cNvCxnSpPr>
+                <p:nvPr/>
+              </p:nvCxnSpPr>
+              <p:spPr bwMode="auto">
+                <a:xfrm flipH="1">
+                  <a:off x="1045473" y="2959178"/>
+                  <a:ext cx="490633" cy="0"/>
+                </a:xfrm>
+                <a:prstGeom prst="line">
+                  <a:avLst/>
+                </a:prstGeom>
+                <a:solidFill>
+                  <a:srgbClr val="CCFFCC"/>
+                </a:solidFill>
+                <a:ln w="12700" cap="flat" cmpd="sng" algn="ctr">
+                  <a:solidFill>
+                    <a:schemeClr val="tx1"/>
+                  </a:solidFill>
+                  <a:prstDash val="solid"/>
+                  <a:round/>
+                  <a:headEnd type="none" w="sm" len="sm"/>
+                  <a:tailEnd type="none" w="sm" len="sm"/>
+                </a:ln>
+                <a:effectLst/>
+              </p:spPr>
+            </p:cxnSp>
+            <p:cxnSp>
+              <p:nvCxnSpPr>
+                <p:cNvPr id="429084" name="Straight Connector 429083">
+                  <a:extLst>
+                    <a:ext uri="{FF2B5EF4-FFF2-40B4-BE49-F238E27FC236}">
+                      <a16:creationId xmlns:a16="http://schemas.microsoft.com/office/drawing/2014/main" id="{9F99734F-F433-D427-17D6-DCB18647C474}"/>
+                    </a:ext>
+                  </a:extLst>
+                </p:cNvPr>
+                <p:cNvCxnSpPr>
+                  <a:cxnSpLocks/>
+                  <a:stCxn id="429078" idx="3"/>
+                  <a:endCxn id="429087" idx="7"/>
+                </p:cNvCxnSpPr>
+                <p:nvPr/>
+              </p:nvCxnSpPr>
+              <p:spPr bwMode="auto">
+                <a:xfrm flipH="1">
+                  <a:off x="1730039" y="1905663"/>
+                  <a:ext cx="442196" cy="293792"/>
+                </a:xfrm>
+                <a:prstGeom prst="line">
+                  <a:avLst/>
+                </a:prstGeom>
+                <a:solidFill>
+                  <a:srgbClr val="CCFFCC"/>
+                </a:solidFill>
+                <a:ln w="44450" cap="flat" cmpd="sng" algn="ctr">
+                  <a:solidFill>
+                    <a:srgbClr val="FF0000"/>
+                  </a:solidFill>
+                  <a:prstDash val="solid"/>
+                  <a:round/>
+                  <a:headEnd type="none" w="sm" len="sm"/>
+                  <a:tailEnd type="none" w="sm" len="sm"/>
+                </a:ln>
+                <a:effectLst/>
+              </p:spPr>
+            </p:cxnSp>
+            <p:cxnSp>
+              <p:nvCxnSpPr>
+                <p:cNvPr id="429085" name="Straight Connector 429084">
+                  <a:extLst>
+                    <a:ext uri="{FF2B5EF4-FFF2-40B4-BE49-F238E27FC236}">
+                      <a16:creationId xmlns:a16="http://schemas.microsoft.com/office/drawing/2014/main" id="{FE019E55-A981-5290-ECE7-7D999253EC96}"/>
+                    </a:ext>
+                  </a:extLst>
+                </p:cNvPr>
+                <p:cNvCxnSpPr>
+                  <a:cxnSpLocks/>
+                  <a:stCxn id="429080" idx="0"/>
+                  <a:endCxn id="429087" idx="4"/>
+                </p:cNvCxnSpPr>
+                <p:nvPr/>
+              </p:nvCxnSpPr>
+              <p:spPr bwMode="auto">
+                <a:xfrm flipV="1">
+                  <a:off x="1644248" y="2384065"/>
+                  <a:ext cx="9323" cy="466971"/>
+                </a:xfrm>
+                <a:prstGeom prst="line">
+                  <a:avLst/>
+                </a:prstGeom>
+                <a:solidFill>
+                  <a:srgbClr val="CCFFCC"/>
+                </a:solidFill>
+                <a:ln w="12700" cap="flat" cmpd="sng" algn="ctr">
+                  <a:solidFill>
+                    <a:schemeClr val="tx1"/>
+                  </a:solidFill>
+                  <a:prstDash val="solid"/>
+                  <a:round/>
+                  <a:headEnd type="none" w="sm" len="sm"/>
+                  <a:tailEnd type="none" w="sm" len="sm"/>
+                </a:ln>
+                <a:effectLst/>
+              </p:spPr>
+            </p:cxnSp>
+            <p:cxnSp>
+              <p:nvCxnSpPr>
+                <p:cNvPr id="429086" name="Straight Connector 429085">
+                  <a:extLst>
+                    <a:ext uri="{FF2B5EF4-FFF2-40B4-BE49-F238E27FC236}">
+                      <a16:creationId xmlns:a16="http://schemas.microsoft.com/office/drawing/2014/main" id="{07B40FAE-B7D2-4413-74A6-8999574B835E}"/>
+                    </a:ext>
+                  </a:extLst>
+                </p:cNvPr>
+                <p:cNvCxnSpPr>
+                  <a:cxnSpLocks/>
+                  <a:stCxn id="429078" idx="4"/>
+                  <a:endCxn id="429088" idx="0"/>
+                </p:cNvCxnSpPr>
+                <p:nvPr/>
+              </p:nvCxnSpPr>
+              <p:spPr bwMode="auto">
+                <a:xfrm flipH="1">
+                  <a:off x="2243926" y="1937337"/>
+                  <a:ext cx="4777" cy="1337519"/>
+                </a:xfrm>
+                <a:prstGeom prst="line">
+                  <a:avLst/>
+                </a:prstGeom>
+                <a:solidFill>
+                  <a:srgbClr val="CCFFCC"/>
+                </a:solidFill>
+                <a:ln w="44450" cap="flat" cmpd="sng" algn="ctr">
+                  <a:solidFill>
+                    <a:srgbClr val="FF0000"/>
+                  </a:solidFill>
+                  <a:prstDash val="solid"/>
+                  <a:round/>
+                  <a:headEnd type="none" w="sm" len="sm"/>
+                  <a:tailEnd type="none" w="sm" len="sm"/>
+                </a:ln>
+                <a:effectLst/>
+              </p:spPr>
+            </p:cxnSp>
+            <p:sp>
+              <p:nvSpPr>
+                <p:cNvPr id="429087" name="Oval 429086">
+                  <a:extLst>
+                    <a:ext uri="{FF2B5EF4-FFF2-40B4-BE49-F238E27FC236}">
+                      <a16:creationId xmlns:a16="http://schemas.microsoft.com/office/drawing/2014/main" id="{2BF66F7E-8695-6ABF-35B0-3409052269A8}"/>
+                    </a:ext>
+                  </a:extLst>
+                </p:cNvPr>
+                <p:cNvSpPr/>
+                <p:nvPr/>
+              </p:nvSpPr>
+              <p:spPr bwMode="auto">
+                <a:xfrm>
+                  <a:off x="1545429" y="2167781"/>
+                  <a:ext cx="216284" cy="216284"/>
+                </a:xfrm>
+                <a:prstGeom prst="ellipse">
+                  <a:avLst/>
+                </a:prstGeom>
+                <a:solidFill>
+                  <a:srgbClr val="CCFFCC"/>
+                </a:solidFill>
+                <a:ln w="12700" cap="flat" cmpd="sng" algn="ctr">
+                  <a:solidFill>
+                    <a:schemeClr val="tx1"/>
+                  </a:solidFill>
+                  <a:prstDash val="solid"/>
+                  <a:round/>
+                  <a:headEnd type="none" w="sm" len="sm"/>
+                  <a:tailEnd type="none" w="sm" len="sm"/>
+                </a:ln>
+                <a:effectLst/>
+              </p:spPr>
+              <p:txBody>
+                <a:bodyPr vert="horz" wrap="square" lIns="91440" tIns="45720" rIns="91440" bIns="45720" numCol="1" rtlCol="0" anchor="ctr" anchorCtr="0" compatLnSpc="1">
+                  <a:prstTxWarp prst="textNoShape">
+                    <a:avLst/>
+                  </a:prstTxWarp>
+                </a:bodyPr>
+                <a:lstStyle/>
+                <a:p>
+                  <a:pPr marL="0" marR="0" indent="0" algn="ctr" defTabSz="914400" rtl="0" eaLnBrk="0" fontAlgn="base" latinLnBrk="0" hangingPunct="0">
+                    <a:lnSpc>
+                      <a:spcPct val="100000"/>
+                    </a:lnSpc>
+                    <a:spcBef>
+                      <a:spcPct val="0"/>
+                    </a:spcBef>
+                    <a:spcAft>
+                      <a:spcPct val="0"/>
+                    </a:spcAft>
+                    <a:buClrTx/>
+                    <a:buSzTx/>
+                    <a:buFontTx/>
+                    <a:buNone/>
+                    <a:tabLst/>
+                  </a:pPr>
+                  <a:r>
+                    <a:rPr kumimoji="0" lang="en-US" sz="1200" b="0" i="1" u="none" strike="noStrike" cap="none" normalizeH="0" baseline="0" dirty="0">
+                      <a:ln>
+                        <a:noFill/>
+                      </a:ln>
+                      <a:solidFill>
+                        <a:schemeClr val="tx2"/>
+                      </a:solidFill>
+                      <a:effectLst/>
+                      <a:latin typeface="Verdana" panose="020B0604030504040204" pitchFamily="34" charset="0"/>
+                      <a:ea typeface="Verdana" panose="020B0604030504040204" pitchFamily="34" charset="0"/>
+                      <a:cs typeface="Verdana" panose="020B0604030504040204" pitchFamily="34" charset="0"/>
+                    </a:rPr>
+                    <a:t>e</a:t>
+                  </a:r>
+                </a:p>
+              </p:txBody>
+            </p:sp>
+            <p:sp>
+              <p:nvSpPr>
+                <p:cNvPr id="429088" name="Oval 429087">
+                  <a:extLst>
+                    <a:ext uri="{FF2B5EF4-FFF2-40B4-BE49-F238E27FC236}">
+                      <a16:creationId xmlns:a16="http://schemas.microsoft.com/office/drawing/2014/main" id="{2A1C5804-0C17-6D19-1FF7-48D76196D2B2}"/>
+                    </a:ext>
+                  </a:extLst>
+                </p:cNvPr>
+                <p:cNvSpPr/>
+                <p:nvPr/>
+              </p:nvSpPr>
+              <p:spPr bwMode="auto">
+                <a:xfrm>
+                  <a:off x="2135784" y="3274856"/>
+                  <a:ext cx="216284" cy="216284"/>
+                </a:xfrm>
+                <a:prstGeom prst="ellipse">
+                  <a:avLst/>
+                </a:prstGeom>
+                <a:solidFill>
+                  <a:srgbClr val="CCFFCC"/>
+                </a:solidFill>
+                <a:ln w="12700" cap="flat" cmpd="sng" algn="ctr">
+                  <a:solidFill>
+                    <a:schemeClr val="tx1"/>
+                  </a:solidFill>
+                  <a:prstDash val="solid"/>
+                  <a:round/>
+                  <a:headEnd type="none" w="sm" len="sm"/>
+                  <a:tailEnd type="none" w="sm" len="sm"/>
+                </a:ln>
+                <a:effectLst/>
+              </p:spPr>
+              <p:txBody>
+                <a:bodyPr vert="horz" wrap="square" lIns="91440" tIns="45720" rIns="91440" bIns="45720" numCol="1" rtlCol="0" anchor="ctr" anchorCtr="0" compatLnSpc="1">
+                  <a:prstTxWarp prst="textNoShape">
+                    <a:avLst/>
+                  </a:prstTxWarp>
+                </a:bodyPr>
+                <a:lstStyle/>
+                <a:p>
+                  <a:pPr marL="0" marR="0" indent="0" algn="ctr" defTabSz="914400" rtl="0" eaLnBrk="0" fontAlgn="base" latinLnBrk="0" hangingPunct="0">
+                    <a:lnSpc>
+                      <a:spcPct val="100000"/>
+                    </a:lnSpc>
+                    <a:spcBef>
+                      <a:spcPct val="0"/>
+                    </a:spcBef>
+                    <a:spcAft>
+                      <a:spcPct val="0"/>
+                    </a:spcAft>
+                    <a:buClrTx/>
+                    <a:buSzTx/>
+                    <a:buFontTx/>
+                    <a:buNone/>
+                    <a:tabLst/>
+                  </a:pPr>
+                  <a:r>
+                    <a:rPr kumimoji="0" lang="en-US" sz="1200" b="0" i="1" u="none" strike="noStrike" cap="none" normalizeH="0" baseline="0" dirty="0">
+                      <a:ln>
+                        <a:noFill/>
+                      </a:ln>
+                      <a:solidFill>
+                        <a:schemeClr val="tx2"/>
+                      </a:solidFill>
+                      <a:effectLst/>
+                      <a:latin typeface="Verdana" panose="020B0604030504040204" pitchFamily="34" charset="0"/>
+                      <a:ea typeface="Verdana" panose="020B0604030504040204" pitchFamily="34" charset="0"/>
+                      <a:cs typeface="Verdana" panose="020B0604030504040204" pitchFamily="34" charset="0"/>
+                    </a:rPr>
+                    <a:t>h</a:t>
+                  </a:r>
+                </a:p>
+              </p:txBody>
+            </p:sp>
+            <p:cxnSp>
+              <p:nvCxnSpPr>
+                <p:cNvPr id="429089" name="Straight Connector 429088">
+                  <a:extLst>
+                    <a:ext uri="{FF2B5EF4-FFF2-40B4-BE49-F238E27FC236}">
+                      <a16:creationId xmlns:a16="http://schemas.microsoft.com/office/drawing/2014/main" id="{285B6BF8-5488-1046-9410-D3E8B2F664CA}"/>
+                    </a:ext>
+                  </a:extLst>
+                </p:cNvPr>
+                <p:cNvCxnSpPr>
+                  <a:cxnSpLocks/>
+                </p:cNvCxnSpPr>
+                <p:nvPr/>
+              </p:nvCxnSpPr>
+              <p:spPr bwMode="auto">
+                <a:xfrm>
+                  <a:off x="455758" y="1829195"/>
+                  <a:ext cx="1684803" cy="0"/>
+                </a:xfrm>
+                <a:prstGeom prst="line">
+                  <a:avLst/>
+                </a:prstGeom>
+                <a:solidFill>
+                  <a:srgbClr val="CCFFCC"/>
+                </a:solidFill>
+                <a:ln w="44450" cap="flat" cmpd="sng" algn="ctr">
+                  <a:solidFill>
+                    <a:srgbClr val="FF0000"/>
+                  </a:solidFill>
+                  <a:prstDash val="solid"/>
+                  <a:round/>
+                  <a:headEnd type="none" w="sm" len="sm"/>
+                  <a:tailEnd type="none" w="sm" len="sm"/>
+                </a:ln>
+                <a:effectLst/>
+              </p:spPr>
+            </p:cxnSp>
+            <p:cxnSp>
+              <p:nvCxnSpPr>
+                <p:cNvPr id="27" name="Straight Connector 26">
+                  <a:extLst>
+                    <a:ext uri="{FF2B5EF4-FFF2-40B4-BE49-F238E27FC236}">
+                      <a16:creationId xmlns:a16="http://schemas.microsoft.com/office/drawing/2014/main" id="{FAAAA9F0-AB78-2A3E-8FA6-EA06B6F2EE4A}"/>
+                    </a:ext>
+                  </a:extLst>
+                </p:cNvPr>
+                <p:cNvCxnSpPr>
+                  <a:cxnSpLocks/>
+                </p:cNvCxnSpPr>
+                <p:nvPr/>
+              </p:nvCxnSpPr>
+              <p:spPr bwMode="auto">
+                <a:xfrm flipH="1">
+                  <a:off x="1042480" y="2275923"/>
+                  <a:ext cx="502949" cy="0"/>
+                </a:xfrm>
+                <a:prstGeom prst="line">
+                  <a:avLst/>
+                </a:prstGeom>
+                <a:solidFill>
+                  <a:srgbClr val="CCFFCC"/>
+                </a:solidFill>
+                <a:ln w="44450" cap="flat" cmpd="sng" algn="ctr">
+                  <a:solidFill>
+                    <a:srgbClr val="FF0000"/>
+                  </a:solidFill>
+                  <a:prstDash val="solid"/>
+                  <a:round/>
+                  <a:headEnd type="none" w="sm" len="sm"/>
+                  <a:tailEnd type="none" w="sm" len="sm"/>
+                </a:ln>
+                <a:effectLst/>
+              </p:spPr>
+            </p:cxnSp>
+            <p:cxnSp>
+              <p:nvCxnSpPr>
+                <p:cNvPr id="32" name="Straight Connector 31">
+                  <a:extLst>
+                    <a:ext uri="{FF2B5EF4-FFF2-40B4-BE49-F238E27FC236}">
+                      <a16:creationId xmlns:a16="http://schemas.microsoft.com/office/drawing/2014/main" id="{6D55769B-FF46-8355-1F11-96FDAB4981A0}"/>
+                    </a:ext>
+                  </a:extLst>
+                </p:cNvPr>
+                <p:cNvCxnSpPr>
+                  <a:cxnSpLocks/>
+                  <a:stCxn id="429067" idx="6"/>
+                  <a:endCxn id="429088" idx="2"/>
+                </p:cNvCxnSpPr>
+                <p:nvPr/>
+              </p:nvCxnSpPr>
+              <p:spPr bwMode="auto">
+                <a:xfrm flipV="1">
+                  <a:off x="455105" y="3382998"/>
+                  <a:ext cx="1680679" cy="4295"/>
+                </a:xfrm>
+                <a:prstGeom prst="line">
+                  <a:avLst/>
+                </a:prstGeom>
+                <a:solidFill>
+                  <a:srgbClr val="CCFFCC"/>
+                </a:solidFill>
+                <a:ln w="44450" cap="flat" cmpd="sng" algn="ctr">
+                  <a:solidFill>
+                    <a:srgbClr val="FF0000"/>
+                  </a:solidFill>
+                  <a:prstDash val="solid"/>
+                  <a:round/>
+                  <a:headEnd type="none" w="sm" len="sm"/>
+                  <a:tailEnd type="none" w="sm" len="sm"/>
+                </a:ln>
+                <a:effectLst/>
+              </p:spPr>
+            </p:cxnSp>
+            <p:cxnSp>
+              <p:nvCxnSpPr>
+                <p:cNvPr id="44" name="Straight Connector 43">
+                  <a:extLst>
+                    <a:ext uri="{FF2B5EF4-FFF2-40B4-BE49-F238E27FC236}">
+                      <a16:creationId xmlns:a16="http://schemas.microsoft.com/office/drawing/2014/main" id="{833A1BC4-6A74-BB2C-34D6-9166EFC8B9E1}"/>
+                    </a:ext>
+                  </a:extLst>
+                </p:cNvPr>
+                <p:cNvCxnSpPr>
+                  <a:cxnSpLocks/>
+                  <a:stCxn id="429066" idx="5"/>
+                  <a:endCxn id="429080" idx="1"/>
+                </p:cNvCxnSpPr>
+                <p:nvPr/>
+              </p:nvCxnSpPr>
+              <p:spPr bwMode="auto">
+                <a:xfrm>
+                  <a:off x="1010806" y="2352391"/>
+                  <a:ext cx="556974" cy="530319"/>
+                </a:xfrm>
+                <a:prstGeom prst="line">
+                  <a:avLst/>
+                </a:prstGeom>
+                <a:solidFill>
+                  <a:srgbClr val="CCFFCC"/>
+                </a:solidFill>
+                <a:ln w="12700" cap="flat" cmpd="sng" algn="ctr">
+                  <a:solidFill>
+                    <a:schemeClr val="tx1"/>
+                  </a:solidFill>
+                  <a:prstDash val="solid"/>
+                  <a:round/>
+                  <a:headEnd type="none" w="sm" len="sm"/>
+                  <a:tailEnd type="none" w="sm" len="sm"/>
+                </a:ln>
+                <a:effectLst/>
+              </p:spPr>
+            </p:cxnSp>
+            <p:cxnSp>
+              <p:nvCxnSpPr>
+                <p:cNvPr id="45" name="Straight Connector 44">
+                  <a:extLst>
+                    <a:ext uri="{FF2B5EF4-FFF2-40B4-BE49-F238E27FC236}">
+                      <a16:creationId xmlns:a16="http://schemas.microsoft.com/office/drawing/2014/main" id="{43BBCDA4-FA76-C654-9BBA-C3D483AD4574}"/>
+                    </a:ext>
+                  </a:extLst>
+                </p:cNvPr>
+                <p:cNvCxnSpPr>
+                  <a:cxnSpLocks/>
+                  <a:stCxn id="429087" idx="3"/>
+                  <a:endCxn id="429071" idx="7"/>
+                </p:cNvCxnSpPr>
+                <p:nvPr/>
+              </p:nvCxnSpPr>
+              <p:spPr bwMode="auto">
+                <a:xfrm flipH="1">
+                  <a:off x="1013799" y="2352391"/>
+                  <a:ext cx="563304" cy="530319"/>
+                </a:xfrm>
+                <a:prstGeom prst="line">
+                  <a:avLst/>
+                </a:prstGeom>
+                <a:solidFill>
+                  <a:srgbClr val="CCFFCC"/>
+                </a:solidFill>
+                <a:ln w="12700" cap="flat" cmpd="sng" algn="ctr">
+                  <a:solidFill>
+                    <a:schemeClr val="tx1"/>
+                  </a:solidFill>
+                  <a:prstDash val="solid"/>
+                  <a:round/>
+                  <a:headEnd type="none" w="sm" len="sm"/>
+                  <a:tailEnd type="none" w="sm" len="sm"/>
+                </a:ln>
+                <a:effectLst/>
+              </p:spPr>
+            </p:cxnSp>
+          </p:grpSp>
+          <p:sp>
+            <p:nvSpPr>
+              <p:cNvPr id="429107" name="Right Arrow 429106">
+                <a:extLst>
+                  <a:ext uri="{FF2B5EF4-FFF2-40B4-BE49-F238E27FC236}">
+                    <a16:creationId xmlns:a16="http://schemas.microsoft.com/office/drawing/2014/main" id="{A10A125F-356C-11B7-DB77-576359BA94B9}"/>
+                  </a:ext>
+                </a:extLst>
+              </p:cNvPr>
+              <p:cNvSpPr/>
+              <p:nvPr/>
+            </p:nvSpPr>
+            <p:spPr bwMode="auto">
+              <a:xfrm>
+                <a:off x="5960359" y="2483058"/>
+                <a:ext cx="424543" cy="250372"/>
+              </a:xfrm>
+              <a:prstGeom prst="rightArrow">
+                <a:avLst/>
+              </a:prstGeom>
+              <a:solidFill>
+                <a:schemeClr val="accent1"/>
+              </a:solidFill>
+              <a:ln w="12700" cap="flat" cmpd="sng" algn="ctr">
+                <a:solidFill>
+                  <a:schemeClr val="tx1"/>
+                </a:solidFill>
+                <a:prstDash val="solid"/>
+                <a:round/>
+                <a:headEnd type="none" w="sm" len="sm"/>
+                <a:tailEnd type="none" w="sm" len="sm"/>
+              </a:ln>
+              <a:effectLst/>
+            </p:spPr>
+            <p:txBody>
+              <a:bodyPr vert="horz" wrap="square" lIns="91440" tIns="45720" rIns="91440" bIns="45720" numCol="1" rtlCol="0" anchor="t" anchorCtr="0" compatLnSpc="1">
+                <a:prstTxWarp prst="textNoShape">
+                  <a:avLst/>
+                </a:prstTxWarp>
+              </a:bodyPr>
+              <a:lstStyle/>
+              <a:p>
+                <a:pPr marL="0" marR="0" indent="0" algn="l" defTabSz="914400" rtl="0" eaLnBrk="0" fontAlgn="base" latinLnBrk="0" hangingPunct="0">
+                  <a:lnSpc>
+                    <a:spcPct val="100000"/>
+                  </a:lnSpc>
+                  <a:spcBef>
+                    <a:spcPct val="0"/>
+                  </a:spcBef>
+                  <a:spcAft>
+                    <a:spcPct val="0"/>
+                  </a:spcAft>
+                  <a:buClrTx/>
+                  <a:buSzTx/>
+                  <a:buFontTx/>
+                  <a:buNone/>
+                  <a:tabLst/>
+                </a:pPr>
+                <a:endParaRPr kumimoji="0" lang="en-US" sz="1600" b="0" i="0" u="none" strike="noStrike" cap="none" normalizeH="0" baseline="0">
+                  <a:ln>
+                    <a:noFill/>
+                  </a:ln>
+                  <a:solidFill>
+                    <a:schemeClr val="tx2"/>
+                  </a:solidFill>
+                  <a:effectLst/>
+                  <a:latin typeface="Book Antiqua" pitchFamily="18" charset="0"/>
+                </a:endParaRPr>
+              </a:p>
+            </p:txBody>
+          </p:sp>
+          <p:grpSp>
+            <p:nvGrpSpPr>
+              <p:cNvPr id="429155" name="Group 429154">
+                <a:extLst>
+                  <a:ext uri="{FF2B5EF4-FFF2-40B4-BE49-F238E27FC236}">
+                    <a16:creationId xmlns:a16="http://schemas.microsoft.com/office/drawing/2014/main" id="{0C1DF1F4-D750-017D-1A44-A3E4B6029A52}"/>
+                  </a:ext>
+                </a:extLst>
+              </p:cNvPr>
+              <p:cNvGrpSpPr/>
+              <p:nvPr/>
+            </p:nvGrpSpPr>
+            <p:grpSpPr>
+              <a:xfrm>
+                <a:off x="3488686" y="1721053"/>
+                <a:ext cx="2118024" cy="1774382"/>
+                <a:chOff x="3488686" y="1721053"/>
+                <a:chExt cx="2118024" cy="1774382"/>
+              </a:xfrm>
+            </p:grpSpPr>
+            <p:sp>
+              <p:nvSpPr>
+                <p:cNvPr id="50" name="Oval 49">
+                  <a:extLst>
+                    <a:ext uri="{FF2B5EF4-FFF2-40B4-BE49-F238E27FC236}">
+                      <a16:creationId xmlns:a16="http://schemas.microsoft.com/office/drawing/2014/main" id="{D6996A98-DA47-C154-0DF3-FDF12939F556}"/>
+                    </a:ext>
+                  </a:extLst>
+                </p:cNvPr>
+                <p:cNvSpPr/>
+                <p:nvPr/>
+              </p:nvSpPr>
+              <p:spPr bwMode="auto">
+                <a:xfrm>
+                  <a:off x="4076061" y="2167781"/>
+                  <a:ext cx="216284" cy="216284"/>
+                </a:xfrm>
+                <a:prstGeom prst="ellipse">
+                  <a:avLst/>
+                </a:prstGeom>
+                <a:solidFill>
+                  <a:srgbClr val="CCFFCC"/>
+                </a:solidFill>
+                <a:ln w="12700" cap="flat" cmpd="sng" algn="ctr">
+                  <a:solidFill>
+                    <a:schemeClr val="tx1"/>
+                  </a:solidFill>
+                  <a:prstDash val="solid"/>
+                  <a:round/>
+                  <a:headEnd type="none" w="sm" len="sm"/>
+                  <a:tailEnd type="none" w="sm" len="sm"/>
+                </a:ln>
+                <a:effectLst/>
+              </p:spPr>
+              <p:txBody>
+                <a:bodyPr vert="horz" wrap="square" lIns="91440" tIns="45720" rIns="91440" bIns="45720" numCol="1" rtlCol="0" anchor="ctr" anchorCtr="0" compatLnSpc="1">
+                  <a:prstTxWarp prst="textNoShape">
+                    <a:avLst/>
+                  </a:prstTxWarp>
+                </a:bodyPr>
+                <a:lstStyle/>
+                <a:p>
+                  <a:pPr marL="0" marR="0" indent="0" algn="ctr" defTabSz="914400" rtl="0" eaLnBrk="0" fontAlgn="base" latinLnBrk="0" hangingPunct="0">
+                    <a:lnSpc>
+                      <a:spcPct val="100000"/>
+                    </a:lnSpc>
+                    <a:spcBef>
+                      <a:spcPct val="0"/>
+                    </a:spcBef>
+                    <a:spcAft>
+                      <a:spcPct val="0"/>
+                    </a:spcAft>
+                    <a:buClrTx/>
+                    <a:buSzTx/>
+                    <a:buFontTx/>
+                    <a:buNone/>
+                    <a:tabLst/>
+                  </a:pPr>
+                  <a:r>
+                    <a:rPr kumimoji="0" lang="en-US" sz="1200" b="0" i="1" u="none" strike="noStrike" cap="none" normalizeH="0" baseline="0" dirty="0">
+                      <a:ln>
+                        <a:noFill/>
+                      </a:ln>
+                      <a:solidFill>
+                        <a:schemeClr val="tx2"/>
+                      </a:solidFill>
+                      <a:effectLst/>
+                      <a:latin typeface="Verdana" panose="020B0604030504040204" pitchFamily="34" charset="0"/>
+                      <a:ea typeface="Verdana" panose="020B0604030504040204" pitchFamily="34" charset="0"/>
+                      <a:cs typeface="Verdana" panose="020B0604030504040204" pitchFamily="34" charset="0"/>
+                    </a:rPr>
+                    <a:t>b</a:t>
+                  </a:r>
+                </a:p>
+              </p:txBody>
+            </p:sp>
+            <p:sp>
+              <p:nvSpPr>
+                <p:cNvPr id="51" name="Oval 50">
+                  <a:extLst>
+                    <a:ext uri="{FF2B5EF4-FFF2-40B4-BE49-F238E27FC236}">
+                      <a16:creationId xmlns:a16="http://schemas.microsoft.com/office/drawing/2014/main" id="{F6E516E3-586B-9143-C743-0026D429A589}"/>
+                    </a:ext>
+                  </a:extLst>
+                </p:cNvPr>
+                <p:cNvSpPr/>
+                <p:nvPr/>
+              </p:nvSpPr>
+              <p:spPr bwMode="auto">
+                <a:xfrm>
+                  <a:off x="3488686" y="3279151"/>
+                  <a:ext cx="216284" cy="216284"/>
+                </a:xfrm>
+                <a:prstGeom prst="ellipse">
+                  <a:avLst/>
+                </a:prstGeom>
+                <a:solidFill>
+                  <a:srgbClr val="CCFFCC"/>
+                </a:solidFill>
+                <a:ln w="12700" cap="flat" cmpd="sng" algn="ctr">
+                  <a:solidFill>
+                    <a:schemeClr val="tx1"/>
+                  </a:solidFill>
+                  <a:prstDash val="solid"/>
+                  <a:round/>
+                  <a:headEnd type="none" w="sm" len="sm"/>
+                  <a:tailEnd type="none" w="sm" len="sm"/>
+                </a:ln>
+                <a:effectLst/>
+              </p:spPr>
+              <p:txBody>
+                <a:bodyPr vert="horz" wrap="square" lIns="91440" tIns="45720" rIns="91440" bIns="45720" numCol="1" rtlCol="0" anchor="ctr" anchorCtr="0" compatLnSpc="1">
+                  <a:prstTxWarp prst="textNoShape">
+                    <a:avLst/>
+                  </a:prstTxWarp>
+                </a:bodyPr>
+                <a:lstStyle/>
+                <a:p>
+                  <a:pPr marL="0" marR="0" indent="0" algn="ctr" defTabSz="914400" rtl="0" eaLnBrk="0" fontAlgn="base" latinLnBrk="0" hangingPunct="0">
+                    <a:lnSpc>
+                      <a:spcPct val="100000"/>
+                    </a:lnSpc>
+                    <a:spcBef>
+                      <a:spcPct val="0"/>
+                    </a:spcBef>
+                    <a:spcAft>
+                      <a:spcPct val="0"/>
+                    </a:spcAft>
+                    <a:buClrTx/>
+                    <a:buSzTx/>
+                    <a:buFontTx/>
+                    <a:buNone/>
+                    <a:tabLst/>
+                  </a:pPr>
+                  <a:r>
+                    <a:rPr kumimoji="0" lang="en-US" sz="1200" b="0" i="1" u="none" strike="noStrike" cap="none" normalizeH="0" baseline="0" dirty="0">
+                      <a:ln>
+                        <a:noFill/>
+                      </a:ln>
+                      <a:solidFill>
+                        <a:schemeClr val="tx2"/>
+                      </a:solidFill>
+                      <a:effectLst/>
+                      <a:latin typeface="Verdana" panose="020B0604030504040204" pitchFamily="34" charset="0"/>
+                      <a:ea typeface="Verdana" panose="020B0604030504040204" pitchFamily="34" charset="0"/>
+                      <a:cs typeface="Verdana" panose="020B0604030504040204" pitchFamily="34" charset="0"/>
+                    </a:rPr>
+                    <a:t>c</a:t>
+                  </a:r>
+                </a:p>
+              </p:txBody>
+            </p:sp>
+            <p:sp>
+              <p:nvSpPr>
+                <p:cNvPr id="52" name="Oval 51">
+                  <a:extLst>
+                    <a:ext uri="{FF2B5EF4-FFF2-40B4-BE49-F238E27FC236}">
+                      <a16:creationId xmlns:a16="http://schemas.microsoft.com/office/drawing/2014/main" id="{4F7B7A97-4597-91CE-2FF3-0D10698F493E}"/>
+                    </a:ext>
+                  </a:extLst>
+                </p:cNvPr>
+                <p:cNvSpPr/>
+                <p:nvPr/>
+              </p:nvSpPr>
+              <p:spPr bwMode="auto">
+                <a:xfrm>
+                  <a:off x="3488686" y="1721053"/>
+                  <a:ext cx="216284" cy="216284"/>
+                </a:xfrm>
+                <a:prstGeom prst="ellipse">
+                  <a:avLst/>
+                </a:prstGeom>
+                <a:solidFill>
+                  <a:srgbClr val="CCFFCC"/>
+                </a:solidFill>
+                <a:ln w="12700" cap="flat" cmpd="sng" algn="ctr">
+                  <a:solidFill>
+                    <a:schemeClr val="tx1"/>
+                  </a:solidFill>
+                  <a:prstDash val="solid"/>
+                  <a:round/>
+                  <a:headEnd type="none" w="sm" len="sm"/>
+                  <a:tailEnd type="none" w="sm" len="sm"/>
+                </a:ln>
+                <a:effectLst/>
+              </p:spPr>
+              <p:txBody>
+                <a:bodyPr vert="horz" wrap="square" lIns="91440" tIns="45720" rIns="91440" bIns="45720" numCol="1" rtlCol="0" anchor="ctr" anchorCtr="0" compatLnSpc="1">
+                  <a:prstTxWarp prst="textNoShape">
+                    <a:avLst/>
+                  </a:prstTxWarp>
+                </a:bodyPr>
+                <a:lstStyle/>
+                <a:p>
+                  <a:pPr marL="0" marR="0" indent="0" algn="ctr" defTabSz="914400" rtl="0" eaLnBrk="0" fontAlgn="base" latinLnBrk="0" hangingPunct="0">
+                    <a:lnSpc>
+                      <a:spcPct val="100000"/>
+                    </a:lnSpc>
+                    <a:spcBef>
+                      <a:spcPct val="0"/>
+                    </a:spcBef>
+                    <a:spcAft>
+                      <a:spcPct val="0"/>
+                    </a:spcAft>
+                    <a:buClrTx/>
+                    <a:buSzTx/>
+                    <a:buFontTx/>
+                    <a:buNone/>
+                    <a:tabLst/>
+                  </a:pPr>
+                  <a:r>
+                    <a:rPr kumimoji="0" lang="en-US" sz="1200" b="0" i="1" u="none" strike="noStrike" cap="none" normalizeH="0" baseline="0" dirty="0">
+                      <a:ln>
+                        <a:noFill/>
+                      </a:ln>
+                      <a:solidFill>
+                        <a:schemeClr val="tx2"/>
+                      </a:solidFill>
+                      <a:effectLst/>
+                      <a:latin typeface="Verdana" panose="020B0604030504040204" pitchFamily="34" charset="0"/>
+                      <a:ea typeface="Verdana" panose="020B0604030504040204" pitchFamily="34" charset="0"/>
+                      <a:cs typeface="Verdana" panose="020B0604030504040204" pitchFamily="34" charset="0"/>
+                    </a:rPr>
+                    <a:t>a</a:t>
+                  </a:r>
+                </a:p>
+              </p:txBody>
+            </p:sp>
+            <p:sp>
+              <p:nvSpPr>
+                <p:cNvPr id="53" name="Oval 52">
+                  <a:extLst>
+                    <a:ext uri="{FF2B5EF4-FFF2-40B4-BE49-F238E27FC236}">
+                      <a16:creationId xmlns:a16="http://schemas.microsoft.com/office/drawing/2014/main" id="{D3A8FCB0-BA66-65B0-ED57-D6BA700B0EE3}"/>
+                    </a:ext>
+                  </a:extLst>
+                </p:cNvPr>
+                <p:cNvSpPr/>
+                <p:nvPr/>
+              </p:nvSpPr>
+              <p:spPr bwMode="auto">
+                <a:xfrm>
+                  <a:off x="4079054" y="2851036"/>
+                  <a:ext cx="216284" cy="216284"/>
+                </a:xfrm>
+                <a:prstGeom prst="ellipse">
+                  <a:avLst/>
+                </a:prstGeom>
+                <a:solidFill>
+                  <a:srgbClr val="CCFFCC"/>
+                </a:solidFill>
+                <a:ln w="12700" cap="flat" cmpd="sng" algn="ctr">
+                  <a:solidFill>
+                    <a:schemeClr val="tx1"/>
+                  </a:solidFill>
+                  <a:prstDash val="solid"/>
+                  <a:round/>
+                  <a:headEnd type="none" w="sm" len="sm"/>
+                  <a:tailEnd type="none" w="sm" len="sm"/>
+                </a:ln>
+                <a:effectLst/>
+              </p:spPr>
+              <p:txBody>
+                <a:bodyPr vert="horz" wrap="square" lIns="91440" tIns="45720" rIns="91440" bIns="45720" numCol="1" rtlCol="0" anchor="ctr" anchorCtr="0" compatLnSpc="1">
+                  <a:prstTxWarp prst="textNoShape">
+                    <a:avLst/>
+                  </a:prstTxWarp>
+                </a:bodyPr>
+                <a:lstStyle/>
+                <a:p>
+                  <a:pPr marL="0" marR="0" indent="0" algn="ctr" defTabSz="914400" rtl="0" eaLnBrk="0" fontAlgn="base" latinLnBrk="0" hangingPunct="0">
+                    <a:lnSpc>
+                      <a:spcPct val="100000"/>
+                    </a:lnSpc>
+                    <a:spcBef>
+                      <a:spcPct val="0"/>
+                    </a:spcBef>
+                    <a:spcAft>
+                      <a:spcPct val="0"/>
+                    </a:spcAft>
+                    <a:buClrTx/>
+                    <a:buSzTx/>
+                    <a:buFontTx/>
+                    <a:buNone/>
+                    <a:tabLst/>
+                  </a:pPr>
+                  <a:r>
+                    <a:rPr lang="en-US" sz="1200" i="1" dirty="0">
+                      <a:latin typeface="Verdana" panose="020B0604030504040204" pitchFamily="34" charset="0"/>
+                      <a:ea typeface="Verdana" panose="020B0604030504040204" pitchFamily="34" charset="0"/>
+                      <a:cs typeface="Verdana" panose="020B0604030504040204" pitchFamily="34" charset="0"/>
+                    </a:rPr>
+                    <a:t>d</a:t>
+                  </a:r>
+                  <a:endParaRPr kumimoji="0" lang="en-US" sz="1200" b="0" i="1" u="none" strike="noStrike" cap="none" normalizeH="0" baseline="0" dirty="0">
+                    <a:ln>
+                      <a:noFill/>
+                    </a:ln>
+                    <a:solidFill>
+                      <a:schemeClr val="tx2"/>
+                    </a:solidFill>
+                    <a:effectLst/>
+                    <a:latin typeface="Verdana" panose="020B0604030504040204" pitchFamily="34" charset="0"/>
+                    <a:ea typeface="Verdana" panose="020B0604030504040204" pitchFamily="34" charset="0"/>
+                    <a:cs typeface="Verdana" panose="020B0604030504040204" pitchFamily="34" charset="0"/>
+                  </a:endParaRPr>
+                </a:p>
+              </p:txBody>
+            </p:sp>
+            <p:cxnSp>
+              <p:nvCxnSpPr>
+                <p:cNvPr id="55" name="Straight Connector 54">
+                  <a:extLst>
+                    <a:ext uri="{FF2B5EF4-FFF2-40B4-BE49-F238E27FC236}">
+                      <a16:creationId xmlns:a16="http://schemas.microsoft.com/office/drawing/2014/main" id="{0AA7D71E-FCD0-2BE6-C00C-3922D0584115}"/>
+                    </a:ext>
+                  </a:extLst>
+                </p:cNvPr>
+                <p:cNvCxnSpPr>
+                  <a:cxnSpLocks/>
+                  <a:stCxn id="53" idx="3"/>
+                  <a:endCxn id="51" idx="7"/>
+                </p:cNvCxnSpPr>
+                <p:nvPr/>
+              </p:nvCxnSpPr>
+              <p:spPr bwMode="auto">
+                <a:xfrm flipH="1">
+                  <a:off x="3673296" y="3035646"/>
+                  <a:ext cx="437432" cy="275179"/>
+                </a:xfrm>
+                <a:prstGeom prst="line">
+                  <a:avLst/>
+                </a:prstGeom>
+                <a:solidFill>
+                  <a:srgbClr val="CCFFCC"/>
+                </a:solidFill>
+                <a:ln w="44450" cap="flat" cmpd="sng" algn="ctr">
+                  <a:solidFill>
+                    <a:srgbClr val="00B0F0"/>
+                  </a:solidFill>
+                  <a:prstDash val="solid"/>
+                  <a:round/>
+                  <a:headEnd type="none" w="sm" len="sm"/>
+                  <a:tailEnd type="none" w="sm" len="sm"/>
+                </a:ln>
+                <a:effectLst/>
+              </p:spPr>
+            </p:cxnSp>
+            <p:cxnSp>
+              <p:nvCxnSpPr>
+                <p:cNvPr id="57" name="Straight Connector 56">
+                  <a:extLst>
+                    <a:ext uri="{FF2B5EF4-FFF2-40B4-BE49-F238E27FC236}">
+                      <a16:creationId xmlns:a16="http://schemas.microsoft.com/office/drawing/2014/main" id="{82A9AC9B-674C-7534-1A9D-F386BCFC59F8}"/>
+                    </a:ext>
+                  </a:extLst>
+                </p:cNvPr>
+                <p:cNvCxnSpPr>
+                  <a:cxnSpLocks/>
+                  <a:stCxn id="50" idx="4"/>
+                  <a:endCxn id="53" idx="0"/>
+                </p:cNvCxnSpPr>
+                <p:nvPr/>
+              </p:nvCxnSpPr>
+              <p:spPr bwMode="auto">
+                <a:xfrm>
+                  <a:off x="4184203" y="2384065"/>
+                  <a:ext cx="2993" cy="466971"/>
+                </a:xfrm>
+                <a:prstGeom prst="line">
+                  <a:avLst/>
+                </a:prstGeom>
+                <a:solidFill>
+                  <a:srgbClr val="CCFFCC"/>
+                </a:solidFill>
+                <a:ln w="12700" cap="flat" cmpd="sng" algn="ctr">
+                  <a:solidFill>
+                    <a:schemeClr val="tx1"/>
+                  </a:solidFill>
+                  <a:prstDash val="solid"/>
+                  <a:round/>
+                  <a:headEnd type="none" w="sm" len="sm"/>
+                  <a:tailEnd type="none" w="sm" len="sm"/>
+                </a:ln>
+                <a:effectLst/>
+              </p:spPr>
+            </p:cxnSp>
+            <p:sp>
+              <p:nvSpPr>
+                <p:cNvPr id="58" name="Oval 57">
+                  <a:extLst>
+                    <a:ext uri="{FF2B5EF4-FFF2-40B4-BE49-F238E27FC236}">
+                      <a16:creationId xmlns:a16="http://schemas.microsoft.com/office/drawing/2014/main" id="{326DA7D3-1006-BA1B-135A-E8F80B888F88}"/>
+                    </a:ext>
+                  </a:extLst>
+                </p:cNvPr>
+                <p:cNvSpPr/>
+                <p:nvPr/>
+              </p:nvSpPr>
+              <p:spPr bwMode="auto">
+                <a:xfrm>
+                  <a:off x="5390426" y="1721053"/>
+                  <a:ext cx="216284" cy="216284"/>
+                </a:xfrm>
+                <a:prstGeom prst="ellipse">
+                  <a:avLst/>
+                </a:prstGeom>
+                <a:solidFill>
+                  <a:srgbClr val="CCFFCC"/>
+                </a:solidFill>
+                <a:ln w="12700" cap="flat" cmpd="sng" algn="ctr">
+                  <a:solidFill>
+                    <a:schemeClr val="tx1"/>
+                  </a:solidFill>
+                  <a:prstDash val="solid"/>
+                  <a:round/>
+                  <a:headEnd type="none" w="sm" len="sm"/>
+                  <a:tailEnd type="none" w="sm" len="sm"/>
+                </a:ln>
+                <a:effectLst/>
+              </p:spPr>
+              <p:txBody>
+                <a:bodyPr vert="horz" wrap="square" lIns="91440" tIns="45720" rIns="91440" bIns="45720" numCol="1" rtlCol="0" anchor="ctr" anchorCtr="0" compatLnSpc="1">
+                  <a:prstTxWarp prst="textNoShape">
+                    <a:avLst/>
+                  </a:prstTxWarp>
+                </a:bodyPr>
+                <a:lstStyle/>
+                <a:p>
+                  <a:pPr marL="0" marR="0" indent="0" algn="ctr" defTabSz="914400" rtl="0" eaLnBrk="0" fontAlgn="base" latinLnBrk="0" hangingPunct="0">
+                    <a:lnSpc>
+                      <a:spcPct val="100000"/>
+                    </a:lnSpc>
+                    <a:spcBef>
+                      <a:spcPct val="0"/>
+                    </a:spcBef>
+                    <a:spcAft>
+                      <a:spcPct val="0"/>
+                    </a:spcAft>
+                    <a:buClrTx/>
+                    <a:buSzTx/>
+                    <a:buFontTx/>
+                    <a:buNone/>
+                    <a:tabLst/>
+                  </a:pPr>
+                  <a:r>
+                    <a:rPr kumimoji="0" lang="en-US" sz="1200" b="0" i="1" u="none" strike="noStrike" cap="none" normalizeH="0" baseline="0" dirty="0">
+                      <a:ln>
+                        <a:noFill/>
+                      </a:ln>
+                      <a:solidFill>
+                        <a:schemeClr val="tx2"/>
+                      </a:solidFill>
+                      <a:effectLst/>
+                      <a:latin typeface="Verdana" panose="020B0604030504040204" pitchFamily="34" charset="0"/>
+                      <a:ea typeface="Verdana" panose="020B0604030504040204" pitchFamily="34" charset="0"/>
+                      <a:cs typeface="Verdana" panose="020B0604030504040204" pitchFamily="34" charset="0"/>
+                    </a:rPr>
+                    <a:t>f</a:t>
+                  </a:r>
+                </a:p>
+              </p:txBody>
+            </p:sp>
+            <p:sp>
+              <p:nvSpPr>
+                <p:cNvPr id="59" name="Oval 58">
+                  <a:extLst>
+                    <a:ext uri="{FF2B5EF4-FFF2-40B4-BE49-F238E27FC236}">
+                      <a16:creationId xmlns:a16="http://schemas.microsoft.com/office/drawing/2014/main" id="{5FEA1699-2144-200A-4D0D-838376C13C85}"/>
+                    </a:ext>
+                  </a:extLst>
+                </p:cNvPr>
+                <p:cNvSpPr/>
+                <p:nvPr/>
+              </p:nvSpPr>
+              <p:spPr bwMode="auto">
+                <a:xfrm>
+                  <a:off x="4785971" y="2851036"/>
+                  <a:ext cx="216284" cy="216284"/>
+                </a:xfrm>
+                <a:prstGeom prst="ellipse">
+                  <a:avLst/>
+                </a:prstGeom>
+                <a:solidFill>
+                  <a:srgbClr val="CCFFCC"/>
+                </a:solidFill>
+                <a:ln w="12700" cap="flat" cmpd="sng" algn="ctr">
+                  <a:solidFill>
+                    <a:schemeClr val="tx1"/>
+                  </a:solidFill>
+                  <a:prstDash val="solid"/>
+                  <a:round/>
+                  <a:headEnd type="none" w="sm" len="sm"/>
+                  <a:tailEnd type="none" w="sm" len="sm"/>
+                </a:ln>
+                <a:effectLst/>
+              </p:spPr>
+              <p:txBody>
+                <a:bodyPr vert="horz" wrap="square" lIns="91440" tIns="45720" rIns="91440" bIns="45720" numCol="1" rtlCol="0" anchor="ctr" anchorCtr="0" compatLnSpc="1">
+                  <a:prstTxWarp prst="textNoShape">
+                    <a:avLst/>
+                  </a:prstTxWarp>
+                </a:bodyPr>
+                <a:lstStyle/>
+                <a:p>
+                  <a:pPr marL="0" marR="0" indent="0" algn="ctr" defTabSz="914400" rtl="0" eaLnBrk="0" fontAlgn="base" latinLnBrk="0" hangingPunct="0">
+                    <a:lnSpc>
+                      <a:spcPct val="100000"/>
+                    </a:lnSpc>
+                    <a:spcBef>
+                      <a:spcPct val="0"/>
+                    </a:spcBef>
+                    <a:spcAft>
+                      <a:spcPct val="0"/>
+                    </a:spcAft>
+                    <a:buClrTx/>
+                    <a:buSzTx/>
+                    <a:buFontTx/>
+                    <a:buNone/>
+                    <a:tabLst/>
+                  </a:pPr>
+                  <a:r>
+                    <a:rPr kumimoji="0" lang="en-US" sz="1200" b="0" i="1" u="none" strike="noStrike" cap="none" normalizeH="0" baseline="0" dirty="0">
+                      <a:ln>
+                        <a:noFill/>
+                      </a:ln>
+                      <a:solidFill>
+                        <a:schemeClr val="tx2"/>
+                      </a:solidFill>
+                      <a:effectLst/>
+                      <a:latin typeface="Verdana" panose="020B0604030504040204" pitchFamily="34" charset="0"/>
+                      <a:ea typeface="Verdana" panose="020B0604030504040204" pitchFamily="34" charset="0"/>
+                      <a:cs typeface="Verdana" panose="020B0604030504040204" pitchFamily="34" charset="0"/>
+                    </a:rPr>
+                    <a:t>g</a:t>
+                  </a:r>
+                </a:p>
+              </p:txBody>
+            </p:sp>
+            <p:cxnSp>
+              <p:nvCxnSpPr>
+                <p:cNvPr id="60" name="Straight Connector 59">
+                  <a:extLst>
+                    <a:ext uri="{FF2B5EF4-FFF2-40B4-BE49-F238E27FC236}">
+                      <a16:creationId xmlns:a16="http://schemas.microsoft.com/office/drawing/2014/main" id="{7C4BA257-F49B-5FD4-A36C-98CB54217BA8}"/>
+                    </a:ext>
+                  </a:extLst>
+                </p:cNvPr>
+                <p:cNvCxnSpPr>
+                  <a:cxnSpLocks/>
+                  <a:stCxn id="59" idx="5"/>
+                  <a:endCxn id="429059" idx="1"/>
+                </p:cNvCxnSpPr>
+                <p:nvPr/>
+              </p:nvCxnSpPr>
+              <p:spPr bwMode="auto">
+                <a:xfrm>
+                  <a:off x="4970581" y="3035646"/>
+                  <a:ext cx="446742" cy="270884"/>
+                </a:xfrm>
+                <a:prstGeom prst="line">
+                  <a:avLst/>
+                </a:prstGeom>
+                <a:solidFill>
+                  <a:srgbClr val="CCFFCC"/>
+                </a:solidFill>
+                <a:ln w="44450" cap="flat" cmpd="sng" algn="ctr">
+                  <a:solidFill>
+                    <a:srgbClr val="00B0F0"/>
+                  </a:solidFill>
+                  <a:prstDash val="solid"/>
+                  <a:round/>
+                  <a:headEnd type="none" w="sm" len="sm"/>
+                  <a:tailEnd type="none" w="sm" len="sm"/>
+                </a:ln>
+                <a:effectLst/>
+              </p:spPr>
+            </p:cxnSp>
+            <p:cxnSp>
+              <p:nvCxnSpPr>
+                <p:cNvPr id="61" name="Straight Connector 60">
+                  <a:extLst>
+                    <a:ext uri="{FF2B5EF4-FFF2-40B4-BE49-F238E27FC236}">
+                      <a16:creationId xmlns:a16="http://schemas.microsoft.com/office/drawing/2014/main" id="{43D3E12E-B670-ACE6-D260-955F05715E30}"/>
+                    </a:ext>
+                  </a:extLst>
+                </p:cNvPr>
+                <p:cNvCxnSpPr>
+                  <a:cxnSpLocks/>
+                </p:cNvCxnSpPr>
+                <p:nvPr/>
+              </p:nvCxnSpPr>
+              <p:spPr bwMode="auto">
+                <a:xfrm flipH="1">
+                  <a:off x="4295338" y="2959178"/>
+                  <a:ext cx="490633" cy="0"/>
+                </a:xfrm>
+                <a:prstGeom prst="line">
+                  <a:avLst/>
+                </a:prstGeom>
+                <a:solidFill>
+                  <a:srgbClr val="CCFFCC"/>
+                </a:solidFill>
+                <a:ln w="44450" cap="flat" cmpd="sng" algn="ctr">
+                  <a:solidFill>
+                    <a:srgbClr val="00B0F0"/>
+                  </a:solidFill>
+                  <a:prstDash val="solid"/>
+                  <a:round/>
+                  <a:headEnd type="none" w="sm" len="sm"/>
+                  <a:tailEnd type="none" w="sm" len="sm"/>
+                </a:ln>
+                <a:effectLst/>
+              </p:spPr>
+            </p:cxnSp>
+            <p:cxnSp>
+              <p:nvCxnSpPr>
+                <p:cNvPr id="63" name="Straight Connector 62">
+                  <a:extLst>
+                    <a:ext uri="{FF2B5EF4-FFF2-40B4-BE49-F238E27FC236}">
+                      <a16:creationId xmlns:a16="http://schemas.microsoft.com/office/drawing/2014/main" id="{B6F7B2C9-A77C-1ECC-0353-C2C05B1B54DD}"/>
+                    </a:ext>
+                  </a:extLst>
+                </p:cNvPr>
+                <p:cNvCxnSpPr>
+                  <a:cxnSpLocks/>
+                  <a:stCxn id="59" idx="0"/>
+                  <a:endCxn id="429057" idx="4"/>
+                </p:cNvCxnSpPr>
+                <p:nvPr/>
+              </p:nvCxnSpPr>
+              <p:spPr bwMode="auto">
+                <a:xfrm flipV="1">
+                  <a:off x="4894113" y="2384065"/>
+                  <a:ext cx="9323" cy="466971"/>
+                </a:xfrm>
+                <a:prstGeom prst="line">
+                  <a:avLst/>
+                </a:prstGeom>
+                <a:solidFill>
+                  <a:srgbClr val="CCFFCC"/>
+                </a:solidFill>
+                <a:ln w="12700" cap="flat" cmpd="sng" algn="ctr">
+                  <a:solidFill>
+                    <a:schemeClr val="tx1"/>
+                  </a:solidFill>
+                  <a:prstDash val="solid"/>
+                  <a:round/>
+                  <a:headEnd type="none" w="sm" len="sm"/>
+                  <a:tailEnd type="none" w="sm" len="sm"/>
+                </a:ln>
+                <a:effectLst/>
+              </p:spPr>
+            </p:cxnSp>
+            <p:sp>
+              <p:nvSpPr>
+                <p:cNvPr id="429057" name="Oval 429056">
+                  <a:extLst>
+                    <a:ext uri="{FF2B5EF4-FFF2-40B4-BE49-F238E27FC236}">
+                      <a16:creationId xmlns:a16="http://schemas.microsoft.com/office/drawing/2014/main" id="{37F7C6FC-CFA3-3D84-471C-42F431900537}"/>
+                    </a:ext>
+                  </a:extLst>
+                </p:cNvPr>
+                <p:cNvSpPr/>
+                <p:nvPr/>
+              </p:nvSpPr>
+              <p:spPr bwMode="auto">
+                <a:xfrm>
+                  <a:off x="4795294" y="2167781"/>
+                  <a:ext cx="216284" cy="216284"/>
+                </a:xfrm>
+                <a:prstGeom prst="ellipse">
+                  <a:avLst/>
+                </a:prstGeom>
+                <a:solidFill>
+                  <a:srgbClr val="CCFFCC"/>
+                </a:solidFill>
+                <a:ln w="12700" cap="flat" cmpd="sng" algn="ctr">
+                  <a:solidFill>
+                    <a:schemeClr val="tx1"/>
+                  </a:solidFill>
+                  <a:prstDash val="solid"/>
+                  <a:round/>
+                  <a:headEnd type="none" w="sm" len="sm"/>
+                  <a:tailEnd type="none" w="sm" len="sm"/>
+                </a:ln>
+                <a:effectLst/>
+              </p:spPr>
+              <p:txBody>
+                <a:bodyPr vert="horz" wrap="square" lIns="91440" tIns="45720" rIns="91440" bIns="45720" numCol="1" rtlCol="0" anchor="ctr" anchorCtr="0" compatLnSpc="1">
+                  <a:prstTxWarp prst="textNoShape">
+                    <a:avLst/>
+                  </a:prstTxWarp>
+                </a:bodyPr>
+                <a:lstStyle/>
+                <a:p>
+                  <a:pPr marL="0" marR="0" indent="0" algn="ctr" defTabSz="914400" rtl="0" eaLnBrk="0" fontAlgn="base" latinLnBrk="0" hangingPunct="0">
+                    <a:lnSpc>
+                      <a:spcPct val="100000"/>
+                    </a:lnSpc>
+                    <a:spcBef>
+                      <a:spcPct val="0"/>
+                    </a:spcBef>
+                    <a:spcAft>
+                      <a:spcPct val="0"/>
+                    </a:spcAft>
+                    <a:buClrTx/>
+                    <a:buSzTx/>
+                    <a:buFontTx/>
+                    <a:buNone/>
+                    <a:tabLst/>
+                  </a:pPr>
+                  <a:r>
+                    <a:rPr kumimoji="0" lang="en-US" sz="1200" b="0" i="1" u="none" strike="noStrike" cap="none" normalizeH="0" baseline="0" dirty="0">
+                      <a:ln>
+                        <a:noFill/>
+                      </a:ln>
+                      <a:solidFill>
+                        <a:schemeClr val="tx2"/>
+                      </a:solidFill>
+                      <a:effectLst/>
+                      <a:latin typeface="Verdana" panose="020B0604030504040204" pitchFamily="34" charset="0"/>
+                      <a:ea typeface="Verdana" panose="020B0604030504040204" pitchFamily="34" charset="0"/>
+                      <a:cs typeface="Verdana" panose="020B0604030504040204" pitchFamily="34" charset="0"/>
+                    </a:rPr>
+                    <a:t>e</a:t>
+                  </a:r>
+                </a:p>
+              </p:txBody>
+            </p:sp>
+            <p:sp>
+              <p:nvSpPr>
+                <p:cNvPr id="429059" name="Oval 429058">
+                  <a:extLst>
+                    <a:ext uri="{FF2B5EF4-FFF2-40B4-BE49-F238E27FC236}">
+                      <a16:creationId xmlns:a16="http://schemas.microsoft.com/office/drawing/2014/main" id="{9808E248-A5DB-F54F-F9E3-E90DC6649F94}"/>
+                    </a:ext>
+                  </a:extLst>
+                </p:cNvPr>
+                <p:cNvSpPr/>
+                <p:nvPr/>
+              </p:nvSpPr>
+              <p:spPr bwMode="auto">
+                <a:xfrm>
+                  <a:off x="5385649" y="3274856"/>
+                  <a:ext cx="216284" cy="216284"/>
+                </a:xfrm>
+                <a:prstGeom prst="ellipse">
+                  <a:avLst/>
+                </a:prstGeom>
+                <a:solidFill>
+                  <a:srgbClr val="CCFFCC"/>
+                </a:solidFill>
+                <a:ln w="12700" cap="flat" cmpd="sng" algn="ctr">
+                  <a:solidFill>
+                    <a:schemeClr val="tx1"/>
+                  </a:solidFill>
+                  <a:prstDash val="solid"/>
+                  <a:round/>
+                  <a:headEnd type="none" w="sm" len="sm"/>
+                  <a:tailEnd type="none" w="sm" len="sm"/>
+                </a:ln>
+                <a:effectLst/>
+              </p:spPr>
+              <p:txBody>
+                <a:bodyPr vert="horz" wrap="square" lIns="91440" tIns="45720" rIns="91440" bIns="45720" numCol="1" rtlCol="0" anchor="ctr" anchorCtr="0" compatLnSpc="1">
+                  <a:prstTxWarp prst="textNoShape">
+                    <a:avLst/>
+                  </a:prstTxWarp>
+                </a:bodyPr>
+                <a:lstStyle/>
+                <a:p>
+                  <a:pPr marL="0" marR="0" indent="0" algn="ctr" defTabSz="914400" rtl="0" eaLnBrk="0" fontAlgn="base" latinLnBrk="0" hangingPunct="0">
+                    <a:lnSpc>
+                      <a:spcPct val="100000"/>
+                    </a:lnSpc>
+                    <a:spcBef>
+                      <a:spcPct val="0"/>
+                    </a:spcBef>
+                    <a:spcAft>
+                      <a:spcPct val="0"/>
+                    </a:spcAft>
+                    <a:buClrTx/>
+                    <a:buSzTx/>
+                    <a:buFontTx/>
+                    <a:buNone/>
+                    <a:tabLst/>
+                  </a:pPr>
+                  <a:r>
+                    <a:rPr kumimoji="0" lang="en-US" sz="1200" b="0" i="1" u="none" strike="noStrike" cap="none" normalizeH="0" baseline="0" dirty="0">
+                      <a:ln>
+                        <a:noFill/>
+                      </a:ln>
+                      <a:solidFill>
+                        <a:schemeClr val="tx2"/>
+                      </a:solidFill>
+                      <a:effectLst/>
+                      <a:latin typeface="Verdana" panose="020B0604030504040204" pitchFamily="34" charset="0"/>
+                      <a:ea typeface="Verdana" panose="020B0604030504040204" pitchFamily="34" charset="0"/>
+                      <a:cs typeface="Verdana" panose="020B0604030504040204" pitchFamily="34" charset="0"/>
+                    </a:rPr>
+                    <a:t>h</a:t>
+                  </a:r>
+                </a:p>
+              </p:txBody>
+            </p:sp>
+            <p:cxnSp>
+              <p:nvCxnSpPr>
+                <p:cNvPr id="429063" name="Straight Connector 429062">
+                  <a:extLst>
+                    <a:ext uri="{FF2B5EF4-FFF2-40B4-BE49-F238E27FC236}">
+                      <a16:creationId xmlns:a16="http://schemas.microsoft.com/office/drawing/2014/main" id="{85AB5EE5-8ED1-407D-7AA7-EDA219958FA8}"/>
+                    </a:ext>
+                  </a:extLst>
+                </p:cNvPr>
+                <p:cNvCxnSpPr>
+                  <a:cxnSpLocks/>
+                  <a:stCxn id="50" idx="5"/>
+                  <a:endCxn id="59" idx="1"/>
+                </p:cNvCxnSpPr>
+                <p:nvPr/>
+              </p:nvCxnSpPr>
+              <p:spPr bwMode="auto">
+                <a:xfrm>
+                  <a:off x="4260671" y="2352391"/>
+                  <a:ext cx="556974" cy="530319"/>
+                </a:xfrm>
+                <a:prstGeom prst="line">
+                  <a:avLst/>
+                </a:prstGeom>
+                <a:solidFill>
+                  <a:srgbClr val="CCFFCC"/>
+                </a:solidFill>
+                <a:ln w="12700" cap="flat" cmpd="sng" algn="ctr">
+                  <a:solidFill>
+                    <a:schemeClr val="tx1"/>
+                  </a:solidFill>
+                  <a:prstDash val="solid"/>
+                  <a:round/>
+                  <a:headEnd type="none" w="sm" len="sm"/>
+                  <a:tailEnd type="none" w="sm" len="sm"/>
+                </a:ln>
+                <a:effectLst/>
+              </p:spPr>
+            </p:cxnSp>
+            <p:cxnSp>
+              <p:nvCxnSpPr>
+                <p:cNvPr id="429064" name="Straight Connector 429063">
+                  <a:extLst>
+                    <a:ext uri="{FF2B5EF4-FFF2-40B4-BE49-F238E27FC236}">
+                      <a16:creationId xmlns:a16="http://schemas.microsoft.com/office/drawing/2014/main" id="{03DE1DBF-0B12-9970-E94C-0E3EC0AED0DD}"/>
+                    </a:ext>
+                  </a:extLst>
+                </p:cNvPr>
+                <p:cNvCxnSpPr>
+                  <a:cxnSpLocks/>
+                  <a:stCxn id="429057" idx="3"/>
+                  <a:endCxn id="53" idx="7"/>
+                </p:cNvCxnSpPr>
+                <p:nvPr/>
+              </p:nvCxnSpPr>
+              <p:spPr bwMode="auto">
+                <a:xfrm flipH="1">
+                  <a:off x="4263664" y="2352391"/>
+                  <a:ext cx="563304" cy="530319"/>
+                </a:xfrm>
+                <a:prstGeom prst="line">
+                  <a:avLst/>
+                </a:prstGeom>
+                <a:solidFill>
+                  <a:srgbClr val="CCFFCC"/>
+                </a:solidFill>
+                <a:ln w="12700" cap="flat" cmpd="sng" algn="ctr">
+                  <a:solidFill>
+                    <a:schemeClr val="tx1"/>
+                  </a:solidFill>
+                  <a:prstDash val="solid"/>
+                  <a:round/>
+                  <a:headEnd type="none" w="sm" len="sm"/>
+                  <a:tailEnd type="none" w="sm" len="sm"/>
+                </a:ln>
+                <a:effectLst/>
+              </p:spPr>
+            </p:cxnSp>
+            <p:cxnSp>
+              <p:nvCxnSpPr>
+                <p:cNvPr id="429108" name="Straight Connector 429107">
+                  <a:extLst>
+                    <a:ext uri="{FF2B5EF4-FFF2-40B4-BE49-F238E27FC236}">
+                      <a16:creationId xmlns:a16="http://schemas.microsoft.com/office/drawing/2014/main" id="{FC6AD8A6-3537-376C-EA84-0950BF4F8702}"/>
+                    </a:ext>
+                  </a:extLst>
+                </p:cNvPr>
+                <p:cNvCxnSpPr>
+                  <a:cxnSpLocks/>
+                  <a:stCxn id="52" idx="5"/>
+                  <a:endCxn id="50" idx="1"/>
+                </p:cNvCxnSpPr>
+                <p:nvPr/>
+              </p:nvCxnSpPr>
+              <p:spPr bwMode="auto">
+                <a:xfrm>
+                  <a:off x="3673296" y="1905663"/>
+                  <a:ext cx="434439" cy="293792"/>
+                </a:xfrm>
+                <a:prstGeom prst="line">
+                  <a:avLst/>
+                </a:prstGeom>
+                <a:solidFill>
+                  <a:srgbClr val="CCFFCC"/>
+                </a:solidFill>
+                <a:ln w="12700" cap="flat" cmpd="sng" algn="ctr">
+                  <a:solidFill>
+                    <a:schemeClr val="tx1"/>
+                  </a:solidFill>
+                  <a:prstDash val="dash"/>
+                  <a:round/>
+                  <a:headEnd type="none" w="sm" len="sm"/>
+                  <a:tailEnd type="none" w="sm" len="sm"/>
+                </a:ln>
+                <a:effectLst/>
+              </p:spPr>
+            </p:cxnSp>
+            <p:cxnSp>
+              <p:nvCxnSpPr>
+                <p:cNvPr id="429109" name="Straight Connector 429108">
+                  <a:extLst>
+                    <a:ext uri="{FF2B5EF4-FFF2-40B4-BE49-F238E27FC236}">
+                      <a16:creationId xmlns:a16="http://schemas.microsoft.com/office/drawing/2014/main" id="{2D6BFBB5-B94D-D26E-D819-D072C788254D}"/>
+                    </a:ext>
+                  </a:extLst>
+                </p:cNvPr>
+                <p:cNvCxnSpPr>
+                  <a:cxnSpLocks/>
+                  <a:stCxn id="51" idx="0"/>
+                  <a:endCxn id="52" idx="4"/>
+                </p:cNvCxnSpPr>
+                <p:nvPr/>
+              </p:nvCxnSpPr>
+              <p:spPr bwMode="auto">
+                <a:xfrm flipV="1">
+                  <a:off x="3596828" y="1937337"/>
+                  <a:ext cx="0" cy="1341814"/>
+                </a:xfrm>
+                <a:prstGeom prst="line">
+                  <a:avLst/>
+                </a:prstGeom>
+                <a:solidFill>
+                  <a:srgbClr val="CCFFCC"/>
+                </a:solidFill>
+                <a:ln w="12700" cap="flat" cmpd="sng" algn="ctr">
+                  <a:solidFill>
+                    <a:schemeClr val="tx1"/>
+                  </a:solidFill>
+                  <a:prstDash val="dash"/>
+                  <a:round/>
+                  <a:headEnd type="none" w="sm" len="sm"/>
+                  <a:tailEnd type="none" w="sm" len="sm"/>
+                </a:ln>
+                <a:effectLst/>
+              </p:spPr>
+            </p:cxnSp>
+            <p:cxnSp>
+              <p:nvCxnSpPr>
+                <p:cNvPr id="429110" name="Straight Connector 429109">
+                  <a:extLst>
+                    <a:ext uri="{FF2B5EF4-FFF2-40B4-BE49-F238E27FC236}">
+                      <a16:creationId xmlns:a16="http://schemas.microsoft.com/office/drawing/2014/main" id="{2DDE6A29-4D12-9F16-F87A-93EB14E405A4}"/>
+                    </a:ext>
+                  </a:extLst>
+                </p:cNvPr>
+                <p:cNvCxnSpPr>
+                  <a:cxnSpLocks/>
+                  <a:stCxn id="58" idx="3"/>
+                  <a:endCxn id="429057" idx="7"/>
+                </p:cNvCxnSpPr>
+                <p:nvPr/>
+              </p:nvCxnSpPr>
+              <p:spPr bwMode="auto">
+                <a:xfrm flipH="1">
+                  <a:off x="4979904" y="1905663"/>
+                  <a:ext cx="442196" cy="293792"/>
+                </a:xfrm>
+                <a:prstGeom prst="line">
+                  <a:avLst/>
+                </a:prstGeom>
+                <a:solidFill>
+                  <a:srgbClr val="CCFFCC"/>
+                </a:solidFill>
+                <a:ln w="12700" cap="flat" cmpd="sng" algn="ctr">
+                  <a:solidFill>
+                    <a:schemeClr val="tx1"/>
+                  </a:solidFill>
+                  <a:prstDash val="dash"/>
+                  <a:round/>
+                  <a:headEnd type="none" w="sm" len="sm"/>
+                  <a:tailEnd type="none" w="sm" len="sm"/>
+                </a:ln>
+                <a:effectLst/>
+              </p:spPr>
+            </p:cxnSp>
+            <p:cxnSp>
+              <p:nvCxnSpPr>
+                <p:cNvPr id="429111" name="Straight Connector 429110">
+                  <a:extLst>
+                    <a:ext uri="{FF2B5EF4-FFF2-40B4-BE49-F238E27FC236}">
+                      <a16:creationId xmlns:a16="http://schemas.microsoft.com/office/drawing/2014/main" id="{8FC4B6C4-CC70-5F53-CDE7-E58280E2EE58}"/>
+                    </a:ext>
+                  </a:extLst>
+                </p:cNvPr>
+                <p:cNvCxnSpPr>
+                  <a:cxnSpLocks/>
+                  <a:stCxn id="58" idx="4"/>
+                  <a:endCxn id="429059" idx="0"/>
+                </p:cNvCxnSpPr>
+                <p:nvPr/>
+              </p:nvCxnSpPr>
+              <p:spPr bwMode="auto">
+                <a:xfrm flipH="1">
+                  <a:off x="5493791" y="1937337"/>
+                  <a:ext cx="4777" cy="1337519"/>
+                </a:xfrm>
+                <a:prstGeom prst="line">
+                  <a:avLst/>
+                </a:prstGeom>
+                <a:solidFill>
+                  <a:srgbClr val="CCFFCC"/>
+                </a:solidFill>
+                <a:ln w="12700" cap="flat" cmpd="sng" algn="ctr">
+                  <a:solidFill>
+                    <a:schemeClr val="tx1"/>
+                  </a:solidFill>
+                  <a:prstDash val="dash"/>
+                  <a:round/>
+                  <a:headEnd type="none" w="sm" len="sm"/>
+                  <a:tailEnd type="none" w="sm" len="sm"/>
+                </a:ln>
+                <a:effectLst/>
+              </p:spPr>
+            </p:cxnSp>
+            <p:cxnSp>
+              <p:nvCxnSpPr>
+                <p:cNvPr id="429112" name="Straight Connector 429111">
+                  <a:extLst>
+                    <a:ext uri="{FF2B5EF4-FFF2-40B4-BE49-F238E27FC236}">
+                      <a16:creationId xmlns:a16="http://schemas.microsoft.com/office/drawing/2014/main" id="{6A135A21-0694-ED9D-0461-52ABCD0A5A3B}"/>
+                    </a:ext>
+                  </a:extLst>
+                </p:cNvPr>
+                <p:cNvCxnSpPr>
+                  <a:cxnSpLocks/>
+                  <a:stCxn id="52" idx="6"/>
+                </p:cNvCxnSpPr>
+                <p:nvPr/>
+              </p:nvCxnSpPr>
+              <p:spPr bwMode="auto">
+                <a:xfrm flipV="1">
+                  <a:off x="3704970" y="1826964"/>
+                  <a:ext cx="1681831" cy="2231"/>
+                </a:xfrm>
+                <a:prstGeom prst="line">
+                  <a:avLst/>
+                </a:prstGeom>
+                <a:solidFill>
+                  <a:srgbClr val="CCFFCC"/>
+                </a:solidFill>
+                <a:ln w="12700" cap="flat" cmpd="sng" algn="ctr">
+                  <a:solidFill>
+                    <a:schemeClr val="tx1"/>
+                  </a:solidFill>
+                  <a:prstDash val="dash"/>
+                  <a:round/>
+                  <a:headEnd type="none" w="sm" len="sm"/>
+                  <a:tailEnd type="none" w="sm" len="sm"/>
+                </a:ln>
+                <a:effectLst/>
+              </p:spPr>
+            </p:cxnSp>
+            <p:cxnSp>
+              <p:nvCxnSpPr>
+                <p:cNvPr id="429113" name="Straight Connector 429112">
+                  <a:extLst>
+                    <a:ext uri="{FF2B5EF4-FFF2-40B4-BE49-F238E27FC236}">
+                      <a16:creationId xmlns:a16="http://schemas.microsoft.com/office/drawing/2014/main" id="{F9B0124B-B6EC-2330-32B3-E80EC5C6E7AF}"/>
+                    </a:ext>
+                  </a:extLst>
+                </p:cNvPr>
+                <p:cNvCxnSpPr>
+                  <a:cxnSpLocks/>
+                  <a:stCxn id="429057" idx="2"/>
+                  <a:endCxn id="50" idx="6"/>
+                </p:cNvCxnSpPr>
+                <p:nvPr/>
+              </p:nvCxnSpPr>
+              <p:spPr bwMode="auto">
+                <a:xfrm flipH="1">
+                  <a:off x="4292345" y="2275923"/>
+                  <a:ext cx="502949" cy="0"/>
+                </a:xfrm>
+                <a:prstGeom prst="line">
+                  <a:avLst/>
+                </a:prstGeom>
+                <a:solidFill>
+                  <a:srgbClr val="CCFFCC"/>
+                </a:solidFill>
+                <a:ln w="12700" cap="flat" cmpd="sng" algn="ctr">
+                  <a:solidFill>
+                    <a:schemeClr val="tx1"/>
+                  </a:solidFill>
+                  <a:prstDash val="dash"/>
+                  <a:round/>
+                  <a:headEnd type="none" w="sm" len="sm"/>
+                  <a:tailEnd type="none" w="sm" len="sm"/>
+                </a:ln>
+                <a:effectLst/>
+              </p:spPr>
+            </p:cxnSp>
+            <p:cxnSp>
+              <p:nvCxnSpPr>
+                <p:cNvPr id="429114" name="Straight Connector 429113">
+                  <a:extLst>
+                    <a:ext uri="{FF2B5EF4-FFF2-40B4-BE49-F238E27FC236}">
+                      <a16:creationId xmlns:a16="http://schemas.microsoft.com/office/drawing/2014/main" id="{CE821648-7864-22A9-5C8C-0B52AAC20705}"/>
+                    </a:ext>
+                  </a:extLst>
+                </p:cNvPr>
+                <p:cNvCxnSpPr>
+                  <a:cxnSpLocks/>
+                  <a:stCxn id="51" idx="6"/>
+                  <a:endCxn id="429059" idx="2"/>
+                </p:cNvCxnSpPr>
+                <p:nvPr/>
+              </p:nvCxnSpPr>
+              <p:spPr bwMode="auto">
+                <a:xfrm flipV="1">
+                  <a:off x="3704970" y="3382998"/>
+                  <a:ext cx="1680679" cy="4295"/>
+                </a:xfrm>
+                <a:prstGeom prst="line">
+                  <a:avLst/>
+                </a:prstGeom>
+                <a:solidFill>
+                  <a:srgbClr val="CCFFCC"/>
+                </a:solidFill>
+                <a:ln w="12700" cap="flat" cmpd="sng" algn="ctr">
+                  <a:solidFill>
+                    <a:schemeClr val="tx1"/>
+                  </a:solidFill>
+                  <a:prstDash val="dash"/>
+                  <a:round/>
+                  <a:headEnd type="none" w="sm" len="sm"/>
+                  <a:tailEnd type="none" w="sm" len="sm"/>
+                </a:ln>
+                <a:effectLst/>
+              </p:spPr>
+            </p:cxnSp>
+          </p:grpSp>
+          <p:grpSp>
+            <p:nvGrpSpPr>
+              <p:cNvPr id="429154" name="Group 429153">
+                <a:extLst>
+                  <a:ext uri="{FF2B5EF4-FFF2-40B4-BE49-F238E27FC236}">
+                    <a16:creationId xmlns:a16="http://schemas.microsoft.com/office/drawing/2014/main" id="{FAB59427-7F52-FBF2-6587-62CCA7B51CC2}"/>
+                  </a:ext>
+                </a:extLst>
+              </p:cNvPr>
+              <p:cNvGrpSpPr/>
+              <p:nvPr/>
+            </p:nvGrpSpPr>
+            <p:grpSpPr>
+              <a:xfrm>
+                <a:off x="6738550" y="1721053"/>
+                <a:ext cx="2118024" cy="1774382"/>
+                <a:chOff x="6738550" y="1721053"/>
+                <a:chExt cx="2118024" cy="1774382"/>
+              </a:xfrm>
+            </p:grpSpPr>
+            <p:sp>
+              <p:nvSpPr>
+                <p:cNvPr id="429129" name="Oval 429128">
+                  <a:extLst>
+                    <a:ext uri="{FF2B5EF4-FFF2-40B4-BE49-F238E27FC236}">
+                      <a16:creationId xmlns:a16="http://schemas.microsoft.com/office/drawing/2014/main" id="{78569222-B618-5302-ABF5-6BAF7AD3B32A}"/>
+                    </a:ext>
+                  </a:extLst>
+                </p:cNvPr>
+                <p:cNvSpPr/>
+                <p:nvPr/>
+              </p:nvSpPr>
+              <p:spPr bwMode="auto">
+                <a:xfrm>
+                  <a:off x="7325925" y="2167781"/>
+                  <a:ext cx="216284" cy="216284"/>
+                </a:xfrm>
+                <a:prstGeom prst="ellipse">
+                  <a:avLst/>
+                </a:prstGeom>
+                <a:solidFill>
+                  <a:srgbClr val="CCFFCC"/>
+                </a:solidFill>
+                <a:ln w="12700" cap="flat" cmpd="sng" algn="ctr">
+                  <a:solidFill>
+                    <a:schemeClr val="tx1"/>
+                  </a:solidFill>
+                  <a:prstDash val="solid"/>
+                  <a:round/>
+                  <a:headEnd type="none" w="sm" len="sm"/>
+                  <a:tailEnd type="none" w="sm" len="sm"/>
+                </a:ln>
+                <a:effectLst/>
+              </p:spPr>
+              <p:txBody>
+                <a:bodyPr vert="horz" wrap="square" lIns="91440" tIns="45720" rIns="91440" bIns="45720" numCol="1" rtlCol="0" anchor="ctr" anchorCtr="0" compatLnSpc="1">
+                  <a:prstTxWarp prst="textNoShape">
+                    <a:avLst/>
+                  </a:prstTxWarp>
+                </a:bodyPr>
+                <a:lstStyle/>
+                <a:p>
+                  <a:pPr marL="0" marR="0" indent="0" algn="ctr" defTabSz="914400" rtl="0" eaLnBrk="0" fontAlgn="base" latinLnBrk="0" hangingPunct="0">
+                    <a:lnSpc>
+                      <a:spcPct val="100000"/>
+                    </a:lnSpc>
+                    <a:spcBef>
+                      <a:spcPct val="0"/>
+                    </a:spcBef>
+                    <a:spcAft>
+                      <a:spcPct val="0"/>
+                    </a:spcAft>
+                    <a:buClrTx/>
+                    <a:buSzTx/>
+                    <a:buFontTx/>
+                    <a:buNone/>
+                    <a:tabLst/>
+                  </a:pPr>
+                  <a:r>
+                    <a:rPr kumimoji="0" lang="en-US" sz="1200" b="0" i="1" u="none" strike="noStrike" cap="none" normalizeH="0" baseline="0" dirty="0">
+                      <a:ln>
+                        <a:noFill/>
+                      </a:ln>
+                      <a:solidFill>
+                        <a:schemeClr val="tx2"/>
+                      </a:solidFill>
+                      <a:effectLst/>
+                      <a:latin typeface="Verdana" panose="020B0604030504040204" pitchFamily="34" charset="0"/>
+                      <a:ea typeface="Verdana" panose="020B0604030504040204" pitchFamily="34" charset="0"/>
+                      <a:cs typeface="Verdana" panose="020B0604030504040204" pitchFamily="34" charset="0"/>
+                    </a:rPr>
+                    <a:t>b</a:t>
+                  </a:r>
+                </a:p>
+              </p:txBody>
+            </p:sp>
+            <p:sp>
+              <p:nvSpPr>
+                <p:cNvPr id="429130" name="Oval 429129">
+                  <a:extLst>
+                    <a:ext uri="{FF2B5EF4-FFF2-40B4-BE49-F238E27FC236}">
+                      <a16:creationId xmlns:a16="http://schemas.microsoft.com/office/drawing/2014/main" id="{02116CA1-60EA-1607-3A2D-D368E28EF390}"/>
+                    </a:ext>
+                  </a:extLst>
+                </p:cNvPr>
+                <p:cNvSpPr/>
+                <p:nvPr/>
+              </p:nvSpPr>
+              <p:spPr bwMode="auto">
+                <a:xfrm>
+                  <a:off x="6738550" y="3279151"/>
+                  <a:ext cx="216284" cy="216284"/>
+                </a:xfrm>
+                <a:prstGeom prst="ellipse">
+                  <a:avLst/>
+                </a:prstGeom>
+                <a:solidFill>
+                  <a:srgbClr val="CCFFCC"/>
+                </a:solidFill>
+                <a:ln w="12700" cap="flat" cmpd="sng" algn="ctr">
+                  <a:solidFill>
+                    <a:schemeClr val="tx1"/>
+                  </a:solidFill>
+                  <a:prstDash val="solid"/>
+                  <a:round/>
+                  <a:headEnd type="none" w="sm" len="sm"/>
+                  <a:tailEnd type="none" w="sm" len="sm"/>
+                </a:ln>
+                <a:effectLst/>
+              </p:spPr>
+              <p:txBody>
+                <a:bodyPr vert="horz" wrap="square" lIns="91440" tIns="45720" rIns="91440" bIns="45720" numCol="1" rtlCol="0" anchor="ctr" anchorCtr="0" compatLnSpc="1">
+                  <a:prstTxWarp prst="textNoShape">
+                    <a:avLst/>
+                  </a:prstTxWarp>
+                </a:bodyPr>
+                <a:lstStyle/>
+                <a:p>
+                  <a:pPr marL="0" marR="0" indent="0" algn="ctr" defTabSz="914400" rtl="0" eaLnBrk="0" fontAlgn="base" latinLnBrk="0" hangingPunct="0">
+                    <a:lnSpc>
+                      <a:spcPct val="100000"/>
+                    </a:lnSpc>
+                    <a:spcBef>
+                      <a:spcPct val="0"/>
+                    </a:spcBef>
+                    <a:spcAft>
+                      <a:spcPct val="0"/>
+                    </a:spcAft>
+                    <a:buClrTx/>
+                    <a:buSzTx/>
+                    <a:buFontTx/>
+                    <a:buNone/>
+                    <a:tabLst/>
+                  </a:pPr>
+                  <a:r>
+                    <a:rPr kumimoji="0" lang="en-US" sz="1200" b="0" i="1" u="none" strike="noStrike" cap="none" normalizeH="0" baseline="0" dirty="0">
+                      <a:ln>
+                        <a:noFill/>
+                      </a:ln>
+                      <a:solidFill>
+                        <a:schemeClr val="tx2"/>
+                      </a:solidFill>
+                      <a:effectLst/>
+                      <a:latin typeface="Verdana" panose="020B0604030504040204" pitchFamily="34" charset="0"/>
+                      <a:ea typeface="Verdana" panose="020B0604030504040204" pitchFamily="34" charset="0"/>
+                      <a:cs typeface="Verdana" panose="020B0604030504040204" pitchFamily="34" charset="0"/>
+                    </a:rPr>
+                    <a:t>c</a:t>
+                  </a:r>
+                </a:p>
+              </p:txBody>
+            </p:sp>
+            <p:sp>
+              <p:nvSpPr>
+                <p:cNvPr id="429131" name="Oval 429130">
+                  <a:extLst>
+                    <a:ext uri="{FF2B5EF4-FFF2-40B4-BE49-F238E27FC236}">
+                      <a16:creationId xmlns:a16="http://schemas.microsoft.com/office/drawing/2014/main" id="{352CCC3A-4038-6F69-D760-247A0C800E10}"/>
+                    </a:ext>
+                  </a:extLst>
+                </p:cNvPr>
+                <p:cNvSpPr/>
+                <p:nvPr/>
+              </p:nvSpPr>
+              <p:spPr bwMode="auto">
+                <a:xfrm>
+                  <a:off x="6738550" y="1721053"/>
+                  <a:ext cx="216284" cy="216284"/>
+                </a:xfrm>
+                <a:prstGeom prst="ellipse">
+                  <a:avLst/>
+                </a:prstGeom>
+                <a:solidFill>
+                  <a:srgbClr val="CCFFCC"/>
+                </a:solidFill>
+                <a:ln w="12700" cap="flat" cmpd="sng" algn="ctr">
+                  <a:solidFill>
+                    <a:schemeClr val="tx1"/>
+                  </a:solidFill>
+                  <a:prstDash val="solid"/>
+                  <a:round/>
+                  <a:headEnd type="none" w="sm" len="sm"/>
+                  <a:tailEnd type="none" w="sm" len="sm"/>
+                </a:ln>
+                <a:effectLst/>
+              </p:spPr>
+              <p:txBody>
+                <a:bodyPr vert="horz" wrap="square" lIns="91440" tIns="45720" rIns="91440" bIns="45720" numCol="1" rtlCol="0" anchor="ctr" anchorCtr="0" compatLnSpc="1">
+                  <a:prstTxWarp prst="textNoShape">
+                    <a:avLst/>
+                  </a:prstTxWarp>
+                </a:bodyPr>
+                <a:lstStyle/>
+                <a:p>
+                  <a:pPr marL="0" marR="0" indent="0" algn="ctr" defTabSz="914400" rtl="0" eaLnBrk="0" fontAlgn="base" latinLnBrk="0" hangingPunct="0">
+                    <a:lnSpc>
+                      <a:spcPct val="100000"/>
+                    </a:lnSpc>
+                    <a:spcBef>
+                      <a:spcPct val="0"/>
+                    </a:spcBef>
+                    <a:spcAft>
+                      <a:spcPct val="0"/>
+                    </a:spcAft>
+                    <a:buClrTx/>
+                    <a:buSzTx/>
+                    <a:buFontTx/>
+                    <a:buNone/>
+                    <a:tabLst/>
+                  </a:pPr>
+                  <a:r>
+                    <a:rPr kumimoji="0" lang="en-US" sz="1200" b="0" i="1" u="none" strike="noStrike" cap="none" normalizeH="0" baseline="0" dirty="0">
+                      <a:ln>
+                        <a:noFill/>
+                      </a:ln>
+                      <a:solidFill>
+                        <a:schemeClr val="tx2"/>
+                      </a:solidFill>
+                      <a:effectLst/>
+                      <a:latin typeface="Verdana" panose="020B0604030504040204" pitchFamily="34" charset="0"/>
+                      <a:ea typeface="Verdana" panose="020B0604030504040204" pitchFamily="34" charset="0"/>
+                      <a:cs typeface="Verdana" panose="020B0604030504040204" pitchFamily="34" charset="0"/>
+                    </a:rPr>
+                    <a:t>a</a:t>
+                  </a:r>
+                </a:p>
+              </p:txBody>
+            </p:sp>
+            <p:sp>
+              <p:nvSpPr>
+                <p:cNvPr id="429132" name="Oval 429131">
+                  <a:extLst>
+                    <a:ext uri="{FF2B5EF4-FFF2-40B4-BE49-F238E27FC236}">
+                      <a16:creationId xmlns:a16="http://schemas.microsoft.com/office/drawing/2014/main" id="{B828EEE4-5F67-8F5B-613A-5FF4538D4866}"/>
+                    </a:ext>
+                  </a:extLst>
+                </p:cNvPr>
+                <p:cNvSpPr/>
+                <p:nvPr/>
+              </p:nvSpPr>
+              <p:spPr bwMode="auto">
+                <a:xfrm>
+                  <a:off x="7328918" y="2851036"/>
+                  <a:ext cx="216284" cy="216284"/>
+                </a:xfrm>
+                <a:prstGeom prst="ellipse">
+                  <a:avLst/>
+                </a:prstGeom>
+                <a:solidFill>
+                  <a:srgbClr val="CCFFCC"/>
+                </a:solidFill>
+                <a:ln w="12700" cap="flat" cmpd="sng" algn="ctr">
+                  <a:solidFill>
+                    <a:schemeClr val="tx1"/>
+                  </a:solidFill>
+                  <a:prstDash val="solid"/>
+                  <a:round/>
+                  <a:headEnd type="none" w="sm" len="sm"/>
+                  <a:tailEnd type="none" w="sm" len="sm"/>
+                </a:ln>
+                <a:effectLst/>
+              </p:spPr>
+              <p:txBody>
+                <a:bodyPr vert="horz" wrap="square" lIns="91440" tIns="45720" rIns="91440" bIns="45720" numCol="1" rtlCol="0" anchor="ctr" anchorCtr="0" compatLnSpc="1">
+                  <a:prstTxWarp prst="textNoShape">
+                    <a:avLst/>
+                  </a:prstTxWarp>
+                </a:bodyPr>
+                <a:lstStyle/>
+                <a:p>
+                  <a:pPr marL="0" marR="0" indent="0" algn="ctr" defTabSz="914400" rtl="0" eaLnBrk="0" fontAlgn="base" latinLnBrk="0" hangingPunct="0">
+                    <a:lnSpc>
+                      <a:spcPct val="100000"/>
+                    </a:lnSpc>
+                    <a:spcBef>
+                      <a:spcPct val="0"/>
+                    </a:spcBef>
+                    <a:spcAft>
+                      <a:spcPct val="0"/>
+                    </a:spcAft>
+                    <a:buClrTx/>
+                    <a:buSzTx/>
+                    <a:buFontTx/>
+                    <a:buNone/>
+                    <a:tabLst/>
+                  </a:pPr>
+                  <a:r>
+                    <a:rPr lang="en-US" sz="1200" i="1" dirty="0">
+                      <a:latin typeface="Verdana" panose="020B0604030504040204" pitchFamily="34" charset="0"/>
+                      <a:ea typeface="Verdana" panose="020B0604030504040204" pitchFamily="34" charset="0"/>
+                      <a:cs typeface="Verdana" panose="020B0604030504040204" pitchFamily="34" charset="0"/>
+                    </a:rPr>
+                    <a:t>d</a:t>
+                  </a:r>
+                  <a:endParaRPr kumimoji="0" lang="en-US" sz="1200" b="0" i="1" u="none" strike="noStrike" cap="none" normalizeH="0" baseline="0" dirty="0">
+                    <a:ln>
+                      <a:noFill/>
+                    </a:ln>
+                    <a:solidFill>
+                      <a:schemeClr val="tx2"/>
+                    </a:solidFill>
+                    <a:effectLst/>
+                    <a:latin typeface="Verdana" panose="020B0604030504040204" pitchFamily="34" charset="0"/>
+                    <a:ea typeface="Verdana" panose="020B0604030504040204" pitchFamily="34" charset="0"/>
+                    <a:cs typeface="Verdana" panose="020B0604030504040204" pitchFamily="34" charset="0"/>
+                  </a:endParaRPr>
+                </a:p>
+              </p:txBody>
+            </p:sp>
+            <p:cxnSp>
+              <p:nvCxnSpPr>
+                <p:cNvPr id="429133" name="Straight Connector 429132">
+                  <a:extLst>
+                    <a:ext uri="{FF2B5EF4-FFF2-40B4-BE49-F238E27FC236}">
+                      <a16:creationId xmlns:a16="http://schemas.microsoft.com/office/drawing/2014/main" id="{6704A9BC-8F9B-3086-C409-9B7FC72E26FD}"/>
+                    </a:ext>
+                  </a:extLst>
+                </p:cNvPr>
+                <p:cNvCxnSpPr>
+                  <a:cxnSpLocks/>
+                  <a:stCxn id="429132" idx="3"/>
+                  <a:endCxn id="429130" idx="7"/>
+                </p:cNvCxnSpPr>
+                <p:nvPr/>
+              </p:nvCxnSpPr>
+              <p:spPr bwMode="auto">
+                <a:xfrm flipH="1">
+                  <a:off x="6923160" y="3035646"/>
+                  <a:ext cx="437432" cy="275179"/>
+                </a:xfrm>
+                <a:prstGeom prst="line">
+                  <a:avLst/>
+                </a:prstGeom>
+                <a:solidFill>
+                  <a:srgbClr val="CCFFCC"/>
+                </a:solidFill>
+                <a:ln w="12700" cap="flat" cmpd="sng" algn="ctr">
+                  <a:solidFill>
+                    <a:schemeClr val="tx1"/>
+                  </a:solidFill>
+                  <a:prstDash val="dash"/>
+                  <a:round/>
+                  <a:headEnd type="none" w="sm" len="sm"/>
+                  <a:tailEnd type="none" w="sm" len="sm"/>
+                </a:ln>
+                <a:effectLst/>
+              </p:spPr>
+            </p:cxnSp>
+            <p:cxnSp>
+              <p:nvCxnSpPr>
+                <p:cNvPr id="429134" name="Straight Connector 429133">
+                  <a:extLst>
+                    <a:ext uri="{FF2B5EF4-FFF2-40B4-BE49-F238E27FC236}">
+                      <a16:creationId xmlns:a16="http://schemas.microsoft.com/office/drawing/2014/main" id="{8A056EB7-D37E-8462-AA78-179BB59F22BC}"/>
+                    </a:ext>
+                  </a:extLst>
+                </p:cNvPr>
+                <p:cNvCxnSpPr>
+                  <a:cxnSpLocks/>
+                  <a:stCxn id="429129" idx="4"/>
+                  <a:endCxn id="429132" idx="0"/>
+                </p:cNvCxnSpPr>
+                <p:nvPr/>
+              </p:nvCxnSpPr>
+              <p:spPr bwMode="auto">
+                <a:xfrm>
+                  <a:off x="7434067" y="2384065"/>
+                  <a:ext cx="2993" cy="466971"/>
+                </a:xfrm>
+                <a:prstGeom prst="line">
+                  <a:avLst/>
+                </a:prstGeom>
+                <a:solidFill>
+                  <a:srgbClr val="CCFFCC"/>
+                </a:solidFill>
+                <a:ln w="44450" cap="flat" cmpd="sng" algn="ctr">
+                  <a:solidFill>
+                    <a:srgbClr val="00B050"/>
+                  </a:solidFill>
+                  <a:prstDash val="solid"/>
+                  <a:round/>
+                  <a:headEnd type="none" w="sm" len="sm"/>
+                  <a:tailEnd type="none" w="sm" len="sm"/>
+                </a:ln>
+                <a:effectLst/>
+              </p:spPr>
+            </p:cxnSp>
+            <p:sp>
+              <p:nvSpPr>
+                <p:cNvPr id="429135" name="Oval 429134">
+                  <a:extLst>
+                    <a:ext uri="{FF2B5EF4-FFF2-40B4-BE49-F238E27FC236}">
+                      <a16:creationId xmlns:a16="http://schemas.microsoft.com/office/drawing/2014/main" id="{7B2C7F49-B3B4-CA5A-7330-82940CE84204}"/>
+                    </a:ext>
+                  </a:extLst>
+                </p:cNvPr>
+                <p:cNvSpPr/>
+                <p:nvPr/>
+              </p:nvSpPr>
+              <p:spPr bwMode="auto">
+                <a:xfrm>
+                  <a:off x="8640290" y="1721053"/>
+                  <a:ext cx="216284" cy="216284"/>
+                </a:xfrm>
+                <a:prstGeom prst="ellipse">
+                  <a:avLst/>
+                </a:prstGeom>
+                <a:solidFill>
+                  <a:srgbClr val="CCFFCC"/>
+                </a:solidFill>
+                <a:ln w="12700" cap="flat" cmpd="sng" algn="ctr">
+                  <a:solidFill>
+                    <a:schemeClr val="tx1"/>
+                  </a:solidFill>
+                  <a:prstDash val="solid"/>
+                  <a:round/>
+                  <a:headEnd type="none" w="sm" len="sm"/>
+                  <a:tailEnd type="none" w="sm" len="sm"/>
+                </a:ln>
+                <a:effectLst/>
+              </p:spPr>
+              <p:txBody>
+                <a:bodyPr vert="horz" wrap="square" lIns="91440" tIns="45720" rIns="91440" bIns="45720" numCol="1" rtlCol="0" anchor="ctr" anchorCtr="0" compatLnSpc="1">
+                  <a:prstTxWarp prst="textNoShape">
+                    <a:avLst/>
+                  </a:prstTxWarp>
+                </a:bodyPr>
+                <a:lstStyle/>
+                <a:p>
+                  <a:pPr marL="0" marR="0" indent="0" algn="ctr" defTabSz="914400" rtl="0" eaLnBrk="0" fontAlgn="base" latinLnBrk="0" hangingPunct="0">
+                    <a:lnSpc>
+                      <a:spcPct val="100000"/>
+                    </a:lnSpc>
+                    <a:spcBef>
+                      <a:spcPct val="0"/>
+                    </a:spcBef>
+                    <a:spcAft>
+                      <a:spcPct val="0"/>
+                    </a:spcAft>
+                    <a:buClrTx/>
+                    <a:buSzTx/>
+                    <a:buFontTx/>
+                    <a:buNone/>
+                    <a:tabLst/>
+                  </a:pPr>
+                  <a:r>
+                    <a:rPr kumimoji="0" lang="en-US" sz="1200" b="0" i="1" u="none" strike="noStrike" cap="none" normalizeH="0" baseline="0" dirty="0">
+                      <a:ln>
+                        <a:noFill/>
+                      </a:ln>
+                      <a:solidFill>
+                        <a:schemeClr val="tx2"/>
+                      </a:solidFill>
+                      <a:effectLst/>
+                      <a:latin typeface="Verdana" panose="020B0604030504040204" pitchFamily="34" charset="0"/>
+                      <a:ea typeface="Verdana" panose="020B0604030504040204" pitchFamily="34" charset="0"/>
+                      <a:cs typeface="Verdana" panose="020B0604030504040204" pitchFamily="34" charset="0"/>
+                    </a:rPr>
+                    <a:t>f</a:t>
+                  </a:r>
+                </a:p>
+              </p:txBody>
+            </p:sp>
+            <p:sp>
+              <p:nvSpPr>
+                <p:cNvPr id="429136" name="Oval 429135">
+                  <a:extLst>
+                    <a:ext uri="{FF2B5EF4-FFF2-40B4-BE49-F238E27FC236}">
+                      <a16:creationId xmlns:a16="http://schemas.microsoft.com/office/drawing/2014/main" id="{F87340E1-0AEB-AB93-30A6-18728D65EE2A}"/>
+                    </a:ext>
+                  </a:extLst>
+                </p:cNvPr>
+                <p:cNvSpPr/>
+                <p:nvPr/>
+              </p:nvSpPr>
+              <p:spPr bwMode="auto">
+                <a:xfrm>
+                  <a:off x="8035835" y="2851036"/>
+                  <a:ext cx="216284" cy="216284"/>
+                </a:xfrm>
+                <a:prstGeom prst="ellipse">
+                  <a:avLst/>
+                </a:prstGeom>
+                <a:solidFill>
+                  <a:srgbClr val="CCFFCC"/>
+                </a:solidFill>
+                <a:ln w="12700" cap="flat" cmpd="sng" algn="ctr">
+                  <a:solidFill>
+                    <a:schemeClr val="tx1"/>
+                  </a:solidFill>
+                  <a:prstDash val="solid"/>
+                  <a:round/>
+                  <a:headEnd type="none" w="sm" len="sm"/>
+                  <a:tailEnd type="none" w="sm" len="sm"/>
+                </a:ln>
+                <a:effectLst/>
+              </p:spPr>
+              <p:txBody>
+                <a:bodyPr vert="horz" wrap="square" lIns="91440" tIns="45720" rIns="91440" bIns="45720" numCol="1" rtlCol="0" anchor="ctr" anchorCtr="0" compatLnSpc="1">
+                  <a:prstTxWarp prst="textNoShape">
+                    <a:avLst/>
+                  </a:prstTxWarp>
+                </a:bodyPr>
+                <a:lstStyle/>
+                <a:p>
+                  <a:pPr marL="0" marR="0" indent="0" algn="ctr" defTabSz="914400" rtl="0" eaLnBrk="0" fontAlgn="base" latinLnBrk="0" hangingPunct="0">
+                    <a:lnSpc>
+                      <a:spcPct val="100000"/>
+                    </a:lnSpc>
+                    <a:spcBef>
+                      <a:spcPct val="0"/>
+                    </a:spcBef>
+                    <a:spcAft>
+                      <a:spcPct val="0"/>
+                    </a:spcAft>
+                    <a:buClrTx/>
+                    <a:buSzTx/>
+                    <a:buFontTx/>
+                    <a:buNone/>
+                    <a:tabLst/>
+                  </a:pPr>
+                  <a:r>
+                    <a:rPr kumimoji="0" lang="en-US" sz="1200" b="0" i="1" u="none" strike="noStrike" cap="none" normalizeH="0" baseline="0" dirty="0">
+                      <a:ln>
+                        <a:noFill/>
+                      </a:ln>
+                      <a:solidFill>
+                        <a:schemeClr val="tx2"/>
+                      </a:solidFill>
+                      <a:effectLst/>
+                      <a:latin typeface="Verdana" panose="020B0604030504040204" pitchFamily="34" charset="0"/>
+                      <a:ea typeface="Verdana" panose="020B0604030504040204" pitchFamily="34" charset="0"/>
+                      <a:cs typeface="Verdana" panose="020B0604030504040204" pitchFamily="34" charset="0"/>
+                    </a:rPr>
+                    <a:t>g</a:t>
+                  </a:r>
+                </a:p>
+              </p:txBody>
+            </p:sp>
+            <p:cxnSp>
+              <p:nvCxnSpPr>
+                <p:cNvPr id="429137" name="Straight Connector 429136">
+                  <a:extLst>
+                    <a:ext uri="{FF2B5EF4-FFF2-40B4-BE49-F238E27FC236}">
+                      <a16:creationId xmlns:a16="http://schemas.microsoft.com/office/drawing/2014/main" id="{C0EA51A7-0089-25DC-5441-B987E7257FA4}"/>
+                    </a:ext>
+                  </a:extLst>
+                </p:cNvPr>
+                <p:cNvCxnSpPr>
+                  <a:cxnSpLocks/>
+                  <a:stCxn id="429136" idx="5"/>
+                  <a:endCxn id="429141" idx="1"/>
+                </p:cNvCxnSpPr>
+                <p:nvPr/>
+              </p:nvCxnSpPr>
+              <p:spPr bwMode="auto">
+                <a:xfrm>
+                  <a:off x="8220445" y="3035646"/>
+                  <a:ext cx="446742" cy="270884"/>
+                </a:xfrm>
+                <a:prstGeom prst="line">
+                  <a:avLst/>
+                </a:prstGeom>
+                <a:solidFill>
+                  <a:srgbClr val="CCFFCC"/>
+                </a:solidFill>
+                <a:ln w="12700" cap="flat" cmpd="sng" algn="ctr">
+                  <a:solidFill>
+                    <a:schemeClr val="tx1"/>
+                  </a:solidFill>
+                  <a:prstDash val="dash"/>
+                  <a:round/>
+                  <a:headEnd type="none" w="sm" len="sm"/>
+                  <a:tailEnd type="none" w="sm" len="sm"/>
+                </a:ln>
+                <a:effectLst/>
+              </p:spPr>
+            </p:cxnSp>
+            <p:cxnSp>
+              <p:nvCxnSpPr>
+                <p:cNvPr id="429138" name="Straight Connector 429137">
+                  <a:extLst>
+                    <a:ext uri="{FF2B5EF4-FFF2-40B4-BE49-F238E27FC236}">
+                      <a16:creationId xmlns:a16="http://schemas.microsoft.com/office/drawing/2014/main" id="{E3439D12-0AAB-2916-4A6C-2A9B223486A4}"/>
+                    </a:ext>
+                  </a:extLst>
+                </p:cNvPr>
+                <p:cNvCxnSpPr>
+                  <a:cxnSpLocks/>
+                </p:cNvCxnSpPr>
+                <p:nvPr/>
+              </p:nvCxnSpPr>
+              <p:spPr bwMode="auto">
+                <a:xfrm flipH="1">
+                  <a:off x="7545202" y="2959178"/>
+                  <a:ext cx="490633" cy="0"/>
+                </a:xfrm>
+                <a:prstGeom prst="line">
+                  <a:avLst/>
+                </a:prstGeom>
+                <a:solidFill>
+                  <a:srgbClr val="CCFFCC"/>
+                </a:solidFill>
+                <a:ln w="12700" cap="flat" cmpd="sng" algn="ctr">
+                  <a:solidFill>
+                    <a:schemeClr val="tx1"/>
+                  </a:solidFill>
+                  <a:prstDash val="dash"/>
+                  <a:round/>
+                  <a:headEnd type="none" w="sm" len="sm"/>
+                  <a:tailEnd type="none" w="sm" len="sm"/>
+                </a:ln>
+                <a:effectLst/>
+              </p:spPr>
+            </p:cxnSp>
+            <p:cxnSp>
+              <p:nvCxnSpPr>
+                <p:cNvPr id="429139" name="Straight Connector 429138">
+                  <a:extLst>
+                    <a:ext uri="{FF2B5EF4-FFF2-40B4-BE49-F238E27FC236}">
+                      <a16:creationId xmlns:a16="http://schemas.microsoft.com/office/drawing/2014/main" id="{A7B8C755-4B70-051A-698D-D0953C068D91}"/>
+                    </a:ext>
+                  </a:extLst>
+                </p:cNvPr>
+                <p:cNvCxnSpPr>
+                  <a:cxnSpLocks/>
+                  <a:stCxn id="429136" idx="0"/>
+                  <a:endCxn id="429140" idx="4"/>
+                </p:cNvCxnSpPr>
+                <p:nvPr/>
+              </p:nvCxnSpPr>
+              <p:spPr bwMode="auto">
+                <a:xfrm flipV="1">
+                  <a:off x="8143977" y="2384065"/>
+                  <a:ext cx="9323" cy="466971"/>
+                </a:xfrm>
+                <a:prstGeom prst="line">
+                  <a:avLst/>
+                </a:prstGeom>
+                <a:solidFill>
+                  <a:srgbClr val="CCFFCC"/>
+                </a:solidFill>
+                <a:ln w="44450" cap="flat" cmpd="sng" algn="ctr">
+                  <a:solidFill>
+                    <a:srgbClr val="00B050"/>
+                  </a:solidFill>
+                  <a:prstDash val="solid"/>
+                  <a:round/>
+                  <a:headEnd type="none" w="sm" len="sm"/>
+                  <a:tailEnd type="none" w="sm" len="sm"/>
+                </a:ln>
+                <a:effectLst/>
+              </p:spPr>
+            </p:cxnSp>
+            <p:sp>
+              <p:nvSpPr>
+                <p:cNvPr id="429140" name="Oval 429139">
+                  <a:extLst>
+                    <a:ext uri="{FF2B5EF4-FFF2-40B4-BE49-F238E27FC236}">
+                      <a16:creationId xmlns:a16="http://schemas.microsoft.com/office/drawing/2014/main" id="{CC50407A-964D-32BA-557C-6882BF30977F}"/>
+                    </a:ext>
+                  </a:extLst>
+                </p:cNvPr>
+                <p:cNvSpPr/>
+                <p:nvPr/>
+              </p:nvSpPr>
+              <p:spPr bwMode="auto">
+                <a:xfrm>
+                  <a:off x="8045158" y="2167781"/>
+                  <a:ext cx="216284" cy="216284"/>
+                </a:xfrm>
+                <a:prstGeom prst="ellipse">
+                  <a:avLst/>
+                </a:prstGeom>
+                <a:solidFill>
+                  <a:srgbClr val="CCFFCC"/>
+                </a:solidFill>
+                <a:ln w="12700" cap="flat" cmpd="sng" algn="ctr">
+                  <a:solidFill>
+                    <a:schemeClr val="tx1"/>
+                  </a:solidFill>
+                  <a:prstDash val="solid"/>
+                  <a:round/>
+                  <a:headEnd type="none" w="sm" len="sm"/>
+                  <a:tailEnd type="none" w="sm" len="sm"/>
+                </a:ln>
+                <a:effectLst/>
+              </p:spPr>
+              <p:txBody>
+                <a:bodyPr vert="horz" wrap="square" lIns="91440" tIns="45720" rIns="91440" bIns="45720" numCol="1" rtlCol="0" anchor="ctr" anchorCtr="0" compatLnSpc="1">
+                  <a:prstTxWarp prst="textNoShape">
+                    <a:avLst/>
+                  </a:prstTxWarp>
+                </a:bodyPr>
+                <a:lstStyle/>
+                <a:p>
+                  <a:pPr marL="0" marR="0" indent="0" algn="ctr" defTabSz="914400" rtl="0" eaLnBrk="0" fontAlgn="base" latinLnBrk="0" hangingPunct="0">
+                    <a:lnSpc>
+                      <a:spcPct val="100000"/>
+                    </a:lnSpc>
+                    <a:spcBef>
+                      <a:spcPct val="0"/>
+                    </a:spcBef>
+                    <a:spcAft>
+                      <a:spcPct val="0"/>
+                    </a:spcAft>
+                    <a:buClrTx/>
+                    <a:buSzTx/>
+                    <a:buFontTx/>
+                    <a:buNone/>
+                    <a:tabLst/>
+                  </a:pPr>
+                  <a:r>
+                    <a:rPr kumimoji="0" lang="en-US" sz="1200" b="0" i="1" u="none" strike="noStrike" cap="none" normalizeH="0" baseline="0" dirty="0">
+                      <a:ln>
+                        <a:noFill/>
+                      </a:ln>
+                      <a:solidFill>
+                        <a:schemeClr val="tx2"/>
+                      </a:solidFill>
+                      <a:effectLst/>
+                      <a:latin typeface="Verdana" panose="020B0604030504040204" pitchFamily="34" charset="0"/>
+                      <a:ea typeface="Verdana" panose="020B0604030504040204" pitchFamily="34" charset="0"/>
+                      <a:cs typeface="Verdana" panose="020B0604030504040204" pitchFamily="34" charset="0"/>
+                    </a:rPr>
+                    <a:t>e</a:t>
+                  </a:r>
+                </a:p>
+              </p:txBody>
+            </p:sp>
+            <p:sp>
+              <p:nvSpPr>
+                <p:cNvPr id="429141" name="Oval 429140">
+                  <a:extLst>
+                    <a:ext uri="{FF2B5EF4-FFF2-40B4-BE49-F238E27FC236}">
+                      <a16:creationId xmlns:a16="http://schemas.microsoft.com/office/drawing/2014/main" id="{672637C6-F777-7FDD-5268-99399C1F8190}"/>
+                    </a:ext>
+                  </a:extLst>
+                </p:cNvPr>
+                <p:cNvSpPr/>
+                <p:nvPr/>
+              </p:nvSpPr>
+              <p:spPr bwMode="auto">
+                <a:xfrm>
+                  <a:off x="8635513" y="3274856"/>
+                  <a:ext cx="216284" cy="216284"/>
+                </a:xfrm>
+                <a:prstGeom prst="ellipse">
+                  <a:avLst/>
+                </a:prstGeom>
+                <a:solidFill>
+                  <a:srgbClr val="CCFFCC"/>
+                </a:solidFill>
+                <a:ln w="12700" cap="flat" cmpd="sng" algn="ctr">
+                  <a:solidFill>
+                    <a:schemeClr val="tx1"/>
+                  </a:solidFill>
+                  <a:prstDash val="solid"/>
+                  <a:round/>
+                  <a:headEnd type="none" w="sm" len="sm"/>
+                  <a:tailEnd type="none" w="sm" len="sm"/>
+                </a:ln>
+                <a:effectLst/>
+              </p:spPr>
+              <p:txBody>
+                <a:bodyPr vert="horz" wrap="square" lIns="91440" tIns="45720" rIns="91440" bIns="45720" numCol="1" rtlCol="0" anchor="ctr" anchorCtr="0" compatLnSpc="1">
+                  <a:prstTxWarp prst="textNoShape">
+                    <a:avLst/>
+                  </a:prstTxWarp>
+                </a:bodyPr>
+                <a:lstStyle/>
+                <a:p>
+                  <a:pPr marL="0" marR="0" indent="0" algn="ctr" defTabSz="914400" rtl="0" eaLnBrk="0" fontAlgn="base" latinLnBrk="0" hangingPunct="0">
+                    <a:lnSpc>
+                      <a:spcPct val="100000"/>
+                    </a:lnSpc>
+                    <a:spcBef>
+                      <a:spcPct val="0"/>
+                    </a:spcBef>
+                    <a:spcAft>
+                      <a:spcPct val="0"/>
+                    </a:spcAft>
+                    <a:buClrTx/>
+                    <a:buSzTx/>
+                    <a:buFontTx/>
+                    <a:buNone/>
+                    <a:tabLst/>
+                  </a:pPr>
+                  <a:r>
+                    <a:rPr kumimoji="0" lang="en-US" sz="1200" b="0" i="1" u="none" strike="noStrike" cap="none" normalizeH="0" baseline="0" dirty="0">
+                      <a:ln>
+                        <a:noFill/>
+                      </a:ln>
+                      <a:solidFill>
+                        <a:schemeClr val="tx2"/>
+                      </a:solidFill>
+                      <a:effectLst/>
+                      <a:latin typeface="Verdana" panose="020B0604030504040204" pitchFamily="34" charset="0"/>
+                      <a:ea typeface="Verdana" panose="020B0604030504040204" pitchFamily="34" charset="0"/>
+                      <a:cs typeface="Verdana" panose="020B0604030504040204" pitchFamily="34" charset="0"/>
+                    </a:rPr>
+                    <a:t>h</a:t>
+                  </a:r>
+                </a:p>
+              </p:txBody>
+            </p:sp>
+            <p:cxnSp>
+              <p:nvCxnSpPr>
+                <p:cNvPr id="429142" name="Straight Connector 429141">
+                  <a:extLst>
+                    <a:ext uri="{FF2B5EF4-FFF2-40B4-BE49-F238E27FC236}">
+                      <a16:creationId xmlns:a16="http://schemas.microsoft.com/office/drawing/2014/main" id="{A1B61AD8-AE6A-ED46-3888-2B94EB98997C}"/>
+                    </a:ext>
+                  </a:extLst>
+                </p:cNvPr>
+                <p:cNvCxnSpPr>
+                  <a:cxnSpLocks/>
+                  <a:stCxn id="429129" idx="5"/>
+                  <a:endCxn id="429136" idx="1"/>
+                </p:cNvCxnSpPr>
+                <p:nvPr/>
+              </p:nvCxnSpPr>
+              <p:spPr bwMode="auto">
+                <a:xfrm>
+                  <a:off x="7510535" y="2352391"/>
+                  <a:ext cx="556974" cy="530319"/>
+                </a:xfrm>
+                <a:prstGeom prst="line">
+                  <a:avLst/>
+                </a:prstGeom>
+                <a:solidFill>
+                  <a:srgbClr val="CCFFCC"/>
+                </a:solidFill>
+                <a:ln w="44450" cap="flat" cmpd="sng" algn="ctr">
+                  <a:solidFill>
+                    <a:srgbClr val="00B050"/>
+                  </a:solidFill>
+                  <a:prstDash val="solid"/>
+                  <a:round/>
+                  <a:headEnd type="none" w="sm" len="sm"/>
+                  <a:tailEnd type="none" w="sm" len="sm"/>
+                </a:ln>
+                <a:effectLst/>
+              </p:spPr>
+            </p:cxnSp>
+            <p:cxnSp>
+              <p:nvCxnSpPr>
+                <p:cNvPr id="429143" name="Straight Connector 429142">
+                  <a:extLst>
+                    <a:ext uri="{FF2B5EF4-FFF2-40B4-BE49-F238E27FC236}">
+                      <a16:creationId xmlns:a16="http://schemas.microsoft.com/office/drawing/2014/main" id="{C0A7AA4D-C0BB-8D50-F351-357D52F1E107}"/>
+                    </a:ext>
+                  </a:extLst>
+                </p:cNvPr>
+                <p:cNvCxnSpPr>
+                  <a:cxnSpLocks/>
+                  <a:stCxn id="429140" idx="3"/>
+                  <a:endCxn id="429132" idx="7"/>
+                </p:cNvCxnSpPr>
+                <p:nvPr/>
+              </p:nvCxnSpPr>
+              <p:spPr bwMode="auto">
+                <a:xfrm flipH="1">
+                  <a:off x="7513528" y="2352391"/>
+                  <a:ext cx="563304" cy="530319"/>
+                </a:xfrm>
+                <a:prstGeom prst="line">
+                  <a:avLst/>
+                </a:prstGeom>
+                <a:solidFill>
+                  <a:srgbClr val="CCFFCC"/>
+                </a:solidFill>
+                <a:ln w="44450" cap="flat" cmpd="sng" algn="ctr">
+                  <a:solidFill>
+                    <a:srgbClr val="00B050"/>
+                  </a:solidFill>
+                  <a:prstDash val="solid"/>
+                  <a:round/>
+                  <a:headEnd type="none" w="sm" len="sm"/>
+                  <a:tailEnd type="none" w="sm" len="sm"/>
+                </a:ln>
+                <a:effectLst/>
+              </p:spPr>
+            </p:cxnSp>
+            <p:cxnSp>
+              <p:nvCxnSpPr>
+                <p:cNvPr id="429144" name="Straight Connector 429143">
+                  <a:extLst>
+                    <a:ext uri="{FF2B5EF4-FFF2-40B4-BE49-F238E27FC236}">
+                      <a16:creationId xmlns:a16="http://schemas.microsoft.com/office/drawing/2014/main" id="{EBCEDE48-6A2D-F07F-24F5-B47802BED679}"/>
+                    </a:ext>
+                  </a:extLst>
+                </p:cNvPr>
+                <p:cNvCxnSpPr>
+                  <a:cxnSpLocks/>
+                  <a:stCxn id="429131" idx="5"/>
+                  <a:endCxn id="429129" idx="1"/>
+                </p:cNvCxnSpPr>
+                <p:nvPr/>
+              </p:nvCxnSpPr>
+              <p:spPr bwMode="auto">
+                <a:xfrm>
+                  <a:off x="6923160" y="1905663"/>
+                  <a:ext cx="434439" cy="293792"/>
+                </a:xfrm>
+                <a:prstGeom prst="line">
+                  <a:avLst/>
+                </a:prstGeom>
+                <a:solidFill>
+                  <a:srgbClr val="CCFFCC"/>
+                </a:solidFill>
+                <a:ln w="12700" cap="flat" cmpd="sng" algn="ctr">
+                  <a:solidFill>
+                    <a:schemeClr val="tx1"/>
+                  </a:solidFill>
+                  <a:prstDash val="dash"/>
+                  <a:round/>
+                  <a:headEnd type="none" w="sm" len="sm"/>
+                  <a:tailEnd type="none" w="sm" len="sm"/>
+                </a:ln>
+                <a:effectLst/>
+              </p:spPr>
+            </p:cxnSp>
+            <p:cxnSp>
+              <p:nvCxnSpPr>
+                <p:cNvPr id="429145" name="Straight Connector 429144">
+                  <a:extLst>
+                    <a:ext uri="{FF2B5EF4-FFF2-40B4-BE49-F238E27FC236}">
+                      <a16:creationId xmlns:a16="http://schemas.microsoft.com/office/drawing/2014/main" id="{09DBAAEE-2A6B-B251-BC3F-ADDD0AE8A8DA}"/>
+                    </a:ext>
+                  </a:extLst>
+                </p:cNvPr>
+                <p:cNvCxnSpPr>
+                  <a:cxnSpLocks/>
+                  <a:stCxn id="429130" idx="0"/>
+                  <a:endCxn id="429131" idx="4"/>
+                </p:cNvCxnSpPr>
+                <p:nvPr/>
+              </p:nvCxnSpPr>
+              <p:spPr bwMode="auto">
+                <a:xfrm flipV="1">
+                  <a:off x="6846692" y="1937337"/>
+                  <a:ext cx="0" cy="1341814"/>
+                </a:xfrm>
+                <a:prstGeom prst="line">
+                  <a:avLst/>
+                </a:prstGeom>
+                <a:solidFill>
+                  <a:srgbClr val="CCFFCC"/>
+                </a:solidFill>
+                <a:ln w="12700" cap="flat" cmpd="sng" algn="ctr">
+                  <a:solidFill>
+                    <a:schemeClr val="tx1"/>
+                  </a:solidFill>
+                  <a:prstDash val="dash"/>
+                  <a:round/>
+                  <a:headEnd type="none" w="sm" len="sm"/>
+                  <a:tailEnd type="none" w="sm" len="sm"/>
+                </a:ln>
+                <a:effectLst/>
+              </p:spPr>
+            </p:cxnSp>
+            <p:cxnSp>
+              <p:nvCxnSpPr>
+                <p:cNvPr id="429146" name="Straight Connector 429145">
+                  <a:extLst>
+                    <a:ext uri="{FF2B5EF4-FFF2-40B4-BE49-F238E27FC236}">
+                      <a16:creationId xmlns:a16="http://schemas.microsoft.com/office/drawing/2014/main" id="{788C0919-27A9-0A8B-5B9A-8E6F1B21244C}"/>
+                    </a:ext>
+                  </a:extLst>
+                </p:cNvPr>
+                <p:cNvCxnSpPr>
+                  <a:cxnSpLocks/>
+                  <a:stCxn id="429135" idx="3"/>
+                  <a:endCxn id="429140" idx="7"/>
+                </p:cNvCxnSpPr>
+                <p:nvPr/>
+              </p:nvCxnSpPr>
+              <p:spPr bwMode="auto">
+                <a:xfrm flipH="1">
+                  <a:off x="8229768" y="1905663"/>
+                  <a:ext cx="442196" cy="293792"/>
+                </a:xfrm>
+                <a:prstGeom prst="line">
+                  <a:avLst/>
+                </a:prstGeom>
+                <a:solidFill>
+                  <a:srgbClr val="CCFFCC"/>
+                </a:solidFill>
+                <a:ln w="12700" cap="flat" cmpd="sng" algn="ctr">
+                  <a:solidFill>
+                    <a:schemeClr val="tx1"/>
+                  </a:solidFill>
+                  <a:prstDash val="dash"/>
+                  <a:round/>
+                  <a:headEnd type="none" w="sm" len="sm"/>
+                  <a:tailEnd type="none" w="sm" len="sm"/>
+                </a:ln>
+                <a:effectLst/>
+              </p:spPr>
+            </p:cxnSp>
+            <p:cxnSp>
+              <p:nvCxnSpPr>
+                <p:cNvPr id="429147" name="Straight Connector 429146">
+                  <a:extLst>
+                    <a:ext uri="{FF2B5EF4-FFF2-40B4-BE49-F238E27FC236}">
+                      <a16:creationId xmlns:a16="http://schemas.microsoft.com/office/drawing/2014/main" id="{C84BB0C0-549A-D86B-551A-7FFF6F1912B4}"/>
+                    </a:ext>
+                  </a:extLst>
+                </p:cNvPr>
+                <p:cNvCxnSpPr>
+                  <a:cxnSpLocks/>
+                  <a:stCxn id="429135" idx="4"/>
+                  <a:endCxn id="429141" idx="0"/>
+                </p:cNvCxnSpPr>
+                <p:nvPr/>
+              </p:nvCxnSpPr>
+              <p:spPr bwMode="auto">
+                <a:xfrm flipH="1">
+                  <a:off x="8743655" y="1937337"/>
+                  <a:ext cx="4777" cy="1337519"/>
+                </a:xfrm>
+                <a:prstGeom prst="line">
+                  <a:avLst/>
+                </a:prstGeom>
+                <a:solidFill>
+                  <a:srgbClr val="CCFFCC"/>
+                </a:solidFill>
+                <a:ln w="12700" cap="flat" cmpd="sng" algn="ctr">
+                  <a:solidFill>
+                    <a:schemeClr val="tx1"/>
+                  </a:solidFill>
+                  <a:prstDash val="dash"/>
+                  <a:round/>
+                  <a:headEnd type="none" w="sm" len="sm"/>
+                  <a:tailEnd type="none" w="sm" len="sm"/>
+                </a:ln>
+                <a:effectLst/>
+              </p:spPr>
+            </p:cxnSp>
+            <p:cxnSp>
+              <p:nvCxnSpPr>
+                <p:cNvPr id="429148" name="Straight Connector 429147">
+                  <a:extLst>
+                    <a:ext uri="{FF2B5EF4-FFF2-40B4-BE49-F238E27FC236}">
+                      <a16:creationId xmlns:a16="http://schemas.microsoft.com/office/drawing/2014/main" id="{591FE30C-4BF1-F529-8D47-03D91132699F}"/>
+                    </a:ext>
+                  </a:extLst>
+                </p:cNvPr>
+                <p:cNvCxnSpPr>
+                  <a:cxnSpLocks/>
+                  <a:stCxn id="429131" idx="6"/>
+                </p:cNvCxnSpPr>
+                <p:nvPr/>
+              </p:nvCxnSpPr>
+              <p:spPr bwMode="auto">
+                <a:xfrm flipV="1">
+                  <a:off x="6954834" y="1826964"/>
+                  <a:ext cx="1681831" cy="2231"/>
+                </a:xfrm>
+                <a:prstGeom prst="line">
+                  <a:avLst/>
+                </a:prstGeom>
+                <a:solidFill>
+                  <a:srgbClr val="CCFFCC"/>
+                </a:solidFill>
+                <a:ln w="12700" cap="flat" cmpd="sng" algn="ctr">
+                  <a:solidFill>
+                    <a:schemeClr val="tx1"/>
+                  </a:solidFill>
+                  <a:prstDash val="dash"/>
+                  <a:round/>
+                  <a:headEnd type="none" w="sm" len="sm"/>
+                  <a:tailEnd type="none" w="sm" len="sm"/>
+                </a:ln>
+                <a:effectLst/>
+              </p:spPr>
+            </p:cxnSp>
+            <p:cxnSp>
+              <p:nvCxnSpPr>
+                <p:cNvPr id="429149" name="Straight Connector 429148">
+                  <a:extLst>
+                    <a:ext uri="{FF2B5EF4-FFF2-40B4-BE49-F238E27FC236}">
+                      <a16:creationId xmlns:a16="http://schemas.microsoft.com/office/drawing/2014/main" id="{6CC1779E-3430-D000-1D39-9A0393402B55}"/>
+                    </a:ext>
+                  </a:extLst>
+                </p:cNvPr>
+                <p:cNvCxnSpPr>
+                  <a:cxnSpLocks/>
+                  <a:stCxn id="429140" idx="2"/>
+                  <a:endCxn id="429129" idx="6"/>
+                </p:cNvCxnSpPr>
+                <p:nvPr/>
+              </p:nvCxnSpPr>
+              <p:spPr bwMode="auto">
+                <a:xfrm flipH="1">
+                  <a:off x="7542209" y="2275923"/>
+                  <a:ext cx="502949" cy="0"/>
+                </a:xfrm>
+                <a:prstGeom prst="line">
+                  <a:avLst/>
+                </a:prstGeom>
+                <a:solidFill>
+                  <a:srgbClr val="CCFFCC"/>
+                </a:solidFill>
+                <a:ln w="12700" cap="flat" cmpd="sng" algn="ctr">
+                  <a:solidFill>
+                    <a:schemeClr val="tx1"/>
+                  </a:solidFill>
+                  <a:prstDash val="dash"/>
+                  <a:round/>
+                  <a:headEnd type="none" w="sm" len="sm"/>
+                  <a:tailEnd type="none" w="sm" len="sm"/>
+                </a:ln>
+                <a:effectLst/>
+              </p:spPr>
+            </p:cxnSp>
+            <p:cxnSp>
+              <p:nvCxnSpPr>
+                <p:cNvPr id="429150" name="Straight Connector 429149">
+                  <a:extLst>
+                    <a:ext uri="{FF2B5EF4-FFF2-40B4-BE49-F238E27FC236}">
+                      <a16:creationId xmlns:a16="http://schemas.microsoft.com/office/drawing/2014/main" id="{ABCAD8A9-41ED-0034-E4DE-8F2EAA827B55}"/>
+                    </a:ext>
+                  </a:extLst>
+                </p:cNvPr>
+                <p:cNvCxnSpPr>
+                  <a:cxnSpLocks/>
+                  <a:stCxn id="429130" idx="6"/>
+                  <a:endCxn id="429141" idx="2"/>
+                </p:cNvCxnSpPr>
+                <p:nvPr/>
+              </p:nvCxnSpPr>
+              <p:spPr bwMode="auto">
+                <a:xfrm flipV="1">
+                  <a:off x="6954834" y="3382998"/>
+                  <a:ext cx="1680679" cy="4295"/>
+                </a:xfrm>
+                <a:prstGeom prst="line">
+                  <a:avLst/>
+                </a:prstGeom>
+                <a:solidFill>
+                  <a:srgbClr val="CCFFCC"/>
+                </a:solidFill>
+                <a:ln w="12700" cap="flat" cmpd="sng" algn="ctr">
+                  <a:solidFill>
+                    <a:schemeClr val="tx1"/>
+                  </a:solidFill>
+                  <a:prstDash val="dash"/>
+                  <a:round/>
+                  <a:headEnd type="none" w="sm" len="sm"/>
+                  <a:tailEnd type="none" w="sm" len="sm"/>
+                </a:ln>
+                <a:effectLst/>
+              </p:spPr>
+            </p:cxnSp>
+          </p:grpSp>
+        </p:grpSp>
+        <p:sp>
+          <p:nvSpPr>
+            <p:cNvPr id="429158" name="Text Box 59">
+              <a:extLst>
+                <a:ext uri="{FF2B5EF4-FFF2-40B4-BE49-F238E27FC236}">
+                  <a16:creationId xmlns:a16="http://schemas.microsoft.com/office/drawing/2014/main" id="{BB3E57DD-43BB-6E3D-F03B-109085B6A08E}"/>
+                </a:ext>
+              </a:extLst>
+            </p:cNvPr>
+            <p:cNvSpPr txBox="1">
+              <a:spLocks noChangeArrowheads="1"/>
+            </p:cNvSpPr>
+            <p:nvPr/>
+          </p:nvSpPr>
+          <p:spPr bwMode="auto">
+            <a:xfrm>
+              <a:off x="328479" y="3585977"/>
+              <a:ext cx="1875513" cy="215444"/>
+            </a:xfrm>
+            <a:prstGeom prst="rect">
+              <a:avLst/>
+            </a:prstGeom>
+            <a:noFill/>
+            <a:ln w="12700">
+              <a:noFill/>
+              <a:miter lim="800000"/>
+              <a:headEnd type="none" w="sm" len="sm"/>
+              <a:tailEnd type="none" w="sm" len="sm"/>
+            </a:ln>
+            <a:effectLst/>
+          </p:spPr>
+          <p:txBody>
+            <a:bodyPr wrap="none" lIns="0" tIns="0" rIns="0" bIns="0" anchor="ctr" anchorCtr="1">
+              <a:spAutoFit/>
+            </a:bodyPr>
+            <a:lstStyle/>
+            <a:p>
+              <a:pPr algn="l">
+                <a:spcBef>
+                  <a:spcPct val="50000"/>
+                </a:spcBef>
+              </a:pPr>
+              <a:r>
+                <a:rPr lang="en-US" sz="1400" i="1" dirty="0">
+                  <a:latin typeface="+mn-lt"/>
+                </a:rPr>
+                <a:t>path:</a:t>
+              </a:r>
+              <a:r>
+                <a:rPr lang="en-US" sz="1400" dirty="0">
+                  <a:latin typeface="+mn-lt"/>
+                </a:rPr>
+                <a:t>[</a:t>
+              </a:r>
+              <a:r>
+                <a:rPr lang="en-US" sz="1400" i="1" dirty="0" err="1">
+                  <a:latin typeface="+mn-lt"/>
+                </a:rPr>
+                <a:t>a,f,h,c,a,b,e,f</a:t>
+              </a:r>
+              <a:r>
+                <a:rPr lang="en-US" sz="1400" dirty="0">
+                  <a:latin typeface="+mn-lt"/>
+                </a:rPr>
+                <a:t>]</a:t>
+              </a:r>
+            </a:p>
+          </p:txBody>
+        </p:sp>
+        <p:sp>
+          <p:nvSpPr>
+            <p:cNvPr id="429159" name="Text Box 59">
+              <a:extLst>
+                <a:ext uri="{FF2B5EF4-FFF2-40B4-BE49-F238E27FC236}">
+                  <a16:creationId xmlns:a16="http://schemas.microsoft.com/office/drawing/2014/main" id="{F8A5CC93-0EDB-7F05-3008-3192B8CD86F8}"/>
+                </a:ext>
+              </a:extLst>
+            </p:cNvPr>
+            <p:cNvSpPr txBox="1">
+              <a:spLocks noChangeArrowheads="1"/>
+            </p:cNvSpPr>
+            <p:nvPr/>
+          </p:nvSpPr>
+          <p:spPr bwMode="auto">
+            <a:xfrm>
+              <a:off x="4064884" y="3585977"/>
+              <a:ext cx="791883" cy="215444"/>
+            </a:xfrm>
+            <a:prstGeom prst="rect">
+              <a:avLst/>
+            </a:prstGeom>
+            <a:noFill/>
+            <a:ln w="12700">
+              <a:noFill/>
+              <a:miter lim="800000"/>
+              <a:headEnd type="none" w="sm" len="sm"/>
+              <a:tailEnd type="none" w="sm" len="sm"/>
+            </a:ln>
+            <a:effectLst/>
+          </p:spPr>
+          <p:txBody>
+            <a:bodyPr wrap="none" lIns="0" tIns="0" rIns="0" bIns="0" anchor="ctr" anchorCtr="1">
+              <a:spAutoFit/>
+            </a:bodyPr>
+            <a:lstStyle/>
+            <a:p>
+              <a:pPr algn="l">
+                <a:spcBef>
+                  <a:spcPct val="50000"/>
+                </a:spcBef>
+              </a:pPr>
+              <a:r>
+                <a:rPr lang="en-US" sz="1400" dirty="0">
+                  <a:latin typeface="+mn-lt"/>
+                </a:rPr>
+                <a:t>[</a:t>
+              </a:r>
+              <a:r>
+                <a:rPr lang="en-US" sz="1400" i="1" dirty="0" err="1">
+                  <a:latin typeface="+mn-lt"/>
+                </a:rPr>
+                <a:t>c,d,g,h</a:t>
+              </a:r>
+              <a:r>
+                <a:rPr lang="en-US" sz="1400" dirty="0">
+                  <a:latin typeface="+mn-lt"/>
+                </a:rPr>
+                <a:t>]</a:t>
+              </a:r>
+            </a:p>
+          </p:txBody>
+        </p:sp>
+        <p:sp>
+          <p:nvSpPr>
+            <p:cNvPr id="429160" name="Text Box 59">
+              <a:extLst>
+                <a:ext uri="{FF2B5EF4-FFF2-40B4-BE49-F238E27FC236}">
+                  <a16:creationId xmlns:a16="http://schemas.microsoft.com/office/drawing/2014/main" id="{02E1AA03-060E-C8A3-C64A-8190B5A94180}"/>
+                </a:ext>
+              </a:extLst>
+            </p:cNvPr>
+            <p:cNvSpPr txBox="1">
+              <a:spLocks noChangeArrowheads="1"/>
+            </p:cNvSpPr>
+            <p:nvPr/>
+          </p:nvSpPr>
+          <p:spPr bwMode="auto">
+            <a:xfrm>
+              <a:off x="7234698" y="3585977"/>
+              <a:ext cx="982641" cy="215444"/>
+            </a:xfrm>
+            <a:prstGeom prst="rect">
+              <a:avLst/>
+            </a:prstGeom>
+            <a:noFill/>
+            <a:ln w="12700">
+              <a:noFill/>
+              <a:miter lim="800000"/>
+              <a:headEnd type="none" w="sm" len="sm"/>
+              <a:tailEnd type="none" w="sm" len="sm"/>
+            </a:ln>
+            <a:effectLst/>
+          </p:spPr>
+          <p:txBody>
+            <a:bodyPr wrap="none" lIns="0" tIns="0" rIns="0" bIns="0" anchor="ctr" anchorCtr="1">
+              <a:spAutoFit/>
+            </a:bodyPr>
+            <a:lstStyle/>
+            <a:p>
+              <a:pPr algn="l">
+                <a:spcBef>
+                  <a:spcPct val="50000"/>
+                </a:spcBef>
+              </a:pPr>
+              <a:r>
+                <a:rPr lang="en-US" sz="1400" dirty="0">
+                  <a:latin typeface="+mn-lt"/>
+                </a:rPr>
+                <a:t>[</a:t>
+              </a:r>
+              <a:r>
+                <a:rPr lang="en-US" sz="1400" i="1" dirty="0" err="1">
+                  <a:latin typeface="+mn-lt"/>
+                </a:rPr>
+                <a:t>b,d,e,g,b</a:t>
+              </a:r>
+              <a:r>
+                <a:rPr lang="en-US" sz="1400" dirty="0">
+                  <a:latin typeface="+mn-lt"/>
+                </a:rPr>
+                <a:t>]</a:t>
+              </a:r>
+            </a:p>
+          </p:txBody>
+        </p:sp>
+      </p:grpSp>
+      <p:grpSp>
+        <p:nvGrpSpPr>
+          <p:cNvPr id="429266" name="Group 429265">
+            <a:extLst>
+              <a:ext uri="{FF2B5EF4-FFF2-40B4-BE49-F238E27FC236}">
+                <a16:creationId xmlns:a16="http://schemas.microsoft.com/office/drawing/2014/main" id="{EA93AB3E-32F6-C43B-150C-A5C6D964A9E5}"/>
+              </a:ext>
+            </a:extLst>
+          </p:cNvPr>
+          <p:cNvGrpSpPr/>
+          <p:nvPr/>
+        </p:nvGrpSpPr>
+        <p:grpSpPr>
+          <a:xfrm>
+            <a:off x="2203992" y="4298062"/>
+            <a:ext cx="5121933" cy="1774382"/>
+            <a:chOff x="2203992" y="4298062"/>
+            <a:chExt cx="5121933" cy="1774382"/>
+          </a:xfrm>
+        </p:grpSpPr>
+        <p:grpSp>
+          <p:nvGrpSpPr>
+            <p:cNvPr id="429168" name="Group 429167">
+              <a:extLst>
+                <a:ext uri="{FF2B5EF4-FFF2-40B4-BE49-F238E27FC236}">
+                  <a16:creationId xmlns:a16="http://schemas.microsoft.com/office/drawing/2014/main" id="{64AC68EF-6A56-8BE4-9481-9D90C153E0C4}"/>
+                </a:ext>
+              </a:extLst>
+            </p:cNvPr>
+            <p:cNvGrpSpPr/>
+            <p:nvPr/>
+          </p:nvGrpSpPr>
+          <p:grpSpPr>
+            <a:xfrm>
+              <a:off x="2203992" y="4298062"/>
+              <a:ext cx="2118024" cy="1774382"/>
+              <a:chOff x="238821" y="1721053"/>
+              <a:chExt cx="2118024" cy="1774382"/>
+            </a:xfrm>
+          </p:grpSpPr>
+          <p:sp>
+            <p:nvSpPr>
+              <p:cNvPr id="429216" name="Oval 429215">
+                <a:extLst>
+                  <a:ext uri="{FF2B5EF4-FFF2-40B4-BE49-F238E27FC236}">
+                    <a16:creationId xmlns:a16="http://schemas.microsoft.com/office/drawing/2014/main" id="{7A7E8643-77A0-21D4-8649-55E580BD4C39}"/>
+                  </a:ext>
+                </a:extLst>
+              </p:cNvPr>
+              <p:cNvSpPr/>
+              <p:nvPr/>
+            </p:nvSpPr>
+            <p:spPr bwMode="auto">
+              <a:xfrm>
+                <a:off x="826196" y="2167781"/>
+                <a:ext cx="216284" cy="216284"/>
+              </a:xfrm>
+              <a:prstGeom prst="ellipse">
+                <a:avLst/>
+              </a:prstGeom>
+              <a:solidFill>
+                <a:srgbClr val="CCFFCC"/>
+              </a:solidFill>
+              <a:ln w="12700" cap="flat" cmpd="sng" algn="ctr">
+                <a:solidFill>
+                  <a:schemeClr val="tx1"/>
+                </a:solidFill>
+                <a:prstDash val="solid"/>
+                <a:round/>
+                <a:headEnd type="none" w="sm" len="sm"/>
+                <a:tailEnd type="none" w="sm" len="sm"/>
+              </a:ln>
+              <a:effectLst/>
+            </p:spPr>
+            <p:txBody>
+              <a:bodyPr vert="horz" wrap="square" lIns="91440" tIns="45720" rIns="91440" bIns="45720" numCol="1" rtlCol="0" anchor="ctr" anchorCtr="0" compatLnSpc="1">
+                <a:prstTxWarp prst="textNoShape">
+                  <a:avLst/>
+                </a:prstTxWarp>
+              </a:bodyPr>
+              <a:lstStyle/>
+              <a:p>
+                <a:pPr marL="0" marR="0" indent="0" algn="ctr" defTabSz="914400" rtl="0" eaLnBrk="0" fontAlgn="base" latinLnBrk="0" hangingPunct="0">
+                  <a:lnSpc>
+                    <a:spcPct val="100000"/>
+                  </a:lnSpc>
+                  <a:spcBef>
+                    <a:spcPct val="0"/>
+                  </a:spcBef>
+                  <a:spcAft>
+                    <a:spcPct val="0"/>
+                  </a:spcAft>
+                  <a:buClrTx/>
+                  <a:buSzTx/>
+                  <a:buFontTx/>
+                  <a:buNone/>
+                  <a:tabLst/>
+                </a:pPr>
+                <a:r>
+                  <a:rPr kumimoji="0" lang="en-US" sz="1200" b="0" i="1" u="none" strike="noStrike" cap="none" normalizeH="0" baseline="0" dirty="0">
+                    <a:ln>
+                      <a:noFill/>
+                    </a:ln>
+                    <a:solidFill>
+                      <a:schemeClr val="tx2"/>
+                    </a:solidFill>
+                    <a:effectLst/>
+                    <a:latin typeface="Verdana" panose="020B0604030504040204" pitchFamily="34" charset="0"/>
+                    <a:ea typeface="Verdana" panose="020B0604030504040204" pitchFamily="34" charset="0"/>
+                    <a:cs typeface="Verdana" panose="020B0604030504040204" pitchFamily="34" charset="0"/>
+                  </a:rPr>
+                  <a:t>b</a:t>
+                </a:r>
+              </a:p>
+            </p:txBody>
+          </p:sp>
+          <p:sp>
+            <p:nvSpPr>
+              <p:cNvPr id="429217" name="Oval 429216">
+                <a:extLst>
+                  <a:ext uri="{FF2B5EF4-FFF2-40B4-BE49-F238E27FC236}">
+                    <a16:creationId xmlns:a16="http://schemas.microsoft.com/office/drawing/2014/main" id="{76E0A6DE-754D-4668-9939-151652004A62}"/>
+                  </a:ext>
+                </a:extLst>
+              </p:cNvPr>
+              <p:cNvSpPr/>
+              <p:nvPr/>
+            </p:nvSpPr>
+            <p:spPr bwMode="auto">
+              <a:xfrm>
+                <a:off x="238821" y="3279151"/>
+                <a:ext cx="216284" cy="216284"/>
+              </a:xfrm>
+              <a:prstGeom prst="ellipse">
+                <a:avLst/>
+              </a:prstGeom>
+              <a:solidFill>
+                <a:srgbClr val="CCFFCC"/>
+              </a:solidFill>
+              <a:ln w="12700" cap="flat" cmpd="sng" algn="ctr">
+                <a:solidFill>
+                  <a:schemeClr val="tx1"/>
+                </a:solidFill>
+                <a:prstDash val="solid"/>
+                <a:round/>
+                <a:headEnd type="none" w="sm" len="sm"/>
+                <a:tailEnd type="none" w="sm" len="sm"/>
+              </a:ln>
+              <a:effectLst/>
+            </p:spPr>
+            <p:txBody>
+              <a:bodyPr vert="horz" wrap="square" lIns="91440" tIns="45720" rIns="91440" bIns="45720" numCol="1" rtlCol="0" anchor="ctr" anchorCtr="0" compatLnSpc="1">
+                <a:prstTxWarp prst="textNoShape">
+                  <a:avLst/>
+                </a:prstTxWarp>
+              </a:bodyPr>
+              <a:lstStyle/>
+              <a:p>
+                <a:pPr marL="0" marR="0" indent="0" algn="ctr" defTabSz="914400" rtl="0" eaLnBrk="0" fontAlgn="base" latinLnBrk="0" hangingPunct="0">
+                  <a:lnSpc>
+                    <a:spcPct val="100000"/>
+                  </a:lnSpc>
+                  <a:spcBef>
+                    <a:spcPct val="0"/>
+                  </a:spcBef>
+                  <a:spcAft>
+                    <a:spcPct val="0"/>
+                  </a:spcAft>
+                  <a:buClrTx/>
+                  <a:buSzTx/>
+                  <a:buFontTx/>
+                  <a:buNone/>
+                  <a:tabLst/>
+                </a:pPr>
+                <a:r>
+                  <a:rPr kumimoji="0" lang="en-US" sz="1200" b="0" i="1" u="none" strike="noStrike" cap="none" normalizeH="0" baseline="0" dirty="0">
+                    <a:ln>
+                      <a:noFill/>
+                    </a:ln>
+                    <a:solidFill>
+                      <a:schemeClr val="tx2"/>
+                    </a:solidFill>
+                    <a:effectLst/>
+                    <a:latin typeface="Verdana" panose="020B0604030504040204" pitchFamily="34" charset="0"/>
+                    <a:ea typeface="Verdana" panose="020B0604030504040204" pitchFamily="34" charset="0"/>
+                    <a:cs typeface="Verdana" panose="020B0604030504040204" pitchFamily="34" charset="0"/>
+                  </a:rPr>
+                  <a:t>c</a:t>
+                </a:r>
+              </a:p>
+            </p:txBody>
+          </p:sp>
+          <p:sp>
+            <p:nvSpPr>
+              <p:cNvPr id="429218" name="Oval 429217">
+                <a:extLst>
+                  <a:ext uri="{FF2B5EF4-FFF2-40B4-BE49-F238E27FC236}">
+                    <a16:creationId xmlns:a16="http://schemas.microsoft.com/office/drawing/2014/main" id="{37BB61B2-9A63-A06B-F165-68EFFA79F534}"/>
+                  </a:ext>
+                </a:extLst>
+              </p:cNvPr>
+              <p:cNvSpPr/>
+              <p:nvPr/>
+            </p:nvSpPr>
+            <p:spPr bwMode="auto">
+              <a:xfrm>
+                <a:off x="238821" y="1721053"/>
+                <a:ext cx="216284" cy="216284"/>
+              </a:xfrm>
+              <a:prstGeom prst="ellipse">
+                <a:avLst/>
+              </a:prstGeom>
+              <a:solidFill>
+                <a:srgbClr val="CCFFCC"/>
+              </a:solidFill>
+              <a:ln w="12700" cap="flat" cmpd="sng" algn="ctr">
+                <a:solidFill>
+                  <a:schemeClr val="tx1"/>
+                </a:solidFill>
+                <a:prstDash val="solid"/>
+                <a:round/>
+                <a:headEnd type="none" w="sm" len="sm"/>
+                <a:tailEnd type="none" w="sm" len="sm"/>
+              </a:ln>
+              <a:effectLst/>
+            </p:spPr>
+            <p:txBody>
+              <a:bodyPr vert="horz" wrap="square" lIns="91440" tIns="45720" rIns="91440" bIns="45720" numCol="1" rtlCol="0" anchor="ctr" anchorCtr="0" compatLnSpc="1">
+                <a:prstTxWarp prst="textNoShape">
+                  <a:avLst/>
+                </a:prstTxWarp>
+              </a:bodyPr>
+              <a:lstStyle/>
+              <a:p>
+                <a:pPr marL="0" marR="0" indent="0" algn="ctr" defTabSz="914400" rtl="0" eaLnBrk="0" fontAlgn="base" latinLnBrk="0" hangingPunct="0">
+                  <a:lnSpc>
+                    <a:spcPct val="100000"/>
+                  </a:lnSpc>
+                  <a:spcBef>
+                    <a:spcPct val="0"/>
+                  </a:spcBef>
+                  <a:spcAft>
+                    <a:spcPct val="0"/>
+                  </a:spcAft>
+                  <a:buClrTx/>
+                  <a:buSzTx/>
+                  <a:buFontTx/>
+                  <a:buNone/>
+                  <a:tabLst/>
+                </a:pPr>
+                <a:r>
+                  <a:rPr kumimoji="0" lang="en-US" sz="1200" b="0" i="1" u="none" strike="noStrike" cap="none" normalizeH="0" baseline="0" dirty="0">
+                    <a:ln>
+                      <a:noFill/>
+                    </a:ln>
+                    <a:solidFill>
+                      <a:schemeClr val="tx2"/>
+                    </a:solidFill>
+                    <a:effectLst/>
+                    <a:latin typeface="Verdana" panose="020B0604030504040204" pitchFamily="34" charset="0"/>
+                    <a:ea typeface="Verdana" panose="020B0604030504040204" pitchFamily="34" charset="0"/>
+                    <a:cs typeface="Verdana" panose="020B0604030504040204" pitchFamily="34" charset="0"/>
+                  </a:rPr>
+                  <a:t>a</a:t>
+                </a:r>
+              </a:p>
+            </p:txBody>
+          </p:sp>
+          <p:sp>
+            <p:nvSpPr>
+              <p:cNvPr id="429219" name="Oval 429218">
+                <a:extLst>
+                  <a:ext uri="{FF2B5EF4-FFF2-40B4-BE49-F238E27FC236}">
+                    <a16:creationId xmlns:a16="http://schemas.microsoft.com/office/drawing/2014/main" id="{288C70AF-FD39-61E7-7699-7A33E3EE45E4}"/>
+                  </a:ext>
+                </a:extLst>
+              </p:cNvPr>
+              <p:cNvSpPr/>
+              <p:nvPr/>
+            </p:nvSpPr>
+            <p:spPr bwMode="auto">
+              <a:xfrm>
+                <a:off x="829189" y="2851036"/>
+                <a:ext cx="216284" cy="216284"/>
+              </a:xfrm>
+              <a:prstGeom prst="ellipse">
+                <a:avLst/>
+              </a:prstGeom>
+              <a:solidFill>
+                <a:srgbClr val="CCFFCC"/>
+              </a:solidFill>
+              <a:ln w="12700" cap="flat" cmpd="sng" algn="ctr">
+                <a:solidFill>
+                  <a:schemeClr val="tx1"/>
+                </a:solidFill>
+                <a:prstDash val="solid"/>
+                <a:round/>
+                <a:headEnd type="none" w="sm" len="sm"/>
+                <a:tailEnd type="none" w="sm" len="sm"/>
+              </a:ln>
+              <a:effectLst/>
+            </p:spPr>
+            <p:txBody>
+              <a:bodyPr vert="horz" wrap="square" lIns="91440" tIns="45720" rIns="91440" bIns="45720" numCol="1" rtlCol="0" anchor="ctr" anchorCtr="0" compatLnSpc="1">
+                <a:prstTxWarp prst="textNoShape">
+                  <a:avLst/>
+                </a:prstTxWarp>
+              </a:bodyPr>
+              <a:lstStyle/>
+              <a:p>
+                <a:pPr marL="0" marR="0" indent="0" algn="ctr" defTabSz="914400" rtl="0" eaLnBrk="0" fontAlgn="base" latinLnBrk="0" hangingPunct="0">
+                  <a:lnSpc>
+                    <a:spcPct val="100000"/>
+                  </a:lnSpc>
+                  <a:spcBef>
+                    <a:spcPct val="0"/>
+                  </a:spcBef>
+                  <a:spcAft>
+                    <a:spcPct val="0"/>
+                  </a:spcAft>
+                  <a:buClrTx/>
+                  <a:buSzTx/>
+                  <a:buFontTx/>
+                  <a:buNone/>
+                  <a:tabLst/>
+                </a:pPr>
+                <a:r>
+                  <a:rPr lang="en-US" sz="1200" i="1" dirty="0">
+                    <a:latin typeface="Verdana" panose="020B0604030504040204" pitchFamily="34" charset="0"/>
+                    <a:ea typeface="Verdana" panose="020B0604030504040204" pitchFamily="34" charset="0"/>
+                    <a:cs typeface="Verdana" panose="020B0604030504040204" pitchFamily="34" charset="0"/>
+                  </a:rPr>
+                  <a:t>d</a:t>
+                </a:r>
+                <a:endParaRPr kumimoji="0" lang="en-US" sz="1200" b="0" i="1" u="none" strike="noStrike" cap="none" normalizeH="0" baseline="0" dirty="0">
+                  <a:ln>
+                    <a:noFill/>
+                  </a:ln>
+                  <a:solidFill>
+                    <a:schemeClr val="tx2"/>
+                  </a:solidFill>
+                  <a:effectLst/>
+                  <a:latin typeface="Verdana" panose="020B0604030504040204" pitchFamily="34" charset="0"/>
+                  <a:ea typeface="Verdana" panose="020B0604030504040204" pitchFamily="34" charset="0"/>
+                  <a:cs typeface="Verdana" panose="020B0604030504040204" pitchFamily="34" charset="0"/>
+                </a:endParaRPr>
+              </a:p>
+            </p:txBody>
+          </p:sp>
+          <p:cxnSp>
+            <p:nvCxnSpPr>
+              <p:cNvPr id="429220" name="Straight Connector 429219">
+                <a:extLst>
+                  <a:ext uri="{FF2B5EF4-FFF2-40B4-BE49-F238E27FC236}">
+                    <a16:creationId xmlns:a16="http://schemas.microsoft.com/office/drawing/2014/main" id="{267B3200-533C-BF5B-30A0-CD5A1A6C69B2}"/>
+                  </a:ext>
+                </a:extLst>
+              </p:cNvPr>
+              <p:cNvCxnSpPr>
+                <a:cxnSpLocks/>
+                <a:stCxn id="429218" idx="5"/>
+                <a:endCxn id="429216" idx="1"/>
+              </p:cNvCxnSpPr>
+              <p:nvPr/>
+            </p:nvCxnSpPr>
+            <p:spPr bwMode="auto">
+              <a:xfrm>
+                <a:off x="423431" y="1905663"/>
+                <a:ext cx="434439" cy="293792"/>
+              </a:xfrm>
+              <a:prstGeom prst="line">
+                <a:avLst/>
+              </a:prstGeom>
+              <a:solidFill>
+                <a:srgbClr val="CCFFCC"/>
+              </a:solidFill>
+              <a:ln w="12700" cap="flat" cmpd="sng" algn="ctr">
+                <a:solidFill>
+                  <a:schemeClr val="tx1"/>
+                </a:solidFill>
+                <a:prstDash val="solid"/>
+                <a:round/>
+                <a:headEnd type="none" w="sm" len="sm"/>
+                <a:tailEnd type="none" w="sm" len="sm"/>
+              </a:ln>
+              <a:effectLst/>
+            </p:spPr>
+          </p:cxnSp>
+          <p:cxnSp>
+            <p:nvCxnSpPr>
+              <p:cNvPr id="429221" name="Straight Connector 429220">
+                <a:extLst>
+                  <a:ext uri="{FF2B5EF4-FFF2-40B4-BE49-F238E27FC236}">
+                    <a16:creationId xmlns:a16="http://schemas.microsoft.com/office/drawing/2014/main" id="{D27DAF26-FC76-3B2F-4528-C5D03DAE2FF8}"/>
+                  </a:ext>
+                </a:extLst>
+              </p:cNvPr>
+              <p:cNvCxnSpPr>
+                <a:cxnSpLocks/>
+                <a:stCxn id="429219" idx="3"/>
+                <a:endCxn id="429217" idx="7"/>
+              </p:cNvCxnSpPr>
+              <p:nvPr/>
+            </p:nvCxnSpPr>
+            <p:spPr bwMode="auto">
+              <a:xfrm flipH="1">
+                <a:off x="423431" y="3035646"/>
+                <a:ext cx="437432" cy="275179"/>
+              </a:xfrm>
+              <a:prstGeom prst="line">
+                <a:avLst/>
+              </a:prstGeom>
+              <a:solidFill>
+                <a:srgbClr val="CCFFCC"/>
+              </a:solidFill>
+              <a:ln w="12700" cap="flat" cmpd="sng" algn="ctr">
+                <a:solidFill>
+                  <a:schemeClr val="tx1"/>
+                </a:solidFill>
+                <a:prstDash val="solid"/>
+                <a:round/>
+                <a:headEnd type="none" w="sm" len="sm"/>
+                <a:tailEnd type="none" w="sm" len="sm"/>
+              </a:ln>
+              <a:effectLst/>
+            </p:spPr>
+          </p:cxnSp>
+          <p:cxnSp>
+            <p:nvCxnSpPr>
+              <p:cNvPr id="429223" name="Straight Connector 429222">
+                <a:extLst>
+                  <a:ext uri="{FF2B5EF4-FFF2-40B4-BE49-F238E27FC236}">
+                    <a16:creationId xmlns:a16="http://schemas.microsoft.com/office/drawing/2014/main" id="{BC5F1465-94D0-E353-DE15-62D7C77F80DD}"/>
+                  </a:ext>
+                </a:extLst>
+              </p:cNvPr>
+              <p:cNvCxnSpPr>
+                <a:cxnSpLocks/>
+                <a:stCxn id="429216" idx="4"/>
+                <a:endCxn id="429219" idx="0"/>
+              </p:cNvCxnSpPr>
+              <p:nvPr/>
+            </p:nvCxnSpPr>
+            <p:spPr bwMode="auto">
+              <a:xfrm>
+                <a:off x="934338" y="2384065"/>
+                <a:ext cx="2993" cy="466971"/>
+              </a:xfrm>
+              <a:prstGeom prst="line">
+                <a:avLst/>
+              </a:prstGeom>
+              <a:solidFill>
+                <a:srgbClr val="CCFFCC"/>
+              </a:solidFill>
+              <a:ln w="12700" cap="flat" cmpd="sng" algn="ctr">
+                <a:solidFill>
+                  <a:schemeClr val="tx1"/>
+                </a:solidFill>
+                <a:prstDash val="solid"/>
+                <a:round/>
+                <a:headEnd type="none" w="sm" len="sm"/>
+                <a:tailEnd type="none" w="sm" len="sm"/>
+              </a:ln>
+              <a:effectLst/>
+            </p:spPr>
+          </p:cxnSp>
+          <p:sp>
+            <p:nvSpPr>
+              <p:cNvPr id="429224" name="Oval 429223">
+                <a:extLst>
+                  <a:ext uri="{FF2B5EF4-FFF2-40B4-BE49-F238E27FC236}">
+                    <a16:creationId xmlns:a16="http://schemas.microsoft.com/office/drawing/2014/main" id="{79FD8F3A-BA72-2B3E-C97B-2FDE697ED827}"/>
+                  </a:ext>
+                </a:extLst>
+              </p:cNvPr>
+              <p:cNvSpPr/>
+              <p:nvPr/>
+            </p:nvSpPr>
+            <p:spPr bwMode="auto">
+              <a:xfrm>
+                <a:off x="2140561" y="1721053"/>
+                <a:ext cx="216284" cy="216284"/>
+              </a:xfrm>
+              <a:prstGeom prst="ellipse">
+                <a:avLst/>
+              </a:prstGeom>
+              <a:solidFill>
+                <a:srgbClr val="CCFFCC"/>
+              </a:solidFill>
+              <a:ln w="12700" cap="flat" cmpd="sng" algn="ctr">
+                <a:solidFill>
+                  <a:schemeClr val="tx1"/>
+                </a:solidFill>
+                <a:prstDash val="solid"/>
+                <a:round/>
+                <a:headEnd type="none" w="sm" len="sm"/>
+                <a:tailEnd type="none" w="sm" len="sm"/>
+              </a:ln>
+              <a:effectLst/>
+            </p:spPr>
+            <p:txBody>
+              <a:bodyPr vert="horz" wrap="square" lIns="91440" tIns="45720" rIns="91440" bIns="45720" numCol="1" rtlCol="0" anchor="ctr" anchorCtr="0" compatLnSpc="1">
+                <a:prstTxWarp prst="textNoShape">
+                  <a:avLst/>
+                </a:prstTxWarp>
+              </a:bodyPr>
+              <a:lstStyle/>
+              <a:p>
+                <a:pPr marL="0" marR="0" indent="0" algn="ctr" defTabSz="914400" rtl="0" eaLnBrk="0" fontAlgn="base" latinLnBrk="0" hangingPunct="0">
+                  <a:lnSpc>
+                    <a:spcPct val="100000"/>
+                  </a:lnSpc>
+                  <a:spcBef>
+                    <a:spcPct val="0"/>
+                  </a:spcBef>
+                  <a:spcAft>
+                    <a:spcPct val="0"/>
+                  </a:spcAft>
+                  <a:buClrTx/>
+                  <a:buSzTx/>
+                  <a:buFontTx/>
+                  <a:buNone/>
+                  <a:tabLst/>
+                </a:pPr>
+                <a:r>
+                  <a:rPr kumimoji="0" lang="en-US" sz="1200" b="0" i="1" u="none" strike="noStrike" cap="none" normalizeH="0" baseline="0" dirty="0">
+                    <a:ln>
+                      <a:noFill/>
+                    </a:ln>
+                    <a:solidFill>
+                      <a:schemeClr val="tx2"/>
+                    </a:solidFill>
+                    <a:effectLst/>
+                    <a:latin typeface="Verdana" panose="020B0604030504040204" pitchFamily="34" charset="0"/>
+                    <a:ea typeface="Verdana" panose="020B0604030504040204" pitchFamily="34" charset="0"/>
+                    <a:cs typeface="Verdana" panose="020B0604030504040204" pitchFamily="34" charset="0"/>
+                  </a:rPr>
+                  <a:t>f</a:t>
+                </a:r>
+              </a:p>
+            </p:txBody>
+          </p:sp>
+          <p:sp>
+            <p:nvSpPr>
+              <p:cNvPr id="429225" name="Oval 429224">
+                <a:extLst>
+                  <a:ext uri="{FF2B5EF4-FFF2-40B4-BE49-F238E27FC236}">
+                    <a16:creationId xmlns:a16="http://schemas.microsoft.com/office/drawing/2014/main" id="{9C07107E-CDC7-624C-5763-AD6024EDBC92}"/>
+                  </a:ext>
+                </a:extLst>
+              </p:cNvPr>
+              <p:cNvSpPr/>
+              <p:nvPr/>
+            </p:nvSpPr>
+            <p:spPr bwMode="auto">
+              <a:xfrm>
+                <a:off x="1536106" y="2851036"/>
+                <a:ext cx="216284" cy="216284"/>
+              </a:xfrm>
+              <a:prstGeom prst="ellipse">
+                <a:avLst/>
+              </a:prstGeom>
+              <a:solidFill>
+                <a:srgbClr val="CCFFCC"/>
+              </a:solidFill>
+              <a:ln w="12700" cap="flat" cmpd="sng" algn="ctr">
+                <a:solidFill>
+                  <a:schemeClr val="tx1"/>
+                </a:solidFill>
+                <a:prstDash val="solid"/>
+                <a:round/>
+                <a:headEnd type="none" w="sm" len="sm"/>
+                <a:tailEnd type="none" w="sm" len="sm"/>
+              </a:ln>
+              <a:effectLst/>
+            </p:spPr>
+            <p:txBody>
+              <a:bodyPr vert="horz" wrap="square" lIns="91440" tIns="45720" rIns="91440" bIns="45720" numCol="1" rtlCol="0" anchor="ctr" anchorCtr="0" compatLnSpc="1">
+                <a:prstTxWarp prst="textNoShape">
+                  <a:avLst/>
+                </a:prstTxWarp>
+              </a:bodyPr>
+              <a:lstStyle/>
+              <a:p>
+                <a:pPr marL="0" marR="0" indent="0" algn="ctr" defTabSz="914400" rtl="0" eaLnBrk="0" fontAlgn="base" latinLnBrk="0" hangingPunct="0">
+                  <a:lnSpc>
+                    <a:spcPct val="100000"/>
+                  </a:lnSpc>
+                  <a:spcBef>
+                    <a:spcPct val="0"/>
+                  </a:spcBef>
+                  <a:spcAft>
+                    <a:spcPct val="0"/>
+                  </a:spcAft>
+                  <a:buClrTx/>
+                  <a:buSzTx/>
+                  <a:buFontTx/>
+                  <a:buNone/>
+                  <a:tabLst/>
+                </a:pPr>
+                <a:r>
+                  <a:rPr kumimoji="0" lang="en-US" sz="1200" b="0" i="1" u="none" strike="noStrike" cap="none" normalizeH="0" baseline="0" dirty="0">
+                    <a:ln>
+                      <a:noFill/>
+                    </a:ln>
+                    <a:solidFill>
+                      <a:schemeClr val="tx2"/>
+                    </a:solidFill>
+                    <a:effectLst/>
+                    <a:latin typeface="Verdana" panose="020B0604030504040204" pitchFamily="34" charset="0"/>
+                    <a:ea typeface="Verdana" panose="020B0604030504040204" pitchFamily="34" charset="0"/>
+                    <a:cs typeface="Verdana" panose="020B0604030504040204" pitchFamily="34" charset="0"/>
+                  </a:rPr>
+                  <a:t>g</a:t>
+                </a:r>
+              </a:p>
+            </p:txBody>
+          </p:sp>
+          <p:cxnSp>
+            <p:nvCxnSpPr>
+              <p:cNvPr id="429226" name="Straight Connector 429225">
+                <a:extLst>
+                  <a:ext uri="{FF2B5EF4-FFF2-40B4-BE49-F238E27FC236}">
+                    <a16:creationId xmlns:a16="http://schemas.microsoft.com/office/drawing/2014/main" id="{C7E91F9D-67D8-3CA0-79C2-D9D8D126565E}"/>
+                  </a:ext>
+                </a:extLst>
+              </p:cNvPr>
+              <p:cNvCxnSpPr>
+                <a:cxnSpLocks/>
+                <a:stCxn id="429225" idx="5"/>
+                <a:endCxn id="429232" idx="1"/>
+              </p:cNvCxnSpPr>
+              <p:nvPr/>
+            </p:nvCxnSpPr>
+            <p:spPr bwMode="auto">
+              <a:xfrm>
+                <a:off x="1720716" y="3035646"/>
+                <a:ext cx="446742" cy="270884"/>
+              </a:xfrm>
+              <a:prstGeom prst="line">
+                <a:avLst/>
+              </a:prstGeom>
+              <a:solidFill>
+                <a:srgbClr val="CCFFCC"/>
+              </a:solidFill>
+              <a:ln w="12700" cap="flat" cmpd="sng" algn="ctr">
+                <a:solidFill>
+                  <a:schemeClr val="tx1"/>
+                </a:solidFill>
+                <a:prstDash val="solid"/>
+                <a:round/>
+                <a:headEnd type="none" w="sm" len="sm"/>
+                <a:tailEnd type="none" w="sm" len="sm"/>
+              </a:ln>
+              <a:effectLst/>
+            </p:spPr>
+          </p:cxnSp>
+          <p:cxnSp>
+            <p:nvCxnSpPr>
+              <p:cNvPr id="429228" name="Straight Connector 429227">
+                <a:extLst>
+                  <a:ext uri="{FF2B5EF4-FFF2-40B4-BE49-F238E27FC236}">
+                    <a16:creationId xmlns:a16="http://schemas.microsoft.com/office/drawing/2014/main" id="{760C31E4-0D28-8311-EF6C-FEE0CAD5ED0F}"/>
+                  </a:ext>
+                </a:extLst>
+              </p:cNvPr>
+              <p:cNvCxnSpPr>
+                <a:cxnSpLocks/>
+                <a:stCxn id="429224" idx="3"/>
+                <a:endCxn id="429231" idx="7"/>
+              </p:cNvCxnSpPr>
+              <p:nvPr/>
+            </p:nvCxnSpPr>
+            <p:spPr bwMode="auto">
+              <a:xfrm flipH="1">
+                <a:off x="1730039" y="1905663"/>
+                <a:ext cx="442196" cy="293792"/>
+              </a:xfrm>
+              <a:prstGeom prst="line">
+                <a:avLst/>
+              </a:prstGeom>
+              <a:solidFill>
+                <a:srgbClr val="CCFFCC"/>
+              </a:solidFill>
+              <a:ln w="12700" cap="flat" cmpd="sng" algn="ctr">
+                <a:solidFill>
+                  <a:schemeClr val="tx1"/>
+                </a:solidFill>
+                <a:prstDash val="solid"/>
+                <a:round/>
+                <a:headEnd type="none" w="sm" len="sm"/>
+                <a:tailEnd type="none" w="sm" len="sm"/>
+              </a:ln>
+              <a:effectLst/>
+            </p:spPr>
+          </p:cxnSp>
+          <p:cxnSp>
+            <p:nvCxnSpPr>
+              <p:cNvPr id="429229" name="Straight Connector 429228">
+                <a:extLst>
+                  <a:ext uri="{FF2B5EF4-FFF2-40B4-BE49-F238E27FC236}">
+                    <a16:creationId xmlns:a16="http://schemas.microsoft.com/office/drawing/2014/main" id="{0D96C1BC-37A5-DCF8-B52A-AB77151C91E9}"/>
+                  </a:ext>
+                </a:extLst>
+              </p:cNvPr>
+              <p:cNvCxnSpPr>
+                <a:cxnSpLocks/>
+                <a:stCxn id="429225" idx="0"/>
+                <a:endCxn id="429231" idx="4"/>
+              </p:cNvCxnSpPr>
+              <p:nvPr/>
+            </p:nvCxnSpPr>
+            <p:spPr bwMode="auto">
+              <a:xfrm flipV="1">
+                <a:off x="1644248" y="2384065"/>
+                <a:ext cx="9323" cy="466971"/>
+              </a:xfrm>
+              <a:prstGeom prst="line">
+                <a:avLst/>
+              </a:prstGeom>
+              <a:solidFill>
+                <a:srgbClr val="CCFFCC"/>
+              </a:solidFill>
+              <a:ln w="12700" cap="flat" cmpd="sng" algn="ctr">
+                <a:solidFill>
+                  <a:schemeClr val="tx1"/>
+                </a:solidFill>
+                <a:prstDash val="solid"/>
+                <a:round/>
+                <a:headEnd type="none" w="sm" len="sm"/>
+                <a:tailEnd type="none" w="sm" len="sm"/>
+              </a:ln>
+              <a:effectLst/>
+            </p:spPr>
+          </p:cxnSp>
+          <p:sp>
+            <p:nvSpPr>
+              <p:cNvPr id="429231" name="Oval 429230">
+                <a:extLst>
+                  <a:ext uri="{FF2B5EF4-FFF2-40B4-BE49-F238E27FC236}">
+                    <a16:creationId xmlns:a16="http://schemas.microsoft.com/office/drawing/2014/main" id="{F0F271D5-DD6F-532D-EAF5-FE6A6696DCF2}"/>
+                  </a:ext>
+                </a:extLst>
+              </p:cNvPr>
+              <p:cNvSpPr/>
+              <p:nvPr/>
+            </p:nvSpPr>
+            <p:spPr bwMode="auto">
+              <a:xfrm>
+                <a:off x="1545429" y="2167781"/>
+                <a:ext cx="216284" cy="216284"/>
+              </a:xfrm>
+              <a:prstGeom prst="ellipse">
+                <a:avLst/>
+              </a:prstGeom>
+              <a:solidFill>
+                <a:srgbClr val="CCFFCC"/>
+              </a:solidFill>
+              <a:ln w="12700" cap="flat" cmpd="sng" algn="ctr">
+                <a:solidFill>
+                  <a:schemeClr val="tx1"/>
+                </a:solidFill>
+                <a:prstDash val="solid"/>
+                <a:round/>
+                <a:headEnd type="none" w="sm" len="sm"/>
+                <a:tailEnd type="none" w="sm" len="sm"/>
+              </a:ln>
+              <a:effectLst/>
+            </p:spPr>
+            <p:txBody>
+              <a:bodyPr vert="horz" wrap="square" lIns="91440" tIns="45720" rIns="91440" bIns="45720" numCol="1" rtlCol="0" anchor="ctr" anchorCtr="0" compatLnSpc="1">
+                <a:prstTxWarp prst="textNoShape">
+                  <a:avLst/>
+                </a:prstTxWarp>
+              </a:bodyPr>
+              <a:lstStyle/>
+              <a:p>
+                <a:pPr marL="0" marR="0" indent="0" algn="ctr" defTabSz="914400" rtl="0" eaLnBrk="0" fontAlgn="base" latinLnBrk="0" hangingPunct="0">
+                  <a:lnSpc>
+                    <a:spcPct val="100000"/>
+                  </a:lnSpc>
+                  <a:spcBef>
+                    <a:spcPct val="0"/>
+                  </a:spcBef>
+                  <a:spcAft>
+                    <a:spcPct val="0"/>
+                  </a:spcAft>
+                  <a:buClrTx/>
+                  <a:buSzTx/>
+                  <a:buFontTx/>
+                  <a:buNone/>
+                  <a:tabLst/>
+                </a:pPr>
+                <a:r>
+                  <a:rPr kumimoji="0" lang="en-US" sz="1200" b="0" i="1" u="none" strike="noStrike" cap="none" normalizeH="0" baseline="0" dirty="0">
+                    <a:ln>
+                      <a:noFill/>
+                    </a:ln>
+                    <a:solidFill>
+                      <a:schemeClr val="tx2"/>
+                    </a:solidFill>
+                    <a:effectLst/>
+                    <a:latin typeface="Verdana" panose="020B0604030504040204" pitchFamily="34" charset="0"/>
+                    <a:ea typeface="Verdana" panose="020B0604030504040204" pitchFamily="34" charset="0"/>
+                    <a:cs typeface="Verdana" panose="020B0604030504040204" pitchFamily="34" charset="0"/>
+                  </a:rPr>
+                  <a:t>e</a:t>
+                </a:r>
+              </a:p>
+            </p:txBody>
+          </p:sp>
+          <p:sp>
+            <p:nvSpPr>
+              <p:cNvPr id="429232" name="Oval 429231">
+                <a:extLst>
+                  <a:ext uri="{FF2B5EF4-FFF2-40B4-BE49-F238E27FC236}">
+                    <a16:creationId xmlns:a16="http://schemas.microsoft.com/office/drawing/2014/main" id="{407988F0-43D6-DCA7-D64F-3A0E7D832219}"/>
+                  </a:ext>
+                </a:extLst>
+              </p:cNvPr>
+              <p:cNvSpPr/>
+              <p:nvPr/>
+            </p:nvSpPr>
+            <p:spPr bwMode="auto">
+              <a:xfrm>
+                <a:off x="2135784" y="3274856"/>
+                <a:ext cx="216284" cy="216284"/>
+              </a:xfrm>
+              <a:prstGeom prst="ellipse">
+                <a:avLst/>
+              </a:prstGeom>
+              <a:solidFill>
+                <a:srgbClr val="CCFFCC"/>
+              </a:solidFill>
+              <a:ln w="12700" cap="flat" cmpd="sng" algn="ctr">
+                <a:solidFill>
+                  <a:schemeClr val="tx1"/>
+                </a:solidFill>
+                <a:prstDash val="solid"/>
+                <a:round/>
+                <a:headEnd type="none" w="sm" len="sm"/>
+                <a:tailEnd type="none" w="sm" len="sm"/>
+              </a:ln>
+              <a:effectLst/>
+            </p:spPr>
+            <p:txBody>
+              <a:bodyPr vert="horz" wrap="square" lIns="91440" tIns="45720" rIns="91440" bIns="45720" numCol="1" rtlCol="0" anchor="ctr" anchorCtr="0" compatLnSpc="1">
+                <a:prstTxWarp prst="textNoShape">
+                  <a:avLst/>
+                </a:prstTxWarp>
+              </a:bodyPr>
+              <a:lstStyle/>
+              <a:p>
+                <a:pPr marL="0" marR="0" indent="0" algn="ctr" defTabSz="914400" rtl="0" eaLnBrk="0" fontAlgn="base" latinLnBrk="0" hangingPunct="0">
+                  <a:lnSpc>
+                    <a:spcPct val="100000"/>
+                  </a:lnSpc>
+                  <a:spcBef>
+                    <a:spcPct val="0"/>
+                  </a:spcBef>
+                  <a:spcAft>
+                    <a:spcPct val="0"/>
+                  </a:spcAft>
+                  <a:buClrTx/>
+                  <a:buSzTx/>
+                  <a:buFontTx/>
+                  <a:buNone/>
+                  <a:tabLst/>
+                </a:pPr>
+                <a:r>
+                  <a:rPr kumimoji="0" lang="en-US" sz="1200" b="0" i="1" u="none" strike="noStrike" cap="none" normalizeH="0" baseline="0" dirty="0">
+                    <a:ln>
+                      <a:noFill/>
+                    </a:ln>
+                    <a:solidFill>
+                      <a:schemeClr val="tx2"/>
+                    </a:solidFill>
+                    <a:effectLst/>
+                    <a:latin typeface="Verdana" panose="020B0604030504040204" pitchFamily="34" charset="0"/>
+                    <a:ea typeface="Verdana" panose="020B0604030504040204" pitchFamily="34" charset="0"/>
+                    <a:cs typeface="Verdana" panose="020B0604030504040204" pitchFamily="34" charset="0"/>
+                  </a:rPr>
+                  <a:t>h</a:t>
+                </a:r>
+              </a:p>
+            </p:txBody>
+          </p:sp>
+          <p:cxnSp>
+            <p:nvCxnSpPr>
+              <p:cNvPr id="429233" name="Straight Connector 429232">
+                <a:extLst>
+                  <a:ext uri="{FF2B5EF4-FFF2-40B4-BE49-F238E27FC236}">
+                    <a16:creationId xmlns:a16="http://schemas.microsoft.com/office/drawing/2014/main" id="{BDC581B4-B54C-351D-5C4B-03892C5DDD07}"/>
+                  </a:ext>
+                </a:extLst>
+              </p:cNvPr>
+              <p:cNvCxnSpPr>
+                <a:cxnSpLocks/>
+              </p:cNvCxnSpPr>
+              <p:nvPr/>
+            </p:nvCxnSpPr>
+            <p:spPr bwMode="auto">
+              <a:xfrm>
+                <a:off x="455758" y="1829195"/>
+                <a:ext cx="1684803" cy="0"/>
+              </a:xfrm>
+              <a:prstGeom prst="line">
+                <a:avLst/>
+              </a:prstGeom>
+              <a:solidFill>
+                <a:srgbClr val="CCFFCC"/>
+              </a:solidFill>
+              <a:ln w="12700" cap="flat" cmpd="sng" algn="ctr">
+                <a:solidFill>
+                  <a:schemeClr val="tx1"/>
+                </a:solidFill>
+                <a:prstDash val="solid"/>
+                <a:round/>
+                <a:headEnd type="none" w="sm" len="sm"/>
+                <a:tailEnd type="none" w="sm" len="sm"/>
+              </a:ln>
+              <a:effectLst/>
+            </p:spPr>
+          </p:cxnSp>
+          <p:cxnSp>
+            <p:nvCxnSpPr>
+              <p:cNvPr id="429235" name="Straight Connector 429234">
+                <a:extLst>
+                  <a:ext uri="{FF2B5EF4-FFF2-40B4-BE49-F238E27FC236}">
+                    <a16:creationId xmlns:a16="http://schemas.microsoft.com/office/drawing/2014/main" id="{5EC8DDE7-EE95-43DF-CA39-2269697A452E}"/>
+                  </a:ext>
+                </a:extLst>
+              </p:cNvPr>
+              <p:cNvCxnSpPr>
+                <a:cxnSpLocks/>
+                <a:stCxn id="429217" idx="6"/>
+                <a:endCxn id="429232" idx="2"/>
+              </p:cNvCxnSpPr>
+              <p:nvPr/>
+            </p:nvCxnSpPr>
+            <p:spPr bwMode="auto">
+              <a:xfrm flipV="1">
+                <a:off x="455105" y="3382998"/>
+                <a:ext cx="1680679" cy="4295"/>
+              </a:xfrm>
+              <a:prstGeom prst="line">
+                <a:avLst/>
+              </a:prstGeom>
+              <a:solidFill>
+                <a:srgbClr val="CCFFCC"/>
+              </a:solidFill>
+              <a:ln w="12700" cap="flat" cmpd="sng" algn="ctr">
+                <a:solidFill>
+                  <a:schemeClr val="tx1"/>
+                </a:solidFill>
+                <a:prstDash val="solid"/>
+                <a:round/>
+                <a:headEnd type="none" w="sm" len="sm"/>
+                <a:tailEnd type="none" w="sm" len="sm"/>
+              </a:ln>
+              <a:effectLst/>
+            </p:spPr>
+          </p:cxnSp>
+        </p:grpSp>
+        <p:grpSp>
+          <p:nvGrpSpPr>
+            <p:cNvPr id="429265" name="Group 429264">
+              <a:extLst>
+                <a:ext uri="{FF2B5EF4-FFF2-40B4-BE49-F238E27FC236}">
+                  <a16:creationId xmlns:a16="http://schemas.microsoft.com/office/drawing/2014/main" id="{406284B9-2133-B8B5-C2B3-E729D29F222F}"/>
+                </a:ext>
+              </a:extLst>
+            </p:cNvPr>
+            <p:cNvGrpSpPr/>
+            <p:nvPr/>
+          </p:nvGrpSpPr>
+          <p:grpSpPr>
+            <a:xfrm>
+              <a:off x="5207901" y="4298062"/>
+              <a:ext cx="2118024" cy="1774382"/>
+              <a:chOff x="5207901" y="4298062"/>
+              <a:chExt cx="2118024" cy="1774382"/>
+            </a:xfrm>
+          </p:grpSpPr>
+          <p:sp>
+            <p:nvSpPr>
+              <p:cNvPr id="429240" name="Oval 429239">
+                <a:extLst>
+                  <a:ext uri="{FF2B5EF4-FFF2-40B4-BE49-F238E27FC236}">
+                    <a16:creationId xmlns:a16="http://schemas.microsoft.com/office/drawing/2014/main" id="{3077BD4A-AC49-4BF3-E5F1-F44D35F6755B}"/>
+                  </a:ext>
+                </a:extLst>
+              </p:cNvPr>
+              <p:cNvSpPr/>
+              <p:nvPr/>
+            </p:nvSpPr>
+            <p:spPr bwMode="auto">
+              <a:xfrm>
+                <a:off x="5795276" y="4744790"/>
+                <a:ext cx="216284" cy="216284"/>
+              </a:xfrm>
+              <a:prstGeom prst="ellipse">
+                <a:avLst/>
+              </a:prstGeom>
+              <a:solidFill>
+                <a:srgbClr val="CCFFCC"/>
+              </a:solidFill>
+              <a:ln w="12700" cap="flat" cmpd="sng" algn="ctr">
+                <a:solidFill>
+                  <a:schemeClr val="tx1"/>
+                </a:solidFill>
+                <a:prstDash val="solid"/>
+                <a:round/>
+                <a:headEnd type="none" w="sm" len="sm"/>
+                <a:tailEnd type="none" w="sm" len="sm"/>
+              </a:ln>
+              <a:effectLst/>
+            </p:spPr>
+            <p:txBody>
+              <a:bodyPr vert="horz" wrap="square" lIns="91440" tIns="45720" rIns="91440" bIns="45720" numCol="1" rtlCol="0" anchor="ctr" anchorCtr="0" compatLnSpc="1">
+                <a:prstTxWarp prst="textNoShape">
+                  <a:avLst/>
+                </a:prstTxWarp>
+              </a:bodyPr>
+              <a:lstStyle/>
+              <a:p>
+                <a:pPr marL="0" marR="0" indent="0" algn="ctr" defTabSz="914400" rtl="0" eaLnBrk="0" fontAlgn="base" latinLnBrk="0" hangingPunct="0">
+                  <a:lnSpc>
+                    <a:spcPct val="100000"/>
+                  </a:lnSpc>
+                  <a:spcBef>
+                    <a:spcPct val="0"/>
+                  </a:spcBef>
+                  <a:spcAft>
+                    <a:spcPct val="0"/>
+                  </a:spcAft>
+                  <a:buClrTx/>
+                  <a:buSzTx/>
+                  <a:buFontTx/>
+                  <a:buNone/>
+                  <a:tabLst/>
+                </a:pPr>
+                <a:r>
+                  <a:rPr kumimoji="0" lang="en-US" sz="1200" b="0" i="1" u="none" strike="noStrike" cap="none" normalizeH="0" baseline="0" dirty="0">
+                    <a:ln>
+                      <a:noFill/>
+                    </a:ln>
+                    <a:solidFill>
+                      <a:schemeClr val="tx2"/>
+                    </a:solidFill>
+                    <a:effectLst/>
+                    <a:latin typeface="Verdana" panose="020B0604030504040204" pitchFamily="34" charset="0"/>
+                    <a:ea typeface="Verdana" panose="020B0604030504040204" pitchFamily="34" charset="0"/>
+                    <a:cs typeface="Verdana" panose="020B0604030504040204" pitchFamily="34" charset="0"/>
+                  </a:rPr>
+                  <a:t>b</a:t>
+                </a:r>
+              </a:p>
+            </p:txBody>
+          </p:sp>
+          <p:sp>
+            <p:nvSpPr>
+              <p:cNvPr id="429241" name="Oval 429240">
+                <a:extLst>
+                  <a:ext uri="{FF2B5EF4-FFF2-40B4-BE49-F238E27FC236}">
+                    <a16:creationId xmlns:a16="http://schemas.microsoft.com/office/drawing/2014/main" id="{5097C174-4DC1-ED31-E62A-8F2018243276}"/>
+                  </a:ext>
+                </a:extLst>
+              </p:cNvPr>
+              <p:cNvSpPr/>
+              <p:nvPr/>
+            </p:nvSpPr>
+            <p:spPr bwMode="auto">
+              <a:xfrm>
+                <a:off x="5207901" y="5856160"/>
+                <a:ext cx="216284" cy="216284"/>
+              </a:xfrm>
+              <a:prstGeom prst="ellipse">
+                <a:avLst/>
+              </a:prstGeom>
+              <a:solidFill>
+                <a:srgbClr val="CCFFCC"/>
+              </a:solidFill>
+              <a:ln w="12700" cap="flat" cmpd="sng" algn="ctr">
+                <a:solidFill>
+                  <a:schemeClr val="tx1"/>
+                </a:solidFill>
+                <a:prstDash val="solid"/>
+                <a:round/>
+                <a:headEnd type="none" w="sm" len="sm"/>
+                <a:tailEnd type="none" w="sm" len="sm"/>
+              </a:ln>
+              <a:effectLst/>
+            </p:spPr>
+            <p:txBody>
+              <a:bodyPr vert="horz" wrap="square" lIns="91440" tIns="45720" rIns="91440" bIns="45720" numCol="1" rtlCol="0" anchor="ctr" anchorCtr="0" compatLnSpc="1">
+                <a:prstTxWarp prst="textNoShape">
+                  <a:avLst/>
+                </a:prstTxWarp>
+              </a:bodyPr>
+              <a:lstStyle/>
+              <a:p>
+                <a:pPr marL="0" marR="0" indent="0" algn="ctr" defTabSz="914400" rtl="0" eaLnBrk="0" fontAlgn="base" latinLnBrk="0" hangingPunct="0">
+                  <a:lnSpc>
+                    <a:spcPct val="100000"/>
+                  </a:lnSpc>
+                  <a:spcBef>
+                    <a:spcPct val="0"/>
+                  </a:spcBef>
+                  <a:spcAft>
+                    <a:spcPct val="0"/>
+                  </a:spcAft>
+                  <a:buClrTx/>
+                  <a:buSzTx/>
+                  <a:buFontTx/>
+                  <a:buNone/>
+                  <a:tabLst/>
+                </a:pPr>
+                <a:r>
+                  <a:rPr kumimoji="0" lang="en-US" sz="1200" b="0" i="1" u="none" strike="noStrike" cap="none" normalizeH="0" baseline="0" dirty="0">
+                    <a:ln>
+                      <a:noFill/>
+                    </a:ln>
+                    <a:solidFill>
+                      <a:schemeClr val="tx2"/>
+                    </a:solidFill>
+                    <a:effectLst/>
+                    <a:latin typeface="Verdana" panose="020B0604030504040204" pitchFamily="34" charset="0"/>
+                    <a:ea typeface="Verdana" panose="020B0604030504040204" pitchFamily="34" charset="0"/>
+                    <a:cs typeface="Verdana" panose="020B0604030504040204" pitchFamily="34" charset="0"/>
+                  </a:rPr>
+                  <a:t>c</a:t>
+                </a:r>
+              </a:p>
+            </p:txBody>
+          </p:sp>
+          <p:sp>
+            <p:nvSpPr>
+              <p:cNvPr id="429242" name="Oval 429241">
+                <a:extLst>
+                  <a:ext uri="{FF2B5EF4-FFF2-40B4-BE49-F238E27FC236}">
+                    <a16:creationId xmlns:a16="http://schemas.microsoft.com/office/drawing/2014/main" id="{7C1DD86B-3C46-1E05-B0BD-8DC3372F47DF}"/>
+                  </a:ext>
+                </a:extLst>
+              </p:cNvPr>
+              <p:cNvSpPr/>
+              <p:nvPr/>
+            </p:nvSpPr>
+            <p:spPr bwMode="auto">
+              <a:xfrm>
+                <a:off x="5207901" y="4298062"/>
+                <a:ext cx="216284" cy="216284"/>
+              </a:xfrm>
+              <a:prstGeom prst="ellipse">
+                <a:avLst/>
+              </a:prstGeom>
+              <a:solidFill>
+                <a:srgbClr val="CCFFCC"/>
+              </a:solidFill>
+              <a:ln w="12700" cap="flat" cmpd="sng" algn="ctr">
+                <a:solidFill>
+                  <a:schemeClr val="tx1"/>
+                </a:solidFill>
+                <a:prstDash val="solid"/>
+                <a:round/>
+                <a:headEnd type="none" w="sm" len="sm"/>
+                <a:tailEnd type="none" w="sm" len="sm"/>
+              </a:ln>
+              <a:effectLst/>
+            </p:spPr>
+            <p:txBody>
+              <a:bodyPr vert="horz" wrap="square" lIns="91440" tIns="45720" rIns="91440" bIns="45720" numCol="1" rtlCol="0" anchor="ctr" anchorCtr="0" compatLnSpc="1">
+                <a:prstTxWarp prst="textNoShape">
+                  <a:avLst/>
+                </a:prstTxWarp>
+              </a:bodyPr>
+              <a:lstStyle/>
+              <a:p>
+                <a:pPr marL="0" marR="0" indent="0" algn="ctr" defTabSz="914400" rtl="0" eaLnBrk="0" fontAlgn="base" latinLnBrk="0" hangingPunct="0">
+                  <a:lnSpc>
+                    <a:spcPct val="100000"/>
+                  </a:lnSpc>
+                  <a:spcBef>
+                    <a:spcPct val="0"/>
+                  </a:spcBef>
+                  <a:spcAft>
+                    <a:spcPct val="0"/>
+                  </a:spcAft>
+                  <a:buClrTx/>
+                  <a:buSzTx/>
+                  <a:buFontTx/>
+                  <a:buNone/>
+                  <a:tabLst/>
+                </a:pPr>
+                <a:r>
+                  <a:rPr kumimoji="0" lang="en-US" sz="1200" b="0" i="1" u="none" strike="noStrike" cap="none" normalizeH="0" baseline="0" dirty="0">
+                    <a:ln>
+                      <a:noFill/>
+                    </a:ln>
+                    <a:solidFill>
+                      <a:schemeClr val="tx2"/>
+                    </a:solidFill>
+                    <a:effectLst/>
+                    <a:latin typeface="Verdana" panose="020B0604030504040204" pitchFamily="34" charset="0"/>
+                    <a:ea typeface="Verdana" panose="020B0604030504040204" pitchFamily="34" charset="0"/>
+                    <a:cs typeface="Verdana" panose="020B0604030504040204" pitchFamily="34" charset="0"/>
+                  </a:rPr>
+                  <a:t>a</a:t>
+                </a:r>
+              </a:p>
+            </p:txBody>
+          </p:sp>
+          <p:sp>
+            <p:nvSpPr>
+              <p:cNvPr id="429243" name="Oval 429242">
+                <a:extLst>
+                  <a:ext uri="{FF2B5EF4-FFF2-40B4-BE49-F238E27FC236}">
+                    <a16:creationId xmlns:a16="http://schemas.microsoft.com/office/drawing/2014/main" id="{0DBFC2DF-6846-0334-F721-31BA1D723440}"/>
+                  </a:ext>
+                </a:extLst>
+              </p:cNvPr>
+              <p:cNvSpPr/>
+              <p:nvPr/>
+            </p:nvSpPr>
+            <p:spPr bwMode="auto">
+              <a:xfrm>
+                <a:off x="5798269" y="5428045"/>
+                <a:ext cx="216284" cy="216284"/>
+              </a:xfrm>
+              <a:prstGeom prst="ellipse">
+                <a:avLst/>
+              </a:prstGeom>
+              <a:solidFill>
+                <a:srgbClr val="CCFFCC"/>
+              </a:solidFill>
+              <a:ln w="12700" cap="flat" cmpd="sng" algn="ctr">
+                <a:solidFill>
+                  <a:schemeClr val="tx1"/>
+                </a:solidFill>
+                <a:prstDash val="solid"/>
+                <a:round/>
+                <a:headEnd type="none" w="sm" len="sm"/>
+                <a:tailEnd type="none" w="sm" len="sm"/>
+              </a:ln>
+              <a:effectLst/>
+            </p:spPr>
+            <p:txBody>
+              <a:bodyPr vert="horz" wrap="square" lIns="91440" tIns="45720" rIns="91440" bIns="45720" numCol="1" rtlCol="0" anchor="ctr" anchorCtr="0" compatLnSpc="1">
+                <a:prstTxWarp prst="textNoShape">
+                  <a:avLst/>
+                </a:prstTxWarp>
+              </a:bodyPr>
+              <a:lstStyle/>
+              <a:p>
+                <a:pPr marL="0" marR="0" indent="0" algn="ctr" defTabSz="914400" rtl="0" eaLnBrk="0" fontAlgn="base" latinLnBrk="0" hangingPunct="0">
+                  <a:lnSpc>
+                    <a:spcPct val="100000"/>
+                  </a:lnSpc>
+                  <a:spcBef>
+                    <a:spcPct val="0"/>
+                  </a:spcBef>
+                  <a:spcAft>
+                    <a:spcPct val="0"/>
+                  </a:spcAft>
+                  <a:buClrTx/>
+                  <a:buSzTx/>
+                  <a:buFontTx/>
+                  <a:buNone/>
+                  <a:tabLst/>
+                </a:pPr>
+                <a:r>
+                  <a:rPr lang="en-US" sz="1200" i="1" dirty="0">
+                    <a:latin typeface="Verdana" panose="020B0604030504040204" pitchFamily="34" charset="0"/>
+                    <a:ea typeface="Verdana" panose="020B0604030504040204" pitchFamily="34" charset="0"/>
+                    <a:cs typeface="Verdana" panose="020B0604030504040204" pitchFamily="34" charset="0"/>
+                  </a:rPr>
+                  <a:t>d</a:t>
+                </a:r>
+                <a:endParaRPr kumimoji="0" lang="en-US" sz="1200" b="0" i="1" u="none" strike="noStrike" cap="none" normalizeH="0" baseline="0" dirty="0">
+                  <a:ln>
+                    <a:noFill/>
+                  </a:ln>
+                  <a:solidFill>
+                    <a:schemeClr val="tx2"/>
+                  </a:solidFill>
+                  <a:effectLst/>
+                  <a:latin typeface="Verdana" panose="020B0604030504040204" pitchFamily="34" charset="0"/>
+                  <a:ea typeface="Verdana" panose="020B0604030504040204" pitchFamily="34" charset="0"/>
+                  <a:cs typeface="Verdana" panose="020B0604030504040204" pitchFamily="34" charset="0"/>
+                </a:endParaRPr>
+              </a:p>
+            </p:txBody>
+          </p:sp>
+          <p:cxnSp>
+            <p:nvCxnSpPr>
+              <p:cNvPr id="429246" name="Straight Connector 429245">
+                <a:extLst>
+                  <a:ext uri="{FF2B5EF4-FFF2-40B4-BE49-F238E27FC236}">
+                    <a16:creationId xmlns:a16="http://schemas.microsoft.com/office/drawing/2014/main" id="{AEE8D7C1-868B-E576-9727-87783C7EE724}"/>
+                  </a:ext>
+                </a:extLst>
+              </p:cNvPr>
+              <p:cNvCxnSpPr>
+                <a:cxnSpLocks/>
+              </p:cNvCxnSpPr>
+              <p:nvPr/>
+            </p:nvCxnSpPr>
+            <p:spPr bwMode="auto">
+              <a:xfrm flipV="1">
+                <a:off x="5316043" y="4514346"/>
+                <a:ext cx="0" cy="1341814"/>
+              </a:xfrm>
+              <a:prstGeom prst="line">
+                <a:avLst/>
+              </a:prstGeom>
+              <a:solidFill>
+                <a:srgbClr val="CCFFCC"/>
+              </a:solidFill>
+              <a:ln w="12700" cap="flat" cmpd="sng" algn="ctr">
+                <a:solidFill>
+                  <a:schemeClr val="tx1"/>
+                </a:solidFill>
+                <a:prstDash val="solid"/>
+                <a:round/>
+                <a:headEnd type="none" w="sm" len="sm"/>
+                <a:tailEnd type="none" w="sm" len="sm"/>
+              </a:ln>
+              <a:effectLst/>
+            </p:spPr>
+          </p:cxnSp>
+          <p:sp>
+            <p:nvSpPr>
+              <p:cNvPr id="429248" name="Oval 429247">
+                <a:extLst>
+                  <a:ext uri="{FF2B5EF4-FFF2-40B4-BE49-F238E27FC236}">
+                    <a16:creationId xmlns:a16="http://schemas.microsoft.com/office/drawing/2014/main" id="{D0D71643-1A44-E52E-5BD3-BF7D6D611BD6}"/>
+                  </a:ext>
+                </a:extLst>
+              </p:cNvPr>
+              <p:cNvSpPr/>
+              <p:nvPr/>
+            </p:nvSpPr>
+            <p:spPr bwMode="auto">
+              <a:xfrm>
+                <a:off x="7109641" y="4298062"/>
+                <a:ext cx="216284" cy="216284"/>
+              </a:xfrm>
+              <a:prstGeom prst="ellipse">
+                <a:avLst/>
+              </a:prstGeom>
+              <a:solidFill>
+                <a:srgbClr val="CCFFCC"/>
+              </a:solidFill>
+              <a:ln w="12700" cap="flat" cmpd="sng" algn="ctr">
+                <a:solidFill>
+                  <a:schemeClr val="tx1"/>
+                </a:solidFill>
+                <a:prstDash val="solid"/>
+                <a:round/>
+                <a:headEnd type="none" w="sm" len="sm"/>
+                <a:tailEnd type="none" w="sm" len="sm"/>
+              </a:ln>
+              <a:effectLst/>
+            </p:spPr>
+            <p:txBody>
+              <a:bodyPr vert="horz" wrap="square" lIns="91440" tIns="45720" rIns="91440" bIns="45720" numCol="1" rtlCol="0" anchor="ctr" anchorCtr="0" compatLnSpc="1">
+                <a:prstTxWarp prst="textNoShape">
+                  <a:avLst/>
+                </a:prstTxWarp>
+              </a:bodyPr>
+              <a:lstStyle/>
+              <a:p>
+                <a:pPr marL="0" marR="0" indent="0" algn="ctr" defTabSz="914400" rtl="0" eaLnBrk="0" fontAlgn="base" latinLnBrk="0" hangingPunct="0">
+                  <a:lnSpc>
+                    <a:spcPct val="100000"/>
+                  </a:lnSpc>
+                  <a:spcBef>
+                    <a:spcPct val="0"/>
+                  </a:spcBef>
+                  <a:spcAft>
+                    <a:spcPct val="0"/>
+                  </a:spcAft>
+                  <a:buClrTx/>
+                  <a:buSzTx/>
+                  <a:buFontTx/>
+                  <a:buNone/>
+                  <a:tabLst/>
+                </a:pPr>
+                <a:r>
+                  <a:rPr kumimoji="0" lang="en-US" sz="1200" b="0" i="1" u="none" strike="noStrike" cap="none" normalizeH="0" baseline="0" dirty="0">
+                    <a:ln>
+                      <a:noFill/>
+                    </a:ln>
+                    <a:solidFill>
+                      <a:schemeClr val="tx2"/>
+                    </a:solidFill>
+                    <a:effectLst/>
+                    <a:latin typeface="Verdana" panose="020B0604030504040204" pitchFamily="34" charset="0"/>
+                    <a:ea typeface="Verdana" panose="020B0604030504040204" pitchFamily="34" charset="0"/>
+                    <a:cs typeface="Verdana" panose="020B0604030504040204" pitchFamily="34" charset="0"/>
+                  </a:rPr>
+                  <a:t>f</a:t>
+                </a:r>
+              </a:p>
+            </p:txBody>
+          </p:sp>
+          <p:sp>
+            <p:nvSpPr>
+              <p:cNvPr id="429249" name="Oval 429248">
+                <a:extLst>
+                  <a:ext uri="{FF2B5EF4-FFF2-40B4-BE49-F238E27FC236}">
+                    <a16:creationId xmlns:a16="http://schemas.microsoft.com/office/drawing/2014/main" id="{BC7F7545-E277-29CD-26A6-1E4C1CFCFF8A}"/>
+                  </a:ext>
+                </a:extLst>
+              </p:cNvPr>
+              <p:cNvSpPr/>
+              <p:nvPr/>
+            </p:nvSpPr>
+            <p:spPr bwMode="auto">
+              <a:xfrm>
+                <a:off x="6505186" y="5428045"/>
+                <a:ext cx="216284" cy="216284"/>
+              </a:xfrm>
+              <a:prstGeom prst="ellipse">
+                <a:avLst/>
+              </a:prstGeom>
+              <a:solidFill>
+                <a:srgbClr val="CCFFCC"/>
+              </a:solidFill>
+              <a:ln w="12700" cap="flat" cmpd="sng" algn="ctr">
+                <a:solidFill>
+                  <a:schemeClr val="tx1"/>
+                </a:solidFill>
+                <a:prstDash val="solid"/>
+                <a:round/>
+                <a:headEnd type="none" w="sm" len="sm"/>
+                <a:tailEnd type="none" w="sm" len="sm"/>
+              </a:ln>
+              <a:effectLst/>
+            </p:spPr>
+            <p:txBody>
+              <a:bodyPr vert="horz" wrap="square" lIns="91440" tIns="45720" rIns="91440" bIns="45720" numCol="1" rtlCol="0" anchor="ctr" anchorCtr="0" compatLnSpc="1">
+                <a:prstTxWarp prst="textNoShape">
+                  <a:avLst/>
+                </a:prstTxWarp>
+              </a:bodyPr>
+              <a:lstStyle/>
+              <a:p>
+                <a:pPr marL="0" marR="0" indent="0" algn="ctr" defTabSz="914400" rtl="0" eaLnBrk="0" fontAlgn="base" latinLnBrk="0" hangingPunct="0">
+                  <a:lnSpc>
+                    <a:spcPct val="100000"/>
+                  </a:lnSpc>
+                  <a:spcBef>
+                    <a:spcPct val="0"/>
+                  </a:spcBef>
+                  <a:spcAft>
+                    <a:spcPct val="0"/>
+                  </a:spcAft>
+                  <a:buClrTx/>
+                  <a:buSzTx/>
+                  <a:buFontTx/>
+                  <a:buNone/>
+                  <a:tabLst/>
+                </a:pPr>
+                <a:r>
+                  <a:rPr kumimoji="0" lang="en-US" sz="1200" b="0" i="1" u="none" strike="noStrike" cap="none" normalizeH="0" baseline="0" dirty="0">
+                    <a:ln>
+                      <a:noFill/>
+                    </a:ln>
+                    <a:solidFill>
+                      <a:schemeClr val="tx2"/>
+                    </a:solidFill>
+                    <a:effectLst/>
+                    <a:latin typeface="Verdana" panose="020B0604030504040204" pitchFamily="34" charset="0"/>
+                    <a:ea typeface="Verdana" panose="020B0604030504040204" pitchFamily="34" charset="0"/>
+                    <a:cs typeface="Verdana" panose="020B0604030504040204" pitchFamily="34" charset="0"/>
+                  </a:rPr>
+                  <a:t>g</a:t>
+                </a:r>
+              </a:p>
+            </p:txBody>
+          </p:sp>
+          <p:cxnSp>
+            <p:nvCxnSpPr>
+              <p:cNvPr id="429251" name="Straight Connector 429250">
+                <a:extLst>
+                  <a:ext uri="{FF2B5EF4-FFF2-40B4-BE49-F238E27FC236}">
+                    <a16:creationId xmlns:a16="http://schemas.microsoft.com/office/drawing/2014/main" id="{054EF40D-5C5D-939D-06C9-3D1DC055B406}"/>
+                  </a:ext>
+                </a:extLst>
+              </p:cNvPr>
+              <p:cNvCxnSpPr>
+                <a:cxnSpLocks/>
+              </p:cNvCxnSpPr>
+              <p:nvPr/>
+            </p:nvCxnSpPr>
+            <p:spPr bwMode="auto">
+              <a:xfrm flipH="1">
+                <a:off x="6014553" y="5536187"/>
+                <a:ext cx="490633" cy="0"/>
+              </a:xfrm>
+              <a:prstGeom prst="line">
+                <a:avLst/>
+              </a:prstGeom>
+              <a:solidFill>
+                <a:srgbClr val="CCFFCC"/>
+              </a:solidFill>
+              <a:ln w="12700" cap="flat" cmpd="sng" algn="ctr">
+                <a:solidFill>
+                  <a:schemeClr val="tx1"/>
+                </a:solidFill>
+                <a:prstDash val="solid"/>
+                <a:round/>
+                <a:headEnd type="none" w="sm" len="sm"/>
+                <a:tailEnd type="none" w="sm" len="sm"/>
+              </a:ln>
+              <a:effectLst/>
+            </p:spPr>
+          </p:cxnSp>
+          <p:cxnSp>
+            <p:nvCxnSpPr>
+              <p:cNvPr id="429254" name="Straight Connector 429253">
+                <a:extLst>
+                  <a:ext uri="{FF2B5EF4-FFF2-40B4-BE49-F238E27FC236}">
+                    <a16:creationId xmlns:a16="http://schemas.microsoft.com/office/drawing/2014/main" id="{F45E7FDB-BA78-4684-484E-5BC27921E939}"/>
+                  </a:ext>
+                </a:extLst>
+              </p:cNvPr>
+              <p:cNvCxnSpPr>
+                <a:cxnSpLocks/>
+                <a:stCxn id="429248" idx="4"/>
+                <a:endCxn id="429256" idx="0"/>
+              </p:cNvCxnSpPr>
+              <p:nvPr/>
+            </p:nvCxnSpPr>
+            <p:spPr bwMode="auto">
+              <a:xfrm flipH="1">
+                <a:off x="7213006" y="4514346"/>
+                <a:ext cx="4777" cy="1337519"/>
+              </a:xfrm>
+              <a:prstGeom prst="line">
+                <a:avLst/>
+              </a:prstGeom>
+              <a:solidFill>
+                <a:srgbClr val="CCFFCC"/>
+              </a:solidFill>
+              <a:ln w="12700" cap="flat" cmpd="sng" algn="ctr">
+                <a:solidFill>
+                  <a:schemeClr val="tx1"/>
+                </a:solidFill>
+                <a:prstDash val="solid"/>
+                <a:round/>
+                <a:headEnd type="none" w="sm" len="sm"/>
+                <a:tailEnd type="none" w="sm" len="sm"/>
+              </a:ln>
+              <a:effectLst/>
+            </p:spPr>
+          </p:cxnSp>
+          <p:sp>
+            <p:nvSpPr>
+              <p:cNvPr id="429255" name="Oval 429254">
+                <a:extLst>
+                  <a:ext uri="{FF2B5EF4-FFF2-40B4-BE49-F238E27FC236}">
+                    <a16:creationId xmlns:a16="http://schemas.microsoft.com/office/drawing/2014/main" id="{B8FC0787-A036-1C5B-8CAC-E92085D10314}"/>
+                  </a:ext>
+                </a:extLst>
+              </p:cNvPr>
+              <p:cNvSpPr/>
+              <p:nvPr/>
+            </p:nvSpPr>
+            <p:spPr bwMode="auto">
+              <a:xfrm>
+                <a:off x="6514509" y="4744790"/>
+                <a:ext cx="216284" cy="216284"/>
+              </a:xfrm>
+              <a:prstGeom prst="ellipse">
+                <a:avLst/>
+              </a:prstGeom>
+              <a:solidFill>
+                <a:srgbClr val="CCFFCC"/>
+              </a:solidFill>
+              <a:ln w="12700" cap="flat" cmpd="sng" algn="ctr">
+                <a:solidFill>
+                  <a:schemeClr val="tx1"/>
+                </a:solidFill>
+                <a:prstDash val="solid"/>
+                <a:round/>
+                <a:headEnd type="none" w="sm" len="sm"/>
+                <a:tailEnd type="none" w="sm" len="sm"/>
+              </a:ln>
+              <a:effectLst/>
+            </p:spPr>
+            <p:txBody>
+              <a:bodyPr vert="horz" wrap="square" lIns="91440" tIns="45720" rIns="91440" bIns="45720" numCol="1" rtlCol="0" anchor="ctr" anchorCtr="0" compatLnSpc="1">
+                <a:prstTxWarp prst="textNoShape">
+                  <a:avLst/>
+                </a:prstTxWarp>
+              </a:bodyPr>
+              <a:lstStyle/>
+              <a:p>
+                <a:pPr marL="0" marR="0" indent="0" algn="ctr" defTabSz="914400" rtl="0" eaLnBrk="0" fontAlgn="base" latinLnBrk="0" hangingPunct="0">
+                  <a:lnSpc>
+                    <a:spcPct val="100000"/>
+                  </a:lnSpc>
+                  <a:spcBef>
+                    <a:spcPct val="0"/>
+                  </a:spcBef>
+                  <a:spcAft>
+                    <a:spcPct val="0"/>
+                  </a:spcAft>
+                  <a:buClrTx/>
+                  <a:buSzTx/>
+                  <a:buFontTx/>
+                  <a:buNone/>
+                  <a:tabLst/>
+                </a:pPr>
+                <a:r>
+                  <a:rPr kumimoji="0" lang="en-US" sz="1200" b="0" i="1" u="none" strike="noStrike" cap="none" normalizeH="0" baseline="0" dirty="0">
+                    <a:ln>
+                      <a:noFill/>
+                    </a:ln>
+                    <a:solidFill>
+                      <a:schemeClr val="tx2"/>
+                    </a:solidFill>
+                    <a:effectLst/>
+                    <a:latin typeface="Verdana" panose="020B0604030504040204" pitchFamily="34" charset="0"/>
+                    <a:ea typeface="Verdana" panose="020B0604030504040204" pitchFamily="34" charset="0"/>
+                    <a:cs typeface="Verdana" panose="020B0604030504040204" pitchFamily="34" charset="0"/>
+                  </a:rPr>
+                  <a:t>e</a:t>
+                </a:r>
+              </a:p>
+            </p:txBody>
+          </p:sp>
+          <p:sp>
+            <p:nvSpPr>
+              <p:cNvPr id="429256" name="Oval 429255">
+                <a:extLst>
+                  <a:ext uri="{FF2B5EF4-FFF2-40B4-BE49-F238E27FC236}">
+                    <a16:creationId xmlns:a16="http://schemas.microsoft.com/office/drawing/2014/main" id="{D1C45538-D839-CDF8-28FF-B4081990A172}"/>
+                  </a:ext>
+                </a:extLst>
+              </p:cNvPr>
+              <p:cNvSpPr/>
+              <p:nvPr/>
+            </p:nvSpPr>
+            <p:spPr bwMode="auto">
+              <a:xfrm>
+                <a:off x="7104864" y="5851865"/>
+                <a:ext cx="216284" cy="216284"/>
+              </a:xfrm>
+              <a:prstGeom prst="ellipse">
+                <a:avLst/>
+              </a:prstGeom>
+              <a:solidFill>
+                <a:srgbClr val="CCFFCC"/>
+              </a:solidFill>
+              <a:ln w="12700" cap="flat" cmpd="sng" algn="ctr">
+                <a:solidFill>
+                  <a:schemeClr val="tx1"/>
+                </a:solidFill>
+                <a:prstDash val="solid"/>
+                <a:round/>
+                <a:headEnd type="none" w="sm" len="sm"/>
+                <a:tailEnd type="none" w="sm" len="sm"/>
+              </a:ln>
+              <a:effectLst/>
+            </p:spPr>
+            <p:txBody>
+              <a:bodyPr vert="horz" wrap="square" lIns="91440" tIns="45720" rIns="91440" bIns="45720" numCol="1" rtlCol="0" anchor="ctr" anchorCtr="0" compatLnSpc="1">
+                <a:prstTxWarp prst="textNoShape">
+                  <a:avLst/>
+                </a:prstTxWarp>
+              </a:bodyPr>
+              <a:lstStyle/>
+              <a:p>
+                <a:pPr marL="0" marR="0" indent="0" algn="ctr" defTabSz="914400" rtl="0" eaLnBrk="0" fontAlgn="base" latinLnBrk="0" hangingPunct="0">
+                  <a:lnSpc>
+                    <a:spcPct val="100000"/>
+                  </a:lnSpc>
+                  <a:spcBef>
+                    <a:spcPct val="0"/>
+                  </a:spcBef>
+                  <a:spcAft>
+                    <a:spcPct val="0"/>
+                  </a:spcAft>
+                  <a:buClrTx/>
+                  <a:buSzTx/>
+                  <a:buFontTx/>
+                  <a:buNone/>
+                  <a:tabLst/>
+                </a:pPr>
+                <a:r>
+                  <a:rPr kumimoji="0" lang="en-US" sz="1200" b="0" i="1" u="none" strike="noStrike" cap="none" normalizeH="0" baseline="0" dirty="0">
+                    <a:ln>
+                      <a:noFill/>
+                    </a:ln>
+                    <a:solidFill>
+                      <a:schemeClr val="tx2"/>
+                    </a:solidFill>
+                    <a:effectLst/>
+                    <a:latin typeface="Verdana" panose="020B0604030504040204" pitchFamily="34" charset="0"/>
+                    <a:ea typeface="Verdana" panose="020B0604030504040204" pitchFamily="34" charset="0"/>
+                    <a:cs typeface="Verdana" panose="020B0604030504040204" pitchFamily="34" charset="0"/>
+                  </a:rPr>
+                  <a:t>h</a:t>
+                </a:r>
+              </a:p>
+            </p:txBody>
+          </p:sp>
+          <p:cxnSp>
+            <p:nvCxnSpPr>
+              <p:cNvPr id="429260" name="Straight Connector 429259">
+                <a:extLst>
+                  <a:ext uri="{FF2B5EF4-FFF2-40B4-BE49-F238E27FC236}">
+                    <a16:creationId xmlns:a16="http://schemas.microsoft.com/office/drawing/2014/main" id="{4EB48A26-11D3-1A45-CF8E-7E33026E6D22}"/>
+                  </a:ext>
+                </a:extLst>
+              </p:cNvPr>
+              <p:cNvCxnSpPr>
+                <a:cxnSpLocks/>
+                <a:stCxn id="429240" idx="5"/>
+                <a:endCxn id="429249" idx="1"/>
+              </p:cNvCxnSpPr>
+              <p:nvPr/>
+            </p:nvCxnSpPr>
+            <p:spPr bwMode="auto">
+              <a:xfrm>
+                <a:off x="5979886" y="4929400"/>
+                <a:ext cx="556974" cy="530319"/>
+              </a:xfrm>
+              <a:prstGeom prst="line">
+                <a:avLst/>
+              </a:prstGeom>
+              <a:solidFill>
+                <a:srgbClr val="CCFFCC"/>
+              </a:solidFill>
+              <a:ln w="12700" cap="flat" cmpd="sng" algn="ctr">
+                <a:solidFill>
+                  <a:schemeClr val="tx1"/>
+                </a:solidFill>
+                <a:prstDash val="solid"/>
+                <a:round/>
+                <a:headEnd type="none" w="sm" len="sm"/>
+                <a:tailEnd type="none" w="sm" len="sm"/>
+              </a:ln>
+              <a:effectLst/>
+            </p:spPr>
+          </p:cxnSp>
+          <p:cxnSp>
+            <p:nvCxnSpPr>
+              <p:cNvPr id="429261" name="Straight Connector 429260">
+                <a:extLst>
+                  <a:ext uri="{FF2B5EF4-FFF2-40B4-BE49-F238E27FC236}">
+                    <a16:creationId xmlns:a16="http://schemas.microsoft.com/office/drawing/2014/main" id="{C48C65EA-42AC-62EF-A520-A3E8453EDE3D}"/>
+                  </a:ext>
+                </a:extLst>
+              </p:cNvPr>
+              <p:cNvCxnSpPr>
+                <a:cxnSpLocks/>
+                <a:stCxn id="429255" idx="3"/>
+                <a:endCxn id="429243" idx="7"/>
+              </p:cNvCxnSpPr>
+              <p:nvPr/>
+            </p:nvCxnSpPr>
+            <p:spPr bwMode="auto">
+              <a:xfrm flipH="1">
+                <a:off x="5982879" y="4929400"/>
+                <a:ext cx="563304" cy="530319"/>
+              </a:xfrm>
+              <a:prstGeom prst="line">
+                <a:avLst/>
+              </a:prstGeom>
+              <a:solidFill>
+                <a:srgbClr val="CCFFCC"/>
+              </a:solidFill>
+              <a:ln w="12700" cap="flat" cmpd="sng" algn="ctr">
+                <a:solidFill>
+                  <a:schemeClr val="tx1"/>
+                </a:solidFill>
+                <a:prstDash val="solid"/>
+                <a:round/>
+                <a:headEnd type="none" w="sm" len="sm"/>
+                <a:tailEnd type="none" w="sm" len="sm"/>
+              </a:ln>
+              <a:effectLst/>
+            </p:spPr>
+          </p:cxnSp>
+          <p:cxnSp>
+            <p:nvCxnSpPr>
+              <p:cNvPr id="429262" name="Straight Connector 429261">
+                <a:extLst>
+                  <a:ext uri="{FF2B5EF4-FFF2-40B4-BE49-F238E27FC236}">
+                    <a16:creationId xmlns:a16="http://schemas.microsoft.com/office/drawing/2014/main" id="{163826B1-E8D0-B85D-E307-60379147BBC7}"/>
+                  </a:ext>
+                </a:extLst>
+              </p:cNvPr>
+              <p:cNvCxnSpPr>
+                <a:cxnSpLocks/>
+                <a:stCxn id="429255" idx="2"/>
+                <a:endCxn id="429240" idx="6"/>
+              </p:cNvCxnSpPr>
+              <p:nvPr/>
+            </p:nvCxnSpPr>
+            <p:spPr bwMode="auto">
+              <a:xfrm flipH="1">
+                <a:off x="6011560" y="4852932"/>
+                <a:ext cx="502949" cy="0"/>
+              </a:xfrm>
+              <a:prstGeom prst="line">
+                <a:avLst/>
+              </a:prstGeom>
+              <a:solidFill>
+                <a:srgbClr val="CCFFCC"/>
+              </a:solidFill>
+              <a:ln w="12700" cap="flat" cmpd="sng" algn="ctr">
+                <a:solidFill>
+                  <a:schemeClr val="tx1"/>
+                </a:solidFill>
+                <a:prstDash val="solid"/>
+                <a:round/>
+                <a:headEnd type="none" w="sm" len="sm"/>
+                <a:tailEnd type="none" w="sm" len="sm"/>
+              </a:ln>
+              <a:effectLst/>
+            </p:spPr>
+          </p:cxnSp>
+        </p:grpSp>
+      </p:grpSp>
+    </p:spTree>
+    <p:extLst>
+      <p:ext uri="{BB962C8B-B14F-4D97-AF65-F5344CB8AC3E}">
+        <p14:creationId xmlns:p14="http://schemas.microsoft.com/office/powerpoint/2010/main" val="1859139108"/>
+      </p:ext>
+    </p:extLst>
+  </p:cSld>
+  <p:clrMapOvr>
+    <a:masterClrMapping/>
+  </p:clrMapOvr>
+  <p:transition/>
+</p:sld>
+</file>
+
+<file path=ppt/slides/slide6.xml><?xml version="1.0" encoding="utf-8"?>
 <p:sld xmlns:a="http://schemas.openxmlformats.org/drawingml/2006/main" xmlns:r="http://schemas.openxmlformats.org/officeDocument/2006/relationships" xmlns:p="http://schemas.openxmlformats.org/presentationml/2006/main" showMasterPhAnim="0">
   <p:cSld>
     <p:spTree>

--- a/graphAlgorithms/ecolor/figs.pptx
+++ b/graphAlgorithms/ecolor/figs.pptx
@@ -6,18 +6,17 @@
     <p:sldMasterId id="2147483651" r:id="rId2"/>
   </p:sldMasterIdLst>
   <p:notesMasterIdLst>
-    <p:notesMasterId r:id="rId9"/>
+    <p:notesMasterId r:id="rId8"/>
   </p:notesMasterIdLst>
   <p:handoutMasterIdLst>
-    <p:handoutMasterId r:id="rId10"/>
+    <p:handoutMasterId r:id="rId9"/>
   </p:handoutMasterIdLst>
   <p:sldIdLst>
     <p:sldId id="743" r:id="rId3"/>
     <p:sldId id="745" r:id="rId4"/>
-    <p:sldId id="746" r:id="rId5"/>
-    <p:sldId id="747" r:id="rId6"/>
-    <p:sldId id="748" r:id="rId7"/>
-    <p:sldId id="744" r:id="rId8"/>
+    <p:sldId id="747" r:id="rId5"/>
+    <p:sldId id="748" r:id="rId6"/>
+    <p:sldId id="744" r:id="rId7"/>
   </p:sldIdLst>
   <p:sldSz cx="9144000" cy="6858000" type="letter"/>
   <p:notesSz cx="6985000" cy="9283700"/>
@@ -1139,7 +1138,7 @@
     </p:spTree>
     <p:extLst>
       <p:ext uri="{BB962C8B-B14F-4D97-AF65-F5344CB8AC3E}">
-        <p14:creationId xmlns:p14="http://schemas.microsoft.com/office/powerpoint/2010/main" val="1023754878"/>
+        <p14:creationId xmlns:p14="http://schemas.microsoft.com/office/powerpoint/2010/main" val="313239554"/>
       </p:ext>
     </p:extLst>
   </p:cSld>
@@ -1228,7 +1227,7 @@
     </p:spTree>
     <p:extLst>
       <p:ext uri="{BB962C8B-B14F-4D97-AF65-F5344CB8AC3E}">
-        <p14:creationId xmlns:p14="http://schemas.microsoft.com/office/powerpoint/2010/main" val="313239554"/>
+        <p14:creationId xmlns:p14="http://schemas.microsoft.com/office/powerpoint/2010/main" val="2144757540"/>
       </p:ext>
     </p:extLst>
   </p:cSld>
@@ -1272,99 +1271,10 @@
           <a:bodyPr/>
           <a:lstStyle/>
           <a:p>
-            <a:fld id="{75FCB6E0-B47C-47A4-BE17-A4D81E87DC7F}" type="slidenum">
+            <a:fld id="{23913E3E-D4D3-4C25-A31B-4FD5D8B95C82}" type="slidenum">
               <a:rPr lang="en-US"/>
               <a:pPr/>
               <a:t>5</a:t>
-            </a:fld>
-            <a:endParaRPr lang="en-US"/>
-          </a:p>
-        </p:txBody>
-      </p:sp>
-      <p:sp>
-        <p:nvSpPr>
-          <p:cNvPr id="581634" name="Rectangle 2"/>
-          <p:cNvSpPr>
-            <a:spLocks noGrp="1" noRot="1" noChangeAspect="1" noChangeArrowheads="1" noTextEdit="1"/>
-          </p:cNvSpPr>
-          <p:nvPr>
-            <p:ph type="sldImg"/>
-          </p:nvPr>
-        </p:nvSpPr>
-        <p:spPr>
-          <a:ln/>
-        </p:spPr>
-      </p:sp>
-      <p:sp>
-        <p:nvSpPr>
-          <p:cNvPr id="581635" name="Rectangle 3"/>
-          <p:cNvSpPr>
-            <a:spLocks noGrp="1" noChangeArrowheads="1"/>
-          </p:cNvSpPr>
-          <p:nvPr>
-            <p:ph type="body" idx="1"/>
-          </p:nvPr>
-        </p:nvSpPr>
-        <p:spPr/>
-        <p:txBody>
-          <a:bodyPr/>
-          <a:lstStyle/>
-          <a:p>
-            <a:endParaRPr lang="en-US"/>
-          </a:p>
-        </p:txBody>
-      </p:sp>
-    </p:spTree>
-    <p:extLst>
-      <p:ext uri="{BB962C8B-B14F-4D97-AF65-F5344CB8AC3E}">
-        <p14:creationId xmlns:p14="http://schemas.microsoft.com/office/powerpoint/2010/main" val="2144757540"/>
-      </p:ext>
-    </p:extLst>
-  </p:cSld>
-  <p:clrMapOvr>
-    <a:masterClrMapping/>
-  </p:clrMapOvr>
-</p:notes>
-</file>
-
-<file path=ppt/notesSlides/notesSlide6.xml><?xml version="1.0" encoding="utf-8"?>
-<p:notes xmlns:a="http://schemas.openxmlformats.org/drawingml/2006/main" xmlns:r="http://schemas.openxmlformats.org/officeDocument/2006/relationships" xmlns:p="http://schemas.openxmlformats.org/presentationml/2006/main">
-  <p:cSld>
-    <p:spTree>
-      <p:nvGrpSpPr>
-        <p:cNvPr id="1" name=""/>
-        <p:cNvGrpSpPr/>
-        <p:nvPr/>
-      </p:nvGrpSpPr>
-      <p:grpSpPr>
-        <a:xfrm>
-          <a:off x="0" y="0"/>
-          <a:ext cx="0" cy="0"/>
-          <a:chOff x="0" y="0"/>
-          <a:chExt cx="0" cy="0"/>
-        </a:xfrm>
-      </p:grpSpPr>
-      <p:sp>
-        <p:nvSpPr>
-          <p:cNvPr id="7" name="Rectangle 7"/>
-          <p:cNvSpPr>
-            <a:spLocks noGrp="1" noChangeArrowheads="1"/>
-          </p:cNvSpPr>
-          <p:nvPr>
-            <p:ph type="sldNum" sz="quarter" idx="5"/>
-          </p:nvPr>
-        </p:nvSpPr>
-        <p:spPr>
-          <a:ln/>
-        </p:spPr>
-        <p:txBody>
-          <a:bodyPr/>
-          <a:lstStyle/>
-          <a:p>
-            <a:fld id="{23913E3E-D4D3-4C25-A31B-4FD5D8B95C82}" type="slidenum">
-              <a:rPr lang="en-US"/>
-              <a:pPr/>
-              <a:t>6</a:t>
             </a:fld>
             <a:endParaRPr lang="en-US"/>
           </a:p>
@@ -19675,3705 +19585,6 @@
           <a:p>
             <a:r>
               <a:rPr lang="en-US" dirty="0" err="1"/>
-              <a:t>mdmatch</a:t>
-            </a:r>
-            <a:endParaRPr lang="en-US" dirty="0"/>
-          </a:p>
-        </p:txBody>
-      </p:sp>
-      <p:grpSp>
-        <p:nvGrpSpPr>
-          <p:cNvPr id="429097" name="Group 429096">
-            <a:extLst>
-              <a:ext uri="{FF2B5EF4-FFF2-40B4-BE49-F238E27FC236}">
-                <a16:creationId xmlns:a16="http://schemas.microsoft.com/office/drawing/2014/main" id="{726C5CDC-30D4-319B-EDF8-E1192A9D07B1}"/>
-              </a:ext>
-            </a:extLst>
-          </p:cNvPr>
-          <p:cNvGrpSpPr/>
-          <p:nvPr/>
-        </p:nvGrpSpPr>
-        <p:grpSpPr>
-          <a:xfrm>
-            <a:off x="56647" y="1590678"/>
-            <a:ext cx="9706953" cy="1267026"/>
-            <a:chOff x="56647" y="1590678"/>
-            <a:chExt cx="9706953" cy="1267026"/>
-          </a:xfrm>
-        </p:grpSpPr>
-        <p:sp>
-          <p:nvSpPr>
-            <p:cNvPr id="429127" name="Right Arrow 429126">
-              <a:extLst>
-                <a:ext uri="{FF2B5EF4-FFF2-40B4-BE49-F238E27FC236}">
-                  <a16:creationId xmlns:a16="http://schemas.microsoft.com/office/drawing/2014/main" id="{035D381D-4259-8F88-E5BE-830C5A6CA79E}"/>
-                </a:ext>
-              </a:extLst>
-            </p:cNvPr>
-            <p:cNvSpPr/>
-            <p:nvPr/>
-          </p:nvSpPr>
-          <p:spPr bwMode="auto">
-            <a:xfrm>
-              <a:off x="2585746" y="2099005"/>
-              <a:ext cx="424543" cy="250372"/>
-            </a:xfrm>
-            <a:prstGeom prst="rightArrow">
-              <a:avLst/>
-            </a:prstGeom>
-            <a:solidFill>
-              <a:schemeClr val="accent1"/>
-            </a:solidFill>
-            <a:ln w="12700" cap="flat" cmpd="sng" algn="ctr">
-              <a:solidFill>
-                <a:schemeClr val="tx1"/>
-              </a:solidFill>
-              <a:prstDash val="solid"/>
-              <a:round/>
-              <a:headEnd type="none" w="sm" len="sm"/>
-              <a:tailEnd type="none" w="sm" len="sm"/>
-            </a:ln>
-            <a:effectLst/>
-          </p:spPr>
-          <p:txBody>
-            <a:bodyPr vert="horz" wrap="square" lIns="91440" tIns="45720" rIns="91440" bIns="45720" numCol="1" rtlCol="0" anchor="t" anchorCtr="0" compatLnSpc="1">
-              <a:prstTxWarp prst="textNoShape">
-                <a:avLst/>
-              </a:prstTxWarp>
-            </a:bodyPr>
-            <a:lstStyle/>
-            <a:p>
-              <a:pPr marL="0" marR="0" indent="0" algn="l" defTabSz="914400" rtl="0" eaLnBrk="0" fontAlgn="base" latinLnBrk="0" hangingPunct="0">
-                <a:lnSpc>
-                  <a:spcPct val="100000"/>
-                </a:lnSpc>
-                <a:spcBef>
-                  <a:spcPct val="0"/>
-                </a:spcBef>
-                <a:spcAft>
-                  <a:spcPct val="0"/>
-                </a:spcAft>
-                <a:buClrTx/>
-                <a:buSzTx/>
-                <a:buFontTx/>
-                <a:buNone/>
-                <a:tabLst/>
-              </a:pPr>
-              <a:endParaRPr kumimoji="0" lang="en-US" sz="1600" b="0" i="0" u="none" strike="noStrike" cap="none" normalizeH="0" baseline="0">
-                <a:ln>
-                  <a:noFill/>
-                </a:ln>
-                <a:solidFill>
-                  <a:schemeClr val="tx2"/>
-                </a:solidFill>
-                <a:effectLst/>
-                <a:latin typeface="Book Antiqua" pitchFamily="18" charset="0"/>
-              </a:endParaRPr>
-            </a:p>
-          </p:txBody>
-        </p:sp>
-        <p:grpSp>
-          <p:nvGrpSpPr>
-            <p:cNvPr id="429096" name="Group 429095">
-              <a:extLst>
-                <a:ext uri="{FF2B5EF4-FFF2-40B4-BE49-F238E27FC236}">
-                  <a16:creationId xmlns:a16="http://schemas.microsoft.com/office/drawing/2014/main" id="{B24A12C1-6F53-FB75-61CA-8A9ECC4CFDBB}"/>
-                </a:ext>
-              </a:extLst>
-            </p:cNvPr>
-            <p:cNvGrpSpPr/>
-            <p:nvPr/>
-          </p:nvGrpSpPr>
-          <p:grpSpPr>
-            <a:xfrm>
-              <a:off x="56647" y="1600554"/>
-              <a:ext cx="2393078" cy="1247275"/>
-              <a:chOff x="56647" y="1610429"/>
-              <a:chExt cx="2393078" cy="1247275"/>
-            </a:xfrm>
-          </p:grpSpPr>
-          <p:sp>
-            <p:nvSpPr>
-              <p:cNvPr id="36" name="Oval 35"/>
-              <p:cNvSpPr/>
-              <p:nvPr/>
-            </p:nvSpPr>
-            <p:spPr bwMode="auto">
-              <a:xfrm>
-                <a:off x="752817" y="1969667"/>
-                <a:ext cx="216284" cy="216284"/>
-              </a:xfrm>
-              <a:prstGeom prst="ellipse">
-                <a:avLst/>
-              </a:prstGeom>
-              <a:solidFill>
-                <a:srgbClr val="CCFFFF"/>
-              </a:solidFill>
-              <a:ln w="12700" cap="flat" cmpd="sng" algn="ctr">
-                <a:solidFill>
-                  <a:schemeClr val="tx1"/>
-                </a:solidFill>
-                <a:prstDash val="solid"/>
-                <a:round/>
-                <a:headEnd type="none" w="sm" len="sm"/>
-                <a:tailEnd type="none" w="sm" len="sm"/>
-              </a:ln>
-              <a:effectLst/>
-            </p:spPr>
-            <p:txBody>
-              <a:bodyPr vert="horz" wrap="square" lIns="91440" tIns="45720" rIns="91440" bIns="45720" numCol="1" rtlCol="0" anchor="ctr" anchorCtr="0" compatLnSpc="1">
-                <a:prstTxWarp prst="textNoShape">
-                  <a:avLst/>
-                </a:prstTxWarp>
-              </a:bodyPr>
-              <a:lstStyle/>
-              <a:p>
-                <a:pPr marL="0" marR="0" indent="0" algn="ctr" defTabSz="914400" rtl="0" eaLnBrk="0" fontAlgn="base" latinLnBrk="0" hangingPunct="0">
-                  <a:lnSpc>
-                    <a:spcPct val="100000"/>
-                  </a:lnSpc>
-                  <a:spcBef>
-                    <a:spcPct val="0"/>
-                  </a:spcBef>
-                  <a:spcAft>
-                    <a:spcPct val="0"/>
-                  </a:spcAft>
-                  <a:buClrTx/>
-                  <a:buSzTx/>
-                  <a:buFontTx/>
-                  <a:buNone/>
-                  <a:tabLst/>
-                </a:pPr>
-                <a:r>
-                  <a:rPr kumimoji="0" lang="en-US" sz="1200" b="0" i="1" u="none" strike="noStrike" cap="none" normalizeH="0" baseline="0" dirty="0">
-                    <a:ln>
-                      <a:noFill/>
-                    </a:ln>
-                    <a:solidFill>
-                      <a:schemeClr val="tx2"/>
-                    </a:solidFill>
-                    <a:effectLst/>
-                    <a:latin typeface="Verdana" panose="020B0604030504040204" pitchFamily="34" charset="0"/>
-                    <a:ea typeface="Verdana" panose="020B0604030504040204" pitchFamily="34" charset="0"/>
-                    <a:cs typeface="Verdana" panose="020B0604030504040204" pitchFamily="34" charset="0"/>
-                  </a:rPr>
-                  <a:t>b</a:t>
-                </a:r>
-              </a:p>
-            </p:txBody>
-          </p:sp>
-          <p:sp>
-            <p:nvSpPr>
-              <p:cNvPr id="37" name="Oval 36"/>
-              <p:cNvSpPr/>
-              <p:nvPr/>
-            </p:nvSpPr>
-            <p:spPr bwMode="auto">
-              <a:xfrm>
-                <a:off x="56647" y="2641420"/>
-                <a:ext cx="216284" cy="216284"/>
-              </a:xfrm>
-              <a:prstGeom prst="ellipse">
-                <a:avLst/>
-              </a:prstGeom>
-              <a:solidFill>
-                <a:srgbClr val="CCFFFF"/>
-              </a:solidFill>
-              <a:ln w="12700" cap="flat" cmpd="sng" algn="ctr">
-                <a:solidFill>
-                  <a:schemeClr val="tx1"/>
-                </a:solidFill>
-                <a:prstDash val="solid"/>
-                <a:round/>
-                <a:headEnd type="none" w="sm" len="sm"/>
-                <a:tailEnd type="none" w="sm" len="sm"/>
-              </a:ln>
-              <a:effectLst/>
-            </p:spPr>
-            <p:txBody>
-              <a:bodyPr vert="horz" wrap="square" lIns="91440" tIns="45720" rIns="91440" bIns="45720" numCol="1" rtlCol="0" anchor="ctr" anchorCtr="0" compatLnSpc="1">
-                <a:prstTxWarp prst="textNoShape">
-                  <a:avLst/>
-                </a:prstTxWarp>
-              </a:bodyPr>
-              <a:lstStyle/>
-              <a:p>
-                <a:pPr marL="0" marR="0" indent="0" algn="ctr" defTabSz="914400" rtl="0" eaLnBrk="0" fontAlgn="base" latinLnBrk="0" hangingPunct="0">
-                  <a:lnSpc>
-                    <a:spcPct val="100000"/>
-                  </a:lnSpc>
-                  <a:spcBef>
-                    <a:spcPct val="0"/>
-                  </a:spcBef>
-                  <a:spcAft>
-                    <a:spcPct val="0"/>
-                  </a:spcAft>
-                  <a:buClrTx/>
-                  <a:buSzTx/>
-                  <a:buFontTx/>
-                  <a:buNone/>
-                  <a:tabLst/>
-                </a:pPr>
-                <a:r>
-                  <a:rPr kumimoji="0" lang="en-US" sz="1200" b="0" i="1" u="none" strike="noStrike" cap="none" normalizeH="0" baseline="0" dirty="0">
-                    <a:ln>
-                      <a:noFill/>
-                    </a:ln>
-                    <a:solidFill>
-                      <a:schemeClr val="tx2"/>
-                    </a:solidFill>
-                    <a:effectLst/>
-                    <a:latin typeface="Verdana" panose="020B0604030504040204" pitchFamily="34" charset="0"/>
-                    <a:ea typeface="Verdana" panose="020B0604030504040204" pitchFamily="34" charset="0"/>
-                    <a:cs typeface="Verdana" panose="020B0604030504040204" pitchFamily="34" charset="0"/>
-                  </a:rPr>
-                  <a:t>c</a:t>
-                </a:r>
-              </a:p>
-            </p:txBody>
-          </p:sp>
-          <p:sp>
-            <p:nvSpPr>
-              <p:cNvPr id="38" name="Oval 37"/>
-              <p:cNvSpPr/>
-              <p:nvPr/>
-            </p:nvSpPr>
-            <p:spPr bwMode="auto">
-              <a:xfrm>
-                <a:off x="2233441" y="1610429"/>
-                <a:ext cx="216284" cy="216284"/>
-              </a:xfrm>
-              <a:prstGeom prst="ellipse">
-                <a:avLst/>
-              </a:prstGeom>
-              <a:solidFill>
-                <a:srgbClr val="CCFFFF"/>
-              </a:solidFill>
-              <a:ln w="12700" cap="flat" cmpd="sng" algn="ctr">
-                <a:solidFill>
-                  <a:schemeClr val="tx1"/>
-                </a:solidFill>
-                <a:prstDash val="solid"/>
-                <a:round/>
-                <a:headEnd type="none" w="sm" len="sm"/>
-                <a:tailEnd type="none" w="sm" len="sm"/>
-              </a:ln>
-              <a:effectLst/>
-            </p:spPr>
-            <p:txBody>
-              <a:bodyPr vert="horz" wrap="square" lIns="91440" tIns="45720" rIns="91440" bIns="45720" numCol="1" rtlCol="0" anchor="ctr" anchorCtr="0" compatLnSpc="1">
-                <a:prstTxWarp prst="textNoShape">
-                  <a:avLst/>
-                </a:prstTxWarp>
-              </a:bodyPr>
-              <a:lstStyle/>
-              <a:p>
-                <a:pPr marL="0" marR="0" indent="0" algn="ctr" defTabSz="914400" rtl="0" eaLnBrk="0" fontAlgn="base" latinLnBrk="0" hangingPunct="0">
-                  <a:lnSpc>
-                    <a:spcPct val="100000"/>
-                  </a:lnSpc>
-                  <a:spcBef>
-                    <a:spcPct val="0"/>
-                  </a:spcBef>
-                  <a:spcAft>
-                    <a:spcPct val="0"/>
-                  </a:spcAft>
-                  <a:buClrTx/>
-                  <a:buSzTx/>
-                  <a:buFontTx/>
-                  <a:buNone/>
-                  <a:tabLst/>
-                </a:pPr>
-                <a:r>
-                  <a:rPr kumimoji="0" lang="en-US" sz="1200" b="0" i="1" u="none" strike="noStrike" cap="none" normalizeH="0" baseline="0" dirty="0">
-                    <a:ln>
-                      <a:noFill/>
-                    </a:ln>
-                    <a:solidFill>
-                      <a:schemeClr val="tx2"/>
-                    </a:solidFill>
-                    <a:effectLst/>
-                    <a:latin typeface="Verdana" panose="020B0604030504040204" pitchFamily="34" charset="0"/>
-                    <a:ea typeface="Verdana" panose="020B0604030504040204" pitchFamily="34" charset="0"/>
-                    <a:cs typeface="Verdana" panose="020B0604030504040204" pitchFamily="34" charset="0"/>
-                  </a:rPr>
-                  <a:t>f</a:t>
-                </a:r>
-              </a:p>
-            </p:txBody>
-          </p:sp>
-          <p:sp>
-            <p:nvSpPr>
-              <p:cNvPr id="39" name="Oval 38"/>
-              <p:cNvSpPr/>
-              <p:nvPr/>
-            </p:nvSpPr>
-            <p:spPr bwMode="auto">
-              <a:xfrm>
-                <a:off x="57953" y="1610429"/>
-                <a:ext cx="216284" cy="216284"/>
-              </a:xfrm>
-              <a:prstGeom prst="ellipse">
-                <a:avLst/>
-              </a:prstGeom>
-              <a:solidFill>
-                <a:srgbClr val="CCFFCC"/>
-              </a:solidFill>
-              <a:ln w="12700" cap="flat" cmpd="sng" algn="ctr">
-                <a:solidFill>
-                  <a:schemeClr val="tx1"/>
-                </a:solidFill>
-                <a:prstDash val="solid"/>
-                <a:round/>
-                <a:headEnd type="none" w="sm" len="sm"/>
-                <a:tailEnd type="none" w="sm" len="sm"/>
-              </a:ln>
-              <a:effectLst/>
-            </p:spPr>
-            <p:txBody>
-              <a:bodyPr vert="horz" wrap="square" lIns="91440" tIns="45720" rIns="91440" bIns="45720" numCol="1" rtlCol="0" anchor="ctr" anchorCtr="0" compatLnSpc="1">
-                <a:prstTxWarp prst="textNoShape">
-                  <a:avLst/>
-                </a:prstTxWarp>
-              </a:bodyPr>
-              <a:lstStyle/>
-              <a:p>
-                <a:pPr marL="0" marR="0" indent="0" algn="ctr" defTabSz="914400" rtl="0" eaLnBrk="0" fontAlgn="base" latinLnBrk="0" hangingPunct="0">
-                  <a:lnSpc>
-                    <a:spcPct val="100000"/>
-                  </a:lnSpc>
-                  <a:spcBef>
-                    <a:spcPct val="0"/>
-                  </a:spcBef>
-                  <a:spcAft>
-                    <a:spcPct val="0"/>
-                  </a:spcAft>
-                  <a:buClrTx/>
-                  <a:buSzTx/>
-                  <a:buFontTx/>
-                  <a:buNone/>
-                  <a:tabLst/>
-                </a:pPr>
-                <a:r>
-                  <a:rPr kumimoji="0" lang="en-US" sz="1200" b="0" i="1" u="none" strike="noStrike" cap="none" normalizeH="0" baseline="0" dirty="0">
-                    <a:ln>
-                      <a:noFill/>
-                    </a:ln>
-                    <a:solidFill>
-                      <a:schemeClr val="tx2"/>
-                    </a:solidFill>
-                    <a:effectLst/>
-                    <a:latin typeface="Verdana" panose="020B0604030504040204" pitchFamily="34" charset="0"/>
-                    <a:ea typeface="Verdana" panose="020B0604030504040204" pitchFamily="34" charset="0"/>
-                    <a:cs typeface="Verdana" panose="020B0604030504040204" pitchFamily="34" charset="0"/>
-                  </a:rPr>
-                  <a:t>a</a:t>
-                </a:r>
-              </a:p>
-            </p:txBody>
-          </p:sp>
-          <p:sp>
-            <p:nvSpPr>
-              <p:cNvPr id="40" name="Oval 39"/>
-              <p:cNvSpPr/>
-              <p:nvPr/>
-            </p:nvSpPr>
-            <p:spPr bwMode="auto">
-              <a:xfrm>
-                <a:off x="1480661" y="2641420"/>
-                <a:ext cx="216284" cy="216284"/>
-              </a:xfrm>
-              <a:prstGeom prst="ellipse">
-                <a:avLst/>
-              </a:prstGeom>
-              <a:solidFill>
-                <a:srgbClr val="CCFFFF"/>
-              </a:solidFill>
-              <a:ln w="12700" cap="flat" cmpd="sng" algn="ctr">
-                <a:solidFill>
-                  <a:schemeClr val="tx1"/>
-                </a:solidFill>
-                <a:prstDash val="solid"/>
-                <a:round/>
-                <a:headEnd type="none" w="sm" len="sm"/>
-                <a:tailEnd type="none" w="sm" len="sm"/>
-              </a:ln>
-              <a:effectLst/>
-            </p:spPr>
-            <p:txBody>
-              <a:bodyPr vert="horz" wrap="square" lIns="91440" tIns="45720" rIns="91440" bIns="45720" numCol="1" rtlCol="0" anchor="ctr" anchorCtr="0" compatLnSpc="1">
-                <a:prstTxWarp prst="textNoShape">
-                  <a:avLst/>
-                </a:prstTxWarp>
-              </a:bodyPr>
-              <a:lstStyle/>
-              <a:p>
-                <a:pPr marL="0" marR="0" indent="0" algn="ctr" defTabSz="914400" rtl="0" eaLnBrk="0" fontAlgn="base" latinLnBrk="0" hangingPunct="0">
-                  <a:lnSpc>
-                    <a:spcPct val="100000"/>
-                  </a:lnSpc>
-                  <a:spcBef>
-                    <a:spcPct val="0"/>
-                  </a:spcBef>
-                  <a:spcAft>
-                    <a:spcPct val="0"/>
-                  </a:spcAft>
-                  <a:buClrTx/>
-                  <a:buSzTx/>
-                  <a:buFontTx/>
-                  <a:buNone/>
-                  <a:tabLst/>
-                </a:pPr>
-                <a:r>
-                  <a:rPr kumimoji="0" lang="en-US" sz="1200" b="0" i="1" u="none" strike="noStrike" cap="none" normalizeH="0" baseline="0" dirty="0">
-                    <a:ln>
-                      <a:noFill/>
-                    </a:ln>
-                    <a:solidFill>
-                      <a:schemeClr val="tx2"/>
-                    </a:solidFill>
-                    <a:effectLst/>
-                    <a:latin typeface="Verdana" panose="020B0604030504040204" pitchFamily="34" charset="0"/>
-                    <a:ea typeface="Verdana" panose="020B0604030504040204" pitchFamily="34" charset="0"/>
-                    <a:cs typeface="Verdana" panose="020B0604030504040204" pitchFamily="34" charset="0"/>
-                  </a:rPr>
-                  <a:t>g</a:t>
-                </a:r>
-              </a:p>
-            </p:txBody>
-          </p:sp>
-          <p:sp>
-            <p:nvSpPr>
-              <p:cNvPr id="41" name="Oval 40"/>
-              <p:cNvSpPr/>
-              <p:nvPr/>
-            </p:nvSpPr>
-            <p:spPr bwMode="auto">
-              <a:xfrm>
-                <a:off x="755810" y="2641420"/>
-                <a:ext cx="216284" cy="216284"/>
-              </a:xfrm>
-              <a:prstGeom prst="ellipse">
-                <a:avLst/>
-              </a:prstGeom>
-              <a:solidFill>
-                <a:srgbClr val="CCFFCC"/>
-              </a:solidFill>
-              <a:ln w="12700" cap="flat" cmpd="sng" algn="ctr">
-                <a:solidFill>
-                  <a:schemeClr val="tx1"/>
-                </a:solidFill>
-                <a:prstDash val="solid"/>
-                <a:round/>
-                <a:headEnd type="none" w="sm" len="sm"/>
-                <a:tailEnd type="none" w="sm" len="sm"/>
-              </a:ln>
-              <a:effectLst/>
-            </p:spPr>
-            <p:txBody>
-              <a:bodyPr vert="horz" wrap="square" lIns="91440" tIns="45720" rIns="91440" bIns="45720" numCol="1" rtlCol="0" anchor="ctr" anchorCtr="0" compatLnSpc="1">
-                <a:prstTxWarp prst="textNoShape">
-                  <a:avLst/>
-                </a:prstTxWarp>
-              </a:bodyPr>
-              <a:lstStyle/>
-              <a:p>
-                <a:pPr marL="0" marR="0" indent="0" algn="ctr" defTabSz="914400" rtl="0" eaLnBrk="0" fontAlgn="base" latinLnBrk="0" hangingPunct="0">
-                  <a:lnSpc>
-                    <a:spcPct val="100000"/>
-                  </a:lnSpc>
-                  <a:spcBef>
-                    <a:spcPct val="0"/>
-                  </a:spcBef>
-                  <a:spcAft>
-                    <a:spcPct val="0"/>
-                  </a:spcAft>
-                  <a:buClrTx/>
-                  <a:buSzTx/>
-                  <a:buFontTx/>
-                  <a:buNone/>
-                  <a:tabLst/>
-                </a:pPr>
-                <a:r>
-                  <a:rPr lang="en-US" sz="1200" i="1" dirty="0">
-                    <a:latin typeface="Verdana" panose="020B0604030504040204" pitchFamily="34" charset="0"/>
-                    <a:ea typeface="Verdana" panose="020B0604030504040204" pitchFamily="34" charset="0"/>
-                    <a:cs typeface="Verdana" panose="020B0604030504040204" pitchFamily="34" charset="0"/>
-                  </a:rPr>
-                  <a:t>d</a:t>
-                </a:r>
-                <a:endParaRPr kumimoji="0" lang="en-US" sz="1200" b="0" i="1" u="none" strike="noStrike" cap="none" normalizeH="0" baseline="0" dirty="0">
-                  <a:ln>
-                    <a:noFill/>
-                  </a:ln>
-                  <a:solidFill>
-                    <a:schemeClr val="tx2"/>
-                  </a:solidFill>
-                  <a:effectLst/>
-                  <a:latin typeface="Verdana" panose="020B0604030504040204" pitchFamily="34" charset="0"/>
-                  <a:ea typeface="Verdana" panose="020B0604030504040204" pitchFamily="34" charset="0"/>
-                  <a:cs typeface="Verdana" panose="020B0604030504040204" pitchFamily="34" charset="0"/>
-                </a:endParaRPr>
-              </a:p>
-            </p:txBody>
-          </p:sp>
-          <p:cxnSp>
-            <p:nvCxnSpPr>
-              <p:cNvPr id="42" name="Straight Connector 41"/>
-              <p:cNvCxnSpPr>
-                <a:cxnSpLocks/>
-                <a:stCxn id="40" idx="6"/>
-                <a:endCxn id="14" idx="2"/>
-              </p:cNvCxnSpPr>
-              <p:nvPr/>
-            </p:nvCxnSpPr>
-            <p:spPr bwMode="auto">
-              <a:xfrm>
-                <a:off x="1696945" y="2749562"/>
-                <a:ext cx="533301" cy="0"/>
-              </a:xfrm>
-              <a:prstGeom prst="line">
-                <a:avLst/>
-              </a:prstGeom>
-              <a:solidFill>
-                <a:schemeClr val="accent1"/>
-              </a:solidFill>
-              <a:ln w="12700" cap="flat" cmpd="sng" algn="ctr">
-                <a:solidFill>
-                  <a:schemeClr val="tx1"/>
-                </a:solidFill>
-                <a:prstDash val="solid"/>
-                <a:round/>
-                <a:headEnd type="none" w="sm" len="sm"/>
-                <a:tailEnd type="none" w="sm" len="sm"/>
-              </a:ln>
-              <a:effectLst/>
-            </p:spPr>
-          </p:cxnSp>
-          <p:cxnSp>
-            <p:nvCxnSpPr>
-              <p:cNvPr id="43" name="Straight Connector 42"/>
-              <p:cNvCxnSpPr>
-                <a:cxnSpLocks/>
-                <a:stCxn id="40" idx="2"/>
-                <a:endCxn id="41" idx="6"/>
-              </p:cNvCxnSpPr>
-              <p:nvPr/>
-            </p:nvCxnSpPr>
-            <p:spPr bwMode="auto">
-              <a:xfrm flipH="1">
-                <a:off x="972094" y="2749562"/>
-                <a:ext cx="508567" cy="0"/>
-              </a:xfrm>
-              <a:prstGeom prst="line">
-                <a:avLst/>
-              </a:prstGeom>
-              <a:solidFill>
-                <a:schemeClr val="accent1"/>
-              </a:solidFill>
-              <a:ln w="12700" cap="flat" cmpd="sng" algn="ctr">
-                <a:solidFill>
-                  <a:schemeClr val="tx1"/>
-                </a:solidFill>
-                <a:prstDash val="solid"/>
-                <a:round/>
-                <a:headEnd type="none" w="sm" len="sm"/>
-                <a:tailEnd type="none" w="sm" len="sm"/>
-              </a:ln>
-              <a:effectLst/>
-            </p:spPr>
-          </p:cxnSp>
-          <p:cxnSp>
-            <p:nvCxnSpPr>
-              <p:cNvPr id="44" name="Straight Connector 43"/>
-              <p:cNvCxnSpPr>
-                <a:cxnSpLocks/>
-                <a:stCxn id="38" idx="3"/>
-                <a:endCxn id="13" idx="7"/>
-              </p:cNvCxnSpPr>
-              <p:nvPr/>
-            </p:nvCxnSpPr>
-            <p:spPr bwMode="auto">
-              <a:xfrm flipH="1">
-                <a:off x="1663092" y="1795039"/>
-                <a:ext cx="602023" cy="206302"/>
-              </a:xfrm>
-              <a:prstGeom prst="line">
-                <a:avLst/>
-              </a:prstGeom>
-              <a:solidFill>
-                <a:schemeClr val="accent1"/>
-              </a:solidFill>
-              <a:ln w="12700" cap="flat" cmpd="sng" algn="ctr">
-                <a:solidFill>
-                  <a:schemeClr val="tx1"/>
-                </a:solidFill>
-                <a:prstDash val="solid"/>
-                <a:round/>
-                <a:headEnd type="none" w="sm" len="sm"/>
-                <a:tailEnd type="none" w="sm" len="sm"/>
-              </a:ln>
-              <a:effectLst/>
-            </p:spPr>
-          </p:cxnSp>
-          <p:cxnSp>
-            <p:nvCxnSpPr>
-              <p:cNvPr id="45" name="Straight Connector 44"/>
-              <p:cNvCxnSpPr>
-                <a:cxnSpLocks/>
-                <a:stCxn id="40" idx="0"/>
-                <a:endCxn id="13" idx="4"/>
-              </p:cNvCxnSpPr>
-              <p:nvPr/>
-            </p:nvCxnSpPr>
-            <p:spPr bwMode="auto">
-              <a:xfrm flipH="1" flipV="1">
-                <a:off x="1586624" y="2185951"/>
-                <a:ext cx="2179" cy="455469"/>
-              </a:xfrm>
-              <a:prstGeom prst="line">
-                <a:avLst/>
-              </a:prstGeom>
-              <a:solidFill>
-                <a:schemeClr val="accent1"/>
-              </a:solidFill>
-              <a:ln w="12700" cap="flat" cmpd="sng" algn="ctr">
-                <a:solidFill>
-                  <a:schemeClr val="tx1"/>
-                </a:solidFill>
-                <a:prstDash val="solid"/>
-                <a:round/>
-                <a:headEnd type="none" w="sm" len="sm"/>
-                <a:tailEnd type="none" w="sm" len="sm"/>
-              </a:ln>
-              <a:effectLst/>
-            </p:spPr>
-          </p:cxnSp>
-          <p:cxnSp>
-            <p:nvCxnSpPr>
-              <p:cNvPr id="46" name="Straight Connector 45"/>
-              <p:cNvCxnSpPr>
-                <a:cxnSpLocks/>
-                <a:stCxn id="38" idx="4"/>
-                <a:endCxn id="14" idx="0"/>
-              </p:cNvCxnSpPr>
-              <p:nvPr/>
-            </p:nvCxnSpPr>
-            <p:spPr bwMode="auto">
-              <a:xfrm flipH="1">
-                <a:off x="2338388" y="1826713"/>
-                <a:ext cx="3195" cy="814707"/>
-              </a:xfrm>
-              <a:prstGeom prst="line">
-                <a:avLst/>
-              </a:prstGeom>
-              <a:solidFill>
-                <a:schemeClr val="accent1"/>
-              </a:solidFill>
-              <a:ln w="12700" cap="flat" cmpd="sng" algn="ctr">
-                <a:solidFill>
-                  <a:schemeClr val="tx1"/>
-                </a:solidFill>
-                <a:prstDash val="solid"/>
-                <a:round/>
-                <a:headEnd type="none" w="sm" len="sm"/>
-                <a:tailEnd type="none" w="sm" len="sm"/>
-              </a:ln>
-              <a:effectLst/>
-            </p:spPr>
-          </p:cxnSp>
-          <p:cxnSp>
-            <p:nvCxnSpPr>
-              <p:cNvPr id="47" name="Straight Connector 46"/>
-              <p:cNvCxnSpPr>
-                <a:cxnSpLocks/>
-                <a:stCxn id="39" idx="5"/>
-                <a:endCxn id="36" idx="1"/>
-              </p:cNvCxnSpPr>
-              <p:nvPr/>
-            </p:nvCxnSpPr>
-            <p:spPr bwMode="auto">
-              <a:xfrm>
-                <a:off x="242563" y="1795039"/>
-                <a:ext cx="541928" cy="206302"/>
-              </a:xfrm>
-              <a:prstGeom prst="line">
-                <a:avLst/>
-              </a:prstGeom>
-              <a:solidFill>
-                <a:schemeClr val="accent1"/>
-              </a:solidFill>
-              <a:ln w="12700" cap="flat" cmpd="sng" algn="ctr">
-                <a:solidFill>
-                  <a:schemeClr val="tx1"/>
-                </a:solidFill>
-                <a:prstDash val="solid"/>
-                <a:round/>
-                <a:headEnd type="none" w="sm" len="sm"/>
-                <a:tailEnd type="none" w="sm" len="sm"/>
-              </a:ln>
-              <a:effectLst/>
-            </p:spPr>
-          </p:cxnSp>
-          <p:cxnSp>
-            <p:nvCxnSpPr>
-              <p:cNvPr id="48" name="Straight Connector 47"/>
-              <p:cNvCxnSpPr>
-                <a:cxnSpLocks/>
-                <a:stCxn id="41" idx="2"/>
-                <a:endCxn id="37" idx="6"/>
-              </p:cNvCxnSpPr>
-              <p:nvPr/>
-            </p:nvCxnSpPr>
-            <p:spPr bwMode="auto">
-              <a:xfrm flipH="1">
-                <a:off x="272931" y="2749562"/>
-                <a:ext cx="482879" cy="0"/>
-              </a:xfrm>
-              <a:prstGeom prst="line">
-                <a:avLst/>
-              </a:prstGeom>
-              <a:solidFill>
-                <a:schemeClr val="accent1"/>
-              </a:solidFill>
-              <a:ln w="12700" cap="flat" cmpd="sng" algn="ctr">
-                <a:solidFill>
-                  <a:schemeClr val="tx1"/>
-                </a:solidFill>
-                <a:prstDash val="solid"/>
-                <a:round/>
-                <a:headEnd type="none" w="sm" len="sm"/>
-                <a:tailEnd type="none" w="sm" len="sm"/>
-              </a:ln>
-              <a:effectLst/>
-            </p:spPr>
-          </p:cxnSp>
-          <p:cxnSp>
-            <p:nvCxnSpPr>
-              <p:cNvPr id="49" name="Straight Connector 48"/>
-              <p:cNvCxnSpPr>
-                <a:cxnSpLocks/>
-                <a:stCxn id="37" idx="0"/>
-                <a:endCxn id="39" idx="4"/>
-              </p:cNvCxnSpPr>
-              <p:nvPr/>
-            </p:nvCxnSpPr>
-            <p:spPr bwMode="auto">
-              <a:xfrm flipV="1">
-                <a:off x="164789" y="1826713"/>
-                <a:ext cx="1306" cy="814707"/>
-              </a:xfrm>
-              <a:prstGeom prst="line">
-                <a:avLst/>
-              </a:prstGeom>
-              <a:solidFill>
-                <a:schemeClr val="accent1"/>
-              </a:solidFill>
-              <a:ln w="12700" cap="flat" cmpd="sng" algn="ctr">
-                <a:solidFill>
-                  <a:schemeClr val="tx1"/>
-                </a:solidFill>
-                <a:prstDash val="solid"/>
-                <a:round/>
-                <a:headEnd type="none" w="sm" len="sm"/>
-                <a:tailEnd type="none" w="sm" len="sm"/>
-              </a:ln>
-              <a:effectLst/>
-            </p:spPr>
-          </p:cxnSp>
-          <p:cxnSp>
-            <p:nvCxnSpPr>
-              <p:cNvPr id="50" name="Straight Connector 49"/>
-              <p:cNvCxnSpPr>
-                <a:cxnSpLocks/>
-                <a:stCxn id="36" idx="4"/>
-                <a:endCxn id="41" idx="0"/>
-              </p:cNvCxnSpPr>
-              <p:nvPr/>
-            </p:nvCxnSpPr>
-            <p:spPr bwMode="auto">
-              <a:xfrm>
-                <a:off x="860959" y="2185951"/>
-                <a:ext cx="2993" cy="455469"/>
-              </a:xfrm>
-              <a:prstGeom prst="line">
-                <a:avLst/>
-              </a:prstGeom>
-              <a:solidFill>
-                <a:schemeClr val="accent1"/>
-              </a:solidFill>
-              <a:ln w="12700" cap="flat" cmpd="sng" algn="ctr">
-                <a:solidFill>
-                  <a:schemeClr val="tx1"/>
-                </a:solidFill>
-                <a:prstDash val="solid"/>
-                <a:round/>
-                <a:headEnd type="none" w="sm" len="sm"/>
-                <a:tailEnd type="none" w="sm" len="sm"/>
-              </a:ln>
-              <a:effectLst/>
-            </p:spPr>
-          </p:cxnSp>
-          <p:sp>
-            <p:nvSpPr>
-              <p:cNvPr id="13" name="Oval 12">
-                <a:extLst>
-                  <a:ext uri="{FF2B5EF4-FFF2-40B4-BE49-F238E27FC236}">
-                    <a16:creationId xmlns:a16="http://schemas.microsoft.com/office/drawing/2014/main" id="{B6B114D6-1A93-4A58-671F-BEA7904F16E4}"/>
-                  </a:ext>
-                </a:extLst>
-              </p:cNvPr>
-              <p:cNvSpPr/>
-              <p:nvPr/>
-            </p:nvSpPr>
-            <p:spPr bwMode="auto">
-              <a:xfrm>
-                <a:off x="1478482" y="1969667"/>
-                <a:ext cx="216284" cy="216284"/>
-              </a:xfrm>
-              <a:prstGeom prst="ellipse">
-                <a:avLst/>
-              </a:prstGeom>
-              <a:solidFill>
-                <a:srgbClr val="CCFFCC"/>
-              </a:solidFill>
-              <a:ln w="12700" cap="flat" cmpd="sng" algn="ctr">
-                <a:solidFill>
-                  <a:schemeClr val="tx1"/>
-                </a:solidFill>
-                <a:prstDash val="solid"/>
-                <a:round/>
-                <a:headEnd type="none" w="sm" len="sm"/>
-                <a:tailEnd type="none" w="sm" len="sm"/>
-              </a:ln>
-              <a:effectLst/>
-            </p:spPr>
-            <p:txBody>
-              <a:bodyPr vert="horz" wrap="square" lIns="91440" tIns="45720" rIns="91440" bIns="45720" numCol="1" rtlCol="0" anchor="ctr" anchorCtr="0" compatLnSpc="1">
-                <a:prstTxWarp prst="textNoShape">
-                  <a:avLst/>
-                </a:prstTxWarp>
-              </a:bodyPr>
-              <a:lstStyle/>
-              <a:p>
-                <a:pPr marL="0" marR="0" indent="0" algn="ctr" defTabSz="914400" rtl="0" eaLnBrk="0" fontAlgn="base" latinLnBrk="0" hangingPunct="0">
-                  <a:lnSpc>
-                    <a:spcPct val="100000"/>
-                  </a:lnSpc>
-                  <a:spcBef>
-                    <a:spcPct val="0"/>
-                  </a:spcBef>
-                  <a:spcAft>
-                    <a:spcPct val="0"/>
-                  </a:spcAft>
-                  <a:buClrTx/>
-                  <a:buSzTx/>
-                  <a:buFontTx/>
-                  <a:buNone/>
-                  <a:tabLst/>
-                </a:pPr>
-                <a:r>
-                  <a:rPr kumimoji="0" lang="en-US" sz="1200" b="0" i="1" u="none" strike="noStrike" cap="none" normalizeH="0" baseline="0" dirty="0">
-                    <a:ln>
-                      <a:noFill/>
-                    </a:ln>
-                    <a:solidFill>
-                      <a:schemeClr val="tx2"/>
-                    </a:solidFill>
-                    <a:effectLst/>
-                    <a:latin typeface="Verdana" panose="020B0604030504040204" pitchFamily="34" charset="0"/>
-                    <a:ea typeface="Verdana" panose="020B0604030504040204" pitchFamily="34" charset="0"/>
-                    <a:cs typeface="Verdana" panose="020B0604030504040204" pitchFamily="34" charset="0"/>
-                  </a:rPr>
-                  <a:t>e</a:t>
-                </a:r>
-              </a:p>
-            </p:txBody>
-          </p:sp>
-          <p:sp>
-            <p:nvSpPr>
-              <p:cNvPr id="14" name="Oval 13">
-                <a:extLst>
-                  <a:ext uri="{FF2B5EF4-FFF2-40B4-BE49-F238E27FC236}">
-                    <a16:creationId xmlns:a16="http://schemas.microsoft.com/office/drawing/2014/main" id="{A3D6276F-CF95-8D5A-2267-483DAAF89F1C}"/>
-                  </a:ext>
-                </a:extLst>
-              </p:cNvPr>
-              <p:cNvSpPr/>
-              <p:nvPr/>
-            </p:nvSpPr>
-            <p:spPr bwMode="auto">
-              <a:xfrm>
-                <a:off x="2230246" y="2641420"/>
-                <a:ext cx="216284" cy="216284"/>
-              </a:xfrm>
-              <a:prstGeom prst="ellipse">
-                <a:avLst/>
-              </a:prstGeom>
-              <a:solidFill>
-                <a:srgbClr val="CCFFCC"/>
-              </a:solidFill>
-              <a:ln w="12700" cap="flat" cmpd="sng" algn="ctr">
-                <a:solidFill>
-                  <a:schemeClr val="tx1"/>
-                </a:solidFill>
-                <a:prstDash val="solid"/>
-                <a:round/>
-                <a:headEnd type="none" w="sm" len="sm"/>
-                <a:tailEnd type="none" w="sm" len="sm"/>
-              </a:ln>
-              <a:effectLst/>
-            </p:spPr>
-            <p:txBody>
-              <a:bodyPr vert="horz" wrap="square" lIns="91440" tIns="45720" rIns="91440" bIns="45720" numCol="1" rtlCol="0" anchor="ctr" anchorCtr="0" compatLnSpc="1">
-                <a:prstTxWarp prst="textNoShape">
-                  <a:avLst/>
-                </a:prstTxWarp>
-              </a:bodyPr>
-              <a:lstStyle/>
-              <a:p>
-                <a:pPr marL="0" marR="0" indent="0" algn="ctr" defTabSz="914400" rtl="0" eaLnBrk="0" fontAlgn="base" latinLnBrk="0" hangingPunct="0">
-                  <a:lnSpc>
-                    <a:spcPct val="100000"/>
-                  </a:lnSpc>
-                  <a:spcBef>
-                    <a:spcPct val="0"/>
-                  </a:spcBef>
-                  <a:spcAft>
-                    <a:spcPct val="0"/>
-                  </a:spcAft>
-                  <a:buClrTx/>
-                  <a:buSzTx/>
-                  <a:buFontTx/>
-                  <a:buNone/>
-                  <a:tabLst/>
-                </a:pPr>
-                <a:r>
-                  <a:rPr kumimoji="0" lang="en-US" sz="1200" b="0" i="1" u="none" strike="noStrike" cap="none" normalizeH="0" baseline="0" dirty="0">
-                    <a:ln>
-                      <a:noFill/>
-                    </a:ln>
-                    <a:solidFill>
-                      <a:schemeClr val="tx2"/>
-                    </a:solidFill>
-                    <a:effectLst/>
-                    <a:latin typeface="Verdana" panose="020B0604030504040204" pitchFamily="34" charset="0"/>
-                    <a:ea typeface="Verdana" panose="020B0604030504040204" pitchFamily="34" charset="0"/>
-                    <a:cs typeface="Verdana" panose="020B0604030504040204" pitchFamily="34" charset="0"/>
-                  </a:rPr>
-                  <a:t>h</a:t>
-                </a:r>
-              </a:p>
-            </p:txBody>
-          </p:sp>
-          <p:cxnSp>
-            <p:nvCxnSpPr>
-              <p:cNvPr id="2" name="Straight Connector 1">
-                <a:extLst>
-                  <a:ext uri="{FF2B5EF4-FFF2-40B4-BE49-F238E27FC236}">
-                    <a16:creationId xmlns:a16="http://schemas.microsoft.com/office/drawing/2014/main" id="{F24AB0DD-736D-26D3-D587-A0F7543B6884}"/>
-                  </a:ext>
-                </a:extLst>
-              </p:cNvPr>
-              <p:cNvCxnSpPr>
-                <a:cxnSpLocks/>
-                <a:stCxn id="39" idx="6"/>
-                <a:endCxn id="38" idx="2"/>
-              </p:cNvCxnSpPr>
-              <p:nvPr/>
-            </p:nvCxnSpPr>
-            <p:spPr bwMode="auto">
-              <a:xfrm>
-                <a:off x="274237" y="1718571"/>
-                <a:ext cx="1959204" cy="0"/>
-              </a:xfrm>
-              <a:prstGeom prst="line">
-                <a:avLst/>
-              </a:prstGeom>
-              <a:solidFill>
-                <a:schemeClr val="accent1"/>
-              </a:solidFill>
-              <a:ln w="12700" cap="flat" cmpd="sng" algn="ctr">
-                <a:solidFill>
-                  <a:schemeClr val="tx1"/>
-                </a:solidFill>
-                <a:prstDash val="solid"/>
-                <a:round/>
-                <a:headEnd type="none" w="sm" len="sm"/>
-                <a:tailEnd type="none" w="sm" len="sm"/>
-              </a:ln>
-              <a:effectLst/>
-            </p:spPr>
-          </p:cxnSp>
-        </p:grpSp>
-        <p:grpSp>
-          <p:nvGrpSpPr>
-            <p:cNvPr id="429094" name="Group 429093">
-              <a:extLst>
-                <a:ext uri="{FF2B5EF4-FFF2-40B4-BE49-F238E27FC236}">
-                  <a16:creationId xmlns:a16="http://schemas.microsoft.com/office/drawing/2014/main" id="{081EDE4A-34CE-6210-F6F9-325E2739F4B7}"/>
-                </a:ext>
-              </a:extLst>
-            </p:cNvPr>
-            <p:cNvGrpSpPr/>
-            <p:nvPr/>
-          </p:nvGrpSpPr>
-          <p:grpSpPr>
-            <a:xfrm>
-              <a:off x="7388456" y="1590678"/>
-              <a:ext cx="2375144" cy="1267026"/>
-              <a:chOff x="7388456" y="1590678"/>
-              <a:chExt cx="2375144" cy="1267026"/>
-            </a:xfrm>
-          </p:grpSpPr>
-          <p:sp>
-            <p:nvSpPr>
-              <p:cNvPr id="429066" name="Oval 429065">
-                <a:extLst>
-                  <a:ext uri="{FF2B5EF4-FFF2-40B4-BE49-F238E27FC236}">
-                    <a16:creationId xmlns:a16="http://schemas.microsoft.com/office/drawing/2014/main" id="{8427D67F-34AE-FE09-0B14-9503DF261739}"/>
-                  </a:ext>
-                </a:extLst>
-              </p:cNvPr>
-              <p:cNvSpPr/>
-              <p:nvPr/>
-            </p:nvSpPr>
-            <p:spPr bwMode="auto">
-              <a:xfrm>
-                <a:off x="8084626" y="1949916"/>
-                <a:ext cx="216284" cy="216284"/>
-              </a:xfrm>
-              <a:prstGeom prst="ellipse">
-                <a:avLst/>
-              </a:prstGeom>
-              <a:solidFill>
-                <a:srgbClr val="CCFFFF"/>
-              </a:solidFill>
-              <a:ln w="12700" cap="flat" cmpd="sng" algn="ctr">
-                <a:solidFill>
-                  <a:schemeClr val="tx1"/>
-                </a:solidFill>
-                <a:prstDash val="solid"/>
-                <a:round/>
-                <a:headEnd type="none" w="sm" len="sm"/>
-                <a:tailEnd type="none" w="sm" len="sm"/>
-              </a:ln>
-              <a:effectLst/>
-            </p:spPr>
-            <p:txBody>
-              <a:bodyPr vert="horz" wrap="square" lIns="91440" tIns="45720" rIns="91440" bIns="45720" numCol="1" rtlCol="0" anchor="ctr" anchorCtr="0" compatLnSpc="1">
-                <a:prstTxWarp prst="textNoShape">
-                  <a:avLst/>
-                </a:prstTxWarp>
-              </a:bodyPr>
-              <a:lstStyle/>
-              <a:p>
-                <a:pPr marL="0" marR="0" indent="0" algn="ctr" defTabSz="914400" rtl="0" eaLnBrk="0" fontAlgn="base" latinLnBrk="0" hangingPunct="0">
-                  <a:lnSpc>
-                    <a:spcPct val="100000"/>
-                  </a:lnSpc>
-                  <a:spcBef>
-                    <a:spcPct val="0"/>
-                  </a:spcBef>
-                  <a:spcAft>
-                    <a:spcPct val="0"/>
-                  </a:spcAft>
-                  <a:buClrTx/>
-                  <a:buSzTx/>
-                  <a:buFontTx/>
-                  <a:buNone/>
-                  <a:tabLst/>
-                </a:pPr>
-                <a:r>
-                  <a:rPr kumimoji="0" lang="en-US" sz="1200" b="0" i="1" u="none" strike="noStrike" cap="none" normalizeH="0" baseline="0" dirty="0">
-                    <a:ln>
-                      <a:noFill/>
-                    </a:ln>
-                    <a:solidFill>
-                      <a:schemeClr val="tx2"/>
-                    </a:solidFill>
-                    <a:effectLst/>
-                    <a:latin typeface="Verdana" panose="020B0604030504040204" pitchFamily="34" charset="0"/>
-                    <a:ea typeface="Verdana" panose="020B0604030504040204" pitchFamily="34" charset="0"/>
-                    <a:cs typeface="Verdana" panose="020B0604030504040204" pitchFamily="34" charset="0"/>
-                  </a:rPr>
-                  <a:t>b</a:t>
-                </a:r>
-              </a:p>
-            </p:txBody>
-          </p:sp>
-          <p:sp>
-            <p:nvSpPr>
-              <p:cNvPr id="429067" name="Oval 429066">
-                <a:extLst>
-                  <a:ext uri="{FF2B5EF4-FFF2-40B4-BE49-F238E27FC236}">
-                    <a16:creationId xmlns:a16="http://schemas.microsoft.com/office/drawing/2014/main" id="{32FEA0BF-1B52-36ED-4C4C-68A90D748BE7}"/>
-                  </a:ext>
-                </a:extLst>
-              </p:cNvPr>
-              <p:cNvSpPr/>
-              <p:nvPr/>
-            </p:nvSpPr>
-            <p:spPr bwMode="auto">
-              <a:xfrm>
-                <a:off x="7388456" y="2621669"/>
-                <a:ext cx="216284" cy="216284"/>
-              </a:xfrm>
-              <a:prstGeom prst="ellipse">
-                <a:avLst/>
-              </a:prstGeom>
-              <a:solidFill>
-                <a:srgbClr val="CCFFFF"/>
-              </a:solidFill>
-              <a:ln w="12700" cap="flat" cmpd="sng" algn="ctr">
-                <a:solidFill>
-                  <a:schemeClr val="tx1"/>
-                </a:solidFill>
-                <a:prstDash val="solid"/>
-                <a:round/>
-                <a:headEnd type="none" w="sm" len="sm"/>
-                <a:tailEnd type="none" w="sm" len="sm"/>
-              </a:ln>
-              <a:effectLst/>
-            </p:spPr>
-            <p:txBody>
-              <a:bodyPr vert="horz" wrap="square" lIns="91440" tIns="45720" rIns="91440" bIns="45720" numCol="1" rtlCol="0" anchor="ctr" anchorCtr="0" compatLnSpc="1">
-                <a:prstTxWarp prst="textNoShape">
-                  <a:avLst/>
-                </a:prstTxWarp>
-              </a:bodyPr>
-              <a:lstStyle/>
-              <a:p>
-                <a:pPr marL="0" marR="0" indent="0" algn="ctr" defTabSz="914400" rtl="0" eaLnBrk="0" fontAlgn="base" latinLnBrk="0" hangingPunct="0">
-                  <a:lnSpc>
-                    <a:spcPct val="100000"/>
-                  </a:lnSpc>
-                  <a:spcBef>
-                    <a:spcPct val="0"/>
-                  </a:spcBef>
-                  <a:spcAft>
-                    <a:spcPct val="0"/>
-                  </a:spcAft>
-                  <a:buClrTx/>
-                  <a:buSzTx/>
-                  <a:buFontTx/>
-                  <a:buNone/>
-                  <a:tabLst/>
-                </a:pPr>
-                <a:r>
-                  <a:rPr kumimoji="0" lang="en-US" sz="1200" b="0" i="1" u="none" strike="noStrike" cap="none" normalizeH="0" baseline="0" dirty="0">
-                    <a:ln>
-                      <a:noFill/>
-                    </a:ln>
-                    <a:solidFill>
-                      <a:schemeClr val="tx2"/>
-                    </a:solidFill>
-                    <a:effectLst/>
-                    <a:latin typeface="Verdana" panose="020B0604030504040204" pitchFamily="34" charset="0"/>
-                    <a:ea typeface="Verdana" panose="020B0604030504040204" pitchFamily="34" charset="0"/>
-                    <a:cs typeface="Verdana" panose="020B0604030504040204" pitchFamily="34" charset="0"/>
-                  </a:rPr>
-                  <a:t>c</a:t>
-                </a:r>
-              </a:p>
-            </p:txBody>
-          </p:sp>
-          <p:sp>
-            <p:nvSpPr>
-              <p:cNvPr id="429069" name="Oval 429068">
-                <a:extLst>
-                  <a:ext uri="{FF2B5EF4-FFF2-40B4-BE49-F238E27FC236}">
-                    <a16:creationId xmlns:a16="http://schemas.microsoft.com/office/drawing/2014/main" id="{B57405E1-27AF-5E69-CBFA-FBA7825E19AD}"/>
-                  </a:ext>
-                </a:extLst>
-              </p:cNvPr>
-              <p:cNvSpPr/>
-              <p:nvPr/>
-            </p:nvSpPr>
-            <p:spPr bwMode="auto">
-              <a:xfrm>
-                <a:off x="7389762" y="1590678"/>
-                <a:ext cx="216284" cy="216284"/>
-              </a:xfrm>
-              <a:prstGeom prst="ellipse">
-                <a:avLst/>
-              </a:prstGeom>
-              <a:solidFill>
-                <a:srgbClr val="CCFFCC"/>
-              </a:solidFill>
-              <a:ln w="12700" cap="flat" cmpd="sng" algn="ctr">
-                <a:solidFill>
-                  <a:schemeClr val="tx1"/>
-                </a:solidFill>
-                <a:prstDash val="solid"/>
-                <a:round/>
-                <a:headEnd type="none" w="sm" len="sm"/>
-                <a:tailEnd type="none" w="sm" len="sm"/>
-              </a:ln>
-              <a:effectLst/>
-            </p:spPr>
-            <p:txBody>
-              <a:bodyPr vert="horz" wrap="square" lIns="91440" tIns="45720" rIns="91440" bIns="45720" numCol="1" rtlCol="0" anchor="ctr" anchorCtr="0" compatLnSpc="1">
-                <a:prstTxWarp prst="textNoShape">
-                  <a:avLst/>
-                </a:prstTxWarp>
-              </a:bodyPr>
-              <a:lstStyle/>
-              <a:p>
-                <a:pPr marL="0" marR="0" indent="0" algn="ctr" defTabSz="914400" rtl="0" eaLnBrk="0" fontAlgn="base" latinLnBrk="0" hangingPunct="0">
-                  <a:lnSpc>
-                    <a:spcPct val="100000"/>
-                  </a:lnSpc>
-                  <a:spcBef>
-                    <a:spcPct val="0"/>
-                  </a:spcBef>
-                  <a:spcAft>
-                    <a:spcPct val="0"/>
-                  </a:spcAft>
-                  <a:buClrTx/>
-                  <a:buSzTx/>
-                  <a:buFontTx/>
-                  <a:buNone/>
-                  <a:tabLst/>
-                </a:pPr>
-                <a:r>
-                  <a:rPr kumimoji="0" lang="en-US" sz="1200" b="0" i="1" u="none" strike="noStrike" cap="none" normalizeH="0" baseline="0" dirty="0">
-                    <a:ln>
-                      <a:noFill/>
-                    </a:ln>
-                    <a:solidFill>
-                      <a:schemeClr val="tx2"/>
-                    </a:solidFill>
-                    <a:effectLst/>
-                    <a:latin typeface="Verdana" panose="020B0604030504040204" pitchFamily="34" charset="0"/>
-                    <a:ea typeface="Verdana" panose="020B0604030504040204" pitchFamily="34" charset="0"/>
-                    <a:cs typeface="Verdana" panose="020B0604030504040204" pitchFamily="34" charset="0"/>
-                  </a:rPr>
-                  <a:t>a</a:t>
-                </a:r>
-              </a:p>
-            </p:txBody>
-          </p:sp>
-          <p:sp>
-            <p:nvSpPr>
-              <p:cNvPr id="429071" name="Oval 429070">
-                <a:extLst>
-                  <a:ext uri="{FF2B5EF4-FFF2-40B4-BE49-F238E27FC236}">
-                    <a16:creationId xmlns:a16="http://schemas.microsoft.com/office/drawing/2014/main" id="{DE53B3D0-3929-A3AE-AC70-6FE08B2F481C}"/>
-                  </a:ext>
-                </a:extLst>
-              </p:cNvPr>
-              <p:cNvSpPr/>
-              <p:nvPr/>
-            </p:nvSpPr>
-            <p:spPr bwMode="auto">
-              <a:xfrm>
-                <a:off x="8087619" y="2621669"/>
-                <a:ext cx="216284" cy="216284"/>
-              </a:xfrm>
-              <a:prstGeom prst="ellipse">
-                <a:avLst/>
-              </a:prstGeom>
-              <a:solidFill>
-                <a:srgbClr val="CCFFCC"/>
-              </a:solidFill>
-              <a:ln w="12700" cap="flat" cmpd="sng" algn="ctr">
-                <a:solidFill>
-                  <a:schemeClr val="tx1"/>
-                </a:solidFill>
-                <a:prstDash val="solid"/>
-                <a:round/>
-                <a:headEnd type="none" w="sm" len="sm"/>
-                <a:tailEnd type="none" w="sm" len="sm"/>
-              </a:ln>
-              <a:effectLst/>
-            </p:spPr>
-            <p:txBody>
-              <a:bodyPr vert="horz" wrap="square" lIns="91440" tIns="45720" rIns="91440" bIns="45720" numCol="1" rtlCol="0" anchor="ctr" anchorCtr="0" compatLnSpc="1">
-                <a:prstTxWarp prst="textNoShape">
-                  <a:avLst/>
-                </a:prstTxWarp>
-              </a:bodyPr>
-              <a:lstStyle/>
-              <a:p>
-                <a:pPr marL="0" marR="0" indent="0" algn="ctr" defTabSz="914400" rtl="0" eaLnBrk="0" fontAlgn="base" latinLnBrk="0" hangingPunct="0">
-                  <a:lnSpc>
-                    <a:spcPct val="100000"/>
-                  </a:lnSpc>
-                  <a:spcBef>
-                    <a:spcPct val="0"/>
-                  </a:spcBef>
-                  <a:spcAft>
-                    <a:spcPct val="0"/>
-                  </a:spcAft>
-                  <a:buClrTx/>
-                  <a:buSzTx/>
-                  <a:buFontTx/>
-                  <a:buNone/>
-                  <a:tabLst/>
-                </a:pPr>
-                <a:r>
-                  <a:rPr lang="en-US" sz="1200" i="1" dirty="0">
-                    <a:latin typeface="Verdana" panose="020B0604030504040204" pitchFamily="34" charset="0"/>
-                    <a:ea typeface="Verdana" panose="020B0604030504040204" pitchFamily="34" charset="0"/>
-                    <a:cs typeface="Verdana" panose="020B0604030504040204" pitchFamily="34" charset="0"/>
-                  </a:rPr>
-                  <a:t>d</a:t>
-                </a:r>
-                <a:endParaRPr kumimoji="0" lang="en-US" sz="1200" b="0" i="1" u="none" strike="noStrike" cap="none" normalizeH="0" baseline="0" dirty="0">
-                  <a:ln>
-                    <a:noFill/>
-                  </a:ln>
-                  <a:solidFill>
-                    <a:schemeClr val="tx2"/>
-                  </a:solidFill>
-                  <a:effectLst/>
-                  <a:latin typeface="Verdana" panose="020B0604030504040204" pitchFamily="34" charset="0"/>
-                  <a:ea typeface="Verdana" panose="020B0604030504040204" pitchFamily="34" charset="0"/>
-                  <a:cs typeface="Verdana" panose="020B0604030504040204" pitchFamily="34" charset="0"/>
-                </a:endParaRPr>
-              </a:p>
-            </p:txBody>
-          </p:sp>
-          <p:cxnSp>
-            <p:nvCxnSpPr>
-              <p:cNvPr id="429073" name="Straight Connector 429072">
-                <a:extLst>
-                  <a:ext uri="{FF2B5EF4-FFF2-40B4-BE49-F238E27FC236}">
-                    <a16:creationId xmlns:a16="http://schemas.microsoft.com/office/drawing/2014/main" id="{95285D66-EB10-4AD5-D574-5452BC3682FD}"/>
-                  </a:ext>
-                </a:extLst>
-              </p:cNvPr>
-              <p:cNvCxnSpPr>
-                <a:cxnSpLocks/>
-                <a:stCxn id="429069" idx="5"/>
-                <a:endCxn id="429066" idx="1"/>
-              </p:cNvCxnSpPr>
-              <p:nvPr/>
-            </p:nvCxnSpPr>
-            <p:spPr bwMode="auto">
-              <a:xfrm>
-                <a:off x="7574372" y="1775288"/>
-                <a:ext cx="541928" cy="206302"/>
-              </a:xfrm>
-              <a:prstGeom prst="line">
-                <a:avLst/>
-              </a:prstGeom>
-              <a:solidFill>
-                <a:schemeClr val="accent1"/>
-              </a:solidFill>
-              <a:ln w="12700" cap="flat" cmpd="sng" algn="ctr">
-                <a:solidFill>
-                  <a:schemeClr val="tx1"/>
-                </a:solidFill>
-                <a:prstDash val="solid"/>
-                <a:round/>
-                <a:headEnd type="none" w="sm" len="sm"/>
-                <a:tailEnd type="none" w="sm" len="sm"/>
-              </a:ln>
-              <a:effectLst/>
-            </p:spPr>
-          </p:cxnSp>
-          <p:cxnSp>
-            <p:nvCxnSpPr>
-              <p:cNvPr id="429074" name="Straight Connector 429073">
-                <a:extLst>
-                  <a:ext uri="{FF2B5EF4-FFF2-40B4-BE49-F238E27FC236}">
-                    <a16:creationId xmlns:a16="http://schemas.microsoft.com/office/drawing/2014/main" id="{FEE6BBAB-2910-90D4-373A-4C11DAAB9E27}"/>
-                  </a:ext>
-                </a:extLst>
-              </p:cNvPr>
-              <p:cNvCxnSpPr>
-                <a:cxnSpLocks/>
-                <a:stCxn id="429071" idx="2"/>
-                <a:endCxn id="429067" idx="6"/>
-              </p:cNvCxnSpPr>
-              <p:nvPr/>
-            </p:nvCxnSpPr>
-            <p:spPr bwMode="auto">
-              <a:xfrm flipH="1">
-                <a:off x="7604740" y="2729811"/>
-                <a:ext cx="482879" cy="0"/>
-              </a:xfrm>
-              <a:prstGeom prst="line">
-                <a:avLst/>
-              </a:prstGeom>
-              <a:solidFill>
-                <a:schemeClr val="accent1"/>
-              </a:solidFill>
-              <a:ln w="44450" cap="flat" cmpd="sng" algn="ctr">
-                <a:solidFill>
-                  <a:schemeClr val="tx1"/>
-                </a:solidFill>
-                <a:prstDash val="solid"/>
-                <a:round/>
-                <a:headEnd type="none" w="sm" len="sm"/>
-                <a:tailEnd type="none" w="sm" len="sm"/>
-              </a:ln>
-              <a:effectLst/>
-            </p:spPr>
-          </p:cxnSp>
-          <p:cxnSp>
-            <p:nvCxnSpPr>
-              <p:cNvPr id="429075" name="Straight Connector 429074">
-                <a:extLst>
-                  <a:ext uri="{FF2B5EF4-FFF2-40B4-BE49-F238E27FC236}">
-                    <a16:creationId xmlns:a16="http://schemas.microsoft.com/office/drawing/2014/main" id="{019E5F40-4E59-B6C5-1CE0-ACB7A86688CB}"/>
-                  </a:ext>
-                </a:extLst>
-              </p:cNvPr>
-              <p:cNvCxnSpPr>
-                <a:cxnSpLocks/>
-                <a:stCxn id="429067" idx="0"/>
-                <a:endCxn id="429069" idx="4"/>
-              </p:cNvCxnSpPr>
-              <p:nvPr/>
-            </p:nvCxnSpPr>
-            <p:spPr bwMode="auto">
-              <a:xfrm flipV="1">
-                <a:off x="7496598" y="1806962"/>
-                <a:ext cx="1306" cy="814707"/>
-              </a:xfrm>
-              <a:prstGeom prst="line">
-                <a:avLst/>
-              </a:prstGeom>
-              <a:solidFill>
-                <a:schemeClr val="accent1"/>
-              </a:solidFill>
-              <a:ln w="12700" cap="flat" cmpd="sng" algn="ctr">
-                <a:solidFill>
-                  <a:schemeClr val="tx1"/>
-                </a:solidFill>
-                <a:prstDash val="solid"/>
-                <a:round/>
-                <a:headEnd type="none" w="sm" len="sm"/>
-                <a:tailEnd type="none" w="sm" len="sm"/>
-              </a:ln>
-              <a:effectLst/>
-            </p:spPr>
-          </p:cxnSp>
-          <p:cxnSp>
-            <p:nvCxnSpPr>
-              <p:cNvPr id="429076" name="Straight Connector 429075">
-                <a:extLst>
-                  <a:ext uri="{FF2B5EF4-FFF2-40B4-BE49-F238E27FC236}">
-                    <a16:creationId xmlns:a16="http://schemas.microsoft.com/office/drawing/2014/main" id="{D1AAD9D5-444F-661A-0CA9-9D9574C4FDEF}"/>
-                  </a:ext>
-                </a:extLst>
-              </p:cNvPr>
-              <p:cNvCxnSpPr>
-                <a:cxnSpLocks/>
-                <a:stCxn id="429066" idx="4"/>
-                <a:endCxn id="429071" idx="0"/>
-              </p:cNvCxnSpPr>
-              <p:nvPr/>
-            </p:nvCxnSpPr>
-            <p:spPr bwMode="auto">
-              <a:xfrm>
-                <a:off x="8192768" y="2166200"/>
-                <a:ext cx="2993" cy="455469"/>
-              </a:xfrm>
-              <a:prstGeom prst="line">
-                <a:avLst/>
-              </a:prstGeom>
-              <a:solidFill>
-                <a:schemeClr val="accent1"/>
-              </a:solidFill>
-              <a:ln w="12700" cap="flat" cmpd="sng" algn="ctr">
-                <a:solidFill>
-                  <a:schemeClr val="tx1"/>
-                </a:solidFill>
-                <a:prstDash val="solid"/>
-                <a:round/>
-                <a:headEnd type="none" w="sm" len="sm"/>
-                <a:tailEnd type="none" w="sm" len="sm"/>
-              </a:ln>
-              <a:effectLst/>
-            </p:spPr>
-          </p:cxnSp>
-          <p:sp>
-            <p:nvSpPr>
-              <p:cNvPr id="429078" name="Oval 429077">
-                <a:extLst>
-                  <a:ext uri="{FF2B5EF4-FFF2-40B4-BE49-F238E27FC236}">
-                    <a16:creationId xmlns:a16="http://schemas.microsoft.com/office/drawing/2014/main" id="{0A1772D8-EB91-C7CA-51B9-099A09C8A9AF}"/>
-                  </a:ext>
-                </a:extLst>
-              </p:cNvPr>
-              <p:cNvSpPr/>
-              <p:nvPr/>
-            </p:nvSpPr>
-            <p:spPr bwMode="auto">
-              <a:xfrm>
-                <a:off x="9547316" y="1599543"/>
-                <a:ext cx="216284" cy="216284"/>
-              </a:xfrm>
-              <a:prstGeom prst="ellipse">
-                <a:avLst/>
-              </a:prstGeom>
-              <a:solidFill>
-                <a:srgbClr val="CCFFFF"/>
-              </a:solidFill>
-              <a:ln w="12700" cap="flat" cmpd="sng" algn="ctr">
-                <a:solidFill>
-                  <a:schemeClr val="tx1"/>
-                </a:solidFill>
-                <a:prstDash val="solid"/>
-                <a:round/>
-                <a:headEnd type="none" w="sm" len="sm"/>
-                <a:tailEnd type="none" w="sm" len="sm"/>
-              </a:ln>
-              <a:effectLst/>
-            </p:spPr>
-            <p:txBody>
-              <a:bodyPr vert="horz" wrap="square" lIns="91440" tIns="45720" rIns="91440" bIns="45720" numCol="1" rtlCol="0" anchor="ctr" anchorCtr="0" compatLnSpc="1">
-                <a:prstTxWarp prst="textNoShape">
-                  <a:avLst/>
-                </a:prstTxWarp>
-              </a:bodyPr>
-              <a:lstStyle/>
-              <a:p>
-                <a:pPr marL="0" marR="0" indent="0" algn="ctr" defTabSz="914400" rtl="0" eaLnBrk="0" fontAlgn="base" latinLnBrk="0" hangingPunct="0">
-                  <a:lnSpc>
-                    <a:spcPct val="100000"/>
-                  </a:lnSpc>
-                  <a:spcBef>
-                    <a:spcPct val="0"/>
-                  </a:spcBef>
-                  <a:spcAft>
-                    <a:spcPct val="0"/>
-                  </a:spcAft>
-                  <a:buClrTx/>
-                  <a:buSzTx/>
-                  <a:buFontTx/>
-                  <a:buNone/>
-                  <a:tabLst/>
-                </a:pPr>
-                <a:r>
-                  <a:rPr kumimoji="0" lang="en-US" sz="1200" b="0" i="1" u="none" strike="noStrike" cap="none" normalizeH="0" baseline="0" dirty="0">
-                    <a:ln>
-                      <a:noFill/>
-                    </a:ln>
-                    <a:solidFill>
-                      <a:schemeClr val="tx2"/>
-                    </a:solidFill>
-                    <a:effectLst/>
-                    <a:latin typeface="Verdana" panose="020B0604030504040204" pitchFamily="34" charset="0"/>
-                    <a:ea typeface="Verdana" panose="020B0604030504040204" pitchFamily="34" charset="0"/>
-                    <a:cs typeface="Verdana" panose="020B0604030504040204" pitchFamily="34" charset="0"/>
-                  </a:rPr>
-                  <a:t>f</a:t>
-                </a:r>
-              </a:p>
-            </p:txBody>
-          </p:sp>
-          <p:sp>
-            <p:nvSpPr>
-              <p:cNvPr id="429080" name="Oval 429079">
-                <a:extLst>
-                  <a:ext uri="{FF2B5EF4-FFF2-40B4-BE49-F238E27FC236}">
-                    <a16:creationId xmlns:a16="http://schemas.microsoft.com/office/drawing/2014/main" id="{5DACDF88-E9FC-6515-EBEE-59D82E41EB44}"/>
-                  </a:ext>
-                </a:extLst>
-              </p:cNvPr>
-              <p:cNvSpPr/>
-              <p:nvPr/>
-            </p:nvSpPr>
-            <p:spPr bwMode="auto">
-              <a:xfrm>
-                <a:off x="8794536" y="2641420"/>
-                <a:ext cx="216284" cy="216284"/>
-              </a:xfrm>
-              <a:prstGeom prst="ellipse">
-                <a:avLst/>
-              </a:prstGeom>
-              <a:solidFill>
-                <a:srgbClr val="CCFFFF"/>
-              </a:solidFill>
-              <a:ln w="12700" cap="flat" cmpd="sng" algn="ctr">
-                <a:solidFill>
-                  <a:schemeClr val="tx1"/>
-                </a:solidFill>
-                <a:prstDash val="solid"/>
-                <a:round/>
-                <a:headEnd type="none" w="sm" len="sm"/>
-                <a:tailEnd type="none" w="sm" len="sm"/>
-              </a:ln>
-              <a:effectLst/>
-            </p:spPr>
-            <p:txBody>
-              <a:bodyPr vert="horz" wrap="square" lIns="91440" tIns="45720" rIns="91440" bIns="45720" numCol="1" rtlCol="0" anchor="ctr" anchorCtr="0" compatLnSpc="1">
-                <a:prstTxWarp prst="textNoShape">
-                  <a:avLst/>
-                </a:prstTxWarp>
-              </a:bodyPr>
-              <a:lstStyle/>
-              <a:p>
-                <a:pPr marL="0" marR="0" indent="0" algn="ctr" defTabSz="914400" rtl="0" eaLnBrk="0" fontAlgn="base" latinLnBrk="0" hangingPunct="0">
-                  <a:lnSpc>
-                    <a:spcPct val="100000"/>
-                  </a:lnSpc>
-                  <a:spcBef>
-                    <a:spcPct val="0"/>
-                  </a:spcBef>
-                  <a:spcAft>
-                    <a:spcPct val="0"/>
-                  </a:spcAft>
-                  <a:buClrTx/>
-                  <a:buSzTx/>
-                  <a:buFontTx/>
-                  <a:buNone/>
-                  <a:tabLst/>
-                </a:pPr>
-                <a:r>
-                  <a:rPr kumimoji="0" lang="en-US" sz="1200" b="0" i="1" u="none" strike="noStrike" cap="none" normalizeH="0" baseline="0" dirty="0">
-                    <a:ln>
-                      <a:noFill/>
-                    </a:ln>
-                    <a:solidFill>
-                      <a:schemeClr val="tx2"/>
-                    </a:solidFill>
-                    <a:effectLst/>
-                    <a:latin typeface="Verdana" panose="020B0604030504040204" pitchFamily="34" charset="0"/>
-                    <a:ea typeface="Verdana" panose="020B0604030504040204" pitchFamily="34" charset="0"/>
-                    <a:cs typeface="Verdana" panose="020B0604030504040204" pitchFamily="34" charset="0"/>
-                  </a:rPr>
-                  <a:t>g</a:t>
-                </a:r>
-              </a:p>
-            </p:txBody>
-          </p:sp>
-          <p:cxnSp>
-            <p:nvCxnSpPr>
-              <p:cNvPr id="429082" name="Straight Connector 429081">
-                <a:extLst>
-                  <a:ext uri="{FF2B5EF4-FFF2-40B4-BE49-F238E27FC236}">
-                    <a16:creationId xmlns:a16="http://schemas.microsoft.com/office/drawing/2014/main" id="{E6E3A598-62B3-A14E-C3CD-AFCAB94820AB}"/>
-                  </a:ext>
-                </a:extLst>
-              </p:cNvPr>
-              <p:cNvCxnSpPr>
-                <a:cxnSpLocks/>
-                <a:stCxn id="429080" idx="6"/>
-                <a:endCxn id="429088" idx="2"/>
-              </p:cNvCxnSpPr>
-              <p:nvPr/>
-            </p:nvCxnSpPr>
-            <p:spPr bwMode="auto">
-              <a:xfrm>
-                <a:off x="9010820" y="2749562"/>
-                <a:ext cx="533301" cy="0"/>
-              </a:xfrm>
-              <a:prstGeom prst="line">
-                <a:avLst/>
-              </a:prstGeom>
-              <a:solidFill>
-                <a:schemeClr val="accent1"/>
-              </a:solidFill>
-              <a:ln w="44450" cap="flat" cmpd="sng" algn="ctr">
-                <a:solidFill>
-                  <a:schemeClr val="tx1"/>
-                </a:solidFill>
-                <a:prstDash val="solid"/>
-                <a:round/>
-                <a:headEnd type="none" w="sm" len="sm"/>
-                <a:tailEnd type="none" w="sm" len="sm"/>
-              </a:ln>
-              <a:effectLst/>
-            </p:spPr>
-          </p:cxnSp>
-          <p:cxnSp>
-            <p:nvCxnSpPr>
-              <p:cNvPr id="429083" name="Straight Connector 429082">
-                <a:extLst>
-                  <a:ext uri="{FF2B5EF4-FFF2-40B4-BE49-F238E27FC236}">
-                    <a16:creationId xmlns:a16="http://schemas.microsoft.com/office/drawing/2014/main" id="{AEFA7CE8-E656-211A-6383-B4112CAA46C8}"/>
-                  </a:ext>
-                </a:extLst>
-              </p:cNvPr>
-              <p:cNvCxnSpPr>
-                <a:cxnSpLocks/>
-                <a:stCxn id="429080" idx="2"/>
-              </p:cNvCxnSpPr>
-              <p:nvPr/>
-            </p:nvCxnSpPr>
-            <p:spPr bwMode="auto">
-              <a:xfrm flipH="1">
-                <a:off x="8285969" y="2749562"/>
-                <a:ext cx="508567" cy="0"/>
-              </a:xfrm>
-              <a:prstGeom prst="line">
-                <a:avLst/>
-              </a:prstGeom>
-              <a:solidFill>
-                <a:schemeClr val="accent1"/>
-              </a:solidFill>
-              <a:ln w="12700" cap="flat" cmpd="sng" algn="ctr">
-                <a:solidFill>
-                  <a:schemeClr val="tx1"/>
-                </a:solidFill>
-                <a:prstDash val="solid"/>
-                <a:round/>
-                <a:headEnd type="none" w="sm" len="sm"/>
-                <a:tailEnd type="none" w="sm" len="sm"/>
-              </a:ln>
-              <a:effectLst/>
-            </p:spPr>
-          </p:cxnSp>
-          <p:cxnSp>
-            <p:nvCxnSpPr>
-              <p:cNvPr id="429084" name="Straight Connector 429083">
-                <a:extLst>
-                  <a:ext uri="{FF2B5EF4-FFF2-40B4-BE49-F238E27FC236}">
-                    <a16:creationId xmlns:a16="http://schemas.microsoft.com/office/drawing/2014/main" id="{9F99734F-F433-D427-17D6-DCB18647C474}"/>
-                  </a:ext>
-                </a:extLst>
-              </p:cNvPr>
-              <p:cNvCxnSpPr>
-                <a:cxnSpLocks/>
-                <a:stCxn id="429078" idx="3"/>
-                <a:endCxn id="429087" idx="7"/>
-              </p:cNvCxnSpPr>
-              <p:nvPr/>
-            </p:nvCxnSpPr>
-            <p:spPr bwMode="auto">
-              <a:xfrm flipH="1">
-                <a:off x="8976967" y="1784153"/>
-                <a:ext cx="602023" cy="217188"/>
-              </a:xfrm>
-              <a:prstGeom prst="line">
-                <a:avLst/>
-              </a:prstGeom>
-              <a:solidFill>
-                <a:schemeClr val="accent1"/>
-              </a:solidFill>
-              <a:ln w="12700" cap="flat" cmpd="sng" algn="ctr">
-                <a:solidFill>
-                  <a:schemeClr val="tx1"/>
-                </a:solidFill>
-                <a:prstDash val="solid"/>
-                <a:round/>
-                <a:headEnd type="none" w="sm" len="sm"/>
-                <a:tailEnd type="none" w="sm" len="sm"/>
-              </a:ln>
-              <a:effectLst/>
-            </p:spPr>
-          </p:cxnSp>
-          <p:cxnSp>
-            <p:nvCxnSpPr>
-              <p:cNvPr id="429085" name="Straight Connector 429084">
-                <a:extLst>
-                  <a:ext uri="{FF2B5EF4-FFF2-40B4-BE49-F238E27FC236}">
-                    <a16:creationId xmlns:a16="http://schemas.microsoft.com/office/drawing/2014/main" id="{FE019E55-A981-5290-ECE7-7D999253EC96}"/>
-                  </a:ext>
-                </a:extLst>
-              </p:cNvPr>
-              <p:cNvCxnSpPr>
-                <a:cxnSpLocks/>
-                <a:stCxn id="429080" idx="0"/>
-                <a:endCxn id="429087" idx="4"/>
-              </p:cNvCxnSpPr>
-              <p:nvPr/>
-            </p:nvCxnSpPr>
-            <p:spPr bwMode="auto">
-              <a:xfrm flipH="1" flipV="1">
-                <a:off x="8900499" y="2185951"/>
-                <a:ext cx="2179" cy="455469"/>
-              </a:xfrm>
-              <a:prstGeom prst="line">
-                <a:avLst/>
-              </a:prstGeom>
-              <a:solidFill>
-                <a:schemeClr val="accent1"/>
-              </a:solidFill>
-              <a:ln w="12700" cap="flat" cmpd="sng" algn="ctr">
-                <a:solidFill>
-                  <a:schemeClr val="tx1"/>
-                </a:solidFill>
-                <a:prstDash val="solid"/>
-                <a:round/>
-                <a:headEnd type="none" w="sm" len="sm"/>
-                <a:tailEnd type="none" w="sm" len="sm"/>
-              </a:ln>
-              <a:effectLst/>
-            </p:spPr>
-          </p:cxnSp>
-          <p:cxnSp>
-            <p:nvCxnSpPr>
-              <p:cNvPr id="429086" name="Straight Connector 429085">
-                <a:extLst>
-                  <a:ext uri="{FF2B5EF4-FFF2-40B4-BE49-F238E27FC236}">
-                    <a16:creationId xmlns:a16="http://schemas.microsoft.com/office/drawing/2014/main" id="{07B40FAE-B7D2-4413-74A6-8999574B835E}"/>
-                  </a:ext>
-                </a:extLst>
-              </p:cNvPr>
-              <p:cNvCxnSpPr>
-                <a:cxnSpLocks/>
-                <a:stCxn id="429078" idx="4"/>
-                <a:endCxn id="429088" idx="0"/>
-              </p:cNvCxnSpPr>
-              <p:nvPr/>
-            </p:nvCxnSpPr>
-            <p:spPr bwMode="auto">
-              <a:xfrm flipH="1">
-                <a:off x="9652263" y="1815827"/>
-                <a:ext cx="3195" cy="825593"/>
-              </a:xfrm>
-              <a:prstGeom prst="line">
-                <a:avLst/>
-              </a:prstGeom>
-              <a:solidFill>
-                <a:schemeClr val="accent1"/>
-              </a:solidFill>
-              <a:ln w="12700" cap="flat" cmpd="sng" algn="ctr">
-                <a:solidFill>
-                  <a:schemeClr val="tx1"/>
-                </a:solidFill>
-                <a:prstDash val="solid"/>
-                <a:round/>
-                <a:headEnd type="none" w="sm" len="sm"/>
-                <a:tailEnd type="none" w="sm" len="sm"/>
-              </a:ln>
-              <a:effectLst/>
-            </p:spPr>
-          </p:cxnSp>
-          <p:sp>
-            <p:nvSpPr>
-              <p:cNvPr id="429087" name="Oval 429086">
-                <a:extLst>
-                  <a:ext uri="{FF2B5EF4-FFF2-40B4-BE49-F238E27FC236}">
-                    <a16:creationId xmlns:a16="http://schemas.microsoft.com/office/drawing/2014/main" id="{2BF66F7E-8695-6ABF-35B0-3409052269A8}"/>
-                  </a:ext>
-                </a:extLst>
-              </p:cNvPr>
-              <p:cNvSpPr/>
-              <p:nvPr/>
-            </p:nvSpPr>
-            <p:spPr bwMode="auto">
-              <a:xfrm>
-                <a:off x="8792357" y="1969667"/>
-                <a:ext cx="216284" cy="216284"/>
-              </a:xfrm>
-              <a:prstGeom prst="ellipse">
-                <a:avLst/>
-              </a:prstGeom>
-              <a:solidFill>
-                <a:srgbClr val="CCFFCC"/>
-              </a:solidFill>
-              <a:ln w="12700" cap="flat" cmpd="sng" algn="ctr">
-                <a:solidFill>
-                  <a:schemeClr val="tx1"/>
-                </a:solidFill>
-                <a:prstDash val="solid"/>
-                <a:round/>
-                <a:headEnd type="none" w="sm" len="sm"/>
-                <a:tailEnd type="none" w="sm" len="sm"/>
-              </a:ln>
-              <a:effectLst/>
-            </p:spPr>
-            <p:txBody>
-              <a:bodyPr vert="horz" wrap="square" lIns="91440" tIns="45720" rIns="91440" bIns="45720" numCol="1" rtlCol="0" anchor="ctr" anchorCtr="0" compatLnSpc="1">
-                <a:prstTxWarp prst="textNoShape">
-                  <a:avLst/>
-                </a:prstTxWarp>
-              </a:bodyPr>
-              <a:lstStyle/>
-              <a:p>
-                <a:pPr marL="0" marR="0" indent="0" algn="ctr" defTabSz="914400" rtl="0" eaLnBrk="0" fontAlgn="base" latinLnBrk="0" hangingPunct="0">
-                  <a:lnSpc>
-                    <a:spcPct val="100000"/>
-                  </a:lnSpc>
-                  <a:spcBef>
-                    <a:spcPct val="0"/>
-                  </a:spcBef>
-                  <a:spcAft>
-                    <a:spcPct val="0"/>
-                  </a:spcAft>
-                  <a:buClrTx/>
-                  <a:buSzTx/>
-                  <a:buFontTx/>
-                  <a:buNone/>
-                  <a:tabLst/>
-                </a:pPr>
-                <a:r>
-                  <a:rPr kumimoji="0" lang="en-US" sz="1200" b="0" i="1" u="none" strike="noStrike" cap="none" normalizeH="0" baseline="0" dirty="0">
-                    <a:ln>
-                      <a:noFill/>
-                    </a:ln>
-                    <a:solidFill>
-                      <a:schemeClr val="tx2"/>
-                    </a:solidFill>
-                    <a:effectLst/>
-                    <a:latin typeface="Verdana" panose="020B0604030504040204" pitchFamily="34" charset="0"/>
-                    <a:ea typeface="Verdana" panose="020B0604030504040204" pitchFamily="34" charset="0"/>
-                    <a:cs typeface="Verdana" panose="020B0604030504040204" pitchFamily="34" charset="0"/>
-                  </a:rPr>
-                  <a:t>e</a:t>
-                </a:r>
-              </a:p>
-            </p:txBody>
-          </p:sp>
-          <p:sp>
-            <p:nvSpPr>
-              <p:cNvPr id="429088" name="Oval 429087">
-                <a:extLst>
-                  <a:ext uri="{FF2B5EF4-FFF2-40B4-BE49-F238E27FC236}">
-                    <a16:creationId xmlns:a16="http://schemas.microsoft.com/office/drawing/2014/main" id="{2A1C5804-0C17-6D19-1FF7-48D76196D2B2}"/>
-                  </a:ext>
-                </a:extLst>
-              </p:cNvPr>
-              <p:cNvSpPr/>
-              <p:nvPr/>
-            </p:nvSpPr>
-            <p:spPr bwMode="auto">
-              <a:xfrm>
-                <a:off x="9544121" y="2641420"/>
-                <a:ext cx="216284" cy="216284"/>
-              </a:xfrm>
-              <a:prstGeom prst="ellipse">
-                <a:avLst/>
-              </a:prstGeom>
-              <a:solidFill>
-                <a:srgbClr val="CCFFCC"/>
-              </a:solidFill>
-              <a:ln w="12700" cap="flat" cmpd="sng" algn="ctr">
-                <a:solidFill>
-                  <a:schemeClr val="tx1"/>
-                </a:solidFill>
-                <a:prstDash val="solid"/>
-                <a:round/>
-                <a:headEnd type="none" w="sm" len="sm"/>
-                <a:tailEnd type="none" w="sm" len="sm"/>
-              </a:ln>
-              <a:effectLst/>
-            </p:spPr>
-            <p:txBody>
-              <a:bodyPr vert="horz" wrap="square" lIns="91440" tIns="45720" rIns="91440" bIns="45720" numCol="1" rtlCol="0" anchor="ctr" anchorCtr="0" compatLnSpc="1">
-                <a:prstTxWarp prst="textNoShape">
-                  <a:avLst/>
-                </a:prstTxWarp>
-              </a:bodyPr>
-              <a:lstStyle/>
-              <a:p>
-                <a:pPr marL="0" marR="0" indent="0" algn="ctr" defTabSz="914400" rtl="0" eaLnBrk="0" fontAlgn="base" latinLnBrk="0" hangingPunct="0">
-                  <a:lnSpc>
-                    <a:spcPct val="100000"/>
-                  </a:lnSpc>
-                  <a:spcBef>
-                    <a:spcPct val="0"/>
-                  </a:spcBef>
-                  <a:spcAft>
-                    <a:spcPct val="0"/>
-                  </a:spcAft>
-                  <a:buClrTx/>
-                  <a:buSzTx/>
-                  <a:buFontTx/>
-                  <a:buNone/>
-                  <a:tabLst/>
-                </a:pPr>
-                <a:r>
-                  <a:rPr kumimoji="0" lang="en-US" sz="1200" b="0" i="1" u="none" strike="noStrike" cap="none" normalizeH="0" baseline="0" dirty="0">
-                    <a:ln>
-                      <a:noFill/>
-                    </a:ln>
-                    <a:solidFill>
-                      <a:schemeClr val="tx2"/>
-                    </a:solidFill>
-                    <a:effectLst/>
-                    <a:latin typeface="Verdana" panose="020B0604030504040204" pitchFamily="34" charset="0"/>
-                    <a:ea typeface="Verdana" panose="020B0604030504040204" pitchFamily="34" charset="0"/>
-                    <a:cs typeface="Verdana" panose="020B0604030504040204" pitchFamily="34" charset="0"/>
-                  </a:rPr>
-                  <a:t>h</a:t>
-                </a:r>
-              </a:p>
-            </p:txBody>
-          </p:sp>
-          <p:cxnSp>
-            <p:nvCxnSpPr>
-              <p:cNvPr id="429089" name="Straight Connector 429088">
-                <a:extLst>
-                  <a:ext uri="{FF2B5EF4-FFF2-40B4-BE49-F238E27FC236}">
-                    <a16:creationId xmlns:a16="http://schemas.microsoft.com/office/drawing/2014/main" id="{285B6BF8-5488-1046-9410-D3E8B2F664CA}"/>
-                  </a:ext>
-                </a:extLst>
-              </p:cNvPr>
-              <p:cNvCxnSpPr>
-                <a:cxnSpLocks/>
-                <a:stCxn id="429069" idx="6"/>
-                <a:endCxn id="429078" idx="2"/>
-              </p:cNvCxnSpPr>
-              <p:nvPr/>
-            </p:nvCxnSpPr>
-            <p:spPr bwMode="auto">
-              <a:xfrm>
-                <a:off x="7606046" y="1698820"/>
-                <a:ext cx="1941270" cy="8865"/>
-              </a:xfrm>
-              <a:prstGeom prst="line">
-                <a:avLst/>
-              </a:prstGeom>
-              <a:solidFill>
-                <a:schemeClr val="accent1"/>
-              </a:solidFill>
-              <a:ln w="44450" cap="flat" cmpd="sng" algn="ctr">
-                <a:solidFill>
-                  <a:schemeClr val="tx1"/>
-                </a:solidFill>
-                <a:prstDash val="solid"/>
-                <a:round/>
-                <a:headEnd type="none" w="sm" len="sm"/>
-                <a:tailEnd type="none" w="sm" len="sm"/>
-              </a:ln>
-              <a:effectLst/>
-            </p:spPr>
-          </p:cxnSp>
-        </p:grpSp>
-        <p:grpSp>
-          <p:nvGrpSpPr>
-            <p:cNvPr id="429095" name="Group 429094">
-              <a:extLst>
-                <a:ext uri="{FF2B5EF4-FFF2-40B4-BE49-F238E27FC236}">
-                  <a16:creationId xmlns:a16="http://schemas.microsoft.com/office/drawing/2014/main" id="{9879747D-5B56-1D58-55BF-A45B57E15992}"/>
-                </a:ext>
-              </a:extLst>
-            </p:cNvPr>
-            <p:cNvGrpSpPr/>
-            <p:nvPr/>
-          </p:nvGrpSpPr>
-          <p:grpSpPr>
-            <a:xfrm>
-              <a:off x="3112864" y="1600554"/>
-              <a:ext cx="3645653" cy="1247275"/>
-              <a:chOff x="3112864" y="1610429"/>
-              <a:chExt cx="3645653" cy="1247275"/>
-            </a:xfrm>
-          </p:grpSpPr>
-          <p:sp>
-            <p:nvSpPr>
-              <p:cNvPr id="22" name="Oval 21">
-                <a:extLst>
-                  <a:ext uri="{FF2B5EF4-FFF2-40B4-BE49-F238E27FC236}">
-                    <a16:creationId xmlns:a16="http://schemas.microsoft.com/office/drawing/2014/main" id="{BE281706-2119-7E77-C19B-F2ABE6850402}"/>
-                  </a:ext>
-                </a:extLst>
-              </p:cNvPr>
-              <p:cNvSpPr/>
-              <p:nvPr/>
-            </p:nvSpPr>
-            <p:spPr bwMode="auto">
-              <a:xfrm>
-                <a:off x="3809034" y="1969667"/>
-                <a:ext cx="216284" cy="216284"/>
-              </a:xfrm>
-              <a:prstGeom prst="ellipse">
-                <a:avLst/>
-              </a:prstGeom>
-              <a:solidFill>
-                <a:srgbClr val="CCFFFF"/>
-              </a:solidFill>
-              <a:ln w="12700" cap="flat" cmpd="sng" algn="ctr">
-                <a:solidFill>
-                  <a:schemeClr val="tx1"/>
-                </a:solidFill>
-                <a:prstDash val="solid"/>
-                <a:round/>
-                <a:headEnd type="none" w="sm" len="sm"/>
-                <a:tailEnd type="none" w="sm" len="sm"/>
-              </a:ln>
-              <a:effectLst/>
-            </p:spPr>
-            <p:txBody>
-              <a:bodyPr vert="horz" wrap="square" lIns="91440" tIns="45720" rIns="91440" bIns="45720" numCol="1" rtlCol="0" anchor="ctr" anchorCtr="0" compatLnSpc="1">
-                <a:prstTxWarp prst="textNoShape">
-                  <a:avLst/>
-                </a:prstTxWarp>
-              </a:bodyPr>
-              <a:lstStyle/>
-              <a:p>
-                <a:pPr marL="0" marR="0" indent="0" algn="ctr" defTabSz="914400" rtl="0" eaLnBrk="0" fontAlgn="base" latinLnBrk="0" hangingPunct="0">
-                  <a:lnSpc>
-                    <a:spcPct val="100000"/>
-                  </a:lnSpc>
-                  <a:spcBef>
-                    <a:spcPct val="0"/>
-                  </a:spcBef>
-                  <a:spcAft>
-                    <a:spcPct val="0"/>
-                  </a:spcAft>
-                  <a:buClrTx/>
-                  <a:buSzTx/>
-                  <a:buFontTx/>
-                  <a:buNone/>
-                  <a:tabLst/>
-                </a:pPr>
-                <a:r>
-                  <a:rPr kumimoji="0" lang="en-US" sz="1200" b="0" i="1" u="none" strike="noStrike" cap="none" normalizeH="0" baseline="0" dirty="0">
-                    <a:ln>
-                      <a:noFill/>
-                    </a:ln>
-                    <a:solidFill>
-                      <a:schemeClr val="tx2"/>
-                    </a:solidFill>
-                    <a:effectLst/>
-                    <a:latin typeface="Verdana" panose="020B0604030504040204" pitchFamily="34" charset="0"/>
-                    <a:ea typeface="Verdana" panose="020B0604030504040204" pitchFamily="34" charset="0"/>
-                    <a:cs typeface="Verdana" panose="020B0604030504040204" pitchFamily="34" charset="0"/>
-                  </a:rPr>
-                  <a:t>b</a:t>
-                </a:r>
-              </a:p>
-            </p:txBody>
-          </p:sp>
-          <p:sp>
-            <p:nvSpPr>
-              <p:cNvPr id="23" name="Oval 22">
-                <a:extLst>
-                  <a:ext uri="{FF2B5EF4-FFF2-40B4-BE49-F238E27FC236}">
-                    <a16:creationId xmlns:a16="http://schemas.microsoft.com/office/drawing/2014/main" id="{600B7522-066A-767F-C9A3-5EC5089822BD}"/>
-                  </a:ext>
-                </a:extLst>
-              </p:cNvPr>
-              <p:cNvSpPr/>
-              <p:nvPr/>
-            </p:nvSpPr>
-            <p:spPr bwMode="auto">
-              <a:xfrm>
-                <a:off x="3112864" y="2641420"/>
-                <a:ext cx="216284" cy="216284"/>
-              </a:xfrm>
-              <a:prstGeom prst="ellipse">
-                <a:avLst/>
-              </a:prstGeom>
-              <a:solidFill>
-                <a:srgbClr val="CCFFFF"/>
-              </a:solidFill>
-              <a:ln w="12700" cap="flat" cmpd="sng" algn="ctr">
-                <a:solidFill>
-                  <a:schemeClr val="tx1"/>
-                </a:solidFill>
-                <a:prstDash val="solid"/>
-                <a:round/>
-                <a:headEnd type="none" w="sm" len="sm"/>
-                <a:tailEnd type="none" w="sm" len="sm"/>
-              </a:ln>
-              <a:effectLst/>
-            </p:spPr>
-            <p:txBody>
-              <a:bodyPr vert="horz" wrap="square" lIns="91440" tIns="45720" rIns="91440" bIns="45720" numCol="1" rtlCol="0" anchor="ctr" anchorCtr="0" compatLnSpc="1">
-                <a:prstTxWarp prst="textNoShape">
-                  <a:avLst/>
-                </a:prstTxWarp>
-              </a:bodyPr>
-              <a:lstStyle/>
-              <a:p>
-                <a:pPr marL="0" marR="0" indent="0" algn="ctr" defTabSz="914400" rtl="0" eaLnBrk="0" fontAlgn="base" latinLnBrk="0" hangingPunct="0">
-                  <a:lnSpc>
-                    <a:spcPct val="100000"/>
-                  </a:lnSpc>
-                  <a:spcBef>
-                    <a:spcPct val="0"/>
-                  </a:spcBef>
-                  <a:spcAft>
-                    <a:spcPct val="0"/>
-                  </a:spcAft>
-                  <a:buClrTx/>
-                  <a:buSzTx/>
-                  <a:buFontTx/>
-                  <a:buNone/>
-                  <a:tabLst/>
-                </a:pPr>
-                <a:r>
-                  <a:rPr kumimoji="0" lang="en-US" sz="1200" b="0" i="1" u="none" strike="noStrike" cap="none" normalizeH="0" baseline="0" dirty="0">
-                    <a:ln>
-                      <a:noFill/>
-                    </a:ln>
-                    <a:solidFill>
-                      <a:schemeClr val="tx2"/>
-                    </a:solidFill>
-                    <a:effectLst/>
-                    <a:latin typeface="Verdana" panose="020B0604030504040204" pitchFamily="34" charset="0"/>
-                    <a:ea typeface="Verdana" panose="020B0604030504040204" pitchFamily="34" charset="0"/>
-                    <a:cs typeface="Verdana" panose="020B0604030504040204" pitchFamily="34" charset="0"/>
-                  </a:rPr>
-                  <a:t>c</a:t>
-                </a:r>
-              </a:p>
-            </p:txBody>
-          </p:sp>
-          <p:sp>
-            <p:nvSpPr>
-              <p:cNvPr id="24" name="Oval 23">
-                <a:extLst>
-                  <a:ext uri="{FF2B5EF4-FFF2-40B4-BE49-F238E27FC236}">
-                    <a16:creationId xmlns:a16="http://schemas.microsoft.com/office/drawing/2014/main" id="{0004C934-1945-C521-B3A2-7A76F9BC4D4E}"/>
-                  </a:ext>
-                </a:extLst>
-              </p:cNvPr>
-              <p:cNvSpPr/>
-              <p:nvPr/>
-            </p:nvSpPr>
-            <p:spPr bwMode="auto">
-              <a:xfrm>
-                <a:off x="4538542" y="1610429"/>
-                <a:ext cx="216284" cy="216284"/>
-              </a:xfrm>
-              <a:prstGeom prst="ellipse">
-                <a:avLst/>
-              </a:prstGeom>
-              <a:solidFill>
-                <a:srgbClr val="CCFFFF"/>
-              </a:solidFill>
-              <a:ln w="12700" cap="flat" cmpd="sng" algn="ctr">
-                <a:solidFill>
-                  <a:schemeClr val="tx1"/>
-                </a:solidFill>
-                <a:prstDash val="solid"/>
-                <a:round/>
-                <a:headEnd type="none" w="sm" len="sm"/>
-                <a:tailEnd type="none" w="sm" len="sm"/>
-              </a:ln>
-              <a:effectLst/>
-            </p:spPr>
-            <p:txBody>
-              <a:bodyPr vert="horz" wrap="square" lIns="91440" tIns="45720" rIns="91440" bIns="45720" numCol="1" rtlCol="0" anchor="ctr" anchorCtr="0" compatLnSpc="1">
-                <a:prstTxWarp prst="textNoShape">
-                  <a:avLst/>
-                </a:prstTxWarp>
-              </a:bodyPr>
-              <a:lstStyle/>
-              <a:p>
-                <a:pPr marL="0" marR="0" indent="0" algn="ctr" defTabSz="914400" rtl="0" eaLnBrk="0" fontAlgn="base" latinLnBrk="0" hangingPunct="0">
-                  <a:lnSpc>
-                    <a:spcPct val="100000"/>
-                  </a:lnSpc>
-                  <a:spcBef>
-                    <a:spcPct val="0"/>
-                  </a:spcBef>
-                  <a:spcAft>
-                    <a:spcPct val="0"/>
-                  </a:spcAft>
-                  <a:buClrTx/>
-                  <a:buSzTx/>
-                  <a:buFontTx/>
-                  <a:buNone/>
-                  <a:tabLst/>
-                </a:pPr>
-                <a:r>
-                  <a:rPr kumimoji="0" lang="en-US" sz="1200" b="0" i="1" u="none" strike="noStrike" cap="none" normalizeH="0" baseline="0" dirty="0">
-                    <a:ln>
-                      <a:noFill/>
-                    </a:ln>
-                    <a:solidFill>
-                      <a:schemeClr val="tx2"/>
-                    </a:solidFill>
-                    <a:effectLst/>
-                    <a:latin typeface="Verdana" panose="020B0604030504040204" pitchFamily="34" charset="0"/>
-                    <a:ea typeface="Verdana" panose="020B0604030504040204" pitchFamily="34" charset="0"/>
-                    <a:cs typeface="Verdana" panose="020B0604030504040204" pitchFamily="34" charset="0"/>
-                  </a:rPr>
-                  <a:t>f</a:t>
-                </a:r>
-              </a:p>
-            </p:txBody>
-          </p:sp>
-          <p:sp>
-            <p:nvSpPr>
-              <p:cNvPr id="25" name="Oval 24">
-                <a:extLst>
-                  <a:ext uri="{FF2B5EF4-FFF2-40B4-BE49-F238E27FC236}">
-                    <a16:creationId xmlns:a16="http://schemas.microsoft.com/office/drawing/2014/main" id="{34A5B0D9-16D6-3277-8CA1-AA1430058A4B}"/>
-                  </a:ext>
-                </a:extLst>
-              </p:cNvPr>
-              <p:cNvSpPr/>
-              <p:nvPr/>
-            </p:nvSpPr>
-            <p:spPr bwMode="auto">
-              <a:xfrm>
-                <a:off x="3114170" y="1610429"/>
-                <a:ext cx="216284" cy="216284"/>
-              </a:xfrm>
-              <a:prstGeom prst="ellipse">
-                <a:avLst/>
-              </a:prstGeom>
-              <a:solidFill>
-                <a:srgbClr val="CCFFCC"/>
-              </a:solidFill>
-              <a:ln w="12700" cap="flat" cmpd="sng" algn="ctr">
-                <a:solidFill>
-                  <a:schemeClr val="tx1"/>
-                </a:solidFill>
-                <a:prstDash val="solid"/>
-                <a:round/>
-                <a:headEnd type="none" w="sm" len="sm"/>
-                <a:tailEnd type="none" w="sm" len="sm"/>
-              </a:ln>
-              <a:effectLst/>
-            </p:spPr>
-            <p:txBody>
-              <a:bodyPr vert="horz" wrap="square" lIns="91440" tIns="45720" rIns="91440" bIns="45720" numCol="1" rtlCol="0" anchor="ctr" anchorCtr="0" compatLnSpc="1">
-                <a:prstTxWarp prst="textNoShape">
-                  <a:avLst/>
-                </a:prstTxWarp>
-              </a:bodyPr>
-              <a:lstStyle/>
-              <a:p>
-                <a:pPr marL="0" marR="0" indent="0" algn="ctr" defTabSz="914400" rtl="0" eaLnBrk="0" fontAlgn="base" latinLnBrk="0" hangingPunct="0">
-                  <a:lnSpc>
-                    <a:spcPct val="100000"/>
-                  </a:lnSpc>
-                  <a:spcBef>
-                    <a:spcPct val="0"/>
-                  </a:spcBef>
-                  <a:spcAft>
-                    <a:spcPct val="0"/>
-                  </a:spcAft>
-                  <a:buClrTx/>
-                  <a:buSzTx/>
-                  <a:buFontTx/>
-                  <a:buNone/>
-                  <a:tabLst/>
-                </a:pPr>
-                <a:r>
-                  <a:rPr kumimoji="0" lang="en-US" sz="1200" b="0" i="1" u="none" strike="noStrike" cap="none" normalizeH="0" baseline="0" dirty="0">
-                    <a:ln>
-                      <a:noFill/>
-                    </a:ln>
-                    <a:solidFill>
-                      <a:schemeClr val="tx2"/>
-                    </a:solidFill>
-                    <a:effectLst/>
-                    <a:latin typeface="Verdana" panose="020B0604030504040204" pitchFamily="34" charset="0"/>
-                    <a:ea typeface="Verdana" panose="020B0604030504040204" pitchFamily="34" charset="0"/>
-                    <a:cs typeface="Verdana" panose="020B0604030504040204" pitchFamily="34" charset="0"/>
-                  </a:rPr>
-                  <a:t>a</a:t>
-                </a:r>
-              </a:p>
-            </p:txBody>
-          </p:sp>
-          <p:sp>
-            <p:nvSpPr>
-              <p:cNvPr id="26" name="Oval 25">
-                <a:extLst>
-                  <a:ext uri="{FF2B5EF4-FFF2-40B4-BE49-F238E27FC236}">
-                    <a16:creationId xmlns:a16="http://schemas.microsoft.com/office/drawing/2014/main" id="{1755183D-1DFE-DEF3-7055-222E3BFBFD6B}"/>
-                  </a:ext>
-                </a:extLst>
-              </p:cNvPr>
-              <p:cNvSpPr/>
-              <p:nvPr/>
-            </p:nvSpPr>
-            <p:spPr bwMode="auto">
-              <a:xfrm>
-                <a:off x="4536878" y="2641420"/>
-                <a:ext cx="216284" cy="216284"/>
-              </a:xfrm>
-              <a:prstGeom prst="ellipse">
-                <a:avLst/>
-              </a:prstGeom>
-              <a:solidFill>
-                <a:srgbClr val="CCFFFF"/>
-              </a:solidFill>
-              <a:ln w="12700" cap="flat" cmpd="sng" algn="ctr">
-                <a:solidFill>
-                  <a:schemeClr val="tx1"/>
-                </a:solidFill>
-                <a:prstDash val="solid"/>
-                <a:round/>
-                <a:headEnd type="none" w="sm" len="sm"/>
-                <a:tailEnd type="none" w="sm" len="sm"/>
-              </a:ln>
-              <a:effectLst/>
-            </p:spPr>
-            <p:txBody>
-              <a:bodyPr vert="horz" wrap="square" lIns="91440" tIns="45720" rIns="91440" bIns="45720" numCol="1" rtlCol="0" anchor="ctr" anchorCtr="0" compatLnSpc="1">
-                <a:prstTxWarp prst="textNoShape">
-                  <a:avLst/>
-                </a:prstTxWarp>
-              </a:bodyPr>
-              <a:lstStyle/>
-              <a:p>
-                <a:pPr marL="0" marR="0" indent="0" algn="ctr" defTabSz="914400" rtl="0" eaLnBrk="0" fontAlgn="base" latinLnBrk="0" hangingPunct="0">
-                  <a:lnSpc>
-                    <a:spcPct val="100000"/>
-                  </a:lnSpc>
-                  <a:spcBef>
-                    <a:spcPct val="0"/>
-                  </a:spcBef>
-                  <a:spcAft>
-                    <a:spcPct val="0"/>
-                  </a:spcAft>
-                  <a:buClrTx/>
-                  <a:buSzTx/>
-                  <a:buFontTx/>
-                  <a:buNone/>
-                  <a:tabLst/>
-                </a:pPr>
-                <a:r>
-                  <a:rPr kumimoji="0" lang="en-US" sz="1200" b="0" i="1" u="none" strike="noStrike" cap="none" normalizeH="0" baseline="0" dirty="0">
-                    <a:ln>
-                      <a:noFill/>
-                    </a:ln>
-                    <a:solidFill>
-                      <a:schemeClr val="tx2"/>
-                    </a:solidFill>
-                    <a:effectLst/>
-                    <a:latin typeface="Verdana" panose="020B0604030504040204" pitchFamily="34" charset="0"/>
-                    <a:ea typeface="Verdana" panose="020B0604030504040204" pitchFamily="34" charset="0"/>
-                    <a:cs typeface="Verdana" panose="020B0604030504040204" pitchFamily="34" charset="0"/>
-                  </a:rPr>
-                  <a:t>g</a:t>
-                </a:r>
-              </a:p>
-            </p:txBody>
-          </p:sp>
-          <p:sp>
-            <p:nvSpPr>
-              <p:cNvPr id="27" name="Oval 26">
-                <a:extLst>
-                  <a:ext uri="{FF2B5EF4-FFF2-40B4-BE49-F238E27FC236}">
-                    <a16:creationId xmlns:a16="http://schemas.microsoft.com/office/drawing/2014/main" id="{5F46866F-0C4B-27B6-1758-315D546E7B42}"/>
-                  </a:ext>
-                </a:extLst>
-              </p:cNvPr>
-              <p:cNvSpPr/>
-              <p:nvPr/>
-            </p:nvSpPr>
-            <p:spPr bwMode="auto">
-              <a:xfrm>
-                <a:off x="3812027" y="2641420"/>
-                <a:ext cx="216284" cy="216284"/>
-              </a:xfrm>
-              <a:prstGeom prst="ellipse">
-                <a:avLst/>
-              </a:prstGeom>
-              <a:solidFill>
-                <a:srgbClr val="CCFFCC"/>
-              </a:solidFill>
-              <a:ln w="12700" cap="flat" cmpd="sng" algn="ctr">
-                <a:solidFill>
-                  <a:schemeClr val="tx1"/>
-                </a:solidFill>
-                <a:prstDash val="solid"/>
-                <a:round/>
-                <a:headEnd type="none" w="sm" len="sm"/>
-                <a:tailEnd type="none" w="sm" len="sm"/>
-              </a:ln>
-              <a:effectLst/>
-            </p:spPr>
-            <p:txBody>
-              <a:bodyPr vert="horz" wrap="square" lIns="91440" tIns="45720" rIns="91440" bIns="45720" numCol="1" rtlCol="0" anchor="ctr" anchorCtr="0" compatLnSpc="1">
-                <a:prstTxWarp prst="textNoShape">
-                  <a:avLst/>
-                </a:prstTxWarp>
-              </a:bodyPr>
-              <a:lstStyle/>
-              <a:p>
-                <a:pPr marL="0" marR="0" indent="0" algn="ctr" defTabSz="914400" rtl="0" eaLnBrk="0" fontAlgn="base" latinLnBrk="0" hangingPunct="0">
-                  <a:lnSpc>
-                    <a:spcPct val="100000"/>
-                  </a:lnSpc>
-                  <a:spcBef>
-                    <a:spcPct val="0"/>
-                  </a:spcBef>
-                  <a:spcAft>
-                    <a:spcPct val="0"/>
-                  </a:spcAft>
-                  <a:buClrTx/>
-                  <a:buSzTx/>
-                  <a:buFontTx/>
-                  <a:buNone/>
-                  <a:tabLst/>
-                </a:pPr>
-                <a:r>
-                  <a:rPr lang="en-US" sz="1200" i="1" dirty="0">
-                    <a:latin typeface="Verdana" panose="020B0604030504040204" pitchFamily="34" charset="0"/>
-                    <a:ea typeface="Verdana" panose="020B0604030504040204" pitchFamily="34" charset="0"/>
-                    <a:cs typeface="Verdana" panose="020B0604030504040204" pitchFamily="34" charset="0"/>
-                  </a:rPr>
-                  <a:t>d</a:t>
-                </a:r>
-                <a:endParaRPr kumimoji="0" lang="en-US" sz="1200" b="0" i="1" u="none" strike="noStrike" cap="none" normalizeH="0" baseline="0" dirty="0">
-                  <a:ln>
-                    <a:noFill/>
-                  </a:ln>
-                  <a:solidFill>
-                    <a:schemeClr val="tx2"/>
-                  </a:solidFill>
-                  <a:effectLst/>
-                  <a:latin typeface="Verdana" panose="020B0604030504040204" pitchFamily="34" charset="0"/>
-                  <a:ea typeface="Verdana" panose="020B0604030504040204" pitchFamily="34" charset="0"/>
-                  <a:cs typeface="Verdana" panose="020B0604030504040204" pitchFamily="34" charset="0"/>
-                </a:endParaRPr>
-              </a:p>
-            </p:txBody>
-          </p:sp>
-          <p:cxnSp>
-            <p:nvCxnSpPr>
-              <p:cNvPr id="29" name="Straight Connector 28">
-                <a:extLst>
-                  <a:ext uri="{FF2B5EF4-FFF2-40B4-BE49-F238E27FC236}">
-                    <a16:creationId xmlns:a16="http://schemas.microsoft.com/office/drawing/2014/main" id="{E0B29ABA-6F18-44E9-312D-2A89B78FE3EC}"/>
-                  </a:ext>
-                </a:extLst>
-              </p:cNvPr>
-              <p:cNvCxnSpPr>
-                <a:cxnSpLocks/>
-                <a:stCxn id="26" idx="2"/>
-                <a:endCxn id="27" idx="6"/>
-              </p:cNvCxnSpPr>
-              <p:nvPr/>
-            </p:nvCxnSpPr>
-            <p:spPr bwMode="auto">
-              <a:xfrm flipH="1">
-                <a:off x="4028311" y="2749562"/>
-                <a:ext cx="508567" cy="0"/>
-              </a:xfrm>
-              <a:prstGeom prst="line">
-                <a:avLst/>
-              </a:prstGeom>
-              <a:solidFill>
-                <a:schemeClr val="accent1"/>
-              </a:solidFill>
-              <a:ln w="12700" cap="flat" cmpd="sng" algn="ctr">
-                <a:solidFill>
-                  <a:schemeClr val="tx1"/>
-                </a:solidFill>
-                <a:prstDash val="solid"/>
-                <a:round/>
-                <a:headEnd type="none" w="sm" len="sm"/>
-                <a:tailEnd type="none" w="sm" len="sm"/>
-              </a:ln>
-              <a:effectLst/>
-            </p:spPr>
-          </p:cxnSp>
-          <p:cxnSp>
-            <p:nvCxnSpPr>
-              <p:cNvPr id="33" name="Straight Connector 32">
-                <a:extLst>
-                  <a:ext uri="{FF2B5EF4-FFF2-40B4-BE49-F238E27FC236}">
-                    <a16:creationId xmlns:a16="http://schemas.microsoft.com/office/drawing/2014/main" id="{2B8AB97F-6C4F-36D6-A8AC-A3F00E6F72F0}"/>
-                  </a:ext>
-                </a:extLst>
-              </p:cNvPr>
-              <p:cNvCxnSpPr>
-                <a:cxnSpLocks/>
-                <a:stCxn id="25" idx="5"/>
-                <a:endCxn id="22" idx="1"/>
-              </p:cNvCxnSpPr>
-              <p:nvPr/>
-            </p:nvCxnSpPr>
-            <p:spPr bwMode="auto">
-              <a:xfrm>
-                <a:off x="3298780" y="1795039"/>
-                <a:ext cx="541928" cy="206302"/>
-              </a:xfrm>
-              <a:prstGeom prst="line">
-                <a:avLst/>
-              </a:prstGeom>
-              <a:solidFill>
-                <a:schemeClr val="accent1"/>
-              </a:solidFill>
-              <a:ln w="44450" cap="flat" cmpd="sng" algn="ctr">
-                <a:solidFill>
-                  <a:srgbClr val="00B050"/>
-                </a:solidFill>
-                <a:prstDash val="solid"/>
-                <a:round/>
-                <a:headEnd type="none" w="sm" len="sm"/>
-                <a:tailEnd type="none" w="sm" len="sm"/>
-              </a:ln>
-              <a:effectLst/>
-            </p:spPr>
-          </p:cxnSp>
-          <p:cxnSp>
-            <p:nvCxnSpPr>
-              <p:cNvPr id="34" name="Straight Connector 33">
-                <a:extLst>
-                  <a:ext uri="{FF2B5EF4-FFF2-40B4-BE49-F238E27FC236}">
-                    <a16:creationId xmlns:a16="http://schemas.microsoft.com/office/drawing/2014/main" id="{61C175CE-4129-0AFC-7CFB-42109CD474EF}"/>
-                  </a:ext>
-                </a:extLst>
-              </p:cNvPr>
-              <p:cNvCxnSpPr>
-                <a:cxnSpLocks/>
-                <a:stCxn id="27" idx="2"/>
-                <a:endCxn id="23" idx="6"/>
-              </p:cNvCxnSpPr>
-              <p:nvPr/>
-            </p:nvCxnSpPr>
-            <p:spPr bwMode="auto">
-              <a:xfrm flipH="1">
-                <a:off x="3329148" y="2749562"/>
-                <a:ext cx="482879" cy="0"/>
-              </a:xfrm>
-              <a:prstGeom prst="line">
-                <a:avLst/>
-              </a:prstGeom>
-              <a:solidFill>
-                <a:schemeClr val="accent1"/>
-              </a:solidFill>
-              <a:ln w="44450" cap="flat" cmpd="sng" algn="ctr">
-                <a:solidFill>
-                  <a:srgbClr val="00B050"/>
-                </a:solidFill>
-                <a:prstDash val="solid"/>
-                <a:round/>
-                <a:headEnd type="none" w="sm" len="sm"/>
-                <a:tailEnd type="none" w="sm" len="sm"/>
-              </a:ln>
-              <a:effectLst/>
-            </p:spPr>
-          </p:cxnSp>
-          <p:cxnSp>
-            <p:nvCxnSpPr>
-              <p:cNvPr id="35" name="Straight Connector 34">
-                <a:extLst>
-                  <a:ext uri="{FF2B5EF4-FFF2-40B4-BE49-F238E27FC236}">
-                    <a16:creationId xmlns:a16="http://schemas.microsoft.com/office/drawing/2014/main" id="{2C7850CB-4C6F-26BA-2101-9074432BFB31}"/>
-                  </a:ext>
-                </a:extLst>
-              </p:cNvPr>
-              <p:cNvCxnSpPr>
-                <a:cxnSpLocks/>
-                <a:stCxn id="23" idx="0"/>
-                <a:endCxn id="25" idx="4"/>
-              </p:cNvCxnSpPr>
-              <p:nvPr/>
-            </p:nvCxnSpPr>
-            <p:spPr bwMode="auto">
-              <a:xfrm flipV="1">
-                <a:off x="3221006" y="1826713"/>
-                <a:ext cx="1306" cy="814707"/>
-              </a:xfrm>
-              <a:prstGeom prst="line">
-                <a:avLst/>
-              </a:prstGeom>
-              <a:solidFill>
-                <a:schemeClr val="accent1"/>
-              </a:solidFill>
-              <a:ln w="12700" cap="flat" cmpd="sng" algn="ctr">
-                <a:solidFill>
-                  <a:schemeClr val="tx1"/>
-                </a:solidFill>
-                <a:prstDash val="solid"/>
-                <a:round/>
-                <a:headEnd type="none" w="sm" len="sm"/>
-                <a:tailEnd type="none" w="sm" len="sm"/>
-              </a:ln>
-              <a:effectLst/>
-            </p:spPr>
-          </p:cxnSp>
-          <p:cxnSp>
-            <p:nvCxnSpPr>
-              <p:cNvPr id="51" name="Straight Connector 50">
-                <a:extLst>
-                  <a:ext uri="{FF2B5EF4-FFF2-40B4-BE49-F238E27FC236}">
-                    <a16:creationId xmlns:a16="http://schemas.microsoft.com/office/drawing/2014/main" id="{0ED7C475-8FD8-63FA-6C63-5A5C7B5731D0}"/>
-                  </a:ext>
-                </a:extLst>
-              </p:cNvPr>
-              <p:cNvCxnSpPr>
-                <a:cxnSpLocks/>
-                <a:stCxn id="22" idx="4"/>
-                <a:endCxn id="27" idx="0"/>
-              </p:cNvCxnSpPr>
-              <p:nvPr/>
-            </p:nvCxnSpPr>
-            <p:spPr bwMode="auto">
-              <a:xfrm>
-                <a:off x="3917176" y="2185951"/>
-                <a:ext cx="2993" cy="455469"/>
-              </a:xfrm>
-              <a:prstGeom prst="line">
-                <a:avLst/>
-              </a:prstGeom>
-              <a:solidFill>
-                <a:schemeClr val="accent1"/>
-              </a:solidFill>
-              <a:ln w="12700" cap="flat" cmpd="sng" algn="ctr">
-                <a:solidFill>
-                  <a:schemeClr val="tx1"/>
-                </a:solidFill>
-                <a:prstDash val="solid"/>
-                <a:round/>
-                <a:headEnd type="none" w="sm" len="sm"/>
-                <a:tailEnd type="none" w="sm" len="sm"/>
-              </a:ln>
-              <a:effectLst/>
-            </p:spPr>
-          </p:cxnSp>
-          <p:cxnSp>
-            <p:nvCxnSpPr>
-              <p:cNvPr id="54" name="Straight Connector 53">
-                <a:extLst>
-                  <a:ext uri="{FF2B5EF4-FFF2-40B4-BE49-F238E27FC236}">
-                    <a16:creationId xmlns:a16="http://schemas.microsoft.com/office/drawing/2014/main" id="{768720EE-B43B-0BFC-A1A1-B719E988624F}"/>
-                  </a:ext>
-                </a:extLst>
-              </p:cNvPr>
-              <p:cNvCxnSpPr>
-                <a:cxnSpLocks/>
-                <a:stCxn id="25" idx="6"/>
-                <a:endCxn id="24" idx="2"/>
-              </p:cNvCxnSpPr>
-              <p:nvPr/>
-            </p:nvCxnSpPr>
-            <p:spPr bwMode="auto">
-              <a:xfrm>
-                <a:off x="3330454" y="1718571"/>
-                <a:ext cx="1208088" cy="0"/>
-              </a:xfrm>
-              <a:prstGeom prst="line">
-                <a:avLst/>
-              </a:prstGeom>
-              <a:solidFill>
-                <a:schemeClr val="accent1"/>
-              </a:solidFill>
-              <a:ln w="12700" cap="flat" cmpd="sng" algn="ctr">
-                <a:solidFill>
-                  <a:schemeClr val="tx1"/>
-                </a:solidFill>
-                <a:prstDash val="solid"/>
-                <a:round/>
-                <a:headEnd type="none" w="sm" len="sm"/>
-                <a:tailEnd type="none" w="sm" len="sm"/>
-              </a:ln>
-              <a:effectLst/>
-            </p:spPr>
-          </p:cxnSp>
-          <p:sp>
-            <p:nvSpPr>
-              <p:cNvPr id="57" name="Oval 56">
-                <a:extLst>
-                  <a:ext uri="{FF2B5EF4-FFF2-40B4-BE49-F238E27FC236}">
-                    <a16:creationId xmlns:a16="http://schemas.microsoft.com/office/drawing/2014/main" id="{764D43B5-65D9-C864-0B4D-89CBFB141B9D}"/>
-                  </a:ext>
-                </a:extLst>
-              </p:cNvPr>
-              <p:cNvSpPr/>
-              <p:nvPr/>
-            </p:nvSpPr>
-            <p:spPr bwMode="auto">
-              <a:xfrm>
-                <a:off x="6542233" y="1610429"/>
-                <a:ext cx="216284" cy="216284"/>
-              </a:xfrm>
-              <a:prstGeom prst="ellipse">
-                <a:avLst/>
-              </a:prstGeom>
-              <a:solidFill>
-                <a:srgbClr val="CCFFFF"/>
-              </a:solidFill>
-              <a:ln w="12700" cap="flat" cmpd="sng" algn="ctr">
-                <a:solidFill>
-                  <a:schemeClr val="tx1"/>
-                </a:solidFill>
-                <a:prstDash val="solid"/>
-                <a:round/>
-                <a:headEnd type="none" w="sm" len="sm"/>
-                <a:tailEnd type="none" w="sm" len="sm"/>
-              </a:ln>
-              <a:effectLst/>
-            </p:spPr>
-            <p:txBody>
-              <a:bodyPr vert="horz" wrap="square" lIns="91440" tIns="45720" rIns="91440" bIns="45720" numCol="1" rtlCol="0" anchor="ctr" anchorCtr="0" compatLnSpc="1">
-                <a:prstTxWarp prst="textNoShape">
-                  <a:avLst/>
-                </a:prstTxWarp>
-              </a:bodyPr>
-              <a:lstStyle/>
-              <a:p>
-                <a:pPr marL="0" marR="0" indent="0" algn="ctr" defTabSz="914400" rtl="0" eaLnBrk="0" fontAlgn="base" latinLnBrk="0" hangingPunct="0">
-                  <a:lnSpc>
-                    <a:spcPct val="100000"/>
-                  </a:lnSpc>
-                  <a:spcBef>
-                    <a:spcPct val="0"/>
-                  </a:spcBef>
-                  <a:spcAft>
-                    <a:spcPct val="0"/>
-                  </a:spcAft>
-                  <a:buClrTx/>
-                  <a:buSzTx/>
-                  <a:buFontTx/>
-                  <a:buNone/>
-                  <a:tabLst/>
-                </a:pPr>
-                <a:r>
-                  <a:rPr kumimoji="0" lang="en-US" sz="1200" b="0" i="1" u="none" strike="noStrike" cap="none" normalizeH="0" baseline="0" dirty="0">
-                    <a:ln>
-                      <a:noFill/>
-                    </a:ln>
-                    <a:solidFill>
-                      <a:schemeClr val="tx2"/>
-                    </a:solidFill>
-                    <a:effectLst/>
-                    <a:latin typeface="Verdana" panose="020B0604030504040204" pitchFamily="34" charset="0"/>
-                    <a:ea typeface="Verdana" panose="020B0604030504040204" pitchFamily="34" charset="0"/>
-                    <a:cs typeface="Verdana" panose="020B0604030504040204" pitchFamily="34" charset="0"/>
-                  </a:rPr>
-                  <a:t>f</a:t>
-                </a:r>
-              </a:p>
-            </p:txBody>
-          </p:sp>
-          <p:sp>
-            <p:nvSpPr>
-              <p:cNvPr id="58" name="Oval 57">
-                <a:extLst>
-                  <a:ext uri="{FF2B5EF4-FFF2-40B4-BE49-F238E27FC236}">
-                    <a16:creationId xmlns:a16="http://schemas.microsoft.com/office/drawing/2014/main" id="{2E4843D6-E771-64FD-1804-D3224B37F088}"/>
-                  </a:ext>
-                </a:extLst>
-              </p:cNvPr>
-              <p:cNvSpPr/>
-              <p:nvPr/>
-            </p:nvSpPr>
-            <p:spPr bwMode="auto">
-              <a:xfrm>
-                <a:off x="5096087" y="1610429"/>
-                <a:ext cx="216284" cy="216284"/>
-              </a:xfrm>
-              <a:prstGeom prst="ellipse">
-                <a:avLst/>
-              </a:prstGeom>
-              <a:solidFill>
-                <a:srgbClr val="CCFFCC"/>
-              </a:solidFill>
-              <a:ln w="12700" cap="flat" cmpd="sng" algn="ctr">
-                <a:solidFill>
-                  <a:schemeClr val="tx1"/>
-                </a:solidFill>
-                <a:prstDash val="solid"/>
-                <a:round/>
-                <a:headEnd type="none" w="sm" len="sm"/>
-                <a:tailEnd type="none" w="sm" len="sm"/>
-              </a:ln>
-              <a:effectLst/>
-            </p:spPr>
-            <p:txBody>
-              <a:bodyPr vert="horz" wrap="square" lIns="91440" tIns="45720" rIns="91440" bIns="45720" numCol="1" rtlCol="0" anchor="ctr" anchorCtr="0" compatLnSpc="1">
-                <a:prstTxWarp prst="textNoShape">
-                  <a:avLst/>
-                </a:prstTxWarp>
-              </a:bodyPr>
-              <a:lstStyle/>
-              <a:p>
-                <a:pPr marL="0" marR="0" indent="0" algn="ctr" defTabSz="914400" rtl="0" eaLnBrk="0" fontAlgn="base" latinLnBrk="0" hangingPunct="0">
-                  <a:lnSpc>
-                    <a:spcPct val="100000"/>
-                  </a:lnSpc>
-                  <a:spcBef>
-                    <a:spcPct val="0"/>
-                  </a:spcBef>
-                  <a:spcAft>
-                    <a:spcPct val="0"/>
-                  </a:spcAft>
-                  <a:buClrTx/>
-                  <a:buSzTx/>
-                  <a:buFontTx/>
-                  <a:buNone/>
-                  <a:tabLst/>
-                </a:pPr>
-                <a:r>
-                  <a:rPr kumimoji="0" lang="en-US" sz="1200" b="0" i="1" u="none" strike="noStrike" cap="none" normalizeH="0" baseline="0" dirty="0">
-                    <a:ln>
-                      <a:noFill/>
-                    </a:ln>
-                    <a:solidFill>
-                      <a:schemeClr val="tx2"/>
-                    </a:solidFill>
-                    <a:effectLst/>
-                    <a:latin typeface="Verdana" panose="020B0604030504040204" pitchFamily="34" charset="0"/>
-                    <a:ea typeface="Verdana" panose="020B0604030504040204" pitchFamily="34" charset="0"/>
-                    <a:cs typeface="Verdana" panose="020B0604030504040204" pitchFamily="34" charset="0"/>
-                  </a:rPr>
-                  <a:t>a</a:t>
-                </a:r>
-              </a:p>
-            </p:txBody>
-          </p:sp>
-          <p:sp>
-            <p:nvSpPr>
-              <p:cNvPr id="59" name="Oval 58">
-                <a:extLst>
-                  <a:ext uri="{FF2B5EF4-FFF2-40B4-BE49-F238E27FC236}">
-                    <a16:creationId xmlns:a16="http://schemas.microsoft.com/office/drawing/2014/main" id="{C7C00C6A-359B-FB2D-7D6C-B68E4D965186}"/>
-                  </a:ext>
-                </a:extLst>
-              </p:cNvPr>
-              <p:cNvSpPr/>
-              <p:nvPr/>
-            </p:nvSpPr>
-            <p:spPr bwMode="auto">
-              <a:xfrm>
-                <a:off x="5789453" y="2641420"/>
-                <a:ext cx="216284" cy="216284"/>
-              </a:xfrm>
-              <a:prstGeom prst="ellipse">
-                <a:avLst/>
-              </a:prstGeom>
-              <a:solidFill>
-                <a:srgbClr val="CCFFFF"/>
-              </a:solidFill>
-              <a:ln w="12700" cap="flat" cmpd="sng" algn="ctr">
-                <a:solidFill>
-                  <a:schemeClr val="tx1"/>
-                </a:solidFill>
-                <a:prstDash val="solid"/>
-                <a:round/>
-                <a:headEnd type="none" w="sm" len="sm"/>
-                <a:tailEnd type="none" w="sm" len="sm"/>
-              </a:ln>
-              <a:effectLst/>
-            </p:spPr>
-            <p:txBody>
-              <a:bodyPr vert="horz" wrap="square" lIns="91440" tIns="45720" rIns="91440" bIns="45720" numCol="1" rtlCol="0" anchor="ctr" anchorCtr="0" compatLnSpc="1">
-                <a:prstTxWarp prst="textNoShape">
-                  <a:avLst/>
-                </a:prstTxWarp>
-              </a:bodyPr>
-              <a:lstStyle/>
-              <a:p>
-                <a:pPr marL="0" marR="0" indent="0" algn="ctr" defTabSz="914400" rtl="0" eaLnBrk="0" fontAlgn="base" latinLnBrk="0" hangingPunct="0">
-                  <a:lnSpc>
-                    <a:spcPct val="100000"/>
-                  </a:lnSpc>
-                  <a:spcBef>
-                    <a:spcPct val="0"/>
-                  </a:spcBef>
-                  <a:spcAft>
-                    <a:spcPct val="0"/>
-                  </a:spcAft>
-                  <a:buClrTx/>
-                  <a:buSzTx/>
-                  <a:buFontTx/>
-                  <a:buNone/>
-                  <a:tabLst/>
-                </a:pPr>
-                <a:r>
-                  <a:rPr kumimoji="0" lang="en-US" sz="1200" b="0" i="1" u="none" strike="noStrike" cap="none" normalizeH="0" baseline="0" dirty="0">
-                    <a:ln>
-                      <a:noFill/>
-                    </a:ln>
-                    <a:solidFill>
-                      <a:schemeClr val="tx2"/>
-                    </a:solidFill>
-                    <a:effectLst/>
-                    <a:latin typeface="Verdana" panose="020B0604030504040204" pitchFamily="34" charset="0"/>
-                    <a:ea typeface="Verdana" panose="020B0604030504040204" pitchFamily="34" charset="0"/>
-                    <a:cs typeface="Verdana" panose="020B0604030504040204" pitchFamily="34" charset="0"/>
-                  </a:rPr>
-                  <a:t>g</a:t>
-                </a:r>
-              </a:p>
-            </p:txBody>
-          </p:sp>
-          <p:sp>
-            <p:nvSpPr>
-              <p:cNvPr id="60" name="Oval 59">
-                <a:extLst>
-                  <a:ext uri="{FF2B5EF4-FFF2-40B4-BE49-F238E27FC236}">
-                    <a16:creationId xmlns:a16="http://schemas.microsoft.com/office/drawing/2014/main" id="{BE077EF5-0B63-871E-1EE3-7B3D9C6AECFA}"/>
-                  </a:ext>
-                </a:extLst>
-              </p:cNvPr>
-              <p:cNvSpPr/>
-              <p:nvPr/>
-            </p:nvSpPr>
-            <p:spPr bwMode="auto">
-              <a:xfrm>
-                <a:off x="5064602" y="2641420"/>
-                <a:ext cx="216284" cy="216284"/>
-              </a:xfrm>
-              <a:prstGeom prst="ellipse">
-                <a:avLst/>
-              </a:prstGeom>
-              <a:solidFill>
-                <a:srgbClr val="CCFFCC"/>
-              </a:solidFill>
-              <a:ln w="12700" cap="flat" cmpd="sng" algn="ctr">
-                <a:solidFill>
-                  <a:schemeClr val="tx1"/>
-                </a:solidFill>
-                <a:prstDash val="solid"/>
-                <a:round/>
-                <a:headEnd type="none" w="sm" len="sm"/>
-                <a:tailEnd type="none" w="sm" len="sm"/>
-              </a:ln>
-              <a:effectLst/>
-            </p:spPr>
-            <p:txBody>
-              <a:bodyPr vert="horz" wrap="square" lIns="91440" tIns="45720" rIns="91440" bIns="45720" numCol="1" rtlCol="0" anchor="ctr" anchorCtr="0" compatLnSpc="1">
-                <a:prstTxWarp prst="textNoShape">
-                  <a:avLst/>
-                </a:prstTxWarp>
-              </a:bodyPr>
-              <a:lstStyle/>
-              <a:p>
-                <a:pPr marL="0" marR="0" indent="0" algn="ctr" defTabSz="914400" rtl="0" eaLnBrk="0" fontAlgn="base" latinLnBrk="0" hangingPunct="0">
-                  <a:lnSpc>
-                    <a:spcPct val="100000"/>
-                  </a:lnSpc>
-                  <a:spcBef>
-                    <a:spcPct val="0"/>
-                  </a:spcBef>
-                  <a:spcAft>
-                    <a:spcPct val="0"/>
-                  </a:spcAft>
-                  <a:buClrTx/>
-                  <a:buSzTx/>
-                  <a:buFontTx/>
-                  <a:buNone/>
-                  <a:tabLst/>
-                </a:pPr>
-                <a:r>
-                  <a:rPr lang="en-US" sz="1200" i="1" dirty="0">
-                    <a:latin typeface="Verdana" panose="020B0604030504040204" pitchFamily="34" charset="0"/>
-                    <a:ea typeface="Verdana" panose="020B0604030504040204" pitchFamily="34" charset="0"/>
-                    <a:cs typeface="Verdana" panose="020B0604030504040204" pitchFamily="34" charset="0"/>
-                  </a:rPr>
-                  <a:t>d</a:t>
-                </a:r>
-                <a:endParaRPr kumimoji="0" lang="en-US" sz="1200" b="0" i="1" u="none" strike="noStrike" cap="none" normalizeH="0" baseline="0" dirty="0">
-                  <a:ln>
-                    <a:noFill/>
-                  </a:ln>
-                  <a:solidFill>
-                    <a:schemeClr val="tx2"/>
-                  </a:solidFill>
-                  <a:effectLst/>
-                  <a:latin typeface="Verdana" panose="020B0604030504040204" pitchFamily="34" charset="0"/>
-                  <a:ea typeface="Verdana" panose="020B0604030504040204" pitchFamily="34" charset="0"/>
-                  <a:cs typeface="Verdana" panose="020B0604030504040204" pitchFamily="34" charset="0"/>
-                </a:endParaRPr>
-              </a:p>
-            </p:txBody>
-          </p:sp>
-          <p:cxnSp>
-            <p:nvCxnSpPr>
-              <p:cNvPr id="61" name="Straight Connector 60">
-                <a:extLst>
-                  <a:ext uri="{FF2B5EF4-FFF2-40B4-BE49-F238E27FC236}">
-                    <a16:creationId xmlns:a16="http://schemas.microsoft.com/office/drawing/2014/main" id="{8AEDE95A-B754-B785-30C2-53EA6F848651}"/>
-                  </a:ext>
-                </a:extLst>
-              </p:cNvPr>
-              <p:cNvCxnSpPr>
-                <a:cxnSpLocks/>
-                <a:stCxn id="59" idx="6"/>
-                <a:endCxn id="429064" idx="2"/>
-              </p:cNvCxnSpPr>
-              <p:nvPr/>
-            </p:nvCxnSpPr>
-            <p:spPr bwMode="auto">
-              <a:xfrm>
-                <a:off x="6005737" y="2749562"/>
-                <a:ext cx="533301" cy="0"/>
-              </a:xfrm>
-              <a:prstGeom prst="line">
-                <a:avLst/>
-              </a:prstGeom>
-              <a:solidFill>
-                <a:schemeClr val="accent1"/>
-              </a:solidFill>
-              <a:ln w="44450" cap="flat" cmpd="sng" algn="ctr">
-                <a:solidFill>
-                  <a:srgbClr val="0070C0"/>
-                </a:solidFill>
-                <a:prstDash val="solid"/>
-                <a:round/>
-                <a:headEnd type="none" w="sm" len="sm"/>
-                <a:tailEnd type="none" w="sm" len="sm"/>
-              </a:ln>
-              <a:effectLst/>
-            </p:spPr>
-          </p:cxnSp>
-          <p:cxnSp>
-            <p:nvCxnSpPr>
-              <p:cNvPr id="62" name="Straight Connector 61">
-                <a:extLst>
-                  <a:ext uri="{FF2B5EF4-FFF2-40B4-BE49-F238E27FC236}">
-                    <a16:creationId xmlns:a16="http://schemas.microsoft.com/office/drawing/2014/main" id="{345AA06A-907F-9A63-FBE9-89DC3FCFA977}"/>
-                  </a:ext>
-                </a:extLst>
-              </p:cNvPr>
-              <p:cNvCxnSpPr>
-                <a:cxnSpLocks/>
-                <a:stCxn id="59" idx="2"/>
-                <a:endCxn id="60" idx="6"/>
-              </p:cNvCxnSpPr>
-              <p:nvPr/>
-            </p:nvCxnSpPr>
-            <p:spPr bwMode="auto">
-              <a:xfrm flipH="1">
-                <a:off x="5280886" y="2749562"/>
-                <a:ext cx="508567" cy="0"/>
-              </a:xfrm>
-              <a:prstGeom prst="line">
-                <a:avLst/>
-              </a:prstGeom>
-              <a:solidFill>
-                <a:schemeClr val="accent1"/>
-              </a:solidFill>
-              <a:ln w="12700" cap="flat" cmpd="sng" algn="ctr">
-                <a:solidFill>
-                  <a:schemeClr val="tx1"/>
-                </a:solidFill>
-                <a:prstDash val="solid"/>
-                <a:round/>
-                <a:headEnd type="none" w="sm" len="sm"/>
-                <a:tailEnd type="none" w="sm" len="sm"/>
-              </a:ln>
-              <a:effectLst/>
-            </p:spPr>
-          </p:cxnSp>
-          <p:cxnSp>
-            <p:nvCxnSpPr>
-              <p:cNvPr id="63" name="Straight Connector 62">
-                <a:extLst>
-                  <a:ext uri="{FF2B5EF4-FFF2-40B4-BE49-F238E27FC236}">
-                    <a16:creationId xmlns:a16="http://schemas.microsoft.com/office/drawing/2014/main" id="{44285570-A364-0D02-EF4A-B841944B9CEC}"/>
-                  </a:ext>
-                </a:extLst>
-              </p:cNvPr>
-              <p:cNvCxnSpPr>
-                <a:cxnSpLocks/>
-                <a:stCxn id="57" idx="3"/>
-                <a:endCxn id="429063" idx="7"/>
-              </p:cNvCxnSpPr>
-              <p:nvPr/>
-            </p:nvCxnSpPr>
-            <p:spPr bwMode="auto">
-              <a:xfrm flipH="1">
-                <a:off x="5971884" y="1795039"/>
-                <a:ext cx="602023" cy="206302"/>
-              </a:xfrm>
-              <a:prstGeom prst="line">
-                <a:avLst/>
-              </a:prstGeom>
-              <a:solidFill>
-                <a:schemeClr val="accent1"/>
-              </a:solidFill>
-              <a:ln w="12700" cap="flat" cmpd="sng" algn="ctr">
-                <a:solidFill>
-                  <a:schemeClr val="tx1"/>
-                </a:solidFill>
-                <a:prstDash val="solid"/>
-                <a:round/>
-                <a:headEnd type="none" w="sm" len="sm"/>
-                <a:tailEnd type="none" w="sm" len="sm"/>
-              </a:ln>
-              <a:effectLst/>
-            </p:spPr>
-          </p:cxnSp>
-          <p:cxnSp>
-            <p:nvCxnSpPr>
-              <p:cNvPr id="429056" name="Straight Connector 429055">
-                <a:extLst>
-                  <a:ext uri="{FF2B5EF4-FFF2-40B4-BE49-F238E27FC236}">
-                    <a16:creationId xmlns:a16="http://schemas.microsoft.com/office/drawing/2014/main" id="{9E0E1ECC-F83D-02B9-2A52-714EB4884E35}"/>
-                  </a:ext>
-                </a:extLst>
-              </p:cNvPr>
-              <p:cNvCxnSpPr>
-                <a:cxnSpLocks/>
-                <a:stCxn id="59" idx="0"/>
-                <a:endCxn id="429063" idx="4"/>
-              </p:cNvCxnSpPr>
-              <p:nvPr/>
-            </p:nvCxnSpPr>
-            <p:spPr bwMode="auto">
-              <a:xfrm flipH="1" flipV="1">
-                <a:off x="5895416" y="2185951"/>
-                <a:ext cx="2179" cy="455469"/>
-              </a:xfrm>
-              <a:prstGeom prst="line">
-                <a:avLst/>
-              </a:prstGeom>
-              <a:solidFill>
-                <a:schemeClr val="accent1"/>
-              </a:solidFill>
-              <a:ln w="12700" cap="flat" cmpd="sng" algn="ctr">
-                <a:solidFill>
-                  <a:schemeClr val="tx1"/>
-                </a:solidFill>
-                <a:prstDash val="solid"/>
-                <a:round/>
-                <a:headEnd type="none" w="sm" len="sm"/>
-                <a:tailEnd type="none" w="sm" len="sm"/>
-              </a:ln>
-              <a:effectLst/>
-            </p:spPr>
-          </p:cxnSp>
-          <p:cxnSp>
-            <p:nvCxnSpPr>
-              <p:cNvPr id="429057" name="Straight Connector 429056">
-                <a:extLst>
-                  <a:ext uri="{FF2B5EF4-FFF2-40B4-BE49-F238E27FC236}">
-                    <a16:creationId xmlns:a16="http://schemas.microsoft.com/office/drawing/2014/main" id="{C67E1C82-1624-FC2D-D417-30E625E1666A}"/>
-                  </a:ext>
-                </a:extLst>
-              </p:cNvPr>
-              <p:cNvCxnSpPr>
-                <a:cxnSpLocks/>
-                <a:stCxn id="57" idx="4"/>
-                <a:endCxn id="429064" idx="0"/>
-              </p:cNvCxnSpPr>
-              <p:nvPr/>
-            </p:nvCxnSpPr>
-            <p:spPr bwMode="auto">
-              <a:xfrm flipH="1">
-                <a:off x="6647180" y="1826713"/>
-                <a:ext cx="3195" cy="814707"/>
-              </a:xfrm>
-              <a:prstGeom prst="line">
-                <a:avLst/>
-              </a:prstGeom>
-              <a:solidFill>
-                <a:schemeClr val="accent1"/>
-              </a:solidFill>
-              <a:ln w="12700" cap="flat" cmpd="sng" algn="ctr">
-                <a:solidFill>
-                  <a:schemeClr val="tx1"/>
-                </a:solidFill>
-                <a:prstDash val="solid"/>
-                <a:round/>
-                <a:headEnd type="none" w="sm" len="sm"/>
-                <a:tailEnd type="none" w="sm" len="sm"/>
-              </a:ln>
-              <a:effectLst/>
-            </p:spPr>
-          </p:cxnSp>
-          <p:sp>
-            <p:nvSpPr>
-              <p:cNvPr id="429063" name="Oval 429062">
-                <a:extLst>
-                  <a:ext uri="{FF2B5EF4-FFF2-40B4-BE49-F238E27FC236}">
-                    <a16:creationId xmlns:a16="http://schemas.microsoft.com/office/drawing/2014/main" id="{5B334749-9923-7638-D0FA-50B6CABA228F}"/>
-                  </a:ext>
-                </a:extLst>
-              </p:cNvPr>
-              <p:cNvSpPr/>
-              <p:nvPr/>
-            </p:nvSpPr>
-            <p:spPr bwMode="auto">
-              <a:xfrm>
-                <a:off x="5787274" y="1969667"/>
-                <a:ext cx="216284" cy="216284"/>
-              </a:xfrm>
-              <a:prstGeom prst="ellipse">
-                <a:avLst/>
-              </a:prstGeom>
-              <a:solidFill>
-                <a:srgbClr val="CCFFCC"/>
-              </a:solidFill>
-              <a:ln w="12700" cap="flat" cmpd="sng" algn="ctr">
-                <a:solidFill>
-                  <a:schemeClr val="tx1"/>
-                </a:solidFill>
-                <a:prstDash val="solid"/>
-                <a:round/>
-                <a:headEnd type="none" w="sm" len="sm"/>
-                <a:tailEnd type="none" w="sm" len="sm"/>
-              </a:ln>
-              <a:effectLst/>
-            </p:spPr>
-            <p:txBody>
-              <a:bodyPr vert="horz" wrap="square" lIns="91440" tIns="45720" rIns="91440" bIns="45720" numCol="1" rtlCol="0" anchor="ctr" anchorCtr="0" compatLnSpc="1">
-                <a:prstTxWarp prst="textNoShape">
-                  <a:avLst/>
-                </a:prstTxWarp>
-              </a:bodyPr>
-              <a:lstStyle/>
-              <a:p>
-                <a:pPr marL="0" marR="0" indent="0" algn="ctr" defTabSz="914400" rtl="0" eaLnBrk="0" fontAlgn="base" latinLnBrk="0" hangingPunct="0">
-                  <a:lnSpc>
-                    <a:spcPct val="100000"/>
-                  </a:lnSpc>
-                  <a:spcBef>
-                    <a:spcPct val="0"/>
-                  </a:spcBef>
-                  <a:spcAft>
-                    <a:spcPct val="0"/>
-                  </a:spcAft>
-                  <a:buClrTx/>
-                  <a:buSzTx/>
-                  <a:buFontTx/>
-                  <a:buNone/>
-                  <a:tabLst/>
-                </a:pPr>
-                <a:r>
-                  <a:rPr kumimoji="0" lang="en-US" sz="1200" b="0" i="1" u="none" strike="noStrike" cap="none" normalizeH="0" baseline="0" dirty="0">
-                    <a:ln>
-                      <a:noFill/>
-                    </a:ln>
-                    <a:solidFill>
-                      <a:schemeClr val="tx2"/>
-                    </a:solidFill>
-                    <a:effectLst/>
-                    <a:latin typeface="Verdana" panose="020B0604030504040204" pitchFamily="34" charset="0"/>
-                    <a:ea typeface="Verdana" panose="020B0604030504040204" pitchFamily="34" charset="0"/>
-                    <a:cs typeface="Verdana" panose="020B0604030504040204" pitchFamily="34" charset="0"/>
-                  </a:rPr>
-                  <a:t>e</a:t>
-                </a:r>
-              </a:p>
-            </p:txBody>
-          </p:sp>
-          <p:sp>
-            <p:nvSpPr>
-              <p:cNvPr id="429064" name="Oval 429063">
-                <a:extLst>
-                  <a:ext uri="{FF2B5EF4-FFF2-40B4-BE49-F238E27FC236}">
-                    <a16:creationId xmlns:a16="http://schemas.microsoft.com/office/drawing/2014/main" id="{746C4D02-EBCA-8A27-9788-F5CFDD3CBFC5}"/>
-                  </a:ext>
-                </a:extLst>
-              </p:cNvPr>
-              <p:cNvSpPr/>
-              <p:nvPr/>
-            </p:nvSpPr>
-            <p:spPr bwMode="auto">
-              <a:xfrm>
-                <a:off x="6539038" y="2641420"/>
-                <a:ext cx="216284" cy="216284"/>
-              </a:xfrm>
-              <a:prstGeom prst="ellipse">
-                <a:avLst/>
-              </a:prstGeom>
-              <a:solidFill>
-                <a:srgbClr val="CCFFCC"/>
-              </a:solidFill>
-              <a:ln w="12700" cap="flat" cmpd="sng" algn="ctr">
-                <a:solidFill>
-                  <a:schemeClr val="tx1"/>
-                </a:solidFill>
-                <a:prstDash val="solid"/>
-                <a:round/>
-                <a:headEnd type="none" w="sm" len="sm"/>
-                <a:tailEnd type="none" w="sm" len="sm"/>
-              </a:ln>
-              <a:effectLst/>
-            </p:spPr>
-            <p:txBody>
-              <a:bodyPr vert="horz" wrap="square" lIns="91440" tIns="45720" rIns="91440" bIns="45720" numCol="1" rtlCol="0" anchor="ctr" anchorCtr="0" compatLnSpc="1">
-                <a:prstTxWarp prst="textNoShape">
-                  <a:avLst/>
-                </a:prstTxWarp>
-              </a:bodyPr>
-              <a:lstStyle/>
-              <a:p>
-                <a:pPr marL="0" marR="0" indent="0" algn="ctr" defTabSz="914400" rtl="0" eaLnBrk="0" fontAlgn="base" latinLnBrk="0" hangingPunct="0">
-                  <a:lnSpc>
-                    <a:spcPct val="100000"/>
-                  </a:lnSpc>
-                  <a:spcBef>
-                    <a:spcPct val="0"/>
-                  </a:spcBef>
-                  <a:spcAft>
-                    <a:spcPct val="0"/>
-                  </a:spcAft>
-                  <a:buClrTx/>
-                  <a:buSzTx/>
-                  <a:buFontTx/>
-                  <a:buNone/>
-                  <a:tabLst/>
-                </a:pPr>
-                <a:r>
-                  <a:rPr kumimoji="0" lang="en-US" sz="1200" b="0" i="1" u="none" strike="noStrike" cap="none" normalizeH="0" baseline="0" dirty="0">
-                    <a:ln>
-                      <a:noFill/>
-                    </a:ln>
-                    <a:solidFill>
-                      <a:schemeClr val="tx2"/>
-                    </a:solidFill>
-                    <a:effectLst/>
-                    <a:latin typeface="Verdana" panose="020B0604030504040204" pitchFamily="34" charset="0"/>
-                    <a:ea typeface="Verdana" panose="020B0604030504040204" pitchFamily="34" charset="0"/>
-                    <a:cs typeface="Verdana" panose="020B0604030504040204" pitchFamily="34" charset="0"/>
-                  </a:rPr>
-                  <a:t>h</a:t>
-                </a:r>
-              </a:p>
-            </p:txBody>
-          </p:sp>
-          <p:cxnSp>
-            <p:nvCxnSpPr>
-              <p:cNvPr id="429065" name="Straight Connector 429064">
-                <a:extLst>
-                  <a:ext uri="{FF2B5EF4-FFF2-40B4-BE49-F238E27FC236}">
-                    <a16:creationId xmlns:a16="http://schemas.microsoft.com/office/drawing/2014/main" id="{FEB33889-C0C0-6421-821E-B6860B702208}"/>
-                  </a:ext>
-                </a:extLst>
-              </p:cNvPr>
-              <p:cNvCxnSpPr>
-                <a:cxnSpLocks/>
-                <a:stCxn id="58" idx="6"/>
-                <a:endCxn id="57" idx="2"/>
-              </p:cNvCxnSpPr>
-              <p:nvPr/>
-            </p:nvCxnSpPr>
-            <p:spPr bwMode="auto">
-              <a:xfrm>
-                <a:off x="5312371" y="1718571"/>
-                <a:ext cx="1229862" cy="0"/>
-              </a:xfrm>
-              <a:prstGeom prst="line">
-                <a:avLst/>
-              </a:prstGeom>
-              <a:solidFill>
-                <a:schemeClr val="accent1"/>
-              </a:solidFill>
-              <a:ln w="44450" cap="flat" cmpd="sng" algn="ctr">
-                <a:solidFill>
-                  <a:srgbClr val="0070C0"/>
-                </a:solidFill>
-                <a:prstDash val="solid"/>
-                <a:round/>
-                <a:headEnd type="none" w="sm" len="sm"/>
-                <a:tailEnd type="none" w="sm" len="sm"/>
-              </a:ln>
-              <a:effectLst/>
-            </p:spPr>
-          </p:cxnSp>
-          <p:sp>
-            <p:nvSpPr>
-              <p:cNvPr id="429091" name="Text Box 59">
-                <a:extLst>
-                  <a:ext uri="{FF2B5EF4-FFF2-40B4-BE49-F238E27FC236}">
-                    <a16:creationId xmlns:a16="http://schemas.microsoft.com/office/drawing/2014/main" id="{B93DFC3C-2DE5-0F19-2B53-4175C17DDEAB}"/>
-                  </a:ext>
-                </a:extLst>
-              </p:cNvPr>
-              <p:cNvSpPr txBox="1">
-                <a:spLocks noChangeArrowheads="1"/>
-              </p:cNvSpPr>
-              <p:nvPr/>
-            </p:nvSpPr>
-            <p:spPr bwMode="auto">
-              <a:xfrm>
-                <a:off x="4169500" y="2110536"/>
-                <a:ext cx="240450" cy="246221"/>
-              </a:xfrm>
-              <a:prstGeom prst="rect">
-                <a:avLst/>
-              </a:prstGeom>
-              <a:noFill/>
-              <a:ln w="12700">
-                <a:noFill/>
-                <a:miter lim="800000"/>
-                <a:headEnd type="none" w="sm" len="sm"/>
-                <a:tailEnd type="none" w="sm" len="sm"/>
-              </a:ln>
-              <a:effectLst/>
-            </p:spPr>
-            <p:txBody>
-              <a:bodyPr wrap="none" lIns="0" tIns="0" rIns="0" bIns="0" anchor="ctr" anchorCtr="1">
-                <a:spAutoFit/>
-              </a:bodyPr>
-              <a:lstStyle/>
-              <a:p>
-                <a:pPr algn="l">
-                  <a:spcBef>
-                    <a:spcPct val="50000"/>
-                  </a:spcBef>
-                </a:pPr>
-                <a:r>
-                  <a:rPr lang="en-US" i="1" dirty="0">
-                    <a:latin typeface="+mn-lt"/>
-                  </a:rPr>
-                  <a:t>H</a:t>
-                </a:r>
-                <a:r>
-                  <a:rPr lang="en-US" baseline="-25000" dirty="0">
-                    <a:latin typeface="+mn-lt"/>
-                  </a:rPr>
-                  <a:t>1</a:t>
-                </a:r>
-              </a:p>
-            </p:txBody>
-          </p:sp>
-          <p:sp>
-            <p:nvSpPr>
-              <p:cNvPr id="429092" name="Text Box 59">
-                <a:extLst>
-                  <a:ext uri="{FF2B5EF4-FFF2-40B4-BE49-F238E27FC236}">
-                    <a16:creationId xmlns:a16="http://schemas.microsoft.com/office/drawing/2014/main" id="{F676590C-D42F-EF3A-8FFD-A32F12F665EE}"/>
-                  </a:ext>
-                </a:extLst>
-              </p:cNvPr>
-              <p:cNvSpPr txBox="1">
-                <a:spLocks noChangeArrowheads="1"/>
-              </p:cNvSpPr>
-              <p:nvPr/>
-            </p:nvSpPr>
-            <p:spPr bwMode="auto">
-              <a:xfrm>
-                <a:off x="5306984" y="2110536"/>
-                <a:ext cx="240450" cy="246221"/>
-              </a:xfrm>
-              <a:prstGeom prst="rect">
-                <a:avLst/>
-              </a:prstGeom>
-              <a:noFill/>
-              <a:ln w="12700">
-                <a:noFill/>
-                <a:miter lim="800000"/>
-                <a:headEnd type="none" w="sm" len="sm"/>
-                <a:tailEnd type="none" w="sm" len="sm"/>
-              </a:ln>
-              <a:effectLst/>
-            </p:spPr>
-            <p:txBody>
-              <a:bodyPr wrap="none" lIns="0" tIns="0" rIns="0" bIns="0" anchor="ctr" anchorCtr="1">
-                <a:spAutoFit/>
-              </a:bodyPr>
-              <a:lstStyle/>
-              <a:p>
-                <a:pPr algn="l">
-                  <a:spcBef>
-                    <a:spcPct val="50000"/>
-                  </a:spcBef>
-                </a:pPr>
-                <a:r>
-                  <a:rPr lang="en-US" i="1" dirty="0">
-                    <a:latin typeface="+mn-lt"/>
-                  </a:rPr>
-                  <a:t>H</a:t>
-                </a:r>
-                <a:r>
-                  <a:rPr lang="en-US" baseline="-25000" dirty="0">
-                    <a:latin typeface="+mn-lt"/>
-                  </a:rPr>
-                  <a:t>2</a:t>
-                </a:r>
-              </a:p>
-            </p:txBody>
-          </p:sp>
-        </p:grpSp>
-        <p:sp>
-          <p:nvSpPr>
-            <p:cNvPr id="429093" name="Right Arrow 429092">
-              <a:extLst>
-                <a:ext uri="{FF2B5EF4-FFF2-40B4-BE49-F238E27FC236}">
-                  <a16:creationId xmlns:a16="http://schemas.microsoft.com/office/drawing/2014/main" id="{10ACD51F-47D1-3FF9-9215-4BDD1D8F5A3A}"/>
-                </a:ext>
-              </a:extLst>
-            </p:cNvPr>
-            <p:cNvSpPr/>
-            <p:nvPr/>
-          </p:nvSpPr>
-          <p:spPr bwMode="auto">
-            <a:xfrm>
-              <a:off x="6880874" y="2099005"/>
-              <a:ext cx="424543" cy="250372"/>
-            </a:xfrm>
-            <a:prstGeom prst="rightArrow">
-              <a:avLst/>
-            </a:prstGeom>
-            <a:solidFill>
-              <a:schemeClr val="accent1"/>
-            </a:solidFill>
-            <a:ln w="12700" cap="flat" cmpd="sng" algn="ctr">
-              <a:solidFill>
-                <a:schemeClr val="tx1"/>
-              </a:solidFill>
-              <a:prstDash val="solid"/>
-              <a:round/>
-              <a:headEnd type="none" w="sm" len="sm"/>
-              <a:tailEnd type="none" w="sm" len="sm"/>
-            </a:ln>
-            <a:effectLst/>
-          </p:spPr>
-          <p:txBody>
-            <a:bodyPr vert="horz" wrap="square" lIns="91440" tIns="45720" rIns="91440" bIns="45720" numCol="1" rtlCol="0" anchor="t" anchorCtr="0" compatLnSpc="1">
-              <a:prstTxWarp prst="textNoShape">
-                <a:avLst/>
-              </a:prstTxWarp>
-            </a:bodyPr>
-            <a:lstStyle/>
-            <a:p>
-              <a:pPr marL="0" marR="0" indent="0" algn="l" defTabSz="914400" rtl="0" eaLnBrk="0" fontAlgn="base" latinLnBrk="0" hangingPunct="0">
-                <a:lnSpc>
-                  <a:spcPct val="100000"/>
-                </a:lnSpc>
-                <a:spcBef>
-                  <a:spcPct val="0"/>
-                </a:spcBef>
-                <a:spcAft>
-                  <a:spcPct val="0"/>
-                </a:spcAft>
-                <a:buClrTx/>
-                <a:buSzTx/>
-                <a:buFontTx/>
-                <a:buNone/>
-                <a:tabLst/>
-              </a:pPr>
-              <a:endParaRPr kumimoji="0" lang="en-US" sz="1600" b="0" i="0" u="none" strike="noStrike" cap="none" normalizeH="0" baseline="0">
-                <a:ln>
-                  <a:noFill/>
-                </a:ln>
-                <a:solidFill>
-                  <a:schemeClr val="tx2"/>
-                </a:solidFill>
-                <a:effectLst/>
-                <a:latin typeface="Book Antiqua" pitchFamily="18" charset="0"/>
-              </a:endParaRPr>
-            </a:p>
-          </p:txBody>
-        </p:sp>
-      </p:grpSp>
-    </p:spTree>
-    <p:extLst>
-      <p:ext uri="{BB962C8B-B14F-4D97-AF65-F5344CB8AC3E}">
-        <p14:creationId xmlns:p14="http://schemas.microsoft.com/office/powerpoint/2010/main" val="3359654132"/>
-      </p:ext>
-    </p:extLst>
-  </p:cSld>
-  <p:clrMapOvr>
-    <a:masterClrMapping/>
-  </p:clrMapOvr>
-  <p:transition/>
-</p:sld>
-</file>
-
-<file path=ppt/slides/slide4.xml><?xml version="1.0" encoding="utf-8"?>
-<p:sld xmlns:a="http://schemas.openxmlformats.org/drawingml/2006/main" xmlns:r="http://schemas.openxmlformats.org/officeDocument/2006/relationships" xmlns:p="http://schemas.openxmlformats.org/presentationml/2006/main" showMasterPhAnim="0">
-  <p:cSld>
-    <p:spTree>
-      <p:nvGrpSpPr>
-        <p:cNvPr id="1" name=""/>
-        <p:cNvGrpSpPr/>
-        <p:nvPr/>
-      </p:nvGrpSpPr>
-      <p:grpSpPr>
-        <a:xfrm>
-          <a:off x="0" y="0"/>
-          <a:ext cx="0" cy="0"/>
-          <a:chOff x="0" y="0"/>
-          <a:chExt cx="0" cy="0"/>
-        </a:xfrm>
-      </p:grpSpPr>
-      <p:sp>
-        <p:nvSpPr>
-          <p:cNvPr id="429058" name="Rectangle 2"/>
-          <p:cNvSpPr>
-            <a:spLocks noGrp="1" noChangeArrowheads="1"/>
-          </p:cNvSpPr>
-          <p:nvPr>
-            <p:ph type="title"/>
-          </p:nvPr>
-        </p:nvSpPr>
-        <p:spPr/>
-        <p:txBody>
-          <a:bodyPr/>
-          <a:lstStyle/>
-          <a:p>
-            <a:r>
-              <a:rPr lang="en-US" dirty="0" err="1"/>
               <a:t>gabow</a:t>
             </a:r>
             <a:endParaRPr lang="en-US" dirty="0"/>
@@ -25415,7 +21626,7 @@
 </p:sld>
 </file>
 
-<file path=ppt/slides/slide5.xml><?xml version="1.0" encoding="utf-8"?>
+<file path=ppt/slides/slide4.xml><?xml version="1.0" encoding="utf-8"?>
 <p:sld xmlns:a="http://schemas.openxmlformats.org/drawingml/2006/main" xmlns:r="http://schemas.openxmlformats.org/officeDocument/2006/relationships" xmlns:p="http://schemas.openxmlformats.org/presentationml/2006/main" showMasterPhAnim="0">
   <p:cSld>
     <p:spTree>
@@ -31203,7 +27414,7 @@
 </p:sld>
 </file>
 
-<file path=ppt/slides/slide6.xml><?xml version="1.0" encoding="utf-8"?>
+<file path=ppt/slides/slide5.xml><?xml version="1.0" encoding="utf-8"?>
 <p:sld xmlns:a="http://schemas.openxmlformats.org/drawingml/2006/main" xmlns:r="http://schemas.openxmlformats.org/officeDocument/2006/relationships" xmlns:p="http://schemas.openxmlformats.org/presentationml/2006/main" showMasterPhAnim="0">
   <p:cSld>
     <p:spTree>
